--- a/presentation.pptx
+++ b/presentation.pptx
@@ -670,13 +670,13 @@
   </pc:docChgLst>
   <pc:docChgLst>
     <pc:chgData name="大祐 近藤" userId="d7b9c57dec2cb7b2" providerId="LiveId" clId="{5E47485F-D665-4A47-BA3A-70732FEBCFE8}"/>
-    <pc:docChg chg="modSld">
-      <pc:chgData name="大祐 近藤" userId="d7b9c57dec2cb7b2" providerId="LiveId" clId="{5E47485F-D665-4A47-BA3A-70732FEBCFE8}" dt="2022-01-30T00:29:54.216" v="16" actId="1076"/>
+    <pc:docChg chg="custSel modSld">
+      <pc:chgData name="大祐 近藤" userId="d7b9c57dec2cb7b2" providerId="LiveId" clId="{5E47485F-D665-4A47-BA3A-70732FEBCFE8}" dt="2022-01-30T03:01:26.650" v="132" actId="20577"/>
       <pc:docMkLst>
         <pc:docMk/>
       </pc:docMkLst>
       <pc:sldChg chg="modSp mod">
-        <pc:chgData name="大祐 近藤" userId="d7b9c57dec2cb7b2" providerId="LiveId" clId="{5E47485F-D665-4A47-BA3A-70732FEBCFE8}" dt="2022-01-30T00:29:54.216" v="16" actId="1076"/>
+        <pc:chgData name="大祐 近藤" userId="d7b9c57dec2cb7b2" providerId="LiveId" clId="{5E47485F-D665-4A47-BA3A-70732FEBCFE8}" dt="2022-01-30T03:01:17.696" v="99" actId="20577"/>
         <pc:sldMkLst>
           <pc:docMk/>
           <pc:sldMk cId="10850041" sldId="262"/>
@@ -689,19 +689,106 @@
             <ac:spMk id="17" creationId="{CAB107E9-3CDD-436A-B689-7C6AB571EF46}"/>
           </ac:spMkLst>
         </pc:spChg>
+        <pc:spChg chg="mod">
+          <ac:chgData name="大祐 近藤" userId="d7b9c57dec2cb7b2" providerId="LiveId" clId="{5E47485F-D665-4A47-BA3A-70732FEBCFE8}" dt="2022-01-30T03:01:17.696" v="99" actId="20577"/>
+          <ac:spMkLst>
+            <pc:docMk/>
+            <pc:sldMk cId="10850041" sldId="262"/>
+            <ac:spMk id="469" creationId="{00000000-0000-0000-0000-000000000000}"/>
+          </ac:spMkLst>
+        </pc:spChg>
       </pc:sldChg>
       <pc:sldChg chg="modSp mod">
-        <pc:chgData name="大祐 近藤" userId="d7b9c57dec2cb7b2" providerId="LiveId" clId="{5E47485F-D665-4A47-BA3A-70732FEBCFE8}" dt="2022-01-30T00:27:46.873" v="12" actId="20577"/>
+        <pc:chgData name="大祐 近藤" userId="d7b9c57dec2cb7b2" providerId="LiveId" clId="{5E47485F-D665-4A47-BA3A-70732FEBCFE8}" dt="2022-01-30T03:01:26.650" v="132" actId="20577"/>
+        <pc:sldMkLst>
+          <pc:docMk/>
+          <pc:sldMk cId="2143537473" sldId="264"/>
+        </pc:sldMkLst>
+        <pc:spChg chg="mod">
+          <ac:chgData name="大祐 近藤" userId="d7b9c57dec2cb7b2" providerId="LiveId" clId="{5E47485F-D665-4A47-BA3A-70732FEBCFE8}" dt="2022-01-30T03:01:26.650" v="132" actId="20577"/>
+          <ac:spMkLst>
+            <pc:docMk/>
+            <pc:sldMk cId="2143537473" sldId="264"/>
+            <ac:spMk id="469" creationId="{00000000-0000-0000-0000-000000000000}"/>
+          </ac:spMkLst>
+        </pc:spChg>
+      </pc:sldChg>
+      <pc:sldChg chg="delSp modSp mod">
+        <pc:chgData name="大祐 近藤" userId="d7b9c57dec2cb7b2" providerId="LiveId" clId="{5E47485F-D665-4A47-BA3A-70732FEBCFE8}" dt="2022-01-30T03:01:06.136" v="57" actId="1036"/>
         <pc:sldMkLst>
           <pc:docMk/>
           <pc:sldMk cId="470266980" sldId="266"/>
         </pc:sldMkLst>
         <pc:spChg chg="mod">
-          <ac:chgData name="大祐 近藤" userId="d7b9c57dec2cb7b2" providerId="LiveId" clId="{5E47485F-D665-4A47-BA3A-70732FEBCFE8}" dt="2022-01-30T00:27:46.873" v="12" actId="20577"/>
+          <ac:chgData name="大祐 近藤" userId="d7b9c57dec2cb7b2" providerId="LiveId" clId="{5E47485F-D665-4A47-BA3A-70732FEBCFE8}" dt="2022-01-30T03:01:06.136" v="57" actId="1036"/>
+          <ac:spMkLst>
+            <pc:docMk/>
+            <pc:sldMk cId="470266980" sldId="266"/>
+            <ac:spMk id="10" creationId="{E98340E1-73D3-4E5F-9CAB-3521FD421169}"/>
+          </ac:spMkLst>
+        </pc:spChg>
+        <pc:spChg chg="mod">
+          <ac:chgData name="大祐 近藤" userId="d7b9c57dec2cb7b2" providerId="LiveId" clId="{5E47485F-D665-4A47-BA3A-70732FEBCFE8}" dt="2022-01-30T03:01:06.136" v="57" actId="1036"/>
+          <ac:spMkLst>
+            <pc:docMk/>
+            <pc:sldMk cId="470266980" sldId="266"/>
+            <ac:spMk id="11" creationId="{2904429C-6C25-40C8-A3D5-DB6E9FD56C8F}"/>
+          </ac:spMkLst>
+        </pc:spChg>
+        <pc:spChg chg="mod">
+          <ac:chgData name="大祐 近藤" userId="d7b9c57dec2cb7b2" providerId="LiveId" clId="{5E47485F-D665-4A47-BA3A-70732FEBCFE8}" dt="2022-01-30T03:01:06.136" v="57" actId="1036"/>
+          <ac:spMkLst>
+            <pc:docMk/>
+            <pc:sldMk cId="470266980" sldId="266"/>
+            <ac:spMk id="12" creationId="{3E56FB91-2AF9-4B1C-9808-2B9DFB1F3258}"/>
+          </ac:spMkLst>
+        </pc:spChg>
+        <pc:spChg chg="del mod">
+          <ac:chgData name="大祐 近藤" userId="d7b9c57dec2cb7b2" providerId="LiveId" clId="{5E47485F-D665-4A47-BA3A-70732FEBCFE8}" dt="2022-01-30T03:00:53.465" v="44" actId="478"/>
           <ac:spMkLst>
             <pc:docMk/>
             <pc:sldMk cId="470266980" sldId="266"/>
             <ac:spMk id="13" creationId="{D852F260-0B90-4EE6-B59F-4205055E1F0F}"/>
+          </ac:spMkLst>
+        </pc:spChg>
+        <pc:spChg chg="mod">
+          <ac:chgData name="大祐 近藤" userId="d7b9c57dec2cb7b2" providerId="LiveId" clId="{5E47485F-D665-4A47-BA3A-70732FEBCFE8}" dt="2022-01-30T03:01:06.136" v="57" actId="1036"/>
+          <ac:spMkLst>
+            <pc:docMk/>
+            <pc:sldMk cId="470266980" sldId="266"/>
+            <ac:spMk id="15" creationId="{D02F0F84-4DD7-4086-9ECA-28CA07904733}"/>
+          </ac:spMkLst>
+        </pc:spChg>
+        <pc:spChg chg="mod">
+          <ac:chgData name="大祐 近藤" userId="d7b9c57dec2cb7b2" providerId="LiveId" clId="{5E47485F-D665-4A47-BA3A-70732FEBCFE8}" dt="2022-01-30T03:01:06.136" v="57" actId="1036"/>
+          <ac:spMkLst>
+            <pc:docMk/>
+            <pc:sldMk cId="470266980" sldId="266"/>
+            <ac:spMk id="43" creationId="{5BC01E89-B6DF-4455-9CAD-4A78849424FC}"/>
+          </ac:spMkLst>
+        </pc:spChg>
+        <pc:spChg chg="mod">
+          <ac:chgData name="大祐 近藤" userId="d7b9c57dec2cb7b2" providerId="LiveId" clId="{5E47485F-D665-4A47-BA3A-70732FEBCFE8}" dt="2022-01-30T03:01:06.136" v="57" actId="1036"/>
+          <ac:spMkLst>
+            <pc:docMk/>
+            <pc:sldMk cId="470266980" sldId="266"/>
+            <ac:spMk id="45" creationId="{87E73357-0CAD-4820-BBDD-726960FD189E}"/>
+          </ac:spMkLst>
+        </pc:spChg>
+        <pc:spChg chg="mod">
+          <ac:chgData name="大祐 近藤" userId="d7b9c57dec2cb7b2" providerId="LiveId" clId="{5E47485F-D665-4A47-BA3A-70732FEBCFE8}" dt="2022-01-30T03:01:06.136" v="57" actId="1036"/>
+          <ac:spMkLst>
+            <pc:docMk/>
+            <pc:sldMk cId="470266980" sldId="266"/>
+            <ac:spMk id="46" creationId="{336F7216-29E7-46E9-BB69-AC776F2D235D}"/>
+          </ac:spMkLst>
+        </pc:spChg>
+        <pc:spChg chg="mod">
+          <ac:chgData name="大祐 近藤" userId="d7b9c57dec2cb7b2" providerId="LiveId" clId="{5E47485F-D665-4A47-BA3A-70732FEBCFE8}" dt="2022-01-30T03:00:49.984" v="43" actId="20577"/>
+          <ac:spMkLst>
+            <pc:docMk/>
+            <pc:sldMk cId="470266980" sldId="266"/>
+            <ac:spMk id="469" creationId="{00000000-0000-0000-0000-000000000000}"/>
           </ac:spMkLst>
         </pc:spChg>
       </pc:sldChg>
@@ -8009,7 +8096,7 @@
                 <a:latin typeface="Meiryo UI" panose="020B0604030504040204" pitchFamily="50" charset="-128"/>
                 <a:ea typeface="Meiryo UI" panose="020B0604030504040204" pitchFamily="50" charset="-128"/>
               </a:rPr>
-              <a:t>問題の説明</a:t>
+              <a:t>作りたい関数</a:t>
             </a:r>
             <a:endParaRPr sz="2800" b="0" spc="600" dirty="0">
               <a:latin typeface="Meiryo UI" panose="020B0604030504040204" pitchFamily="50" charset="-128"/>
@@ -8074,7 +8161,7 @@
         </p:nvSpPr>
         <p:spPr>
           <a:xfrm>
-            <a:off x="556375" y="664988"/>
+            <a:off x="556375" y="787932"/>
             <a:ext cx="8378397" cy="3417096"/>
           </a:xfrm>
           <a:prstGeom prst="rect">
@@ -8312,7 +8399,7 @@
         </p:nvSpPr>
         <p:spPr>
           <a:xfrm>
-            <a:off x="2525126" y="796721"/>
+            <a:off x="2525126" y="919665"/>
             <a:ext cx="325857" cy="715800"/>
           </a:xfrm>
           <a:prstGeom prst="rect">
@@ -8386,7 +8473,7 @@
         </p:nvSpPr>
         <p:spPr>
           <a:xfrm>
-            <a:off x="2896637" y="796721"/>
+            <a:off x="2896637" y="919665"/>
             <a:ext cx="325857" cy="715800"/>
           </a:xfrm>
           <a:prstGeom prst="rect">
@@ -8460,7 +8547,7 @@
         </p:nvSpPr>
         <p:spPr>
           <a:xfrm>
-            <a:off x="4514975" y="2238623"/>
+            <a:off x="4514975" y="2361567"/>
             <a:ext cx="677231" cy="483325"/>
           </a:xfrm>
           <a:prstGeom prst="rect">
@@ -8556,7 +8643,7 @@
         </p:nvSpPr>
         <p:spPr>
           <a:xfrm>
-            <a:off x="4082534" y="2857906"/>
+            <a:off x="4082534" y="2980850"/>
             <a:ext cx="1542112" cy="1324462"/>
           </a:xfrm>
           <a:prstGeom prst="rect">
@@ -8654,113 +8741,6 @@
       </p:sp>
       <p:sp>
         <p:nvSpPr>
-          <p:cNvPr id="13" name="正方形/長方形 12">
-            <a:extLst>
-              <a:ext uri="{FF2B5EF4-FFF2-40B4-BE49-F238E27FC236}">
-                <a16:creationId xmlns:a16="http://schemas.microsoft.com/office/drawing/2014/main" id="{D852F260-0B90-4EE6-B59F-4205055E1F0F}"/>
-              </a:ext>
-            </a:extLst>
-          </p:cNvPr>
-          <p:cNvSpPr/>
-          <p:nvPr/>
-        </p:nvSpPr>
-        <p:spPr>
-          <a:xfrm>
-            <a:off x="1073700" y="4083242"/>
-            <a:ext cx="6996600" cy="373572"/>
-          </a:xfrm>
-          <a:prstGeom prst="rect">
-            <a:avLst/>
-          </a:prstGeom>
-          <a:solidFill>
-            <a:schemeClr val="accent5">
-              <a:lumMod val="20000"/>
-              <a:lumOff val="80000"/>
-            </a:schemeClr>
-          </a:solidFill>
-          <a:ln>
-            <a:noFill/>
-          </a:ln>
-        </p:spPr>
-        <p:style>
-          <a:lnRef idx="2">
-            <a:schemeClr val="accent1">
-              <a:shade val="50000"/>
-            </a:schemeClr>
-          </a:lnRef>
-          <a:fillRef idx="1">
-            <a:schemeClr val="accent1"/>
-          </a:fillRef>
-          <a:effectRef idx="0">
-            <a:schemeClr val="accent1"/>
-          </a:effectRef>
-          <a:fontRef idx="minor">
-            <a:schemeClr val="lt1"/>
-          </a:fontRef>
-        </p:style>
-        <p:txBody>
-          <a:bodyPr rtlCol="0" anchor="b"/>
-          <a:lstStyle/>
-          <a:p>
-            <a:pPr algn="ctr">
-              <a:lnSpc>
-                <a:spcPct val="150000"/>
-              </a:lnSpc>
-            </a:pPr>
-            <a:r>
-              <a:rPr kumimoji="1" lang="ja-JP" altLang="en-US" sz="1600" b="1" dirty="0">
-                <a:solidFill>
-                  <a:schemeClr val="tx1">
-                    <a:lumMod val="85000"/>
-                    <a:lumOff val="15000"/>
-                  </a:schemeClr>
-                </a:solidFill>
-                <a:latin typeface="Meiryo UI" panose="020B0604030504040204" pitchFamily="50" charset="-128"/>
-                <a:ea typeface="Meiryo UI" panose="020B0604030504040204" pitchFamily="50" charset="-128"/>
-              </a:rPr>
-              <a:t>関数</a:t>
-            </a:r>
-            <a:r>
-              <a:rPr kumimoji="1" lang="en-US" altLang="ja-JP" sz="1600" b="1" dirty="0" err="1">
-                <a:solidFill>
-                  <a:schemeClr val="tx1">
-                    <a:lumMod val="85000"/>
-                    <a:lumOff val="15000"/>
-                  </a:schemeClr>
-                </a:solidFill>
-                <a:latin typeface="Meiryo UI" panose="020B0604030504040204" pitchFamily="50" charset="-128"/>
-                <a:ea typeface="Meiryo UI" panose="020B0604030504040204" pitchFamily="50" charset="-128"/>
-              </a:rPr>
-              <a:t>christmasTree</a:t>
-            </a:r>
-            <a:r>
-              <a:rPr kumimoji="1" lang="ja-JP" altLang="en-US" sz="1600" b="1" dirty="0">
-                <a:solidFill>
-                  <a:schemeClr val="tx1">
-                    <a:lumMod val="85000"/>
-                    <a:lumOff val="15000"/>
-                  </a:schemeClr>
-                </a:solidFill>
-                <a:latin typeface="Meiryo UI" panose="020B0604030504040204" pitchFamily="50" charset="-128"/>
-                <a:ea typeface="Meiryo UI" panose="020B0604030504040204" pitchFamily="50" charset="-128"/>
-              </a:rPr>
-              <a:t>を定義する</a:t>
-            </a:r>
-            <a:endParaRPr kumimoji="1" lang="en-US" altLang="ja-JP" sz="1600" b="1" dirty="0">
-              <a:solidFill>
-                <a:schemeClr val="tx1">
-                  <a:lumMod val="85000"/>
-                  <a:lumOff val="15000"/>
-                </a:schemeClr>
-              </a:solidFill>
-              <a:latin typeface="Meiryo UI" panose="020B0604030504040204" pitchFamily="50" charset="-128"/>
-              <a:ea typeface="Meiryo UI" panose="020B0604030504040204" pitchFamily="50" charset="-128"/>
-            </a:endParaRPr>
-          </a:p>
-        </p:txBody>
-      </p:sp>
-      <p:sp>
-        <p:nvSpPr>
           <p:cNvPr id="12" name="正方形/長方形 11">
             <a:extLst>
               <a:ext uri="{FF2B5EF4-FFF2-40B4-BE49-F238E27FC236}">
@@ -8773,7 +8753,7 @@
         </p:nvSpPr>
         <p:spPr>
           <a:xfrm>
-            <a:off x="4690661" y="796721"/>
+            <a:off x="4690661" y="919665"/>
             <a:ext cx="325857" cy="715800"/>
           </a:xfrm>
           <a:prstGeom prst="rect">
@@ -8847,7 +8827,7 @@
         </p:nvSpPr>
         <p:spPr>
           <a:xfrm>
-            <a:off x="6910942" y="1835701"/>
+            <a:off x="6910942" y="1958645"/>
             <a:ext cx="507600" cy="506437"/>
           </a:xfrm>
           <a:prstGeom prst="wedgeEllipseCallout">
@@ -8963,7 +8943,7 @@
                 <a:latin typeface="Meiryo UI" panose="020B0604030504040204" pitchFamily="50" charset="-128"/>
                 <a:ea typeface="Meiryo UI" panose="020B0604030504040204" pitchFamily="50" charset="-128"/>
               </a:rPr>
-              <a:t>問題の解法</a:t>
+              <a:t>関数の作り方</a:t>
             </a:r>
             <a:endParaRPr sz="2800" b="0" spc="600" dirty="0">
               <a:latin typeface="Meiryo UI" panose="020B0604030504040204" pitchFamily="50" charset="-128"/>
@@ -12330,7 +12310,7 @@
                 <a:latin typeface="Meiryo UI" panose="020B0604030504040204" pitchFamily="50" charset="-128"/>
                 <a:ea typeface="Meiryo UI" panose="020B0604030504040204" pitchFamily="50" charset="-128"/>
               </a:rPr>
-              <a:t>問題の解法</a:t>
+              <a:t>関数の作り方</a:t>
             </a:r>
             <a:endParaRPr sz="2800" b="0" spc="600" dirty="0">
               <a:latin typeface="Meiryo UI" panose="020B0604030504040204" pitchFamily="50" charset="-128"/>

--- a/presentation.pptx
+++ b/presentation.pptx
@@ -9,7 +9,7 @@
   </p:notesMasterIdLst>
   <p:sldIdLst>
     <p:sldId id="256" r:id="rId2"/>
-    <p:sldId id="266" r:id="rId3"/>
+    <p:sldId id="267" r:id="rId3"/>
     <p:sldId id="262" r:id="rId4"/>
     <p:sldId id="264" r:id="rId5"/>
     <p:sldId id="265" r:id="rId6"/>
@@ -289,6 +289,117 @@
 
 <file path=ppt/changesInfos/changesInfo1.xml><?xml version="1.0" encoding="utf-8"?>
 <pc:chgInfo xmlns:a="http://schemas.openxmlformats.org/drawingml/2006/main" xmlns:r="http://schemas.openxmlformats.org/officeDocument/2006/relationships" xmlns:ac="http://schemas.microsoft.com/office/drawing/2013/main/command" xmlns:pc="http://schemas.microsoft.com/office/powerpoint/2013/main/command">
+  <pc:docChgLst>
+    <pc:chgData name="大祐 近藤" userId="d7b9c57dec2cb7b2" providerId="LiveId" clId="{8C563ADB-BA4E-41F8-8774-7191E5A3867B}"/>
+    <pc:docChg chg="undo custSel addSld delSld modSld">
+      <pc:chgData name="大祐 近藤" userId="d7b9c57dec2cb7b2" providerId="LiveId" clId="{8C563ADB-BA4E-41F8-8774-7191E5A3867B}" dt="2022-01-30T03:15:54.492" v="222" actId="1037"/>
+      <pc:docMkLst>
+        <pc:docMk/>
+      </pc:docMkLst>
+      <pc:sldChg chg="del">
+        <pc:chgData name="大祐 近藤" userId="d7b9c57dec2cb7b2" providerId="LiveId" clId="{8C563ADB-BA4E-41F8-8774-7191E5A3867B}" dt="2022-01-30T03:15:10.470" v="208" actId="47"/>
+        <pc:sldMkLst>
+          <pc:docMk/>
+          <pc:sldMk cId="470266980" sldId="266"/>
+        </pc:sldMkLst>
+      </pc:sldChg>
+      <pc:sldChg chg="addSp delSp modSp add mod">
+        <pc:chgData name="大祐 近藤" userId="d7b9c57dec2cb7b2" providerId="LiveId" clId="{8C563ADB-BA4E-41F8-8774-7191E5A3867B}" dt="2022-01-30T03:15:54.492" v="222" actId="1037"/>
+        <pc:sldMkLst>
+          <pc:docMk/>
+          <pc:sldMk cId="473406349" sldId="267"/>
+        </pc:sldMkLst>
+        <pc:spChg chg="del">
+          <ac:chgData name="大祐 近藤" userId="d7b9c57dec2cb7b2" providerId="LiveId" clId="{8C563ADB-BA4E-41F8-8774-7191E5A3867B}" dt="2022-01-30T03:12:09.241" v="146" actId="478"/>
+          <ac:spMkLst>
+            <pc:docMk/>
+            <pc:sldMk cId="473406349" sldId="267"/>
+            <ac:spMk id="10" creationId="{E98340E1-73D3-4E5F-9CAB-3521FD421169}"/>
+          </ac:spMkLst>
+        </pc:spChg>
+        <pc:spChg chg="mod">
+          <ac:chgData name="大祐 近藤" userId="d7b9c57dec2cb7b2" providerId="LiveId" clId="{8C563ADB-BA4E-41F8-8774-7191E5A3867B}" dt="2022-01-30T03:14:48.481" v="207" actId="1038"/>
+          <ac:spMkLst>
+            <pc:docMk/>
+            <pc:sldMk cId="473406349" sldId="267"/>
+            <ac:spMk id="11" creationId="{2904429C-6C25-40C8-A3D5-DB6E9FD56C8F}"/>
+          </ac:spMkLst>
+        </pc:spChg>
+        <pc:spChg chg="mod">
+          <ac:chgData name="大祐 近藤" userId="d7b9c57dec2cb7b2" providerId="LiveId" clId="{8C563ADB-BA4E-41F8-8774-7191E5A3867B}" dt="2022-01-30T03:14:48.481" v="207" actId="1038"/>
+          <ac:spMkLst>
+            <pc:docMk/>
+            <pc:sldMk cId="473406349" sldId="267"/>
+            <ac:spMk id="12" creationId="{3E56FB91-2AF9-4B1C-9808-2B9DFB1F3258}"/>
+          </ac:spMkLst>
+        </pc:spChg>
+        <pc:spChg chg="add mod">
+          <ac:chgData name="大祐 近藤" userId="d7b9c57dec2cb7b2" providerId="LiveId" clId="{8C563ADB-BA4E-41F8-8774-7191E5A3867B}" dt="2022-01-30T03:12:44.620" v="157" actId="571"/>
+          <ac:spMkLst>
+            <pc:docMk/>
+            <pc:sldMk cId="473406349" sldId="267"/>
+            <ac:spMk id="13" creationId="{E35FD3FA-AA10-43B9-A202-66FE37E2E4D3}"/>
+          </ac:spMkLst>
+        </pc:spChg>
+        <pc:spChg chg="add mod">
+          <ac:chgData name="大祐 近藤" userId="d7b9c57dec2cb7b2" providerId="LiveId" clId="{8C563ADB-BA4E-41F8-8774-7191E5A3867B}" dt="2022-01-30T03:12:44.620" v="157" actId="571"/>
+          <ac:spMkLst>
+            <pc:docMk/>
+            <pc:sldMk cId="473406349" sldId="267"/>
+            <ac:spMk id="14" creationId="{71A6C6BD-2B47-4DBD-9AF2-364B58639379}"/>
+          </ac:spMkLst>
+        </pc:spChg>
+        <pc:spChg chg="mod">
+          <ac:chgData name="大祐 近藤" userId="d7b9c57dec2cb7b2" providerId="LiveId" clId="{8C563ADB-BA4E-41F8-8774-7191E5A3867B}" dt="2022-01-30T03:15:44.467" v="211" actId="1038"/>
+          <ac:spMkLst>
+            <pc:docMk/>
+            <pc:sldMk cId="473406349" sldId="267"/>
+            <ac:spMk id="15" creationId="{D02F0F84-4DD7-4086-9ECA-28CA07904733}"/>
+          </ac:spMkLst>
+        </pc:spChg>
+        <pc:spChg chg="add mod">
+          <ac:chgData name="大祐 近藤" userId="d7b9c57dec2cb7b2" providerId="LiveId" clId="{8C563ADB-BA4E-41F8-8774-7191E5A3867B}" dt="2022-01-30T03:15:54.492" v="222" actId="1037"/>
+          <ac:spMkLst>
+            <pc:docMk/>
+            <pc:sldMk cId="473406349" sldId="267"/>
+            <ac:spMk id="16" creationId="{F118AD0F-31EA-4AB4-AB9A-C8BFE887FEBD}"/>
+          </ac:spMkLst>
+        </pc:spChg>
+        <pc:spChg chg="mod">
+          <ac:chgData name="大祐 近藤" userId="d7b9c57dec2cb7b2" providerId="LiveId" clId="{8C563ADB-BA4E-41F8-8774-7191E5A3867B}" dt="2022-01-30T03:14:48.481" v="207" actId="1038"/>
+          <ac:spMkLst>
+            <pc:docMk/>
+            <pc:sldMk cId="473406349" sldId="267"/>
+            <ac:spMk id="43" creationId="{5BC01E89-B6DF-4455-9CAD-4A78849424FC}"/>
+          </ac:spMkLst>
+        </pc:spChg>
+        <pc:spChg chg="mod">
+          <ac:chgData name="大祐 近藤" userId="d7b9c57dec2cb7b2" providerId="LiveId" clId="{8C563ADB-BA4E-41F8-8774-7191E5A3867B}" dt="2022-01-30T03:14:48.481" v="207" actId="1038"/>
+          <ac:spMkLst>
+            <pc:docMk/>
+            <pc:sldMk cId="473406349" sldId="267"/>
+            <ac:spMk id="45" creationId="{87E73357-0CAD-4820-BBDD-726960FD189E}"/>
+          </ac:spMkLst>
+        </pc:spChg>
+        <pc:spChg chg="mod">
+          <ac:chgData name="大祐 近藤" userId="d7b9c57dec2cb7b2" providerId="LiveId" clId="{8C563ADB-BA4E-41F8-8774-7191E5A3867B}" dt="2022-01-30T03:14:48.481" v="207" actId="1038"/>
+          <ac:spMkLst>
+            <pc:docMk/>
+            <pc:sldMk cId="473406349" sldId="267"/>
+            <ac:spMk id="46" creationId="{336F7216-29E7-46E9-BB69-AC776F2D235D}"/>
+          </ac:spMkLst>
+        </pc:spChg>
+        <pc:spChg chg="mod">
+          <ac:chgData name="大祐 近藤" userId="d7b9c57dec2cb7b2" providerId="LiveId" clId="{8C563ADB-BA4E-41F8-8774-7191E5A3867B}" dt="2022-01-30T03:14:00.753" v="191" actId="1076"/>
+          <ac:spMkLst>
+            <pc:docMk/>
+            <pc:sldMk cId="473406349" sldId="267"/>
+            <ac:spMk id="469" creationId="{00000000-0000-0000-0000-000000000000}"/>
+          </ac:spMkLst>
+        </pc:spChg>
+      </pc:sldChg>
+    </pc:docChg>
+  </pc:docChgLst>
   <pc:docChgLst>
     <pc:chgData name="大祐 近藤" userId="d7b9c57dec2cb7b2" providerId="LiveId" clId="{C7101436-FC41-49CA-9ABB-617F6CD6BFC2}"/>
     <pc:docChg chg="undo redo custSel addSld delSld modSld sldOrd">
@@ -1441,7 +1552,7 @@
     </p:spTree>
     <p:extLst>
       <p:ext uri="{BB962C8B-B14F-4D97-AF65-F5344CB8AC3E}">
-        <p14:creationId xmlns:p14="http://schemas.microsoft.com/office/powerpoint/2010/main" val="834504274"/>
+        <p14:creationId xmlns:p14="http://schemas.microsoft.com/office/powerpoint/2010/main" val="2777061074"/>
       </p:ext>
     </p:extLst>
   </p:cSld>
@@ -8161,8 +8272,8 @@
         </p:nvSpPr>
         <p:spPr>
           <a:xfrm>
-            <a:off x="556375" y="787932"/>
-            <a:ext cx="8378397" cy="3417096"/>
+            <a:off x="780866" y="1901509"/>
+            <a:ext cx="7679255" cy="1170713"/>
           </a:xfrm>
           <a:prstGeom prst="rect">
             <a:avLst/>
@@ -8192,12 +8303,10 @@
           <a:bodyPr rtlCol="0" anchor="ctr"/>
           <a:lstStyle/>
           <a:p>
-            <a:pPr marL="185738" indent="-185738">
+            <a:pPr>
               <a:lnSpc>
                 <a:spcPct val="300000"/>
               </a:lnSpc>
-              <a:buFont typeface="Arial" panose="020B0604020202020204" pitchFamily="34" charset="0"/>
-              <a:buChar char="•"/>
               <a:tabLst>
                 <a:tab pos="185738" algn="l"/>
               </a:tabLst>
@@ -8222,116 +8331,7 @@
                   </a:schemeClr>
                 </a:solidFill>
               </a:rPr>
-              <a:t>(“T”, 1)         =&gt;        </a:t>
-            </a:r>
-            <a:r>
-              <a:rPr kumimoji="1" lang="ja-JP" altLang="en-US" sz="2000" dirty="0">
-                <a:solidFill>
-                  <a:schemeClr val="tx1">
-                    <a:lumMod val="85000"/>
-                    <a:lumOff val="15000"/>
-                  </a:schemeClr>
-                </a:solidFill>
-              </a:rPr>
-              <a:t> </a:t>
-            </a:r>
-            <a:r>
-              <a:rPr kumimoji="1" lang="en-US" altLang="ja-JP" sz="2000" dirty="0">
-                <a:solidFill>
-                  <a:schemeClr val="tx1">
-                    <a:lumMod val="85000"/>
-                    <a:lumOff val="15000"/>
-                  </a:schemeClr>
-                </a:solidFill>
-              </a:rPr>
-              <a:t>T           =&gt;        “T”</a:t>
-            </a:r>
-          </a:p>
-          <a:p>
-            <a:pPr marL="185738" indent="-185738">
-              <a:lnSpc>
-                <a:spcPct val="300000"/>
-              </a:lnSpc>
-              <a:buFont typeface="Arial" panose="020B0604020202020204" pitchFamily="34" charset="0"/>
-              <a:buChar char="•"/>
-              <a:tabLst>
-                <a:tab pos="185738" algn="l"/>
-              </a:tabLst>
-            </a:pPr>
-            <a:r>
-              <a:rPr kumimoji="1" lang="en-US" altLang="ja-JP" sz="2000" dirty="0" err="1">
-                <a:solidFill>
-                  <a:schemeClr val="tx1">
-                    <a:lumMod val="85000"/>
-                    <a:lumOff val="15000"/>
-                  </a:schemeClr>
-                </a:solidFill>
-              </a:rPr>
-              <a:t>christmasTree</a:t>
-            </a:r>
-            <a:r>
-              <a:rPr kumimoji="1" lang="en-US" altLang="ja-JP" sz="2000" dirty="0">
-                <a:solidFill>
-                  <a:schemeClr val="tx1">
-                    <a:lumMod val="85000"/>
-                    <a:lumOff val="15000"/>
-                  </a:schemeClr>
-                </a:solidFill>
-              </a:rPr>
-              <a:t>(“+”, 2)         =&gt;                      =&gt;        “ +</a:t>
-            </a:r>
-            <a:r>
-              <a:rPr kumimoji="1" lang="en-US" altLang="ja-JP" sz="2000" dirty="0">
-                <a:solidFill>
-                  <a:srgbClr val="2FD7B4"/>
-                </a:solidFill>
-              </a:rPr>
-              <a:t>\n</a:t>
-            </a:r>
-            <a:r>
-              <a:rPr kumimoji="1" lang="en-US" altLang="ja-JP" sz="2000" dirty="0">
-                <a:solidFill>
-                  <a:schemeClr val="tx1">
-                    <a:lumMod val="85000"/>
-                    <a:lumOff val="15000"/>
-                  </a:schemeClr>
-                </a:solidFill>
-              </a:rPr>
-              <a:t>+ +”</a:t>
-            </a:r>
-          </a:p>
-          <a:p>
-            <a:pPr marL="185738" indent="-185738">
-              <a:lnSpc>
-                <a:spcPct val="350000"/>
-              </a:lnSpc>
-              <a:buFont typeface="Arial" panose="020B0604020202020204" pitchFamily="34" charset="0"/>
-              <a:buChar char="•"/>
-              <a:tabLst>
-                <a:tab pos="185738" algn="l"/>
-              </a:tabLst>
-            </a:pPr>
-            <a:r>
-              <a:rPr kumimoji="1" lang="en-US" altLang="ja-JP" sz="2000" dirty="0" err="1">
-                <a:solidFill>
-                  <a:schemeClr val="tx1">
-                    <a:lumMod val="85000"/>
-                    <a:lumOff val="15000"/>
-                  </a:schemeClr>
-                </a:solidFill>
-              </a:rPr>
-              <a:t>christmasTree</a:t>
-            </a:r>
-            <a:r>
-              <a:rPr kumimoji="1" lang="en-US" altLang="ja-JP" sz="2000" dirty="0">
-                <a:solidFill>
-                  <a:schemeClr val="tx1">
-                    <a:lumMod val="85000"/>
-                    <a:lumOff val="15000"/>
-                  </a:schemeClr>
-                </a:solidFill>
-              </a:rPr>
-              <a:t>(“#”, 3)         =&gt;                      =&gt;        “  #</a:t>
+              <a:t>(“#”, 3)       =&gt;                     =&gt;      “  #</a:t>
             </a:r>
             <a:r>
               <a:rPr kumimoji="1" lang="en-US" altLang="ja-JP" sz="2000" dirty="0">
@@ -8369,19 +8369,16 @@
                   </a:schemeClr>
                 </a:solidFill>
               </a:rPr>
-              <a:t># # #”        </a:t>
+              <a:t># # #” </a:t>
             </a:r>
-            <a:r>
-              <a:rPr kumimoji="1" lang="ja-JP" altLang="en-US" sz="2000" dirty="0">
-                <a:solidFill>
-                  <a:schemeClr val="tx1">
-                    <a:lumMod val="85000"/>
-                    <a:lumOff val="15000"/>
-                  </a:schemeClr>
-                </a:solidFill>
-              </a:rPr>
-              <a:t> </a:t>
-            </a:r>
+            <a:endParaRPr kumimoji="1" lang="ja-JP" altLang="en-US" sz="2000" dirty="0">
+              <a:solidFill>
+                <a:schemeClr val="tx1">
+                  <a:lumMod val="85000"/>
+                  <a:lumOff val="15000"/>
+                </a:schemeClr>
+              </a:solidFill>
+            </a:endParaRPr>
           </a:p>
         </p:txBody>
       </p:sp>
@@ -8399,7 +8396,7 @@
         </p:nvSpPr>
         <p:spPr>
           <a:xfrm>
-            <a:off x="2525126" y="919665"/>
+            <a:off x="2544367" y="1814588"/>
             <a:ext cx="325857" cy="715800"/>
           </a:xfrm>
           <a:prstGeom prst="rect">
@@ -8473,7 +8470,7 @@
         </p:nvSpPr>
         <p:spPr>
           <a:xfrm>
-            <a:off x="2896637" y="919665"/>
+            <a:off x="2915878" y="1814588"/>
             <a:ext cx="325857" cy="715800"/>
           </a:xfrm>
           <a:prstGeom prst="rect">
@@ -8535,102 +8532,6 @@
       </p:sp>
       <p:sp>
         <p:nvSpPr>
-          <p:cNvPr id="10" name="正方形/長方形 9">
-            <a:extLst>
-              <a:ext uri="{FF2B5EF4-FFF2-40B4-BE49-F238E27FC236}">
-                <a16:creationId xmlns:a16="http://schemas.microsoft.com/office/drawing/2014/main" id="{E98340E1-73D3-4E5F-9CAB-3521FD421169}"/>
-              </a:ext>
-            </a:extLst>
-          </p:cNvPr>
-          <p:cNvSpPr/>
-          <p:nvPr/>
-        </p:nvSpPr>
-        <p:spPr>
-          <a:xfrm>
-            <a:off x="4514975" y="2361567"/>
-            <a:ext cx="677231" cy="483325"/>
-          </a:xfrm>
-          <a:prstGeom prst="rect">
-            <a:avLst/>
-          </a:prstGeom>
-          <a:noFill/>
-          <a:ln>
-            <a:noFill/>
-          </a:ln>
-        </p:spPr>
-        <p:style>
-          <a:lnRef idx="2">
-            <a:schemeClr val="accent1">
-              <a:shade val="50000"/>
-            </a:schemeClr>
-          </a:lnRef>
-          <a:fillRef idx="1">
-            <a:schemeClr val="accent1"/>
-          </a:fillRef>
-          <a:effectRef idx="0">
-            <a:schemeClr val="accent1"/>
-          </a:effectRef>
-          <a:fontRef idx="minor">
-            <a:schemeClr val="lt1"/>
-          </a:fontRef>
-        </p:style>
-        <p:txBody>
-          <a:bodyPr rtlCol="0" anchor="ctr"/>
-          <a:lstStyle/>
-          <a:p>
-            <a:pPr algn="ctr"/>
-            <a:r>
-              <a:rPr kumimoji="1" lang="en-US" altLang="ja-JP" sz="2000" dirty="0">
-                <a:solidFill>
-                  <a:schemeClr val="tx1">
-                    <a:lumMod val="85000"/>
-                    <a:lumOff val="15000"/>
-                  </a:schemeClr>
-                </a:solidFill>
-              </a:rPr>
-              <a:t>+</a:t>
-            </a:r>
-          </a:p>
-          <a:p>
-            <a:pPr algn="ctr"/>
-            <a:r>
-              <a:rPr kumimoji="1" lang="en-US" altLang="ja-JP" sz="2000" dirty="0">
-                <a:solidFill>
-                  <a:schemeClr val="tx1">
-                    <a:lumMod val="85000"/>
-                    <a:lumOff val="15000"/>
-                  </a:schemeClr>
-                </a:solidFill>
-              </a:rPr>
-              <a:t>+</a:t>
-            </a:r>
-            <a:r>
-              <a:rPr kumimoji="1" lang="ja-JP" altLang="en-US" sz="2000" dirty="0">
-                <a:solidFill>
-                  <a:schemeClr val="tx1">
-                    <a:lumMod val="85000"/>
-                    <a:lumOff val="15000"/>
-                  </a:schemeClr>
-                </a:solidFill>
-              </a:rPr>
-              <a:t> </a:t>
-            </a:r>
-            <a:r>
-              <a:rPr kumimoji="1" lang="en-US" altLang="ja-JP" sz="2000" dirty="0">
-                <a:solidFill>
-                  <a:schemeClr val="tx1">
-                    <a:lumMod val="85000"/>
-                    <a:lumOff val="15000"/>
-                  </a:schemeClr>
-                </a:solidFill>
-              </a:rPr>
-              <a:t>+</a:t>
-            </a:r>
-          </a:p>
-        </p:txBody>
-      </p:sp>
-      <p:sp>
-        <p:nvSpPr>
           <p:cNvPr id="11" name="正方形/長方形 10">
             <a:extLst>
               <a:ext uri="{FF2B5EF4-FFF2-40B4-BE49-F238E27FC236}">
@@ -8643,7 +8544,7 @@
         </p:nvSpPr>
         <p:spPr>
           <a:xfrm>
-            <a:off x="4082534" y="2980850"/>
+            <a:off x="3991540" y="1999862"/>
             <a:ext cx="1542112" cy="1324462"/>
           </a:xfrm>
           <a:prstGeom prst="rect">
@@ -8753,7 +8654,7 @@
         </p:nvSpPr>
         <p:spPr>
           <a:xfrm>
-            <a:off x="4690661" y="919665"/>
+            <a:off x="4599667" y="1376271"/>
             <a:ext cx="325857" cy="715800"/>
           </a:xfrm>
           <a:prstGeom prst="rect">
@@ -8827,7 +8728,68 @@
         </p:nvSpPr>
         <p:spPr>
           <a:xfrm>
-            <a:off x="6910942" y="1958645"/>
+            <a:off x="6670335" y="1980428"/>
+            <a:ext cx="507600" cy="506437"/>
+          </a:xfrm>
+          <a:prstGeom prst="wedgeEllipseCallout">
+            <a:avLst/>
+          </a:prstGeom>
+          <a:noFill/>
+          <a:ln w="12700">
+            <a:solidFill>
+              <a:srgbClr val="2FD7B4"/>
+            </a:solidFill>
+          </a:ln>
+        </p:spPr>
+        <p:style>
+          <a:lnRef idx="2">
+            <a:schemeClr val="accent1">
+              <a:shade val="50000"/>
+            </a:schemeClr>
+          </a:lnRef>
+          <a:fillRef idx="1">
+            <a:schemeClr val="accent1"/>
+          </a:fillRef>
+          <a:effectRef idx="0">
+            <a:schemeClr val="accent1"/>
+          </a:effectRef>
+          <a:fontRef idx="minor">
+            <a:schemeClr val="lt1"/>
+          </a:fontRef>
+        </p:style>
+        <p:txBody>
+          <a:bodyPr wrap="none" rtlCol="0" anchor="ctr"/>
+          <a:lstStyle/>
+          <a:p>
+            <a:pPr algn="ctr"/>
+            <a:r>
+              <a:rPr kumimoji="1" lang="ja-JP" altLang="en-US" dirty="0">
+                <a:solidFill>
+                  <a:srgbClr val="2FD7B4"/>
+                </a:solidFill>
+                <a:latin typeface="Meiryo UI" panose="020B0604030504040204" pitchFamily="50" charset="-128"/>
+                <a:ea typeface="Meiryo UI" panose="020B0604030504040204" pitchFamily="50" charset="-128"/>
+              </a:rPr>
+              <a:t>改行</a:t>
+            </a:r>
+          </a:p>
+        </p:txBody>
+      </p:sp>
+      <p:sp>
+        <p:nvSpPr>
+          <p:cNvPr id="16" name="吹き出し: 円形 15">
+            <a:extLst>
+              <a:ext uri="{FF2B5EF4-FFF2-40B4-BE49-F238E27FC236}">
+                <a16:creationId xmlns:a16="http://schemas.microsoft.com/office/drawing/2014/main" id="{F118AD0F-31EA-4AB4-AB9A-C8BFE887FEBD}"/>
+              </a:ext>
+            </a:extLst>
+          </p:cNvPr>
+          <p:cNvSpPr/>
+          <p:nvPr/>
+        </p:nvSpPr>
+        <p:spPr>
+          <a:xfrm>
+            <a:off x="7408003" y="1980428"/>
             <a:ext cx="507600" cy="506437"/>
           </a:xfrm>
           <a:prstGeom prst="wedgeEllipseCallout">
@@ -8877,7 +8839,7 @@
     </p:spTree>
     <p:extLst>
       <p:ext uri="{BB962C8B-B14F-4D97-AF65-F5344CB8AC3E}">
-        <p14:creationId xmlns:p14="http://schemas.microsoft.com/office/powerpoint/2010/main" val="470266980"/>
+        <p14:creationId xmlns:p14="http://schemas.microsoft.com/office/powerpoint/2010/main" val="473406349"/>
       </p:ext>
     </p:extLst>
   </p:cSld>

--- a/presentation.pptx
+++ b/presentation.pptx
@@ -11,7 +11,7 @@
     <p:sldId id="256" r:id="rId2"/>
     <p:sldId id="267" r:id="rId3"/>
     <p:sldId id="262" r:id="rId4"/>
-    <p:sldId id="264" r:id="rId5"/>
+    <p:sldId id="268" r:id="rId5"/>
     <p:sldId id="265" r:id="rId6"/>
     <p:sldId id="257" r:id="rId7"/>
   </p:sldIdLst>
@@ -780,6 +780,731 @@
     </pc:docChg>
   </pc:docChgLst>
   <pc:docChgLst>
+    <pc:chgData name="大祐 近藤" userId="d7b9c57dec2cb7b2" providerId="LiveId" clId="{B5EE32B2-6452-49FC-B26F-FFD57010605E}"/>
+    <pc:docChg chg="undo custSel addSld delSld modSld">
+      <pc:chgData name="大祐 近藤" userId="d7b9c57dec2cb7b2" providerId="LiveId" clId="{B5EE32B2-6452-49FC-B26F-FFD57010605E}" dt="2022-01-30T07:09:06.534" v="1988" actId="20577"/>
+      <pc:docMkLst>
+        <pc:docMk/>
+      </pc:docMkLst>
+      <pc:sldChg chg="addSp delSp modSp mod">
+        <pc:chgData name="大祐 近藤" userId="d7b9c57dec2cb7b2" providerId="LiveId" clId="{B5EE32B2-6452-49FC-B26F-FFD57010605E}" dt="2022-01-30T06:48:11.568" v="1495" actId="164"/>
+        <pc:sldMkLst>
+          <pc:docMk/>
+          <pc:sldMk cId="10850041" sldId="262"/>
+        </pc:sldMkLst>
+        <pc:spChg chg="mod">
+          <ac:chgData name="大祐 近藤" userId="d7b9c57dec2cb7b2" providerId="LiveId" clId="{B5EE32B2-6452-49FC-B26F-FFD57010605E}" dt="2022-01-30T06:13:26.979" v="980" actId="1037"/>
+          <ac:spMkLst>
+            <pc:docMk/>
+            <pc:sldMk cId="10850041" sldId="262"/>
+            <ac:spMk id="2" creationId="{AC669F27-2DC6-4854-BA39-8201950914FA}"/>
+          </ac:spMkLst>
+        </pc:spChg>
+        <pc:spChg chg="add mod">
+          <ac:chgData name="大祐 近藤" userId="d7b9c57dec2cb7b2" providerId="LiveId" clId="{B5EE32B2-6452-49FC-B26F-FFD57010605E}" dt="2022-01-30T06:48:11.568" v="1495" actId="164"/>
+          <ac:spMkLst>
+            <pc:docMk/>
+            <pc:sldMk cId="10850041" sldId="262"/>
+            <ac:spMk id="4" creationId="{B5110B76-6898-4AFC-8285-306F7D73F784}"/>
+          </ac:spMkLst>
+        </pc:spChg>
+        <pc:spChg chg="add del mod">
+          <ac:chgData name="大祐 近藤" userId="d7b9c57dec2cb7b2" providerId="LiveId" clId="{B5EE32B2-6452-49FC-B26F-FFD57010605E}" dt="2022-01-30T06:02:00.497" v="462" actId="478"/>
+          <ac:spMkLst>
+            <pc:docMk/>
+            <pc:sldMk cId="10850041" sldId="262"/>
+            <ac:spMk id="8" creationId="{E3A60A32-950A-45E9-95A4-1724F7C47908}"/>
+          </ac:spMkLst>
+        </pc:spChg>
+        <pc:spChg chg="mod">
+          <ac:chgData name="大祐 近藤" userId="d7b9c57dec2cb7b2" providerId="LiveId" clId="{B5EE32B2-6452-49FC-B26F-FFD57010605E}" dt="2022-01-30T06:13:26.979" v="980" actId="1037"/>
+          <ac:spMkLst>
+            <pc:docMk/>
+            <pc:sldMk cId="10850041" sldId="262"/>
+            <ac:spMk id="21" creationId="{D0286219-0D5E-46E4-9E2F-F11F5C056794}"/>
+          </ac:spMkLst>
+        </pc:spChg>
+        <pc:spChg chg="mod topLvl">
+          <ac:chgData name="大祐 近藤" userId="d7b9c57dec2cb7b2" providerId="LiveId" clId="{B5EE32B2-6452-49FC-B26F-FFD57010605E}" dt="2022-01-30T06:48:11.568" v="1495" actId="164"/>
+          <ac:spMkLst>
+            <pc:docMk/>
+            <pc:sldMk cId="10850041" sldId="262"/>
+            <ac:spMk id="23" creationId="{0D17ABA5-9A62-4C5E-ACB4-EBCC86CDD511}"/>
+          </ac:spMkLst>
+        </pc:spChg>
+        <pc:spChg chg="add mod">
+          <ac:chgData name="大祐 近藤" userId="d7b9c57dec2cb7b2" providerId="LiveId" clId="{B5EE32B2-6452-49FC-B26F-FFD57010605E}" dt="2022-01-30T06:48:11.568" v="1495" actId="164"/>
+          <ac:spMkLst>
+            <pc:docMk/>
+            <pc:sldMk cId="10850041" sldId="262"/>
+            <ac:spMk id="24" creationId="{CEC7817F-7195-47E6-8698-4A776FC78512}"/>
+          </ac:spMkLst>
+        </pc:spChg>
+        <pc:spChg chg="add mod">
+          <ac:chgData name="大祐 近藤" userId="d7b9c57dec2cb7b2" providerId="LiveId" clId="{B5EE32B2-6452-49FC-B26F-FFD57010605E}" dt="2022-01-30T06:48:11.568" v="1495" actId="164"/>
+          <ac:spMkLst>
+            <pc:docMk/>
+            <pc:sldMk cId="10850041" sldId="262"/>
+            <ac:spMk id="25" creationId="{07009682-808A-41BD-A263-96969D174E92}"/>
+          </ac:spMkLst>
+        </pc:spChg>
+        <pc:spChg chg="add mod ord topLvl">
+          <ac:chgData name="大祐 近藤" userId="d7b9c57dec2cb7b2" providerId="LiveId" clId="{B5EE32B2-6452-49FC-B26F-FFD57010605E}" dt="2022-01-30T06:48:11.568" v="1495" actId="164"/>
+          <ac:spMkLst>
+            <pc:docMk/>
+            <pc:sldMk cId="10850041" sldId="262"/>
+            <ac:spMk id="28" creationId="{3705C55F-3C52-4330-9398-57F62FC7EA6F}"/>
+          </ac:spMkLst>
+        </pc:spChg>
+        <pc:spChg chg="mod topLvl">
+          <ac:chgData name="大祐 近藤" userId="d7b9c57dec2cb7b2" providerId="LiveId" clId="{B5EE32B2-6452-49FC-B26F-FFD57010605E}" dt="2022-01-30T06:48:11.568" v="1495" actId="164"/>
+          <ac:spMkLst>
+            <pc:docMk/>
+            <pc:sldMk cId="10850041" sldId="262"/>
+            <ac:spMk id="29" creationId="{9A29573D-ED39-4BE7-92FD-576A11A4CD24}"/>
+          </ac:spMkLst>
+        </pc:spChg>
+        <pc:spChg chg="add mod ord topLvl">
+          <ac:chgData name="大祐 近藤" userId="d7b9c57dec2cb7b2" providerId="LiveId" clId="{B5EE32B2-6452-49FC-B26F-FFD57010605E}" dt="2022-01-30T06:48:11.568" v="1495" actId="164"/>
+          <ac:spMkLst>
+            <pc:docMk/>
+            <pc:sldMk cId="10850041" sldId="262"/>
+            <ac:spMk id="30" creationId="{9570902A-A37F-4B87-8526-2B927A6CF2DD}"/>
+          </ac:spMkLst>
+        </pc:spChg>
+        <pc:spChg chg="add mod ord">
+          <ac:chgData name="大祐 近藤" userId="d7b9c57dec2cb7b2" providerId="LiveId" clId="{B5EE32B2-6452-49FC-B26F-FFD57010605E}" dt="2022-01-30T06:48:11.568" v="1495" actId="164"/>
+          <ac:spMkLst>
+            <pc:docMk/>
+            <pc:sldMk cId="10850041" sldId="262"/>
+            <ac:spMk id="31" creationId="{85D69C3C-F70A-4335-9517-A53991B4A2CB}"/>
+          </ac:spMkLst>
+        </pc:spChg>
+        <pc:spChg chg="add mod ord">
+          <ac:chgData name="大祐 近藤" userId="d7b9c57dec2cb7b2" providerId="LiveId" clId="{B5EE32B2-6452-49FC-B26F-FFD57010605E}" dt="2022-01-30T06:48:11.568" v="1495" actId="164"/>
+          <ac:spMkLst>
+            <pc:docMk/>
+            <pc:sldMk cId="10850041" sldId="262"/>
+            <ac:spMk id="32" creationId="{C80BF633-C0D9-4593-B66F-3B4CC9E9B1E2}"/>
+          </ac:spMkLst>
+        </pc:spChg>
+        <pc:spChg chg="add mod ord">
+          <ac:chgData name="大祐 近藤" userId="d7b9c57dec2cb7b2" providerId="LiveId" clId="{B5EE32B2-6452-49FC-B26F-FFD57010605E}" dt="2022-01-30T06:48:11.568" v="1495" actId="164"/>
+          <ac:spMkLst>
+            <pc:docMk/>
+            <pc:sldMk cId="10850041" sldId="262"/>
+            <ac:spMk id="33" creationId="{20A759E8-5629-4172-9A9A-8BC06772D26E}"/>
+          </ac:spMkLst>
+        </pc:spChg>
+        <pc:spChg chg="mod topLvl">
+          <ac:chgData name="大祐 近藤" userId="d7b9c57dec2cb7b2" providerId="LiveId" clId="{B5EE32B2-6452-49FC-B26F-FFD57010605E}" dt="2022-01-30T06:48:11.568" v="1495" actId="164"/>
+          <ac:spMkLst>
+            <pc:docMk/>
+            <pc:sldMk cId="10850041" sldId="262"/>
+            <ac:spMk id="34" creationId="{C5F083B8-8D21-4243-BD55-E7ACC9E395B1}"/>
+          </ac:spMkLst>
+        </pc:spChg>
+        <pc:spChg chg="mod topLvl">
+          <ac:chgData name="大祐 近藤" userId="d7b9c57dec2cb7b2" providerId="LiveId" clId="{B5EE32B2-6452-49FC-B26F-FFD57010605E}" dt="2022-01-30T06:48:11.568" v="1495" actId="164"/>
+          <ac:spMkLst>
+            <pc:docMk/>
+            <pc:sldMk cId="10850041" sldId="262"/>
+            <ac:spMk id="35" creationId="{987FDCED-92F6-4CAB-A42A-CA7D8E953786}"/>
+          </ac:spMkLst>
+        </pc:spChg>
+        <pc:spChg chg="mod topLvl">
+          <ac:chgData name="大祐 近藤" userId="d7b9c57dec2cb7b2" providerId="LiveId" clId="{B5EE32B2-6452-49FC-B26F-FFD57010605E}" dt="2022-01-30T06:48:11.568" v="1495" actId="164"/>
+          <ac:spMkLst>
+            <pc:docMk/>
+            <pc:sldMk cId="10850041" sldId="262"/>
+            <ac:spMk id="36" creationId="{20E23E0B-5374-40C9-B7F8-ECDC9DDA35AE}"/>
+          </ac:spMkLst>
+        </pc:spChg>
+        <pc:spChg chg="mod topLvl">
+          <ac:chgData name="大祐 近藤" userId="d7b9c57dec2cb7b2" providerId="LiveId" clId="{B5EE32B2-6452-49FC-B26F-FFD57010605E}" dt="2022-01-30T06:48:11.568" v="1495" actId="164"/>
+          <ac:spMkLst>
+            <pc:docMk/>
+            <pc:sldMk cId="10850041" sldId="262"/>
+            <ac:spMk id="37" creationId="{DCD7BC39-0414-4F4F-B42E-1298D4BF38AF}"/>
+          </ac:spMkLst>
+        </pc:spChg>
+        <pc:spChg chg="mod topLvl">
+          <ac:chgData name="大祐 近藤" userId="d7b9c57dec2cb7b2" providerId="LiveId" clId="{B5EE32B2-6452-49FC-B26F-FFD57010605E}" dt="2022-01-30T06:48:11.568" v="1495" actId="164"/>
+          <ac:spMkLst>
+            <pc:docMk/>
+            <pc:sldMk cId="10850041" sldId="262"/>
+            <ac:spMk id="38" creationId="{249F3303-D243-4077-952C-3A7ACC66D489}"/>
+          </ac:spMkLst>
+        </pc:spChg>
+        <pc:spChg chg="add mod ord">
+          <ac:chgData name="大祐 近藤" userId="d7b9c57dec2cb7b2" providerId="LiveId" clId="{B5EE32B2-6452-49FC-B26F-FFD57010605E}" dt="2022-01-30T06:48:11.568" v="1495" actId="164"/>
+          <ac:spMkLst>
+            <pc:docMk/>
+            <pc:sldMk cId="10850041" sldId="262"/>
+            <ac:spMk id="39" creationId="{D57DDB7D-102B-4709-B92F-255347514501}"/>
+          </ac:spMkLst>
+        </pc:spChg>
+        <pc:spChg chg="mod topLvl">
+          <ac:chgData name="大祐 近藤" userId="d7b9c57dec2cb7b2" providerId="LiveId" clId="{B5EE32B2-6452-49FC-B26F-FFD57010605E}" dt="2022-01-30T06:48:11.568" v="1495" actId="164"/>
+          <ac:spMkLst>
+            <pc:docMk/>
+            <pc:sldMk cId="10850041" sldId="262"/>
+            <ac:spMk id="40" creationId="{DFCA995E-1BA6-434B-86D1-B21E795113B9}"/>
+          </ac:spMkLst>
+        </pc:spChg>
+        <pc:spChg chg="add del mod ord">
+          <ac:chgData name="大祐 近藤" userId="d7b9c57dec2cb7b2" providerId="LiveId" clId="{B5EE32B2-6452-49FC-B26F-FFD57010605E}" dt="2022-01-30T06:00:16.506" v="435" actId="478"/>
+          <ac:spMkLst>
+            <pc:docMk/>
+            <pc:sldMk cId="10850041" sldId="262"/>
+            <ac:spMk id="41" creationId="{AADD3762-4CA0-4D84-A36D-B21FC1F29676}"/>
+          </ac:spMkLst>
+        </pc:spChg>
+        <pc:spChg chg="add del mod ord">
+          <ac:chgData name="大祐 近藤" userId="d7b9c57dec2cb7b2" providerId="LiveId" clId="{B5EE32B2-6452-49FC-B26F-FFD57010605E}" dt="2022-01-30T06:00:16.506" v="435" actId="478"/>
+          <ac:spMkLst>
+            <pc:docMk/>
+            <pc:sldMk cId="10850041" sldId="262"/>
+            <ac:spMk id="42" creationId="{C0252A97-ABF2-4E8D-AA44-1446B4B4B463}"/>
+          </ac:spMkLst>
+        </pc:spChg>
+        <pc:spChg chg="mod">
+          <ac:chgData name="大祐 近藤" userId="d7b9c57dec2cb7b2" providerId="LiveId" clId="{B5EE32B2-6452-49FC-B26F-FFD57010605E}" dt="2022-01-30T06:12:40.515" v="960" actId="1076"/>
+          <ac:spMkLst>
+            <pc:docMk/>
+            <pc:sldMk cId="10850041" sldId="262"/>
+            <ac:spMk id="43" creationId="{5BC01E89-B6DF-4455-9CAD-4A78849424FC}"/>
+          </ac:spMkLst>
+        </pc:spChg>
+        <pc:spChg chg="add del mod ord">
+          <ac:chgData name="大祐 近藤" userId="d7b9c57dec2cb7b2" providerId="LiveId" clId="{B5EE32B2-6452-49FC-B26F-FFD57010605E}" dt="2022-01-30T06:00:16.506" v="435" actId="478"/>
+          <ac:spMkLst>
+            <pc:docMk/>
+            <pc:sldMk cId="10850041" sldId="262"/>
+            <ac:spMk id="44" creationId="{1EC4DA2D-D035-4A83-885E-6D8037063208}"/>
+          </ac:spMkLst>
+        </pc:spChg>
+        <pc:spChg chg="add mod ord">
+          <ac:chgData name="大祐 近藤" userId="d7b9c57dec2cb7b2" providerId="LiveId" clId="{B5EE32B2-6452-49FC-B26F-FFD57010605E}" dt="2022-01-30T06:48:11.568" v="1495" actId="164"/>
+          <ac:spMkLst>
+            <pc:docMk/>
+            <pc:sldMk cId="10850041" sldId="262"/>
+            <ac:spMk id="47" creationId="{7E4F8DE7-7A00-4C21-838A-6474D463DC9E}"/>
+          </ac:spMkLst>
+        </pc:spChg>
+        <pc:spChg chg="add mod ord">
+          <ac:chgData name="大祐 近藤" userId="d7b9c57dec2cb7b2" providerId="LiveId" clId="{B5EE32B2-6452-49FC-B26F-FFD57010605E}" dt="2022-01-30T06:48:11.568" v="1495" actId="164"/>
+          <ac:spMkLst>
+            <pc:docMk/>
+            <pc:sldMk cId="10850041" sldId="262"/>
+            <ac:spMk id="49" creationId="{822CF126-F655-4761-8F3D-E3135675E97D}"/>
+          </ac:spMkLst>
+        </pc:spChg>
+        <pc:spChg chg="add mod ord">
+          <ac:chgData name="大祐 近藤" userId="d7b9c57dec2cb7b2" providerId="LiveId" clId="{B5EE32B2-6452-49FC-B26F-FFD57010605E}" dt="2022-01-30T06:48:11.568" v="1495" actId="164"/>
+          <ac:spMkLst>
+            <pc:docMk/>
+            <pc:sldMk cId="10850041" sldId="262"/>
+            <ac:spMk id="50" creationId="{5941D1EF-889F-4ABD-AD76-F0F9A281B208}"/>
+          </ac:spMkLst>
+        </pc:spChg>
+        <pc:spChg chg="add mod">
+          <ac:chgData name="大祐 近藤" userId="d7b9c57dec2cb7b2" providerId="LiveId" clId="{B5EE32B2-6452-49FC-B26F-FFD57010605E}" dt="2022-01-30T06:14:23.997" v="1048" actId="20577"/>
+          <ac:spMkLst>
+            <pc:docMk/>
+            <pc:sldMk cId="10850041" sldId="262"/>
+            <ac:spMk id="53" creationId="{E60805C7-C34C-49F0-9AB8-12825DA531A4}"/>
+          </ac:spMkLst>
+        </pc:spChg>
+        <pc:grpChg chg="del mod topLvl">
+          <ac:chgData name="大祐 近藤" userId="d7b9c57dec2cb7b2" providerId="LiveId" clId="{B5EE32B2-6452-49FC-B26F-FFD57010605E}" dt="2022-01-30T05:51:18.509" v="200" actId="165"/>
+          <ac:grpSpMkLst>
+            <pc:docMk/>
+            <pc:sldMk cId="10850041" sldId="262"/>
+            <ac:grpSpMk id="3" creationId="{AF4D5C8C-153E-4CF4-B55E-4DAB16936935}"/>
+          </ac:grpSpMkLst>
+        </pc:grpChg>
+        <pc:grpChg chg="del mod">
+          <ac:chgData name="大祐 近藤" userId="d7b9c57dec2cb7b2" providerId="LiveId" clId="{B5EE32B2-6452-49FC-B26F-FFD57010605E}" dt="2022-01-30T05:51:14.914" v="199" actId="165"/>
+          <ac:grpSpMkLst>
+            <pc:docMk/>
+            <pc:sldMk cId="10850041" sldId="262"/>
+            <ac:grpSpMk id="7" creationId="{21A71391-69EF-49F2-84BE-CE7C325B9D3F}"/>
+          </ac:grpSpMkLst>
+        </pc:grpChg>
+        <pc:grpChg chg="add mod">
+          <ac:chgData name="大祐 近藤" userId="d7b9c57dec2cb7b2" providerId="LiveId" clId="{B5EE32B2-6452-49FC-B26F-FFD57010605E}" dt="2022-01-30T06:48:11.568" v="1495" actId="164"/>
+          <ac:grpSpMkLst>
+            <pc:docMk/>
+            <pc:sldMk cId="10850041" sldId="262"/>
+            <ac:grpSpMk id="11" creationId="{60826B69-1A7D-46BF-A056-683484A50F21}"/>
+          </ac:grpSpMkLst>
+        </pc:grpChg>
+        <pc:cxnChg chg="add mod">
+          <ac:chgData name="大祐 近藤" userId="d7b9c57dec2cb7b2" providerId="LiveId" clId="{B5EE32B2-6452-49FC-B26F-FFD57010605E}" dt="2022-01-30T06:48:11.568" v="1495" actId="164"/>
+          <ac:cxnSpMkLst>
+            <pc:docMk/>
+            <pc:sldMk cId="10850041" sldId="262"/>
+            <ac:cxnSpMk id="6" creationId="{187E6AA8-8B1D-4790-B8FC-0E48AD981E16}"/>
+          </ac:cxnSpMkLst>
+        </pc:cxnChg>
+        <pc:cxnChg chg="add mod">
+          <ac:chgData name="大祐 近藤" userId="d7b9c57dec2cb7b2" providerId="LiveId" clId="{B5EE32B2-6452-49FC-B26F-FFD57010605E}" dt="2022-01-30T06:48:11.568" v="1495" actId="164"/>
+          <ac:cxnSpMkLst>
+            <pc:docMk/>
+            <pc:sldMk cId="10850041" sldId="262"/>
+            <ac:cxnSpMk id="45" creationId="{A7E43D5F-E2DC-46F7-B0FB-1A1A71FE2EC4}"/>
+          </ac:cxnSpMkLst>
+        </pc:cxnChg>
+        <pc:cxnChg chg="add mod">
+          <ac:chgData name="大祐 近藤" userId="d7b9c57dec2cb7b2" providerId="LiveId" clId="{B5EE32B2-6452-49FC-B26F-FFD57010605E}" dt="2022-01-30T06:48:11.568" v="1495" actId="164"/>
+          <ac:cxnSpMkLst>
+            <pc:docMk/>
+            <pc:sldMk cId="10850041" sldId="262"/>
+            <ac:cxnSpMk id="46" creationId="{A7B61A47-12EE-44CB-AE86-ADE8D2ED442B}"/>
+          </ac:cxnSpMkLst>
+        </pc:cxnChg>
+        <pc:cxnChg chg="add del mod">
+          <ac:chgData name="大祐 近藤" userId="d7b9c57dec2cb7b2" providerId="LiveId" clId="{B5EE32B2-6452-49FC-B26F-FFD57010605E}" dt="2022-01-30T06:03:03.041" v="470"/>
+          <ac:cxnSpMkLst>
+            <pc:docMk/>
+            <pc:sldMk cId="10850041" sldId="262"/>
+            <ac:cxnSpMk id="51" creationId="{302282B7-0D3F-4140-8137-9C89BA338CF4}"/>
+          </ac:cxnSpMkLst>
+        </pc:cxnChg>
+        <pc:cxnChg chg="add mod">
+          <ac:chgData name="大祐 近藤" userId="d7b9c57dec2cb7b2" providerId="LiveId" clId="{B5EE32B2-6452-49FC-B26F-FFD57010605E}" dt="2022-01-30T06:48:11.568" v="1495" actId="164"/>
+          <ac:cxnSpMkLst>
+            <pc:docMk/>
+            <pc:sldMk cId="10850041" sldId="262"/>
+            <ac:cxnSpMk id="52" creationId="{CF3D91F4-74B6-4BE4-BE6F-0B848CB7A5A3}"/>
+          </ac:cxnSpMkLst>
+        </pc:cxnChg>
+      </pc:sldChg>
+      <pc:sldChg chg="modSp del mod">
+        <pc:chgData name="大祐 近藤" userId="d7b9c57dec2cb7b2" providerId="LiveId" clId="{B5EE32B2-6452-49FC-B26F-FFD57010605E}" dt="2022-01-30T06:39:58.639" v="1347" actId="47"/>
+        <pc:sldMkLst>
+          <pc:docMk/>
+          <pc:sldMk cId="2143537473" sldId="264"/>
+        </pc:sldMkLst>
+        <pc:picChg chg="mod modCrop">
+          <ac:chgData name="大祐 近藤" userId="d7b9c57dec2cb7b2" providerId="LiveId" clId="{B5EE32B2-6452-49FC-B26F-FFD57010605E}" dt="2022-01-30T06:29:39.183" v="1059" actId="1036"/>
+          <ac:picMkLst>
+            <pc:docMk/>
+            <pc:sldMk cId="2143537473" sldId="264"/>
+            <ac:picMk id="8" creationId="{97A1C7DF-6AD9-4A6F-88D3-4B6E8E614274}"/>
+          </ac:picMkLst>
+        </pc:picChg>
+      </pc:sldChg>
+      <pc:sldChg chg="modSp mod">
+        <pc:chgData name="大祐 近藤" userId="d7b9c57dec2cb7b2" providerId="LiveId" clId="{B5EE32B2-6452-49FC-B26F-FFD57010605E}" dt="2022-01-30T04:57:25.175" v="75" actId="207"/>
+        <pc:sldMkLst>
+          <pc:docMk/>
+          <pc:sldMk cId="473406349" sldId="267"/>
+        </pc:sldMkLst>
+        <pc:spChg chg="mod">
+          <ac:chgData name="大祐 近藤" userId="d7b9c57dec2cb7b2" providerId="LiveId" clId="{B5EE32B2-6452-49FC-B26F-FFD57010605E}" dt="2022-01-30T04:57:19.543" v="73" actId="207"/>
+          <ac:spMkLst>
+            <pc:docMk/>
+            <pc:sldMk cId="473406349" sldId="267"/>
+            <ac:spMk id="12" creationId="{3E56FB91-2AF9-4B1C-9808-2B9DFB1F3258}"/>
+          </ac:spMkLst>
+        </pc:spChg>
+        <pc:spChg chg="mod">
+          <ac:chgData name="大祐 近藤" userId="d7b9c57dec2cb7b2" providerId="LiveId" clId="{B5EE32B2-6452-49FC-B26F-FFD57010605E}" dt="2022-01-30T04:57:25.175" v="75" actId="207"/>
+          <ac:spMkLst>
+            <pc:docMk/>
+            <pc:sldMk cId="473406349" sldId="267"/>
+            <ac:spMk id="45" creationId="{87E73357-0CAD-4820-BBDD-726960FD189E}"/>
+          </ac:spMkLst>
+        </pc:spChg>
+        <pc:spChg chg="mod">
+          <ac:chgData name="大祐 近藤" userId="d7b9c57dec2cb7b2" providerId="LiveId" clId="{B5EE32B2-6452-49FC-B26F-FFD57010605E}" dt="2022-01-30T04:57:22.652" v="74" actId="207"/>
+          <ac:spMkLst>
+            <pc:docMk/>
+            <pc:sldMk cId="473406349" sldId="267"/>
+            <ac:spMk id="46" creationId="{336F7216-29E7-46E9-BB69-AC776F2D235D}"/>
+          </ac:spMkLst>
+        </pc:spChg>
+        <pc:spChg chg="mod">
+          <ac:chgData name="大祐 近藤" userId="d7b9c57dec2cb7b2" providerId="LiveId" clId="{B5EE32B2-6452-49FC-B26F-FFD57010605E}" dt="2022-01-30T04:57:14.282" v="72" actId="1076"/>
+          <ac:spMkLst>
+            <pc:docMk/>
+            <pc:sldMk cId="473406349" sldId="267"/>
+            <ac:spMk id="469" creationId="{00000000-0000-0000-0000-000000000000}"/>
+          </ac:spMkLst>
+        </pc:spChg>
+      </pc:sldChg>
+      <pc:sldChg chg="addSp delSp modSp add mod">
+        <pc:chgData name="大祐 近藤" userId="d7b9c57dec2cb7b2" providerId="LiveId" clId="{B5EE32B2-6452-49FC-B26F-FFD57010605E}" dt="2022-01-30T07:09:06.534" v="1988" actId="20577"/>
+        <pc:sldMkLst>
+          <pc:docMk/>
+          <pc:sldMk cId="2744301866" sldId="268"/>
+        </pc:sldMkLst>
+        <pc:spChg chg="add mod">
+          <ac:chgData name="大祐 近藤" userId="d7b9c57dec2cb7b2" providerId="LiveId" clId="{B5EE32B2-6452-49FC-B26F-FFD57010605E}" dt="2022-01-30T07:07:05.868" v="1909" actId="14100"/>
+          <ac:spMkLst>
+            <pc:docMk/>
+            <pc:sldMk cId="2744301866" sldId="268"/>
+            <ac:spMk id="2" creationId="{4ECB2804-1B26-42C3-8B3F-5C2B80F85717}"/>
+          </ac:spMkLst>
+        </pc:spChg>
+        <pc:spChg chg="add del mod">
+          <ac:chgData name="大祐 近藤" userId="d7b9c57dec2cb7b2" providerId="LiveId" clId="{B5EE32B2-6452-49FC-B26F-FFD57010605E}" dt="2022-01-30T06:44:39.144" v="1437" actId="478"/>
+          <ac:spMkLst>
+            <pc:docMk/>
+            <pc:sldMk cId="2744301866" sldId="268"/>
+            <ac:spMk id="3" creationId="{821691A8-6893-4420-9AE3-0A789C8ABE9A}"/>
+          </ac:spMkLst>
+        </pc:spChg>
+        <pc:spChg chg="add del mod">
+          <ac:chgData name="大祐 近藤" userId="d7b9c57dec2cb7b2" providerId="LiveId" clId="{B5EE32B2-6452-49FC-B26F-FFD57010605E}" dt="2022-01-30T06:46:38.587" v="1468" actId="478"/>
+          <ac:spMkLst>
+            <pc:docMk/>
+            <pc:sldMk cId="2744301866" sldId="268"/>
+            <ac:spMk id="4" creationId="{553DBA0B-7ABA-4018-8F5A-E3EA513C6CF0}"/>
+          </ac:spMkLst>
+        </pc:spChg>
+        <pc:spChg chg="del">
+          <ac:chgData name="大祐 近藤" userId="d7b9c57dec2cb7b2" providerId="LiveId" clId="{B5EE32B2-6452-49FC-B26F-FFD57010605E}" dt="2022-01-30T06:30:33.642" v="1063" actId="478"/>
+          <ac:spMkLst>
+            <pc:docMk/>
+            <pc:sldMk cId="2744301866" sldId="268"/>
+            <ac:spMk id="11" creationId="{9D601CA2-D5A9-4754-98A2-F8A53BE71A4D}"/>
+          </ac:spMkLst>
+        </pc:spChg>
+        <pc:spChg chg="add mod">
+          <ac:chgData name="大祐 近藤" userId="d7b9c57dec2cb7b2" providerId="LiveId" clId="{B5EE32B2-6452-49FC-B26F-FFD57010605E}" dt="2022-01-30T07:06:49.009" v="1901" actId="1035"/>
+          <ac:spMkLst>
+            <pc:docMk/>
+            <pc:sldMk cId="2744301866" sldId="268"/>
+            <ac:spMk id="12" creationId="{CC12CE61-BDFC-4C57-9694-0FB1CE954162}"/>
+          </ac:spMkLst>
+        </pc:spChg>
+        <pc:spChg chg="add mod">
+          <ac:chgData name="大祐 近藤" userId="d7b9c57dec2cb7b2" providerId="LiveId" clId="{B5EE32B2-6452-49FC-B26F-FFD57010605E}" dt="2022-01-30T07:07:16.668" v="1913" actId="1076"/>
+          <ac:spMkLst>
+            <pc:docMk/>
+            <pc:sldMk cId="2744301866" sldId="268"/>
+            <ac:spMk id="13" creationId="{60796391-65CE-4169-A981-42E37CA1741A}"/>
+          </ac:spMkLst>
+        </pc:spChg>
+        <pc:spChg chg="add mod">
+          <ac:chgData name="大祐 近藤" userId="d7b9c57dec2cb7b2" providerId="LiveId" clId="{B5EE32B2-6452-49FC-B26F-FFD57010605E}" dt="2022-01-30T07:08:26.043" v="1970" actId="20577"/>
+          <ac:spMkLst>
+            <pc:docMk/>
+            <pc:sldMk cId="2744301866" sldId="268"/>
+            <ac:spMk id="14" creationId="{D12FD46E-682C-44C8-B4B4-772772CB095D}"/>
+          </ac:spMkLst>
+        </pc:spChg>
+        <pc:spChg chg="add mod">
+          <ac:chgData name="大祐 近藤" userId="d7b9c57dec2cb7b2" providerId="LiveId" clId="{B5EE32B2-6452-49FC-B26F-FFD57010605E}" dt="2022-01-30T07:07:36.275" v="1919" actId="1038"/>
+          <ac:spMkLst>
+            <pc:docMk/>
+            <pc:sldMk cId="2744301866" sldId="268"/>
+            <ac:spMk id="16" creationId="{8F5F1A34-714C-4DDA-91F3-4867048C932E}"/>
+          </ac:spMkLst>
+        </pc:spChg>
+        <pc:spChg chg="add mod">
+          <ac:chgData name="大祐 近藤" userId="d7b9c57dec2cb7b2" providerId="LiveId" clId="{B5EE32B2-6452-49FC-B26F-FFD57010605E}" dt="2022-01-30T07:06:38.684" v="1894" actId="1076"/>
+          <ac:spMkLst>
+            <pc:docMk/>
+            <pc:sldMk cId="2744301866" sldId="268"/>
+            <ac:spMk id="20" creationId="{3F45A9DC-878D-4D98-BB46-02218B94B5D8}"/>
+          </ac:spMkLst>
+        </pc:spChg>
+        <pc:spChg chg="add mod">
+          <ac:chgData name="大祐 近藤" userId="d7b9c57dec2cb7b2" providerId="LiveId" clId="{B5EE32B2-6452-49FC-B26F-FFD57010605E}" dt="2022-01-30T07:07:36.275" v="1919" actId="1038"/>
+          <ac:spMkLst>
+            <pc:docMk/>
+            <pc:sldMk cId="2744301866" sldId="268"/>
+            <ac:spMk id="21" creationId="{82094AA0-6731-46A6-B727-C8A758077BFE}"/>
+          </ac:spMkLst>
+        </pc:spChg>
+        <pc:spChg chg="mod">
+          <ac:chgData name="大祐 近藤" userId="d7b9c57dec2cb7b2" providerId="LiveId" clId="{B5EE32B2-6452-49FC-B26F-FFD57010605E}" dt="2022-01-30T06:48:14.289" v="1496"/>
+          <ac:spMkLst>
+            <pc:docMk/>
+            <pc:sldMk cId="2744301866" sldId="268"/>
+            <ac:spMk id="23" creationId="{8E007277-FD05-4200-889A-A5BFD2B661BA}"/>
+          </ac:spMkLst>
+        </pc:spChg>
+        <pc:spChg chg="mod">
+          <ac:chgData name="大祐 近藤" userId="d7b9c57dec2cb7b2" providerId="LiveId" clId="{B5EE32B2-6452-49FC-B26F-FFD57010605E}" dt="2022-01-30T06:48:14.289" v="1496"/>
+          <ac:spMkLst>
+            <pc:docMk/>
+            <pc:sldMk cId="2744301866" sldId="268"/>
+            <ac:spMk id="24" creationId="{0B0FC5BD-03B8-423C-AB3D-DA092B45E7FE}"/>
+          </ac:spMkLst>
+        </pc:spChg>
+        <pc:spChg chg="del">
+          <ac:chgData name="大祐 近藤" userId="d7b9c57dec2cb7b2" providerId="LiveId" clId="{B5EE32B2-6452-49FC-B26F-FFD57010605E}" dt="2022-01-30T06:30:29.874" v="1061" actId="478"/>
+          <ac:spMkLst>
+            <pc:docMk/>
+            <pc:sldMk cId="2744301866" sldId="268"/>
+            <ac:spMk id="25" creationId="{96E98D7F-856B-47A2-99A1-E44B74B36B36}"/>
+          </ac:spMkLst>
+        </pc:spChg>
+        <pc:spChg chg="mod">
+          <ac:chgData name="大祐 近藤" userId="d7b9c57dec2cb7b2" providerId="LiveId" clId="{B5EE32B2-6452-49FC-B26F-FFD57010605E}" dt="2022-01-30T06:48:14.289" v="1496"/>
+          <ac:spMkLst>
+            <pc:docMk/>
+            <pc:sldMk cId="2744301866" sldId="268"/>
+            <ac:spMk id="26" creationId="{CFB5B5C9-F730-4A2F-895A-AE2B69564B31}"/>
+          </ac:spMkLst>
+        </pc:spChg>
+        <pc:spChg chg="mod">
+          <ac:chgData name="大祐 近藤" userId="d7b9c57dec2cb7b2" providerId="LiveId" clId="{B5EE32B2-6452-49FC-B26F-FFD57010605E}" dt="2022-01-30T06:48:14.289" v="1496"/>
+          <ac:spMkLst>
+            <pc:docMk/>
+            <pc:sldMk cId="2744301866" sldId="268"/>
+            <ac:spMk id="27" creationId="{D3A67DDC-1F5B-4091-8619-AC798E9CFC3C}"/>
+          </ac:spMkLst>
+        </pc:spChg>
+        <pc:spChg chg="del">
+          <ac:chgData name="大祐 近藤" userId="d7b9c57dec2cb7b2" providerId="LiveId" clId="{B5EE32B2-6452-49FC-B26F-FFD57010605E}" dt="2022-01-30T06:30:31.893" v="1062" actId="478"/>
+          <ac:spMkLst>
+            <pc:docMk/>
+            <pc:sldMk cId="2744301866" sldId="268"/>
+            <ac:spMk id="28" creationId="{B1E5A26F-96E4-4220-9B4C-1F2A455062F9}"/>
+          </ac:spMkLst>
+        </pc:spChg>
+        <pc:spChg chg="mod">
+          <ac:chgData name="大祐 近藤" userId="d7b9c57dec2cb7b2" providerId="LiveId" clId="{B5EE32B2-6452-49FC-B26F-FFD57010605E}" dt="2022-01-30T06:48:14.289" v="1496"/>
+          <ac:spMkLst>
+            <pc:docMk/>
+            <pc:sldMk cId="2744301866" sldId="268"/>
+            <ac:spMk id="29" creationId="{223AEAAB-CF33-4B2C-820A-FABDBC2F7F1A}"/>
+          </ac:spMkLst>
+        </pc:spChg>
+        <pc:spChg chg="del">
+          <ac:chgData name="大祐 近藤" userId="d7b9c57dec2cb7b2" providerId="LiveId" clId="{B5EE32B2-6452-49FC-B26F-FFD57010605E}" dt="2022-01-30T06:30:31.893" v="1062" actId="478"/>
+          <ac:spMkLst>
+            <pc:docMk/>
+            <pc:sldMk cId="2744301866" sldId="268"/>
+            <ac:spMk id="30" creationId="{F82ED9F5-ED87-4D65-AC73-60908D923830}"/>
+          </ac:spMkLst>
+        </pc:spChg>
+        <pc:spChg chg="mod">
+          <ac:chgData name="大祐 近藤" userId="d7b9c57dec2cb7b2" providerId="LiveId" clId="{B5EE32B2-6452-49FC-B26F-FFD57010605E}" dt="2022-01-30T06:48:14.289" v="1496"/>
+          <ac:spMkLst>
+            <pc:docMk/>
+            <pc:sldMk cId="2744301866" sldId="268"/>
+            <ac:spMk id="31" creationId="{65EF23B7-F0B7-4E41-9329-99374AB78602}"/>
+          </ac:spMkLst>
+        </pc:spChg>
+        <pc:spChg chg="mod">
+          <ac:chgData name="大祐 近藤" userId="d7b9c57dec2cb7b2" providerId="LiveId" clId="{B5EE32B2-6452-49FC-B26F-FFD57010605E}" dt="2022-01-30T06:48:14.289" v="1496"/>
+          <ac:spMkLst>
+            <pc:docMk/>
+            <pc:sldMk cId="2744301866" sldId="268"/>
+            <ac:spMk id="32" creationId="{487A5BCA-5B0E-429E-93B8-7CA70D63A4EC}"/>
+          </ac:spMkLst>
+        </pc:spChg>
+        <pc:spChg chg="mod">
+          <ac:chgData name="大祐 近藤" userId="d7b9c57dec2cb7b2" providerId="LiveId" clId="{B5EE32B2-6452-49FC-B26F-FFD57010605E}" dt="2022-01-30T06:48:14.289" v="1496"/>
+          <ac:spMkLst>
+            <pc:docMk/>
+            <pc:sldMk cId="2744301866" sldId="268"/>
+            <ac:spMk id="33" creationId="{A984F1EF-D671-4ACE-A632-F646CA0B69E7}"/>
+          </ac:spMkLst>
+        </pc:spChg>
+        <pc:spChg chg="mod">
+          <ac:chgData name="大祐 近藤" userId="d7b9c57dec2cb7b2" providerId="LiveId" clId="{B5EE32B2-6452-49FC-B26F-FFD57010605E}" dt="2022-01-30T06:48:14.289" v="1496"/>
+          <ac:spMkLst>
+            <pc:docMk/>
+            <pc:sldMk cId="2744301866" sldId="268"/>
+            <ac:spMk id="34" creationId="{C1D501E9-8ADA-4868-B66D-631A067A7B42}"/>
+          </ac:spMkLst>
+        </pc:spChg>
+        <pc:spChg chg="mod">
+          <ac:chgData name="大祐 近藤" userId="d7b9c57dec2cb7b2" providerId="LiveId" clId="{B5EE32B2-6452-49FC-B26F-FFD57010605E}" dt="2022-01-30T06:48:14.289" v="1496"/>
+          <ac:spMkLst>
+            <pc:docMk/>
+            <pc:sldMk cId="2744301866" sldId="268"/>
+            <ac:spMk id="35" creationId="{0F58507A-6ED1-42A4-9545-32E59A79D7D4}"/>
+          </ac:spMkLst>
+        </pc:spChg>
+        <pc:spChg chg="mod">
+          <ac:chgData name="大祐 近藤" userId="d7b9c57dec2cb7b2" providerId="LiveId" clId="{B5EE32B2-6452-49FC-B26F-FFD57010605E}" dt="2022-01-30T06:48:14.289" v="1496"/>
+          <ac:spMkLst>
+            <pc:docMk/>
+            <pc:sldMk cId="2744301866" sldId="268"/>
+            <ac:spMk id="36" creationId="{B8C17A73-E1FC-4946-BC39-E7C801A5DB54}"/>
+          </ac:spMkLst>
+        </pc:spChg>
+        <pc:spChg chg="mod">
+          <ac:chgData name="大祐 近藤" userId="d7b9c57dec2cb7b2" providerId="LiveId" clId="{B5EE32B2-6452-49FC-B26F-FFD57010605E}" dt="2022-01-30T06:48:14.289" v="1496"/>
+          <ac:spMkLst>
+            <pc:docMk/>
+            <pc:sldMk cId="2744301866" sldId="268"/>
+            <ac:spMk id="37" creationId="{8477AE5E-DF98-484B-9EAD-3DEDB842CCA6}"/>
+          </ac:spMkLst>
+        </pc:spChg>
+        <pc:spChg chg="mod">
+          <ac:chgData name="大祐 近藤" userId="d7b9c57dec2cb7b2" providerId="LiveId" clId="{B5EE32B2-6452-49FC-B26F-FFD57010605E}" dt="2022-01-30T06:48:14.289" v="1496"/>
+          <ac:spMkLst>
+            <pc:docMk/>
+            <pc:sldMk cId="2744301866" sldId="268"/>
+            <ac:spMk id="38" creationId="{A29E66E2-C33A-425E-AD54-D17BFAB98089}"/>
+          </ac:spMkLst>
+        </pc:spChg>
+        <pc:spChg chg="mod">
+          <ac:chgData name="大祐 近藤" userId="d7b9c57dec2cb7b2" providerId="LiveId" clId="{B5EE32B2-6452-49FC-B26F-FFD57010605E}" dt="2022-01-30T06:48:14.289" v="1496"/>
+          <ac:spMkLst>
+            <pc:docMk/>
+            <pc:sldMk cId="2744301866" sldId="268"/>
+            <ac:spMk id="39" creationId="{E4EF9648-5843-4381-A142-98257A9DEB76}"/>
+          </ac:spMkLst>
+        </pc:spChg>
+        <pc:spChg chg="mod">
+          <ac:chgData name="大祐 近藤" userId="d7b9c57dec2cb7b2" providerId="LiveId" clId="{B5EE32B2-6452-49FC-B26F-FFD57010605E}" dt="2022-01-30T06:48:14.289" v="1496"/>
+          <ac:spMkLst>
+            <pc:docMk/>
+            <pc:sldMk cId="2744301866" sldId="268"/>
+            <ac:spMk id="40" creationId="{CD755CBE-B5EB-42D0-907B-7ABE185CAE32}"/>
+          </ac:spMkLst>
+        </pc:spChg>
+        <pc:spChg chg="del">
+          <ac:chgData name="大祐 近藤" userId="d7b9c57dec2cb7b2" providerId="LiveId" clId="{B5EE32B2-6452-49FC-B26F-FFD57010605E}" dt="2022-01-30T06:30:31.893" v="1062" actId="478"/>
+          <ac:spMkLst>
+            <pc:docMk/>
+            <pc:sldMk cId="2744301866" sldId="268"/>
+            <ac:spMk id="41" creationId="{2680BAB0-8BF1-4BF0-9C53-BDB5574C458F}"/>
+          </ac:spMkLst>
+        </pc:spChg>
+        <pc:spChg chg="del">
+          <ac:chgData name="大祐 近藤" userId="d7b9c57dec2cb7b2" providerId="LiveId" clId="{B5EE32B2-6452-49FC-B26F-FFD57010605E}" dt="2022-01-30T06:30:31.893" v="1062" actId="478"/>
+          <ac:spMkLst>
+            <pc:docMk/>
+            <pc:sldMk cId="2744301866" sldId="268"/>
+            <ac:spMk id="42" creationId="{B1F86B33-37E7-48ED-A08A-18D49BAB0856}"/>
+          </ac:spMkLst>
+        </pc:spChg>
+        <pc:spChg chg="mod">
+          <ac:chgData name="大祐 近藤" userId="d7b9c57dec2cb7b2" providerId="LiveId" clId="{B5EE32B2-6452-49FC-B26F-FFD57010605E}" dt="2022-01-30T06:48:14.289" v="1496"/>
+          <ac:spMkLst>
+            <pc:docMk/>
+            <pc:sldMk cId="2744301866" sldId="268"/>
+            <ac:spMk id="43" creationId="{9B4B01B8-7B65-40D7-85A9-124E2843FA3F}"/>
+          </ac:spMkLst>
+        </pc:spChg>
+        <pc:spChg chg="mod">
+          <ac:chgData name="大祐 近藤" userId="d7b9c57dec2cb7b2" providerId="LiveId" clId="{B5EE32B2-6452-49FC-B26F-FFD57010605E}" dt="2022-01-30T06:48:14.289" v="1496"/>
+          <ac:spMkLst>
+            <pc:docMk/>
+            <pc:sldMk cId="2744301866" sldId="268"/>
+            <ac:spMk id="44" creationId="{DDD295DF-DD4B-46AA-8CDE-067D8D9DD23D}"/>
+          </ac:spMkLst>
+        </pc:spChg>
+        <pc:spChg chg="mod">
+          <ac:chgData name="大祐 近藤" userId="d7b9c57dec2cb7b2" providerId="LiveId" clId="{B5EE32B2-6452-49FC-B26F-FFD57010605E}" dt="2022-01-30T06:48:14.289" v="1496"/>
+          <ac:spMkLst>
+            <pc:docMk/>
+            <pc:sldMk cId="2744301866" sldId="268"/>
+            <ac:spMk id="45" creationId="{6878F85C-3348-4851-88A6-49C3B2412AAE}"/>
+          </ac:spMkLst>
+        </pc:spChg>
+        <pc:spChg chg="mod">
+          <ac:chgData name="大祐 近藤" userId="d7b9c57dec2cb7b2" providerId="LiveId" clId="{B5EE32B2-6452-49FC-B26F-FFD57010605E}" dt="2022-01-30T06:48:14.289" v="1496"/>
+          <ac:spMkLst>
+            <pc:docMk/>
+            <pc:sldMk cId="2744301866" sldId="268"/>
+            <ac:spMk id="46" creationId="{DF70E3E5-A4F0-41DC-B15F-BBF684EA091E}"/>
+          </ac:spMkLst>
+        </pc:spChg>
+        <pc:spChg chg="mod">
+          <ac:chgData name="大祐 近藤" userId="d7b9c57dec2cb7b2" providerId="LiveId" clId="{B5EE32B2-6452-49FC-B26F-FFD57010605E}" dt="2022-01-30T06:48:14.289" v="1496"/>
+          <ac:spMkLst>
+            <pc:docMk/>
+            <pc:sldMk cId="2744301866" sldId="268"/>
+            <ac:spMk id="47" creationId="{960FCF85-1A45-40F4-B891-EBA58130A4D0}"/>
+          </ac:spMkLst>
+        </pc:spChg>
+        <pc:spChg chg="add mod">
+          <ac:chgData name="大祐 近藤" userId="d7b9c57dec2cb7b2" providerId="LiveId" clId="{B5EE32B2-6452-49FC-B26F-FFD57010605E}" dt="2022-01-30T07:09:06.534" v="1988" actId="20577"/>
+          <ac:spMkLst>
+            <pc:docMk/>
+            <pc:sldMk cId="2744301866" sldId="268"/>
+            <ac:spMk id="52" creationId="{B3AAB145-9E3D-49D2-9E17-5117CAD0036C}"/>
+          </ac:spMkLst>
+        </pc:spChg>
+        <pc:grpChg chg="add del mod">
+          <ac:chgData name="大祐 近藤" userId="d7b9c57dec2cb7b2" providerId="LiveId" clId="{B5EE32B2-6452-49FC-B26F-FFD57010605E}" dt="2022-01-30T06:48:15.738" v="1497"/>
+          <ac:grpSpMkLst>
+            <pc:docMk/>
+            <pc:sldMk cId="2744301866" sldId="268"/>
+            <ac:grpSpMk id="22" creationId="{AA5B170E-907C-4F1F-9F94-05C982AE0FF7}"/>
+          </ac:grpSpMkLst>
+        </pc:grpChg>
+        <pc:picChg chg="add del mod">
+          <ac:chgData name="大祐 近藤" userId="d7b9c57dec2cb7b2" providerId="LiveId" clId="{B5EE32B2-6452-49FC-B26F-FFD57010605E}" dt="2022-01-30T06:48:04.570" v="1494" actId="478"/>
+          <ac:picMkLst>
+            <pc:docMk/>
+            <pc:sldMk cId="2744301866" sldId="268"/>
+            <ac:picMk id="5" creationId="{B19E1BB6-C2CC-4A0F-8833-495D913B6F0E}"/>
+          </ac:picMkLst>
+        </pc:picChg>
+        <pc:picChg chg="add del mod modCrop">
+          <ac:chgData name="大祐 近藤" userId="d7b9c57dec2cb7b2" providerId="LiveId" clId="{B5EE32B2-6452-49FC-B26F-FFD57010605E}" dt="2022-01-30T06:49:40.888" v="1511" actId="478"/>
+          <ac:picMkLst>
+            <pc:docMk/>
+            <pc:sldMk cId="2744301866" sldId="268"/>
+            <ac:picMk id="6" creationId="{C4BECB9F-9A26-49EF-BA6E-7153A8407F63}"/>
+          </ac:picMkLst>
+        </pc:picChg>
+        <pc:picChg chg="mod">
+          <ac:chgData name="大祐 近藤" userId="d7b9c57dec2cb7b2" providerId="LiveId" clId="{B5EE32B2-6452-49FC-B26F-FFD57010605E}" dt="2022-01-30T07:07:11.287" v="1912" actId="1076"/>
+          <ac:picMkLst>
+            <pc:docMk/>
+            <pc:sldMk cId="2744301866" sldId="268"/>
+            <ac:picMk id="8" creationId="{97A1C7DF-6AD9-4A6F-88D3-4B6E8E614274}"/>
+          </ac:picMkLst>
+        </pc:picChg>
+        <pc:picChg chg="del">
+          <ac:chgData name="大祐 近藤" userId="d7b9c57dec2cb7b2" providerId="LiveId" clId="{B5EE32B2-6452-49FC-B26F-FFD57010605E}" dt="2022-01-30T06:30:33.642" v="1063" actId="478"/>
+          <ac:picMkLst>
+            <pc:docMk/>
+            <pc:sldMk cId="2744301866" sldId="268"/>
+            <ac:picMk id="15" creationId="{88CE6946-2026-415F-9A0B-C4B89796A13D}"/>
+          </ac:picMkLst>
+        </pc:picChg>
+        <pc:cxnChg chg="mod">
+          <ac:chgData name="大祐 近藤" userId="d7b9c57dec2cb7b2" providerId="LiveId" clId="{B5EE32B2-6452-49FC-B26F-FFD57010605E}" dt="2022-01-30T06:48:14.289" v="1496"/>
+          <ac:cxnSpMkLst>
+            <pc:docMk/>
+            <pc:sldMk cId="2744301866" sldId="268"/>
+            <ac:cxnSpMk id="48" creationId="{EBC2B3EB-1859-4B03-BD07-5302AC847091}"/>
+          </ac:cxnSpMkLst>
+        </pc:cxnChg>
+        <pc:cxnChg chg="mod">
+          <ac:chgData name="大祐 近藤" userId="d7b9c57dec2cb7b2" providerId="LiveId" clId="{B5EE32B2-6452-49FC-B26F-FFD57010605E}" dt="2022-01-30T06:48:14.289" v="1496"/>
+          <ac:cxnSpMkLst>
+            <pc:docMk/>
+            <pc:sldMk cId="2744301866" sldId="268"/>
+            <ac:cxnSpMk id="49" creationId="{9027CB15-20E0-4339-B62D-0389ED0EF602}"/>
+          </ac:cxnSpMkLst>
+        </pc:cxnChg>
+        <pc:cxnChg chg="mod">
+          <ac:chgData name="大祐 近藤" userId="d7b9c57dec2cb7b2" providerId="LiveId" clId="{B5EE32B2-6452-49FC-B26F-FFD57010605E}" dt="2022-01-30T06:48:14.289" v="1496"/>
+          <ac:cxnSpMkLst>
+            <pc:docMk/>
+            <pc:sldMk cId="2744301866" sldId="268"/>
+            <ac:cxnSpMk id="50" creationId="{C3C469F2-015E-4060-9BAE-004A4557386F}"/>
+          </ac:cxnSpMkLst>
+        </pc:cxnChg>
+        <pc:cxnChg chg="mod">
+          <ac:chgData name="大祐 近藤" userId="d7b9c57dec2cb7b2" providerId="LiveId" clId="{B5EE32B2-6452-49FC-B26F-FFD57010605E}" dt="2022-01-30T06:48:14.289" v="1496"/>
+          <ac:cxnSpMkLst>
+            <pc:docMk/>
+            <pc:sldMk cId="2744301866" sldId="268"/>
+            <ac:cxnSpMk id="51" creationId="{F876724B-83A7-4537-B053-E0A9620CFAEC}"/>
+          </ac:cxnSpMkLst>
+        </pc:cxnChg>
+      </pc:sldChg>
+    </pc:docChg>
+  </pc:docChgLst>
+  <pc:docChgLst>
     <pc:chgData name="大祐 近藤" userId="d7b9c57dec2cb7b2" providerId="LiveId" clId="{5E47485F-D665-4A47-BA3A-70732FEBCFE8}"/>
     <pc:docChg chg="custSel modSld">
       <pc:chgData name="大祐 近藤" userId="d7b9c57dec2cb7b2" providerId="LiveId" clId="{5E47485F-D665-4A47-BA3A-70732FEBCFE8}" dt="2022-01-30T03:01:26.650" v="132" actId="20577"/>
@@ -1770,7 +2495,7 @@
     </p:spTree>
     <p:extLst>
       <p:ext uri="{BB962C8B-B14F-4D97-AF65-F5344CB8AC3E}">
-        <p14:creationId xmlns:p14="http://schemas.microsoft.com/office/powerpoint/2010/main" val="1928156869"/>
+        <p14:creationId xmlns:p14="http://schemas.microsoft.com/office/powerpoint/2010/main" val="2055200051"/>
       </p:ext>
     </p:extLst>
   </p:cSld>
@@ -8402,9 +9127,7 @@
           <a:prstGeom prst="rect">
             <a:avLst/>
           </a:prstGeom>
-          <a:solidFill>
-            <a:schemeClr val="bg1"/>
-          </a:solidFill>
+          <a:noFill/>
           <a:ln>
             <a:noFill/>
           </a:ln>
@@ -8476,9 +9199,7 @@
           <a:prstGeom prst="rect">
             <a:avLst/>
           </a:prstGeom>
-          <a:solidFill>
-            <a:schemeClr val="bg1"/>
-          </a:solidFill>
+          <a:noFill/>
           <a:ln>
             <a:noFill/>
           </a:ln>
@@ -8660,9 +9381,7 @@
           <a:prstGeom prst="rect">
             <a:avLst/>
           </a:prstGeom>
-          <a:solidFill>
-            <a:schemeClr val="bg1"/>
-          </a:solidFill>
+          <a:noFill/>
           <a:ln>
             <a:noFill/>
           </a:ln>
@@ -9620,8 +10339,8 @@
         </p:nvSpPr>
         <p:spPr>
           <a:xfrm>
-            <a:off x="5657698" y="1049226"/>
-            <a:ext cx="2900886" cy="882355"/>
+            <a:off x="5441950" y="1135428"/>
+            <a:ext cx="3375663" cy="882355"/>
           </a:xfrm>
           <a:prstGeom prst="rect">
             <a:avLst/>
@@ -9675,7 +10394,7 @@
                 <a:latin typeface="Meiryo UI" panose="020B0604030504040204" pitchFamily="50" charset="-128"/>
                 <a:ea typeface="Meiryo UI" panose="020B0604030504040204" pitchFamily="50" charset="-128"/>
               </a:rPr>
-              <a:t>スペースの数 </a:t>
+              <a:t>スペースの数は、</a:t>
             </a:r>
             <a:r>
               <a:rPr kumimoji="1" lang="en-US" altLang="ja-JP" sz="1600" dirty="0">
@@ -9688,7 +10407,7 @@
                 <a:latin typeface="Meiryo UI" panose="020B0604030504040204" pitchFamily="50" charset="-128"/>
                 <a:ea typeface="Meiryo UI" panose="020B0604030504040204" pitchFamily="50" charset="-128"/>
               </a:rPr>
-              <a:t>= 2</a:t>
+              <a:t>2</a:t>
             </a:r>
             <a:r>
               <a:rPr kumimoji="1" lang="ja-JP" altLang="en-US" sz="1600" dirty="0">
@@ -9701,7 +10420,7 @@
                 <a:latin typeface="Meiryo UI" panose="020B0604030504040204" pitchFamily="50" charset="-128"/>
                 <a:ea typeface="Meiryo UI" panose="020B0604030504040204" pitchFamily="50" charset="-128"/>
               </a:rPr>
-              <a:t>（</a:t>
+              <a:t>で固定（</a:t>
             </a:r>
             <a:r>
               <a:rPr kumimoji="1" lang="en-US" altLang="ja-JP" sz="1600" dirty="0">
@@ -9714,7 +10433,7 @@
                 <a:latin typeface="Meiryo UI" panose="020B0604030504040204" pitchFamily="50" charset="-128"/>
                 <a:ea typeface="Meiryo UI" panose="020B0604030504040204" pitchFamily="50" charset="-128"/>
               </a:rPr>
-              <a:t>= 3–1</a:t>
+              <a:t>=3-1</a:t>
             </a:r>
             <a:r>
               <a:rPr kumimoji="1" lang="ja-JP" altLang="en-US" sz="1600" dirty="0">
@@ -9755,6 +10474,19 @@
               </a:tabLst>
             </a:pPr>
             <a:r>
+              <a:rPr kumimoji="1" lang="ja-JP" altLang="en-US" sz="1600" dirty="0">
+                <a:solidFill>
+                  <a:schemeClr val="tx1">
+                    <a:lumMod val="85000"/>
+                    <a:lumOff val="15000"/>
+                  </a:schemeClr>
+                </a:solidFill>
+                <a:latin typeface="Meiryo UI" panose="020B0604030504040204" pitchFamily="50" charset="-128"/>
+                <a:ea typeface="Meiryo UI" panose="020B0604030504040204" pitchFamily="50" charset="-128"/>
+              </a:rPr>
+              <a:t>番号が増えるにつれて、</a:t>
+            </a:r>
+            <a:br>
               <a:rPr kumimoji="1" lang="en-US" altLang="ja-JP" sz="1600" dirty="0">
                 <a:solidFill>
                   <a:schemeClr val="tx1">
@@ -9765,7 +10497,19 @@
                 <a:latin typeface="Meiryo UI" panose="020B0604030504040204" pitchFamily="50" charset="-128"/>
                 <a:ea typeface="Meiryo UI" panose="020B0604030504040204" pitchFamily="50" charset="-128"/>
               </a:rPr>
-              <a:t>“#”</a:t>
+            </a:br>
+            <a:r>
+              <a:rPr kumimoji="1" lang="en-US" altLang="ja-JP" sz="1600" dirty="0">
+                <a:solidFill>
+                  <a:schemeClr val="tx1">
+                    <a:lumMod val="85000"/>
+                    <a:lumOff val="15000"/>
+                  </a:schemeClr>
+                </a:solidFill>
+                <a:latin typeface="Meiryo UI" panose="020B0604030504040204" pitchFamily="50" charset="-128"/>
+                <a:ea typeface="Meiryo UI" panose="020B0604030504040204" pitchFamily="50" charset="-128"/>
+              </a:rPr>
+              <a:t>”#”</a:t>
             </a:r>
             <a:r>
               <a:rPr kumimoji="1" lang="ja-JP" altLang="en-US" sz="1600" dirty="0">
@@ -9778,110 +10522,7 @@
                 <a:latin typeface="Meiryo UI" panose="020B0604030504040204" pitchFamily="50" charset="-128"/>
                 <a:ea typeface="Meiryo UI" panose="020B0604030504040204" pitchFamily="50" charset="-128"/>
               </a:rPr>
-              <a:t>の数 </a:t>
-            </a:r>
-            <a:r>
-              <a:rPr kumimoji="1" lang="en-US" altLang="ja-JP" sz="1600" dirty="0">
-                <a:solidFill>
-                  <a:schemeClr val="tx1">
-                    <a:lumMod val="85000"/>
-                    <a:lumOff val="15000"/>
-                  </a:schemeClr>
-                </a:solidFill>
-                <a:latin typeface="Meiryo UI" panose="020B0604030504040204" pitchFamily="50" charset="-128"/>
-                <a:ea typeface="Meiryo UI" panose="020B0604030504040204" pitchFamily="50" charset="-128"/>
-              </a:rPr>
-              <a:t>= </a:t>
-            </a:r>
-            <a:r>
-              <a:rPr kumimoji="1" lang="ja-JP" altLang="en-US" sz="1600" dirty="0">
-                <a:solidFill>
-                  <a:schemeClr val="tx1">
-                    <a:lumMod val="85000"/>
-                    <a:lumOff val="15000"/>
-                  </a:schemeClr>
-                </a:solidFill>
-                <a:latin typeface="Meiryo UI" panose="020B0604030504040204" pitchFamily="50" charset="-128"/>
-                <a:ea typeface="Meiryo UI" panose="020B0604030504040204" pitchFamily="50" charset="-128"/>
-              </a:rPr>
-              <a:t>ブロック番号</a:t>
-            </a:r>
-            <a:endParaRPr kumimoji="1" lang="en-US" altLang="ja-JP" sz="1600" dirty="0">
-              <a:solidFill>
-                <a:schemeClr val="tx1">
-                  <a:lumMod val="85000"/>
-                  <a:lumOff val="15000"/>
-                </a:schemeClr>
-              </a:solidFill>
-              <a:latin typeface="Meiryo UI" panose="020B0604030504040204" pitchFamily="50" charset="-128"/>
-              <a:ea typeface="Meiryo UI" panose="020B0604030504040204" pitchFamily="50" charset="-128"/>
-            </a:endParaRPr>
-          </a:p>
-          <a:p>
-            <a:pPr marL="177800" indent="-177800">
-              <a:lnSpc>
-                <a:spcPct val="130000"/>
-              </a:lnSpc>
-              <a:buClr>
-                <a:schemeClr val="tx1"/>
-              </a:buClr>
-              <a:buFont typeface="Arial" panose="020B0604020202020204" pitchFamily="34" charset="0"/>
-              <a:buChar char="•"/>
-              <a:tabLst>
-                <a:tab pos="177800" algn="l"/>
-              </a:tabLst>
-            </a:pPr>
-            <a:r>
-              <a:rPr kumimoji="1" lang="en-US" altLang="ja-JP" sz="1600" dirty="0">
-                <a:solidFill>
-                  <a:schemeClr val="tx1">
-                    <a:lumMod val="85000"/>
-                    <a:lumOff val="15000"/>
-                  </a:schemeClr>
-                </a:solidFill>
-                <a:latin typeface="Meiryo UI" panose="020B0604030504040204" pitchFamily="50" charset="-128"/>
-                <a:ea typeface="Meiryo UI" panose="020B0604030504040204" pitchFamily="50" charset="-128"/>
-              </a:rPr>
-              <a:t>“#”</a:t>
-            </a:r>
-            <a:r>
-              <a:rPr kumimoji="1" lang="ja-JP" altLang="en-US" sz="1600" dirty="0">
-                <a:solidFill>
-                  <a:schemeClr val="tx1">
-                    <a:lumMod val="85000"/>
-                    <a:lumOff val="15000"/>
-                  </a:schemeClr>
-                </a:solidFill>
-                <a:latin typeface="Meiryo UI" panose="020B0604030504040204" pitchFamily="50" charset="-128"/>
-                <a:ea typeface="Meiryo UI" panose="020B0604030504040204" pitchFamily="50" charset="-128"/>
-              </a:rPr>
-              <a:t>の位置 </a:t>
-            </a:r>
-            <a:r>
-              <a:rPr kumimoji="1" lang="en-US" altLang="ja-JP" sz="1600" dirty="0">
-                <a:solidFill>
-                  <a:schemeClr val="tx1">
-                    <a:lumMod val="85000"/>
-                    <a:lumOff val="15000"/>
-                  </a:schemeClr>
-                </a:solidFill>
-                <a:latin typeface="Meiryo UI" panose="020B0604030504040204" pitchFamily="50" charset="-128"/>
-                <a:ea typeface="Meiryo UI" panose="020B0604030504040204" pitchFamily="50" charset="-128"/>
-              </a:rPr>
-              <a:t>= </a:t>
-            </a:r>
-            <a:r>
-              <a:rPr kumimoji="1" lang="ja-JP" altLang="en-US" sz="1600" dirty="0">
-                <a:solidFill>
-                  <a:schemeClr val="tx1">
-                    <a:lumMod val="85000"/>
-                    <a:lumOff val="15000"/>
-                  </a:schemeClr>
-                </a:solidFill>
-                <a:latin typeface="Meiryo UI" panose="020B0604030504040204" pitchFamily="50" charset="-128"/>
-                <a:ea typeface="Meiryo UI" panose="020B0604030504040204" pitchFamily="50" charset="-128"/>
-              </a:rPr>
-              <a:t>スペースの間</a:t>
+              <a:t>がスペースの間に差し込まれていく</a:t>
             </a:r>
             <a:endParaRPr kumimoji="1" lang="en-US" altLang="ja-JP" sz="1600" dirty="0">
               <a:solidFill>
@@ -9910,7 +10551,7 @@
         </p:nvSpPr>
         <p:spPr>
           <a:xfrm>
-            <a:off x="4963253" y="1286446"/>
+            <a:off x="4819122" y="1272270"/>
             <a:ext cx="418577" cy="391291"/>
           </a:xfrm>
           <a:prstGeom prst="rightArrow">
@@ -9945,12 +10586,58 @@
           </a:p>
         </p:txBody>
       </p:sp>
+      <p:cxnSp>
+        <p:nvCxnSpPr>
+          <p:cNvPr id="48" name="直線コネクタ 47">
+            <a:extLst>
+              <a:ext uri="{FF2B5EF4-FFF2-40B4-BE49-F238E27FC236}">
+                <a16:creationId xmlns:a16="http://schemas.microsoft.com/office/drawing/2014/main" id="{7F7996C0-C160-4CD4-9369-1E7A4DD72A65}"/>
+              </a:ext>
+            </a:extLst>
+          </p:cNvPr>
+          <p:cNvCxnSpPr>
+            <a:cxnSpLocks/>
+          </p:cNvCxnSpPr>
+          <p:nvPr/>
+        </p:nvCxnSpPr>
+        <p:spPr>
+          <a:xfrm>
+            <a:off x="3014766" y="1427478"/>
+            <a:ext cx="0" cy="499413"/>
+          </a:xfrm>
+          <a:prstGeom prst="line">
+            <a:avLst/>
+          </a:prstGeom>
+          <a:ln w="19050">
+            <a:solidFill>
+              <a:schemeClr val="accent6">
+                <a:lumMod val="60000"/>
+                <a:lumOff val="40000"/>
+              </a:schemeClr>
+            </a:solidFill>
+          </a:ln>
+        </p:spPr>
+        <p:style>
+          <a:lnRef idx="1">
+            <a:schemeClr val="accent1"/>
+          </a:lnRef>
+          <a:fillRef idx="0">
+            <a:schemeClr val="accent1"/>
+          </a:fillRef>
+          <a:effectRef idx="0">
+            <a:schemeClr val="accent1"/>
+          </a:effectRef>
+          <a:fontRef idx="minor">
+            <a:schemeClr val="tx1"/>
+          </a:fontRef>
+        </p:style>
+      </p:cxnSp>
       <p:grpSp>
         <p:nvGrpSpPr>
-          <p:cNvPr id="7" name="グループ化 6">
+          <p:cNvPr id="11" name="グループ化 10">
             <a:extLst>
               <a:ext uri="{FF2B5EF4-FFF2-40B4-BE49-F238E27FC236}">
-                <a16:creationId xmlns:a16="http://schemas.microsoft.com/office/drawing/2014/main" id="{21A71391-69EF-49F2-84BE-CE7C325B9D3F}"/>
+                <a16:creationId xmlns:a16="http://schemas.microsoft.com/office/drawing/2014/main" id="{60826B69-1A7D-46BF-A056-683484A50F21}"/>
               </a:ext>
             </a:extLst>
           </p:cNvPr>
@@ -9960,164 +10647,612 @@
         <p:grpSpPr>
           <a:xfrm>
             <a:off x="197889" y="2285728"/>
-            <a:ext cx="8748222" cy="2301251"/>
+            <a:ext cx="8928786" cy="2301251"/>
             <a:chOff x="197889" y="2285728"/>
-            <a:chExt cx="8748222" cy="2301251"/>
+            <a:chExt cx="8928786" cy="2301251"/>
           </a:xfrm>
         </p:grpSpPr>
-        <p:grpSp>
-          <p:nvGrpSpPr>
-            <p:cNvPr id="3" name="グループ化 2">
+        <p:sp>
+          <p:nvSpPr>
+            <p:cNvPr id="47" name="正方形/長方形 46">
               <a:extLst>
                 <a:ext uri="{FF2B5EF4-FFF2-40B4-BE49-F238E27FC236}">
-                  <a16:creationId xmlns:a16="http://schemas.microsoft.com/office/drawing/2014/main" id="{AF4D5C8C-153E-4CF4-B55E-4DAB16936935}"/>
+                  <a16:creationId xmlns:a16="http://schemas.microsoft.com/office/drawing/2014/main" id="{7E4F8DE7-7A00-4C21-838A-6474D463DC9E}"/>
                 </a:ext>
               </a:extLst>
             </p:cNvPr>
-            <p:cNvGrpSpPr/>
+            <p:cNvSpPr/>
             <p:nvPr/>
-          </p:nvGrpSpPr>
-          <p:grpSpPr>
+          </p:nvSpPr>
+          <p:spPr>
             <a:xfrm>
-              <a:off x="197889" y="2337963"/>
-              <a:ext cx="8748222" cy="2249016"/>
-              <a:chOff x="197889" y="2337963"/>
-              <a:chExt cx="8748222" cy="2249016"/>
+              <a:off x="7952030" y="4003699"/>
+              <a:ext cx="453277" cy="247965"/>
             </a:xfrm>
-          </p:grpSpPr>
-          <p:sp>
-            <p:nvSpPr>
-              <p:cNvPr id="29" name="正方形/長方形 28">
-                <a:extLst>
-                  <a:ext uri="{FF2B5EF4-FFF2-40B4-BE49-F238E27FC236}">
-                    <a16:creationId xmlns:a16="http://schemas.microsoft.com/office/drawing/2014/main" id="{9A29573D-ED39-4BE7-92FD-576A11A4CD24}"/>
-                  </a:ext>
-                </a:extLst>
-              </p:cNvPr>
-              <p:cNvSpPr/>
-              <p:nvPr/>
-            </p:nvSpPr>
-            <p:spPr>
-              <a:xfrm>
-                <a:off x="321458" y="2337963"/>
-                <a:ext cx="8624653" cy="2249016"/>
-              </a:xfrm>
-              <a:prstGeom prst="rect">
-                <a:avLst/>
-              </a:prstGeom>
+            <a:prstGeom prst="rect">
+              <a:avLst/>
+            </a:prstGeom>
+            <a:solidFill>
+              <a:srgbClr val="FFFFCC"/>
+            </a:solidFill>
+            <a:ln>
               <a:noFill/>
-              <a:ln>
-                <a:noFill/>
-              </a:ln>
-            </p:spPr>
-            <p:style>
-              <a:lnRef idx="2">
-                <a:schemeClr val="accent1">
-                  <a:shade val="50000"/>
-                </a:schemeClr>
-              </a:lnRef>
-              <a:fillRef idx="1">
-                <a:schemeClr val="accent1"/>
-              </a:fillRef>
-              <a:effectRef idx="0">
-                <a:schemeClr val="accent1"/>
-              </a:effectRef>
-              <a:fontRef idx="minor">
-                <a:schemeClr val="lt1"/>
-              </a:fontRef>
-            </p:style>
-            <p:txBody>
-              <a:bodyPr rtlCol="0" anchor="t"/>
-              <a:lstStyle/>
-              <a:p>
-                <a:pPr>
-                  <a:lnSpc>
-                    <a:spcPct val="150000"/>
-                  </a:lnSpc>
-                </a:pPr>
-                <a:r>
-                  <a:rPr kumimoji="1" lang="ja-JP" altLang="en-US" dirty="0">
-                    <a:solidFill>
-                      <a:schemeClr val="tx1">
-                        <a:lumMod val="85000"/>
-                        <a:lumOff val="15000"/>
-                      </a:schemeClr>
-                    </a:solidFill>
-                    <a:ea typeface="Meiryo UI" panose="020B0604030504040204" pitchFamily="50" charset="-128"/>
-                  </a:rPr>
-                  <a:t>・　スペース</a:t>
-                </a:r>
-                <a:r>
-                  <a:rPr kumimoji="1" lang="en-US" altLang="ja-JP" dirty="0">
-                    <a:solidFill>
-                      <a:schemeClr val="tx1">
-                        <a:lumMod val="85000"/>
-                        <a:lumOff val="15000"/>
-                      </a:schemeClr>
-                    </a:solidFill>
-                    <a:ea typeface="Meiryo UI" panose="020B0604030504040204" pitchFamily="50" charset="-128"/>
-                  </a:rPr>
-                  <a:t>“</a:t>
-                </a:r>
-                <a:r>
-                  <a:rPr kumimoji="1" lang="en-US" altLang="ja-JP" u="heavy" dirty="0">
-                    <a:solidFill>
-                      <a:schemeClr val="tx1">
-                        <a:lumMod val="85000"/>
-                        <a:lumOff val="15000"/>
-                      </a:schemeClr>
-                    </a:solidFill>
-                    <a:uFill>
-                      <a:solidFill>
-                        <a:schemeClr val="accent1"/>
-                      </a:solidFill>
-                    </a:uFill>
-                    <a:ea typeface="Meiryo UI" panose="020B0604030504040204" pitchFamily="50" charset="-128"/>
-                  </a:rPr>
-                  <a:t> </a:t>
-                </a:r>
-                <a:r>
-                  <a:rPr kumimoji="1" lang="en-US" altLang="ja-JP" u="heavy" dirty="0">
-                    <a:solidFill>
-                      <a:schemeClr val="tx1">
-                        <a:lumMod val="85000"/>
-                        <a:lumOff val="15000"/>
-                      </a:schemeClr>
-                    </a:solidFill>
-                    <a:uFill>
-                      <a:solidFill>
-                        <a:schemeClr val="accent2"/>
-                      </a:solidFill>
-                    </a:uFill>
-                    <a:ea typeface="Meiryo UI" panose="020B0604030504040204" pitchFamily="50" charset="-128"/>
-                  </a:rPr>
-                  <a:t> </a:t>
-                </a:r>
-                <a:r>
-                  <a:rPr kumimoji="1" lang="en-US" altLang="ja-JP" dirty="0">
-                    <a:solidFill>
-                      <a:schemeClr val="tx1">
-                        <a:lumMod val="85000"/>
-                        <a:lumOff val="15000"/>
-                      </a:schemeClr>
-                    </a:solidFill>
-                    <a:ea typeface="Meiryo UI" panose="020B0604030504040204" pitchFamily="50" charset="-128"/>
-                  </a:rPr>
-                  <a:t>”</a:t>
-                </a:r>
-                <a:r>
-                  <a:rPr kumimoji="1" lang="ja-JP" altLang="en-US" dirty="0">
-                    <a:solidFill>
-                      <a:schemeClr val="tx1">
-                        <a:lumMod val="85000"/>
-                        <a:lumOff val="15000"/>
-                      </a:schemeClr>
-                    </a:solidFill>
-                    <a:ea typeface="Meiryo UI" panose="020B0604030504040204" pitchFamily="50" charset="-128"/>
-                  </a:rPr>
-                  <a:t>を用意</a:t>
-                </a:r>
-                <a:endParaRPr kumimoji="1" lang="en-US" altLang="ja-JP" dirty="0">
+            </a:ln>
+          </p:spPr>
+          <p:style>
+            <a:lnRef idx="2">
+              <a:schemeClr val="accent1">
+                <a:shade val="50000"/>
+              </a:schemeClr>
+            </a:lnRef>
+            <a:fillRef idx="1">
+              <a:schemeClr val="accent1"/>
+            </a:fillRef>
+            <a:effectRef idx="0">
+              <a:schemeClr val="accent1"/>
+            </a:effectRef>
+            <a:fontRef idx="minor">
+              <a:schemeClr val="lt1"/>
+            </a:fontRef>
+          </p:style>
+          <p:txBody>
+            <a:bodyPr rtlCol="0" anchor="ctr"/>
+            <a:lstStyle/>
+            <a:p>
+              <a:pPr algn="ctr"/>
+              <a:endParaRPr kumimoji="1" lang="ja-JP" altLang="en-US" dirty="0">
+                <a:solidFill>
+                  <a:schemeClr val="tx1">
+                    <a:lumMod val="85000"/>
+                    <a:lumOff val="15000"/>
+                  </a:schemeClr>
+                </a:solidFill>
+                <a:latin typeface="Meiryo UI" panose="020B0604030504040204" pitchFamily="50" charset="-128"/>
+                <a:ea typeface="Meiryo UI" panose="020B0604030504040204" pitchFamily="50" charset="-128"/>
+              </a:endParaRPr>
+            </a:p>
+          </p:txBody>
+        </p:sp>
+        <p:sp>
+          <p:nvSpPr>
+            <p:cNvPr id="49" name="正方形/長方形 48">
+              <a:extLst>
+                <a:ext uri="{FF2B5EF4-FFF2-40B4-BE49-F238E27FC236}">
+                  <a16:creationId xmlns:a16="http://schemas.microsoft.com/office/drawing/2014/main" id="{822CF126-F655-4761-8F3D-E3135675E97D}"/>
+                </a:ext>
+              </a:extLst>
+            </p:cNvPr>
+            <p:cNvSpPr/>
+            <p:nvPr/>
+          </p:nvSpPr>
+          <p:spPr>
+            <a:xfrm>
+              <a:off x="7358359" y="4003699"/>
+              <a:ext cx="593671" cy="247965"/>
+            </a:xfrm>
+            <a:prstGeom prst="rect">
+              <a:avLst/>
+            </a:prstGeom>
+            <a:solidFill>
+              <a:srgbClr val="CCFFFF"/>
+            </a:solidFill>
+            <a:ln>
+              <a:noFill/>
+            </a:ln>
+          </p:spPr>
+          <p:style>
+            <a:lnRef idx="2">
+              <a:schemeClr val="accent1">
+                <a:shade val="50000"/>
+              </a:schemeClr>
+            </a:lnRef>
+            <a:fillRef idx="1">
+              <a:schemeClr val="accent1"/>
+            </a:fillRef>
+            <a:effectRef idx="0">
+              <a:schemeClr val="accent1"/>
+            </a:effectRef>
+            <a:fontRef idx="minor">
+              <a:schemeClr val="lt1"/>
+            </a:fontRef>
+          </p:style>
+          <p:txBody>
+            <a:bodyPr rtlCol="0" anchor="ctr"/>
+            <a:lstStyle/>
+            <a:p>
+              <a:pPr algn="ctr"/>
+              <a:endParaRPr kumimoji="1" lang="ja-JP" altLang="en-US" dirty="0">
+                <a:solidFill>
+                  <a:schemeClr val="tx1">
+                    <a:lumMod val="85000"/>
+                    <a:lumOff val="15000"/>
+                  </a:schemeClr>
+                </a:solidFill>
+                <a:latin typeface="Meiryo UI" panose="020B0604030504040204" pitchFamily="50" charset="-128"/>
+                <a:ea typeface="Meiryo UI" panose="020B0604030504040204" pitchFamily="50" charset="-128"/>
+              </a:endParaRPr>
+            </a:p>
+          </p:txBody>
+        </p:sp>
+        <p:sp>
+          <p:nvSpPr>
+            <p:cNvPr id="50" name="正方形/長方形 49">
+              <a:extLst>
+                <a:ext uri="{FF2B5EF4-FFF2-40B4-BE49-F238E27FC236}">
+                  <a16:creationId xmlns:a16="http://schemas.microsoft.com/office/drawing/2014/main" id="{5941D1EF-889F-4ABD-AD76-F0F9A281B208}"/>
+                </a:ext>
+              </a:extLst>
+            </p:cNvPr>
+            <p:cNvSpPr/>
+            <p:nvPr/>
+          </p:nvSpPr>
+          <p:spPr>
+            <a:xfrm>
+              <a:off x="6905082" y="4003699"/>
+              <a:ext cx="459407" cy="247965"/>
+            </a:xfrm>
+            <a:prstGeom prst="rect">
+              <a:avLst/>
+            </a:prstGeom>
+            <a:solidFill>
+              <a:srgbClr val="FFCCFF"/>
+            </a:solidFill>
+            <a:ln>
+              <a:noFill/>
+            </a:ln>
+          </p:spPr>
+          <p:style>
+            <a:lnRef idx="2">
+              <a:schemeClr val="accent1">
+                <a:shade val="50000"/>
+              </a:schemeClr>
+            </a:lnRef>
+            <a:fillRef idx="1">
+              <a:schemeClr val="accent1"/>
+            </a:fillRef>
+            <a:effectRef idx="0">
+              <a:schemeClr val="accent1"/>
+            </a:effectRef>
+            <a:fontRef idx="minor">
+              <a:schemeClr val="lt1"/>
+            </a:fontRef>
+          </p:style>
+          <p:txBody>
+            <a:bodyPr rtlCol="0" anchor="ctr"/>
+            <a:lstStyle/>
+            <a:p>
+              <a:pPr algn="ctr"/>
+              <a:endParaRPr kumimoji="1" lang="ja-JP" altLang="en-US" dirty="0">
+                <a:solidFill>
+                  <a:schemeClr val="tx1">
+                    <a:lumMod val="85000"/>
+                    <a:lumOff val="15000"/>
+                  </a:schemeClr>
+                </a:solidFill>
+                <a:latin typeface="Meiryo UI" panose="020B0604030504040204" pitchFamily="50" charset="-128"/>
+                <a:ea typeface="Meiryo UI" panose="020B0604030504040204" pitchFamily="50" charset="-128"/>
+              </a:endParaRPr>
+            </a:p>
+          </p:txBody>
+        </p:sp>
+        <p:sp>
+          <p:nvSpPr>
+            <p:cNvPr id="39" name="正方形/長方形 38">
+              <a:extLst>
+                <a:ext uri="{FF2B5EF4-FFF2-40B4-BE49-F238E27FC236}">
+                  <a16:creationId xmlns:a16="http://schemas.microsoft.com/office/drawing/2014/main" id="{D57DDB7D-102B-4709-B92F-255347514501}"/>
+                </a:ext>
+              </a:extLst>
+            </p:cNvPr>
+            <p:cNvSpPr/>
+            <p:nvPr/>
+          </p:nvSpPr>
+          <p:spPr>
+            <a:xfrm>
+              <a:off x="5501178" y="4003699"/>
+              <a:ext cx="678288" cy="247965"/>
+            </a:xfrm>
+            <a:prstGeom prst="rect">
+              <a:avLst/>
+            </a:prstGeom>
+            <a:solidFill>
+              <a:srgbClr val="FFFFCC"/>
+            </a:solidFill>
+            <a:ln>
+              <a:noFill/>
+            </a:ln>
+          </p:spPr>
+          <p:style>
+            <a:lnRef idx="2">
+              <a:schemeClr val="accent1">
+                <a:shade val="50000"/>
+              </a:schemeClr>
+            </a:lnRef>
+            <a:fillRef idx="1">
+              <a:schemeClr val="accent1"/>
+            </a:fillRef>
+            <a:effectRef idx="0">
+              <a:schemeClr val="accent1"/>
+            </a:effectRef>
+            <a:fontRef idx="minor">
+              <a:schemeClr val="lt1"/>
+            </a:fontRef>
+          </p:style>
+          <p:txBody>
+            <a:bodyPr rtlCol="0" anchor="ctr"/>
+            <a:lstStyle/>
+            <a:p>
+              <a:pPr algn="ctr"/>
+              <a:endParaRPr kumimoji="1" lang="ja-JP" altLang="en-US" dirty="0">
+                <a:solidFill>
+                  <a:schemeClr val="tx1">
+                    <a:lumMod val="85000"/>
+                    <a:lumOff val="15000"/>
+                  </a:schemeClr>
+                </a:solidFill>
+                <a:latin typeface="Meiryo UI" panose="020B0604030504040204" pitchFamily="50" charset="-128"/>
+                <a:ea typeface="Meiryo UI" panose="020B0604030504040204" pitchFamily="50" charset="-128"/>
+              </a:endParaRPr>
+            </a:p>
+          </p:txBody>
+        </p:sp>
+        <p:sp>
+          <p:nvSpPr>
+            <p:cNvPr id="33" name="正方形/長方形 32">
+              <a:extLst>
+                <a:ext uri="{FF2B5EF4-FFF2-40B4-BE49-F238E27FC236}">
+                  <a16:creationId xmlns:a16="http://schemas.microsoft.com/office/drawing/2014/main" id="{20A759E8-5629-4172-9A9A-8BC06772D26E}"/>
+                </a:ext>
+              </a:extLst>
+            </p:cNvPr>
+            <p:cNvSpPr/>
+            <p:nvPr/>
+          </p:nvSpPr>
+          <p:spPr>
+            <a:xfrm>
+              <a:off x="4907507" y="4003699"/>
+              <a:ext cx="593671" cy="247965"/>
+            </a:xfrm>
+            <a:prstGeom prst="rect">
+              <a:avLst/>
+            </a:prstGeom>
+            <a:solidFill>
+              <a:srgbClr val="CCFFFF"/>
+            </a:solidFill>
+            <a:ln>
+              <a:noFill/>
+            </a:ln>
+          </p:spPr>
+          <p:style>
+            <a:lnRef idx="2">
+              <a:schemeClr val="accent1">
+                <a:shade val="50000"/>
+              </a:schemeClr>
+            </a:lnRef>
+            <a:fillRef idx="1">
+              <a:schemeClr val="accent1"/>
+            </a:fillRef>
+            <a:effectRef idx="0">
+              <a:schemeClr val="accent1"/>
+            </a:effectRef>
+            <a:fontRef idx="minor">
+              <a:schemeClr val="lt1"/>
+            </a:fontRef>
+          </p:style>
+          <p:txBody>
+            <a:bodyPr rtlCol="0" anchor="ctr"/>
+            <a:lstStyle/>
+            <a:p>
+              <a:pPr algn="ctr"/>
+              <a:endParaRPr kumimoji="1" lang="ja-JP" altLang="en-US" dirty="0">
+                <a:solidFill>
+                  <a:schemeClr val="tx1">
+                    <a:lumMod val="85000"/>
+                    <a:lumOff val="15000"/>
+                  </a:schemeClr>
+                </a:solidFill>
+                <a:latin typeface="Meiryo UI" panose="020B0604030504040204" pitchFamily="50" charset="-128"/>
+                <a:ea typeface="Meiryo UI" panose="020B0604030504040204" pitchFamily="50" charset="-128"/>
+              </a:endParaRPr>
+            </a:p>
+          </p:txBody>
+        </p:sp>
+        <p:sp>
+          <p:nvSpPr>
+            <p:cNvPr id="32" name="正方形/長方形 31">
+              <a:extLst>
+                <a:ext uri="{FF2B5EF4-FFF2-40B4-BE49-F238E27FC236}">
+                  <a16:creationId xmlns:a16="http://schemas.microsoft.com/office/drawing/2014/main" id="{C80BF633-C0D9-4593-B66F-3B4CC9E9B1E2}"/>
+                </a:ext>
+              </a:extLst>
+            </p:cNvPr>
+            <p:cNvSpPr/>
+            <p:nvPr/>
+          </p:nvSpPr>
+          <p:spPr>
+            <a:xfrm>
+              <a:off x="4454230" y="4003699"/>
+              <a:ext cx="459407" cy="247965"/>
+            </a:xfrm>
+            <a:prstGeom prst="rect">
+              <a:avLst/>
+            </a:prstGeom>
+            <a:solidFill>
+              <a:srgbClr val="FFCCFF"/>
+            </a:solidFill>
+            <a:ln>
+              <a:noFill/>
+            </a:ln>
+          </p:spPr>
+          <p:style>
+            <a:lnRef idx="2">
+              <a:schemeClr val="accent1">
+                <a:shade val="50000"/>
+              </a:schemeClr>
+            </a:lnRef>
+            <a:fillRef idx="1">
+              <a:schemeClr val="accent1"/>
+            </a:fillRef>
+            <a:effectRef idx="0">
+              <a:schemeClr val="accent1"/>
+            </a:effectRef>
+            <a:fontRef idx="minor">
+              <a:schemeClr val="lt1"/>
+            </a:fontRef>
+          </p:style>
+          <p:txBody>
+            <a:bodyPr rtlCol="0" anchor="ctr"/>
+            <a:lstStyle/>
+            <a:p>
+              <a:pPr algn="ctr"/>
+              <a:endParaRPr kumimoji="1" lang="ja-JP" altLang="en-US" dirty="0">
+                <a:solidFill>
+                  <a:schemeClr val="tx1">
+                    <a:lumMod val="85000"/>
+                    <a:lumOff val="15000"/>
+                  </a:schemeClr>
+                </a:solidFill>
+                <a:latin typeface="Meiryo UI" panose="020B0604030504040204" pitchFamily="50" charset="-128"/>
+                <a:ea typeface="Meiryo UI" panose="020B0604030504040204" pitchFamily="50" charset="-128"/>
+              </a:endParaRPr>
+            </a:p>
+          </p:txBody>
+        </p:sp>
+        <p:sp>
+          <p:nvSpPr>
+            <p:cNvPr id="31" name="正方形/長方形 30">
+              <a:extLst>
+                <a:ext uri="{FF2B5EF4-FFF2-40B4-BE49-F238E27FC236}">
+                  <a16:creationId xmlns:a16="http://schemas.microsoft.com/office/drawing/2014/main" id="{85D69C3C-F70A-4335-9517-A53991B4A2CB}"/>
+                </a:ext>
+              </a:extLst>
+            </p:cNvPr>
+            <p:cNvSpPr/>
+            <p:nvPr/>
+          </p:nvSpPr>
+          <p:spPr>
+            <a:xfrm>
+              <a:off x="4907507" y="3636230"/>
+              <a:ext cx="593671" cy="247965"/>
+            </a:xfrm>
+            <a:prstGeom prst="rect">
+              <a:avLst/>
+            </a:prstGeom>
+            <a:solidFill>
+              <a:srgbClr val="CCFFFF"/>
+            </a:solidFill>
+            <a:ln>
+              <a:noFill/>
+            </a:ln>
+          </p:spPr>
+          <p:style>
+            <a:lnRef idx="2">
+              <a:schemeClr val="accent1">
+                <a:shade val="50000"/>
+              </a:schemeClr>
+            </a:lnRef>
+            <a:fillRef idx="1">
+              <a:schemeClr val="accent1"/>
+            </a:fillRef>
+            <a:effectRef idx="0">
+              <a:schemeClr val="accent1"/>
+            </a:effectRef>
+            <a:fontRef idx="minor">
+              <a:schemeClr val="lt1"/>
+            </a:fontRef>
+          </p:style>
+          <p:txBody>
+            <a:bodyPr rtlCol="0" anchor="ctr"/>
+            <a:lstStyle/>
+            <a:p>
+              <a:pPr algn="ctr"/>
+              <a:endParaRPr kumimoji="1" lang="ja-JP" altLang="en-US" dirty="0">
+                <a:solidFill>
+                  <a:schemeClr val="tx1">
+                    <a:lumMod val="85000"/>
+                    <a:lumOff val="15000"/>
+                  </a:schemeClr>
+                </a:solidFill>
+                <a:latin typeface="Meiryo UI" panose="020B0604030504040204" pitchFamily="50" charset="-128"/>
+                <a:ea typeface="Meiryo UI" panose="020B0604030504040204" pitchFamily="50" charset="-128"/>
+              </a:endParaRPr>
+            </a:p>
+          </p:txBody>
+        </p:sp>
+        <p:sp>
+          <p:nvSpPr>
+            <p:cNvPr id="30" name="正方形/長方形 29">
+              <a:extLst>
+                <a:ext uri="{FF2B5EF4-FFF2-40B4-BE49-F238E27FC236}">
+                  <a16:creationId xmlns:a16="http://schemas.microsoft.com/office/drawing/2014/main" id="{9570902A-A37F-4B87-8526-2B927A6CF2DD}"/>
+                </a:ext>
+              </a:extLst>
+            </p:cNvPr>
+            <p:cNvSpPr/>
+            <p:nvPr/>
+          </p:nvSpPr>
+          <p:spPr>
+            <a:xfrm>
+              <a:off x="4454230" y="3636230"/>
+              <a:ext cx="459407" cy="247965"/>
+            </a:xfrm>
+            <a:prstGeom prst="rect">
+              <a:avLst/>
+            </a:prstGeom>
+            <a:solidFill>
+              <a:srgbClr val="FFCCFF"/>
+            </a:solidFill>
+            <a:ln>
+              <a:noFill/>
+            </a:ln>
+          </p:spPr>
+          <p:style>
+            <a:lnRef idx="2">
+              <a:schemeClr val="accent1">
+                <a:shade val="50000"/>
+              </a:schemeClr>
+            </a:lnRef>
+            <a:fillRef idx="1">
+              <a:schemeClr val="accent1"/>
+            </a:fillRef>
+            <a:effectRef idx="0">
+              <a:schemeClr val="accent1"/>
+            </a:effectRef>
+            <a:fontRef idx="minor">
+              <a:schemeClr val="lt1"/>
+            </a:fontRef>
+          </p:style>
+          <p:txBody>
+            <a:bodyPr rtlCol="0" anchor="ctr"/>
+            <a:lstStyle/>
+            <a:p>
+              <a:pPr algn="ctr"/>
+              <a:endParaRPr kumimoji="1" lang="ja-JP" altLang="en-US" dirty="0">
+                <a:solidFill>
+                  <a:schemeClr val="tx1">
+                    <a:lumMod val="85000"/>
+                    <a:lumOff val="15000"/>
+                  </a:schemeClr>
+                </a:solidFill>
+                <a:latin typeface="Meiryo UI" panose="020B0604030504040204" pitchFamily="50" charset="-128"/>
+                <a:ea typeface="Meiryo UI" panose="020B0604030504040204" pitchFamily="50" charset="-128"/>
+              </a:endParaRPr>
+            </a:p>
+          </p:txBody>
+        </p:sp>
+        <p:sp>
+          <p:nvSpPr>
+            <p:cNvPr id="28" name="正方形/長方形 27">
+              <a:extLst>
+                <a:ext uri="{FF2B5EF4-FFF2-40B4-BE49-F238E27FC236}">
+                  <a16:creationId xmlns:a16="http://schemas.microsoft.com/office/drawing/2014/main" id="{3705C55F-3C52-4330-9398-57F62FC7EA6F}"/>
+                </a:ext>
+              </a:extLst>
+            </p:cNvPr>
+            <p:cNvSpPr/>
+            <p:nvPr/>
+          </p:nvSpPr>
+          <p:spPr>
+            <a:xfrm>
+              <a:off x="4454230" y="3276258"/>
+              <a:ext cx="459407" cy="247965"/>
+            </a:xfrm>
+            <a:prstGeom prst="rect">
+              <a:avLst/>
+            </a:prstGeom>
+            <a:solidFill>
+              <a:srgbClr val="FFCCFF"/>
+            </a:solidFill>
+            <a:ln>
+              <a:noFill/>
+            </a:ln>
+          </p:spPr>
+          <p:style>
+            <a:lnRef idx="2">
+              <a:schemeClr val="accent1">
+                <a:shade val="50000"/>
+              </a:schemeClr>
+            </a:lnRef>
+            <a:fillRef idx="1">
+              <a:schemeClr val="accent1"/>
+            </a:fillRef>
+            <a:effectRef idx="0">
+              <a:schemeClr val="accent1"/>
+            </a:effectRef>
+            <a:fontRef idx="minor">
+              <a:schemeClr val="lt1"/>
+            </a:fontRef>
+          </p:style>
+          <p:txBody>
+            <a:bodyPr rtlCol="0" anchor="ctr"/>
+            <a:lstStyle/>
+            <a:p>
+              <a:pPr algn="ctr"/>
+              <a:endParaRPr kumimoji="1" lang="ja-JP" altLang="en-US" dirty="0">
+                <a:solidFill>
+                  <a:schemeClr val="tx1">
+                    <a:lumMod val="85000"/>
+                    <a:lumOff val="15000"/>
+                  </a:schemeClr>
+                </a:solidFill>
+                <a:latin typeface="Meiryo UI" panose="020B0604030504040204" pitchFamily="50" charset="-128"/>
+                <a:ea typeface="Meiryo UI" panose="020B0604030504040204" pitchFamily="50" charset="-128"/>
+              </a:endParaRPr>
+            </a:p>
+          </p:txBody>
+        </p:sp>
+        <p:sp>
+          <p:nvSpPr>
+            <p:cNvPr id="29" name="正方形/長方形 28">
+              <a:extLst>
+                <a:ext uri="{FF2B5EF4-FFF2-40B4-BE49-F238E27FC236}">
+                  <a16:creationId xmlns:a16="http://schemas.microsoft.com/office/drawing/2014/main" id="{9A29573D-ED39-4BE7-92FD-576A11A4CD24}"/>
+                </a:ext>
+              </a:extLst>
+            </p:cNvPr>
+            <p:cNvSpPr/>
+            <p:nvPr/>
+          </p:nvSpPr>
+          <p:spPr>
+            <a:xfrm>
+              <a:off x="502022" y="2337963"/>
+              <a:ext cx="8624653" cy="2249016"/>
+            </a:xfrm>
+            <a:prstGeom prst="rect">
+              <a:avLst/>
+            </a:prstGeom>
+            <a:noFill/>
+            <a:ln>
+              <a:noFill/>
+            </a:ln>
+          </p:spPr>
+          <p:style>
+            <a:lnRef idx="2">
+              <a:schemeClr val="accent1">
+                <a:shade val="50000"/>
+              </a:schemeClr>
+            </a:lnRef>
+            <a:fillRef idx="1">
+              <a:schemeClr val="accent1"/>
+            </a:fillRef>
+            <a:effectRef idx="0">
+              <a:schemeClr val="accent1"/>
+            </a:effectRef>
+            <a:fontRef idx="minor">
+              <a:schemeClr val="lt1"/>
+            </a:fontRef>
+          </p:style>
+          <p:txBody>
+            <a:bodyPr rtlCol="0" anchor="t"/>
+            <a:lstStyle/>
+            <a:p>
+              <a:pPr>
+                <a:lnSpc>
+                  <a:spcPct val="150000"/>
+                </a:lnSpc>
+              </a:pPr>
+              <a:r>
+                <a:rPr kumimoji="1" lang="ja-JP" altLang="en-US" dirty="0">
                   <a:solidFill>
                     <a:schemeClr val="tx1">
                       <a:lumMod val="85000"/>
@@ -10125,15 +11260,11 @@
                     </a:schemeClr>
                   </a:solidFill>
                   <a:ea typeface="Meiryo UI" panose="020B0604030504040204" pitchFamily="50" charset="-128"/>
-                </a:endParaRPr>
-              </a:p>
-              <a:p>
-                <a:pPr>
-                  <a:lnSpc>
-                    <a:spcPct val="150000"/>
-                  </a:lnSpc>
-                </a:pPr>
-                <a:endParaRPr kumimoji="1" lang="en-US" altLang="ja-JP" sz="1100" b="1" dirty="0">
+                </a:rPr>
+                <a:t>まずは、スペース</a:t>
+              </a:r>
+              <a:r>
+                <a:rPr kumimoji="1" lang="en-US" altLang="ja-JP" dirty="0">
                   <a:solidFill>
                     <a:schemeClr val="tx1">
                       <a:lumMod val="85000"/>
@@ -10141,15 +11272,45 @@
                     </a:schemeClr>
                   </a:solidFill>
                   <a:ea typeface="Meiryo UI" panose="020B0604030504040204" pitchFamily="50" charset="-128"/>
-                </a:endParaRPr>
-              </a:p>
-              <a:p>
-                <a:pPr>
-                  <a:lnSpc>
-                    <a:spcPct val="150000"/>
-                  </a:lnSpc>
-                </a:pPr>
-                <a:endParaRPr kumimoji="1" lang="en-US" altLang="ja-JP" sz="1100" b="1" dirty="0">
+                </a:rPr>
+                <a:t>“</a:t>
+              </a:r>
+              <a:r>
+                <a:rPr kumimoji="1" lang="en-US" altLang="ja-JP" u="heavy" dirty="0">
+                  <a:solidFill>
+                    <a:schemeClr val="tx1">
+                      <a:lumMod val="85000"/>
+                      <a:lumOff val="15000"/>
+                    </a:schemeClr>
+                  </a:solidFill>
+                  <a:uFill>
+                    <a:solidFill>
+                      <a:schemeClr val="accent1"/>
+                    </a:solidFill>
+                  </a:uFill>
+                  <a:ea typeface="Meiryo UI" panose="020B0604030504040204" pitchFamily="50" charset="-128"/>
+                </a:rPr>
+                <a:t> </a:t>
+              </a:r>
+              <a:r>
+                <a:rPr kumimoji="1" lang="en-US" altLang="ja-JP" u="heavy" dirty="0">
+                  <a:solidFill>
+                    <a:schemeClr val="tx1">
+                      <a:lumMod val="85000"/>
+                      <a:lumOff val="15000"/>
+                    </a:schemeClr>
+                  </a:solidFill>
+                  <a:uFill>
+                    <a:solidFill>
+                      <a:schemeClr val="accent2"/>
+                    </a:solidFill>
+                  </a:uFill>
+                  <a:ea typeface="Meiryo UI" panose="020B0604030504040204" pitchFamily="50" charset="-128"/>
+                </a:rPr>
+                <a:t> </a:t>
+              </a:r>
+              <a:r>
+                <a:rPr kumimoji="1" lang="en-US" altLang="ja-JP" dirty="0">
                   <a:solidFill>
                     <a:schemeClr val="tx1">
                       <a:lumMod val="85000"/>
@@ -10157,1426 +11318,1536 @@
                     </a:schemeClr>
                   </a:solidFill>
                   <a:ea typeface="Meiryo UI" panose="020B0604030504040204" pitchFamily="50" charset="-128"/>
-                </a:endParaRPr>
-              </a:p>
-              <a:p>
-                <a:pPr lvl="1">
-                  <a:lnSpc>
-                    <a:spcPct val="150000"/>
-                  </a:lnSpc>
-                  <a:buClr>
-                    <a:schemeClr val="tx1"/>
-                  </a:buClr>
-                </a:pPr>
-                <a:r>
-                  <a:rPr kumimoji="1" lang="en-US" altLang="ja-JP" sz="1600" b="1" dirty="0">
+                </a:rPr>
+                <a:t>”</a:t>
+              </a:r>
+              <a:r>
+                <a:rPr kumimoji="1" lang="ja-JP" altLang="en-US" dirty="0">
+                  <a:solidFill>
+                    <a:schemeClr val="tx1">
+                      <a:lumMod val="85000"/>
+                      <a:lumOff val="15000"/>
+                    </a:schemeClr>
+                  </a:solidFill>
+                  <a:ea typeface="Meiryo UI" panose="020B0604030504040204" pitchFamily="50" charset="-128"/>
+                </a:rPr>
+                <a:t>を用意</a:t>
+              </a:r>
+              <a:endParaRPr kumimoji="1" lang="en-US" altLang="ja-JP" dirty="0">
+                <a:solidFill>
+                  <a:schemeClr val="tx1">
+                    <a:lumMod val="85000"/>
+                    <a:lumOff val="15000"/>
+                  </a:schemeClr>
+                </a:solidFill>
+                <a:ea typeface="Meiryo UI" panose="020B0604030504040204" pitchFamily="50" charset="-128"/>
+              </a:endParaRPr>
+            </a:p>
+            <a:p>
+              <a:pPr>
+                <a:lnSpc>
+                  <a:spcPct val="150000"/>
+                </a:lnSpc>
+              </a:pPr>
+              <a:endParaRPr kumimoji="1" lang="en-US" altLang="ja-JP" sz="1100" b="1" dirty="0">
+                <a:solidFill>
+                  <a:schemeClr val="tx1">
+                    <a:lumMod val="85000"/>
+                    <a:lumOff val="15000"/>
+                  </a:schemeClr>
+                </a:solidFill>
+                <a:ea typeface="Meiryo UI" panose="020B0604030504040204" pitchFamily="50" charset="-128"/>
+              </a:endParaRPr>
+            </a:p>
+            <a:p>
+              <a:pPr>
+                <a:lnSpc>
+                  <a:spcPct val="150000"/>
+                </a:lnSpc>
+              </a:pPr>
+              <a:endParaRPr kumimoji="1" lang="en-US" altLang="ja-JP" sz="1100" b="1" dirty="0">
+                <a:solidFill>
+                  <a:schemeClr val="tx1">
+                    <a:lumMod val="85000"/>
+                    <a:lumOff val="15000"/>
+                  </a:schemeClr>
+                </a:solidFill>
+                <a:ea typeface="Meiryo UI" panose="020B0604030504040204" pitchFamily="50" charset="-128"/>
+              </a:endParaRPr>
+            </a:p>
+            <a:p>
+              <a:pPr lvl="1">
+                <a:lnSpc>
+                  <a:spcPct val="150000"/>
+                </a:lnSpc>
+                <a:buClr>
+                  <a:schemeClr val="tx1"/>
+                </a:buClr>
+              </a:pPr>
+              <a:r>
+                <a:rPr kumimoji="1" lang="en-US" altLang="ja-JP" sz="1600" b="1" dirty="0">
+                  <a:solidFill>
+                    <a:schemeClr val="tx1">
+                      <a:lumMod val="85000"/>
+                      <a:lumOff val="15000"/>
+                    </a:schemeClr>
+                  </a:solidFill>
+                  <a:ea typeface="Meiryo UI" panose="020B0604030504040204" pitchFamily="50" charset="-128"/>
+                </a:rPr>
+                <a:t>1</a:t>
+              </a:r>
+              <a:r>
+                <a:rPr kumimoji="1" lang="ja-JP" altLang="en-US" sz="1200" b="1" dirty="0">
+                  <a:solidFill>
+                    <a:schemeClr val="tx1">
+                      <a:lumMod val="85000"/>
+                      <a:lumOff val="15000"/>
+                    </a:schemeClr>
+                  </a:solidFill>
+                  <a:ea typeface="Meiryo UI" panose="020B0604030504040204" pitchFamily="50" charset="-128"/>
+                </a:rPr>
+                <a:t>回目</a:t>
+              </a:r>
+              <a:r>
+                <a:rPr kumimoji="1" lang="en-US" altLang="ja-JP" sz="1600" b="1" dirty="0">
+                  <a:solidFill>
+                    <a:schemeClr val="tx1">
+                      <a:lumMod val="85000"/>
+                      <a:lumOff val="15000"/>
+                    </a:schemeClr>
+                  </a:solidFill>
+                  <a:ea typeface="Meiryo UI" panose="020B0604030504040204" pitchFamily="50" charset="-128"/>
+                </a:rPr>
+                <a:t>    “</a:t>
+              </a:r>
+              <a:r>
+                <a:rPr kumimoji="1" lang="en-US" altLang="ja-JP" sz="1600" b="1" u="heavy" dirty="0">
+                  <a:solidFill>
+                    <a:schemeClr val="tx1">
+                      <a:lumMod val="85000"/>
+                      <a:lumOff val="15000"/>
+                    </a:schemeClr>
+                  </a:solidFill>
+                  <a:uFill>
                     <a:solidFill>
-                      <a:schemeClr val="tx1">
-                        <a:lumMod val="85000"/>
-                        <a:lumOff val="15000"/>
+                      <a:schemeClr val="accent1"/>
+                    </a:solidFill>
+                  </a:uFill>
+                  <a:ea typeface="Meiryo UI" panose="020B0604030504040204" pitchFamily="50" charset="-128"/>
+                </a:rPr>
+                <a:t> </a:t>
+              </a:r>
+              <a:r>
+                <a:rPr kumimoji="1" lang="en-US" altLang="ja-JP" sz="1600" b="1" u="heavy" dirty="0">
+                  <a:solidFill>
+                    <a:schemeClr val="tx1">
+                      <a:lumMod val="85000"/>
+                      <a:lumOff val="15000"/>
+                    </a:schemeClr>
+                  </a:solidFill>
+                  <a:uFill>
+                    <a:solidFill>
+                      <a:schemeClr val="accent2"/>
+                    </a:solidFill>
+                  </a:uFill>
+                  <a:ea typeface="Meiryo UI" panose="020B0604030504040204" pitchFamily="50" charset="-128"/>
+                </a:rPr>
+                <a:t> </a:t>
+              </a:r>
+              <a:r>
+                <a:rPr kumimoji="1" lang="en-US" altLang="ja-JP" sz="1600" b="1" dirty="0">
+                  <a:solidFill>
+                    <a:schemeClr val="tx1">
+                      <a:lumMod val="85000"/>
+                      <a:lumOff val="15000"/>
+                    </a:schemeClr>
+                  </a:solidFill>
+                  <a:uFill>
+                    <a:solidFill>
+                      <a:schemeClr val="accent1"/>
+                    </a:solidFill>
+                  </a:uFill>
+                  <a:ea typeface="Meiryo UI" panose="020B0604030504040204" pitchFamily="50" charset="-128"/>
+                </a:rPr>
+                <a:t>#</a:t>
+              </a:r>
+              <a:r>
+                <a:rPr kumimoji="1" lang="en-US" altLang="ja-JP" sz="1600" b="1" dirty="0">
+                  <a:solidFill>
+                    <a:schemeClr val="tx1">
+                      <a:lumMod val="85000"/>
+                      <a:lumOff val="15000"/>
+                    </a:schemeClr>
+                  </a:solidFill>
+                  <a:ea typeface="Meiryo UI" panose="020B0604030504040204" pitchFamily="50" charset="-128"/>
+                </a:rPr>
+                <a:t>”          =&gt;      “</a:t>
+              </a:r>
+              <a:r>
+                <a:rPr kumimoji="1" lang="en-US" altLang="ja-JP" sz="1600" b="1" u="heavy" dirty="0">
+                  <a:solidFill>
+                    <a:schemeClr val="tx1">
+                      <a:lumMod val="85000"/>
+                      <a:lumOff val="15000"/>
+                    </a:schemeClr>
+                  </a:solidFill>
+                  <a:uFill>
+                    <a:solidFill>
+                      <a:schemeClr val="accent1"/>
+                    </a:solidFill>
+                  </a:uFill>
+                  <a:ea typeface="Meiryo UI" panose="020B0604030504040204" pitchFamily="50" charset="-128"/>
+                </a:rPr>
+                <a:t> </a:t>
+              </a:r>
+              <a:r>
+                <a:rPr kumimoji="1" lang="en-US" altLang="ja-JP" sz="1600" b="1" u="heavy" dirty="0">
+                  <a:solidFill>
+                    <a:schemeClr val="tx1">
+                      <a:lumMod val="85000"/>
+                      <a:lumOff val="15000"/>
+                    </a:schemeClr>
+                  </a:solidFill>
+                  <a:uFill>
+                    <a:solidFill>
+                      <a:schemeClr val="accent2"/>
+                    </a:solidFill>
+                  </a:uFill>
+                  <a:ea typeface="Meiryo UI" panose="020B0604030504040204" pitchFamily="50" charset="-128"/>
+                </a:rPr>
+                <a:t> </a:t>
+              </a:r>
+              <a:r>
+                <a:rPr kumimoji="1" lang="en-US" altLang="ja-JP" sz="1600" b="1" dirty="0">
+                  <a:solidFill>
+                    <a:schemeClr val="tx1">
+                      <a:lumMod val="85000"/>
+                      <a:lumOff val="15000"/>
+                    </a:schemeClr>
+                  </a:solidFill>
+                  <a:uFill>
+                    <a:solidFill>
+                      <a:schemeClr val="accent1"/>
+                    </a:solidFill>
+                  </a:uFill>
+                  <a:ea typeface="Meiryo UI" panose="020B0604030504040204" pitchFamily="50" charset="-128"/>
+                </a:rPr>
+                <a:t>#</a:t>
+              </a:r>
+              <a:r>
+                <a:rPr kumimoji="1" lang="en-US" altLang="ja-JP" sz="1600" b="1" dirty="0">
+                  <a:solidFill>
+                    <a:srgbClr val="2FD7B4"/>
+                  </a:solidFill>
+                  <a:uFill>
+                    <a:solidFill>
+                      <a:schemeClr val="accent1"/>
+                    </a:solidFill>
+                  </a:uFill>
+                  <a:ea typeface="Meiryo UI" panose="020B0604030504040204" pitchFamily="50" charset="-128"/>
+                </a:rPr>
+                <a:t>\n</a:t>
+              </a:r>
+              <a:r>
+                <a:rPr kumimoji="1" lang="en-US" altLang="ja-JP" sz="1600" b="1" dirty="0">
+                  <a:solidFill>
+                    <a:schemeClr val="tx1">
+                      <a:lumMod val="85000"/>
+                      <a:lumOff val="15000"/>
+                    </a:schemeClr>
+                  </a:solidFill>
+                  <a:ea typeface="Meiryo UI" panose="020B0604030504040204" pitchFamily="50" charset="-128"/>
+                </a:rPr>
+                <a:t>”       =&gt;    “</a:t>
+              </a:r>
+              <a:r>
+                <a:rPr kumimoji="1" lang="en-US" altLang="ja-JP" sz="1600" b="1" u="heavy" dirty="0">
+                  <a:solidFill>
+                    <a:schemeClr val="tx1">
+                      <a:lumMod val="85000"/>
+                      <a:lumOff val="15000"/>
+                    </a:schemeClr>
+                  </a:solidFill>
+                  <a:uFill>
+                    <a:solidFill>
+                      <a:schemeClr val="accent1"/>
+                    </a:solidFill>
+                  </a:uFill>
+                  <a:ea typeface="Meiryo UI" panose="020B0604030504040204" pitchFamily="50" charset="-128"/>
+                </a:rPr>
+                <a:t> </a:t>
+              </a:r>
+              <a:r>
+                <a:rPr kumimoji="1" lang="en-US" altLang="ja-JP" sz="1600" b="1" u="heavy" dirty="0">
+                  <a:solidFill>
+                    <a:schemeClr val="tx1">
+                      <a:lumMod val="85000"/>
+                      <a:lumOff val="15000"/>
+                    </a:schemeClr>
+                  </a:solidFill>
+                  <a:uFill>
+                    <a:solidFill>
+                      <a:schemeClr val="accent2"/>
+                    </a:solidFill>
+                  </a:uFill>
+                  <a:ea typeface="Meiryo UI" panose="020B0604030504040204" pitchFamily="50" charset="-128"/>
+                </a:rPr>
+                <a:t> </a:t>
+              </a:r>
+              <a:r>
+                <a:rPr kumimoji="1" lang="en-US" altLang="ja-JP" sz="1600" b="1" dirty="0">
+                  <a:solidFill>
+                    <a:schemeClr val="tx1">
+                      <a:lumMod val="85000"/>
+                      <a:lumOff val="15000"/>
+                    </a:schemeClr>
+                  </a:solidFill>
+                  <a:uFill>
+                    <a:solidFill>
+                      <a:schemeClr val="accent1"/>
+                    </a:solidFill>
+                  </a:uFill>
+                  <a:ea typeface="Meiryo UI" panose="020B0604030504040204" pitchFamily="50" charset="-128"/>
+                </a:rPr>
+                <a:t>#</a:t>
+              </a:r>
+              <a:r>
+                <a:rPr kumimoji="1" lang="en-US" altLang="ja-JP" sz="1600" b="1" dirty="0">
+                  <a:solidFill>
+                    <a:srgbClr val="2FD7B4"/>
+                  </a:solidFill>
+                  <a:uFill>
+                    <a:solidFill>
+                      <a:schemeClr val="accent1"/>
+                    </a:solidFill>
+                  </a:uFill>
+                  <a:ea typeface="Meiryo UI" panose="020B0604030504040204" pitchFamily="50" charset="-128"/>
+                </a:rPr>
+                <a:t>\n</a:t>
+              </a:r>
+              <a:r>
+                <a:rPr kumimoji="1" lang="en-US" altLang="ja-JP" sz="1600" b="1" dirty="0">
+                  <a:solidFill>
+                    <a:schemeClr val="tx1">
+                      <a:lumMod val="85000"/>
+                      <a:lumOff val="15000"/>
+                    </a:schemeClr>
+                  </a:solidFill>
+                  <a:ea typeface="Meiryo UI" panose="020B0604030504040204" pitchFamily="50" charset="-128"/>
+                </a:rPr>
+                <a:t>”</a:t>
+              </a:r>
+            </a:p>
+            <a:p>
+              <a:pPr lvl="1">
+                <a:lnSpc>
+                  <a:spcPct val="150000"/>
+                </a:lnSpc>
+                <a:buClr>
+                  <a:schemeClr val="tx1"/>
+                </a:buClr>
+              </a:pPr>
+              <a:r>
+                <a:rPr kumimoji="1" lang="en-US" altLang="ja-JP" sz="1600" b="1" dirty="0">
+                  <a:solidFill>
+                    <a:schemeClr val="tx1">
+                      <a:lumMod val="85000"/>
+                      <a:lumOff val="15000"/>
+                    </a:schemeClr>
+                  </a:solidFill>
+                  <a:ea typeface="Meiryo UI" panose="020B0604030504040204" pitchFamily="50" charset="-128"/>
+                </a:rPr>
+                <a:t>2</a:t>
+              </a:r>
+              <a:r>
+                <a:rPr kumimoji="1" lang="ja-JP" altLang="en-US" sz="1200" b="1" dirty="0">
+                  <a:solidFill>
+                    <a:schemeClr val="tx1">
+                      <a:lumMod val="85000"/>
+                      <a:lumOff val="15000"/>
+                    </a:schemeClr>
+                  </a:solidFill>
+                  <a:ea typeface="Meiryo UI" panose="020B0604030504040204" pitchFamily="50" charset="-128"/>
+                </a:rPr>
+                <a:t>回目</a:t>
+              </a:r>
+              <a:r>
+                <a:rPr kumimoji="1" lang="en-US" altLang="ja-JP" sz="1600" b="1" dirty="0">
+                  <a:solidFill>
+                    <a:schemeClr val="tx1">
+                      <a:lumMod val="85000"/>
+                      <a:lumOff val="15000"/>
+                    </a:schemeClr>
+                  </a:solidFill>
+                  <a:ea typeface="Meiryo UI" panose="020B0604030504040204" pitchFamily="50" charset="-128"/>
+                </a:rPr>
+                <a:t>    “</a:t>
+              </a:r>
+              <a:r>
+                <a:rPr kumimoji="1" lang="en-US" altLang="ja-JP" sz="1600" b="1" u="heavy" dirty="0">
+                  <a:solidFill>
+                    <a:schemeClr val="tx1">
+                      <a:lumMod val="85000"/>
+                      <a:lumOff val="15000"/>
+                    </a:schemeClr>
+                  </a:solidFill>
+                  <a:uFill>
+                    <a:solidFill>
+                      <a:schemeClr val="accent1"/>
+                    </a:solidFill>
+                  </a:uFill>
+                  <a:ea typeface="Meiryo UI" panose="020B0604030504040204" pitchFamily="50" charset="-128"/>
+                </a:rPr>
+                <a:t> </a:t>
+              </a:r>
+              <a:r>
+                <a:rPr kumimoji="1" lang="en-US" altLang="ja-JP" sz="1600" b="1" dirty="0">
+                  <a:solidFill>
+                    <a:schemeClr val="tx1">
+                      <a:lumMod val="85000"/>
+                      <a:lumOff val="15000"/>
+                    </a:schemeClr>
+                  </a:solidFill>
+                  <a:uFill>
+                    <a:solidFill>
+                      <a:schemeClr val="accent1"/>
+                    </a:solidFill>
+                  </a:uFill>
+                  <a:ea typeface="Meiryo UI" panose="020B0604030504040204" pitchFamily="50" charset="-128"/>
+                </a:rPr>
+                <a:t>#</a:t>
+              </a:r>
+              <a:r>
+                <a:rPr kumimoji="1" lang="en-US" altLang="ja-JP" sz="1600" b="1" u="heavy" dirty="0">
+                  <a:solidFill>
+                    <a:schemeClr val="tx1">
+                      <a:lumMod val="85000"/>
+                      <a:lumOff val="15000"/>
+                    </a:schemeClr>
+                  </a:solidFill>
+                  <a:uFill>
+                    <a:solidFill>
+                      <a:schemeClr val="accent2"/>
+                    </a:solidFill>
+                  </a:uFill>
+                  <a:ea typeface="Meiryo UI" panose="020B0604030504040204" pitchFamily="50" charset="-128"/>
+                </a:rPr>
+                <a:t> </a:t>
+              </a:r>
+              <a:r>
+                <a:rPr kumimoji="1" lang="en-US" altLang="ja-JP" sz="1600" b="1" dirty="0">
+                  <a:solidFill>
+                    <a:schemeClr val="tx1">
+                      <a:lumMod val="85000"/>
+                      <a:lumOff val="15000"/>
+                    </a:schemeClr>
+                  </a:solidFill>
+                  <a:uFill>
+                    <a:solidFill>
+                      <a:schemeClr val="accent3">
+                        <a:lumMod val="20000"/>
+                        <a:lumOff val="80000"/>
                       </a:schemeClr>
                     </a:solidFill>
-                    <a:ea typeface="Meiryo UI" panose="020B0604030504040204" pitchFamily="50" charset="-128"/>
-                  </a:rPr>
-                  <a:t>1      “</a:t>
-                </a:r>
-                <a:r>
-                  <a:rPr kumimoji="1" lang="en-US" altLang="ja-JP" sz="1600" b="1" u="heavy" dirty="0">
+                  </a:uFill>
+                  <a:ea typeface="Meiryo UI" panose="020B0604030504040204" pitchFamily="50" charset="-128"/>
+                </a:rPr>
+                <a:t>#</a:t>
+              </a:r>
+              <a:r>
+                <a:rPr kumimoji="1" lang="en-US" altLang="ja-JP" sz="1600" b="1" dirty="0">
+                  <a:solidFill>
+                    <a:schemeClr val="tx1">
+                      <a:lumMod val="85000"/>
+                      <a:lumOff val="15000"/>
+                    </a:schemeClr>
+                  </a:solidFill>
+                  <a:ea typeface="Meiryo UI" panose="020B0604030504040204" pitchFamily="50" charset="-128"/>
+                </a:rPr>
+                <a:t>”        =&gt;      “</a:t>
+              </a:r>
+              <a:r>
+                <a:rPr kumimoji="1" lang="en-US" altLang="ja-JP" sz="1600" b="1" u="heavy" dirty="0">
+                  <a:solidFill>
+                    <a:schemeClr val="tx1">
+                      <a:lumMod val="85000"/>
+                      <a:lumOff val="15000"/>
+                    </a:schemeClr>
+                  </a:solidFill>
+                  <a:uFill>
                     <a:solidFill>
-                      <a:schemeClr val="tx1">
-                        <a:lumMod val="85000"/>
-                        <a:lumOff val="15000"/>
+                      <a:schemeClr val="accent1"/>
+                    </a:solidFill>
+                  </a:uFill>
+                  <a:ea typeface="Meiryo UI" panose="020B0604030504040204" pitchFamily="50" charset="-128"/>
+                </a:rPr>
+                <a:t> </a:t>
+              </a:r>
+              <a:r>
+                <a:rPr kumimoji="1" lang="en-US" altLang="ja-JP" sz="1600" b="1" dirty="0">
+                  <a:solidFill>
+                    <a:schemeClr val="tx1">
+                      <a:lumMod val="85000"/>
+                      <a:lumOff val="15000"/>
+                    </a:schemeClr>
+                  </a:solidFill>
+                  <a:uFill>
+                    <a:solidFill>
+                      <a:schemeClr val="accent1"/>
+                    </a:solidFill>
+                  </a:uFill>
+                  <a:ea typeface="Meiryo UI" panose="020B0604030504040204" pitchFamily="50" charset="-128"/>
+                </a:rPr>
+                <a:t>#</a:t>
+              </a:r>
+              <a:r>
+                <a:rPr kumimoji="1" lang="en-US" altLang="ja-JP" sz="1600" b="1" u="heavy" dirty="0">
+                  <a:solidFill>
+                    <a:schemeClr val="tx1">
+                      <a:lumMod val="85000"/>
+                      <a:lumOff val="15000"/>
+                    </a:schemeClr>
+                  </a:solidFill>
+                  <a:uFill>
+                    <a:solidFill>
+                      <a:schemeClr val="accent2"/>
+                    </a:solidFill>
+                  </a:uFill>
+                  <a:ea typeface="Meiryo UI" panose="020B0604030504040204" pitchFamily="50" charset="-128"/>
+                </a:rPr>
+                <a:t> </a:t>
+              </a:r>
+              <a:r>
+                <a:rPr kumimoji="1" lang="en-US" altLang="ja-JP" sz="1600" b="1" dirty="0">
+                  <a:solidFill>
+                    <a:schemeClr val="tx1">
+                      <a:lumMod val="85000"/>
+                      <a:lumOff val="15000"/>
+                    </a:schemeClr>
+                  </a:solidFill>
+                  <a:uFill>
+                    <a:solidFill>
+                      <a:schemeClr val="accent3">
+                        <a:lumMod val="20000"/>
+                        <a:lumOff val="80000"/>
                       </a:schemeClr>
                     </a:solidFill>
-                    <a:uFill>
-                      <a:solidFill>
-                        <a:schemeClr val="accent1"/>
-                      </a:solidFill>
-                    </a:uFill>
-                    <a:ea typeface="Meiryo UI" panose="020B0604030504040204" pitchFamily="50" charset="-128"/>
-                  </a:rPr>
-                  <a:t> </a:t>
-                </a:r>
-                <a:r>
-                  <a:rPr kumimoji="1" lang="en-US" altLang="ja-JP" sz="1600" b="1" u="heavy" dirty="0">
+                  </a:uFill>
+                  <a:ea typeface="Meiryo UI" panose="020B0604030504040204" pitchFamily="50" charset="-128"/>
+                </a:rPr>
+                <a:t>#</a:t>
+              </a:r>
+              <a:r>
+                <a:rPr kumimoji="1" lang="en-US" altLang="ja-JP" sz="1600" b="1" dirty="0">
+                  <a:solidFill>
+                    <a:srgbClr val="2FD7B4"/>
+                  </a:solidFill>
+                  <a:uFill>
                     <a:solidFill>
-                      <a:schemeClr val="tx1">
-                        <a:lumMod val="85000"/>
-                        <a:lumOff val="15000"/>
+                      <a:schemeClr val="accent3">
+                        <a:lumMod val="20000"/>
+                        <a:lumOff val="80000"/>
                       </a:schemeClr>
                     </a:solidFill>
-                    <a:uFill>
-                      <a:solidFill>
-                        <a:schemeClr val="accent2"/>
-                      </a:solidFill>
-                    </a:uFill>
-                    <a:ea typeface="Meiryo UI" panose="020B0604030504040204" pitchFamily="50" charset="-128"/>
-                  </a:rPr>
-                  <a:t> </a:t>
-                </a:r>
-                <a:r>
-                  <a:rPr kumimoji="1" lang="en-US" altLang="ja-JP" sz="1600" b="1" dirty="0">
+                  </a:uFill>
+                  <a:ea typeface="Meiryo UI" panose="020B0604030504040204" pitchFamily="50" charset="-128"/>
+                </a:rPr>
+                <a:t>\n</a:t>
+              </a:r>
+              <a:r>
+                <a:rPr kumimoji="1" lang="en-US" altLang="ja-JP" sz="1600" b="1" dirty="0">
+                  <a:solidFill>
+                    <a:schemeClr val="tx1">
+                      <a:lumMod val="85000"/>
+                      <a:lumOff val="15000"/>
+                    </a:schemeClr>
+                  </a:solidFill>
+                  <a:ea typeface="Meiryo UI" panose="020B0604030504040204" pitchFamily="50" charset="-128"/>
+                </a:rPr>
+                <a:t>”     =&gt;    “</a:t>
+              </a:r>
+              <a:r>
+                <a:rPr kumimoji="1" lang="en-US" altLang="ja-JP" sz="1600" b="1" u="heavy" dirty="0">
+                  <a:solidFill>
+                    <a:schemeClr val="tx1">
+                      <a:lumMod val="85000"/>
+                      <a:lumOff val="15000"/>
+                    </a:schemeClr>
+                  </a:solidFill>
+                  <a:uFill>
                     <a:solidFill>
-                      <a:schemeClr val="tx1">
-                        <a:lumMod val="85000"/>
-                        <a:lumOff val="15000"/>
+                      <a:schemeClr val="accent1"/>
+                    </a:solidFill>
+                  </a:uFill>
+                  <a:ea typeface="Meiryo UI" panose="020B0604030504040204" pitchFamily="50" charset="-128"/>
+                </a:rPr>
+                <a:t> </a:t>
+              </a:r>
+              <a:r>
+                <a:rPr kumimoji="1" lang="en-US" altLang="ja-JP" sz="1600" b="1" u="heavy" dirty="0">
+                  <a:solidFill>
+                    <a:schemeClr val="tx1">
+                      <a:lumMod val="85000"/>
+                      <a:lumOff val="15000"/>
+                    </a:schemeClr>
+                  </a:solidFill>
+                  <a:uFill>
+                    <a:solidFill>
+                      <a:schemeClr val="accent2"/>
+                    </a:solidFill>
+                  </a:uFill>
+                  <a:ea typeface="Meiryo UI" panose="020B0604030504040204" pitchFamily="50" charset="-128"/>
+                </a:rPr>
+                <a:t> </a:t>
+              </a:r>
+              <a:r>
+                <a:rPr kumimoji="1" lang="en-US" altLang="ja-JP" sz="1600" b="1" dirty="0">
+                  <a:solidFill>
+                    <a:schemeClr val="tx1">
+                      <a:lumMod val="85000"/>
+                      <a:lumOff val="15000"/>
+                    </a:schemeClr>
+                  </a:solidFill>
+                  <a:uFill>
+                    <a:solidFill>
+                      <a:schemeClr val="accent1"/>
+                    </a:solidFill>
+                  </a:uFill>
+                  <a:ea typeface="Meiryo UI" panose="020B0604030504040204" pitchFamily="50" charset="-128"/>
+                </a:rPr>
+                <a:t>#</a:t>
+              </a:r>
+              <a:r>
+                <a:rPr kumimoji="1" lang="en-US" altLang="ja-JP" sz="1600" b="1" dirty="0">
+                  <a:solidFill>
+                    <a:srgbClr val="2FD7B4"/>
+                  </a:solidFill>
+                  <a:uFill>
+                    <a:solidFill>
+                      <a:schemeClr val="accent1"/>
+                    </a:solidFill>
+                  </a:uFill>
+                  <a:ea typeface="Meiryo UI" panose="020B0604030504040204" pitchFamily="50" charset="-128"/>
+                </a:rPr>
+                <a:t>\n</a:t>
+              </a:r>
+              <a:r>
+                <a:rPr kumimoji="1" lang="en-US" altLang="ja-JP" sz="1600" b="1" u="heavy" dirty="0">
+                  <a:solidFill>
+                    <a:schemeClr val="tx1">
+                      <a:lumMod val="85000"/>
+                      <a:lumOff val="15000"/>
+                    </a:schemeClr>
+                  </a:solidFill>
+                  <a:uFill>
+                    <a:solidFill>
+                      <a:schemeClr val="accent1"/>
+                    </a:solidFill>
+                  </a:uFill>
+                  <a:ea typeface="Meiryo UI" panose="020B0604030504040204" pitchFamily="50" charset="-128"/>
+                </a:rPr>
+                <a:t> </a:t>
+              </a:r>
+              <a:r>
+                <a:rPr kumimoji="1" lang="en-US" altLang="ja-JP" sz="1600" b="1" dirty="0">
+                  <a:solidFill>
+                    <a:schemeClr val="tx1">
+                      <a:lumMod val="85000"/>
+                      <a:lumOff val="15000"/>
+                    </a:schemeClr>
+                  </a:solidFill>
+                  <a:uFill>
+                    <a:solidFill>
+                      <a:schemeClr val="accent1"/>
+                    </a:solidFill>
+                  </a:uFill>
+                  <a:ea typeface="Meiryo UI" panose="020B0604030504040204" pitchFamily="50" charset="-128"/>
+                </a:rPr>
+                <a:t>#</a:t>
+              </a:r>
+              <a:r>
+                <a:rPr kumimoji="1" lang="en-US" altLang="ja-JP" sz="1600" b="1" u="heavy" dirty="0">
+                  <a:solidFill>
+                    <a:schemeClr val="tx1">
+                      <a:lumMod val="85000"/>
+                      <a:lumOff val="15000"/>
+                    </a:schemeClr>
+                  </a:solidFill>
+                  <a:uFill>
+                    <a:solidFill>
+                      <a:schemeClr val="accent2"/>
+                    </a:solidFill>
+                  </a:uFill>
+                  <a:ea typeface="Meiryo UI" panose="020B0604030504040204" pitchFamily="50" charset="-128"/>
+                </a:rPr>
+                <a:t> </a:t>
+              </a:r>
+              <a:r>
+                <a:rPr kumimoji="1" lang="en-US" altLang="ja-JP" sz="1600" b="1" dirty="0">
+                  <a:solidFill>
+                    <a:schemeClr val="tx1">
+                      <a:lumMod val="85000"/>
+                      <a:lumOff val="15000"/>
+                    </a:schemeClr>
+                  </a:solidFill>
+                  <a:uFill>
+                    <a:solidFill>
+                      <a:schemeClr val="accent3">
+                        <a:lumMod val="20000"/>
+                        <a:lumOff val="80000"/>
                       </a:schemeClr>
                     </a:solidFill>
-                    <a:uFill>
-                      <a:solidFill>
-                        <a:schemeClr val="accent1"/>
-                      </a:solidFill>
-                    </a:uFill>
-                    <a:ea typeface="Meiryo UI" panose="020B0604030504040204" pitchFamily="50" charset="-128"/>
-                  </a:rPr>
-                  <a:t>#</a:t>
-                </a:r>
-                <a:r>
-                  <a:rPr kumimoji="1" lang="en-US" altLang="ja-JP" sz="1600" b="1" dirty="0">
+                  </a:uFill>
+                  <a:ea typeface="Meiryo UI" panose="020B0604030504040204" pitchFamily="50" charset="-128"/>
+                </a:rPr>
+                <a:t>#</a:t>
+              </a:r>
+              <a:r>
+                <a:rPr kumimoji="1" lang="en-US" altLang="ja-JP" sz="1600" b="1" dirty="0">
+                  <a:solidFill>
+                    <a:srgbClr val="2FD7B4"/>
+                  </a:solidFill>
+                  <a:uFill>
                     <a:solidFill>
-                      <a:schemeClr val="tx1">
-                        <a:lumMod val="85000"/>
-                        <a:lumOff val="15000"/>
+                      <a:schemeClr val="accent3">
+                        <a:lumMod val="20000"/>
+                        <a:lumOff val="80000"/>
                       </a:schemeClr>
                     </a:solidFill>
-                    <a:ea typeface="Meiryo UI" panose="020B0604030504040204" pitchFamily="50" charset="-128"/>
-                  </a:rPr>
-                  <a:t>”            =&gt;      “</a:t>
-                </a:r>
-                <a:r>
-                  <a:rPr kumimoji="1" lang="en-US" altLang="ja-JP" sz="1600" b="1" u="heavy" dirty="0">
+                  </a:uFill>
+                  <a:ea typeface="Meiryo UI" panose="020B0604030504040204" pitchFamily="50" charset="-128"/>
+                </a:rPr>
+                <a:t>\n</a:t>
+              </a:r>
+              <a:r>
+                <a:rPr kumimoji="1" lang="en-US" altLang="ja-JP" sz="1600" b="1" dirty="0">
+                  <a:solidFill>
+                    <a:schemeClr val="tx1">
+                      <a:lumMod val="85000"/>
+                      <a:lumOff val="15000"/>
+                    </a:schemeClr>
+                  </a:solidFill>
+                  <a:ea typeface="Meiryo UI" panose="020B0604030504040204" pitchFamily="50" charset="-128"/>
+                </a:rPr>
+                <a:t>”</a:t>
+              </a:r>
+            </a:p>
+            <a:p>
+              <a:pPr lvl="1">
+                <a:lnSpc>
+                  <a:spcPct val="150000"/>
+                </a:lnSpc>
+                <a:buClr>
+                  <a:schemeClr val="tx1"/>
+                </a:buClr>
+              </a:pPr>
+              <a:r>
+                <a:rPr kumimoji="1" lang="en-US" altLang="ja-JP" sz="1600" b="1" dirty="0">
+                  <a:solidFill>
+                    <a:schemeClr val="tx1">
+                      <a:lumMod val="85000"/>
+                      <a:lumOff val="15000"/>
+                    </a:schemeClr>
+                  </a:solidFill>
+                  <a:ea typeface="Meiryo UI" panose="020B0604030504040204" pitchFamily="50" charset="-128"/>
+                </a:rPr>
+                <a:t>3</a:t>
+              </a:r>
+              <a:r>
+                <a:rPr kumimoji="1" lang="ja-JP" altLang="en-US" sz="1200" b="1" dirty="0">
+                  <a:solidFill>
+                    <a:schemeClr val="tx1">
+                      <a:lumMod val="85000"/>
+                      <a:lumOff val="15000"/>
+                    </a:schemeClr>
+                  </a:solidFill>
+                  <a:ea typeface="Meiryo UI" panose="020B0604030504040204" pitchFamily="50" charset="-128"/>
+                </a:rPr>
+                <a:t>回目</a:t>
+              </a:r>
+              <a:r>
+                <a:rPr kumimoji="1" lang="en-US" altLang="ja-JP" sz="1600" b="1" dirty="0">
+                  <a:solidFill>
+                    <a:schemeClr val="tx1">
+                      <a:lumMod val="85000"/>
+                      <a:lumOff val="15000"/>
+                    </a:schemeClr>
+                  </a:solidFill>
+                  <a:ea typeface="Meiryo UI" panose="020B0604030504040204" pitchFamily="50" charset="-128"/>
+                </a:rPr>
+                <a:t>   “#</a:t>
+              </a:r>
+              <a:r>
+                <a:rPr kumimoji="1" lang="en-US" altLang="ja-JP" sz="1600" b="1" u="heavy" dirty="0">
+                  <a:solidFill>
+                    <a:schemeClr val="tx1">
+                      <a:lumMod val="85000"/>
+                      <a:lumOff val="15000"/>
+                    </a:schemeClr>
+                  </a:solidFill>
+                  <a:uFill>
                     <a:solidFill>
-                      <a:schemeClr val="tx1">
-                        <a:lumMod val="85000"/>
-                        <a:lumOff val="15000"/>
+                      <a:schemeClr val="accent1"/>
+                    </a:solidFill>
+                  </a:uFill>
+                  <a:ea typeface="Meiryo UI" panose="020B0604030504040204" pitchFamily="50" charset="-128"/>
+                </a:rPr>
+                <a:t> </a:t>
+              </a:r>
+              <a:r>
+                <a:rPr kumimoji="1" lang="en-US" altLang="ja-JP" sz="1600" b="1" dirty="0">
+                  <a:solidFill>
+                    <a:schemeClr val="tx1">
+                      <a:lumMod val="85000"/>
+                      <a:lumOff val="15000"/>
+                    </a:schemeClr>
+                  </a:solidFill>
+                  <a:uFill>
+                    <a:solidFill>
+                      <a:schemeClr val="accent1"/>
+                    </a:solidFill>
+                  </a:uFill>
+                  <a:ea typeface="Meiryo UI" panose="020B0604030504040204" pitchFamily="50" charset="-128"/>
+                </a:rPr>
+                <a:t>#</a:t>
+              </a:r>
+              <a:r>
+                <a:rPr kumimoji="1" lang="en-US" altLang="ja-JP" sz="1600" b="1" u="heavy" dirty="0">
+                  <a:solidFill>
+                    <a:schemeClr val="tx1">
+                      <a:lumMod val="85000"/>
+                      <a:lumOff val="15000"/>
+                    </a:schemeClr>
+                  </a:solidFill>
+                  <a:uFill>
+                    <a:solidFill>
+                      <a:schemeClr val="accent2"/>
+                    </a:solidFill>
+                  </a:uFill>
+                  <a:ea typeface="Meiryo UI" panose="020B0604030504040204" pitchFamily="50" charset="-128"/>
+                </a:rPr>
+                <a:t> </a:t>
+              </a:r>
+              <a:r>
+                <a:rPr kumimoji="1" lang="en-US" altLang="ja-JP" sz="1600" b="1" dirty="0">
+                  <a:solidFill>
+                    <a:schemeClr val="tx1">
+                      <a:lumMod val="85000"/>
+                      <a:lumOff val="15000"/>
+                    </a:schemeClr>
+                  </a:solidFill>
+                  <a:uFill>
+                    <a:solidFill>
+                      <a:schemeClr val="accent3">
+                        <a:lumMod val="20000"/>
+                        <a:lumOff val="80000"/>
                       </a:schemeClr>
                     </a:solidFill>
-                    <a:uFill>
-                      <a:solidFill>
-                        <a:schemeClr val="accent1"/>
-                      </a:solidFill>
-                    </a:uFill>
-                    <a:ea typeface="Meiryo UI" panose="020B0604030504040204" pitchFamily="50" charset="-128"/>
-                  </a:rPr>
-                  <a:t> </a:t>
-                </a:r>
-                <a:r>
-                  <a:rPr kumimoji="1" lang="en-US" altLang="ja-JP" sz="1600" b="1" u="heavy" dirty="0">
+                  </a:uFill>
+                  <a:ea typeface="Meiryo UI" panose="020B0604030504040204" pitchFamily="50" charset="-128"/>
+                </a:rPr>
+                <a:t>#</a:t>
+              </a:r>
+              <a:r>
+                <a:rPr kumimoji="1" lang="en-US" altLang="ja-JP" sz="1600" b="1" dirty="0">
+                  <a:solidFill>
+                    <a:schemeClr val="tx1">
+                      <a:lumMod val="85000"/>
+                      <a:lumOff val="15000"/>
+                    </a:schemeClr>
+                  </a:solidFill>
+                  <a:ea typeface="Meiryo UI" panose="020B0604030504040204" pitchFamily="50" charset="-128"/>
+                </a:rPr>
+                <a:t>”       =&gt;      “#</a:t>
+              </a:r>
+              <a:r>
+                <a:rPr kumimoji="1" lang="en-US" altLang="ja-JP" sz="1600" b="1" u="heavy" dirty="0">
+                  <a:solidFill>
+                    <a:schemeClr val="tx1">
+                      <a:lumMod val="85000"/>
+                      <a:lumOff val="15000"/>
+                    </a:schemeClr>
+                  </a:solidFill>
+                  <a:uFill>
                     <a:solidFill>
-                      <a:schemeClr val="tx1">
-                        <a:lumMod val="85000"/>
-                        <a:lumOff val="15000"/>
+                      <a:schemeClr val="accent1"/>
+                    </a:solidFill>
+                  </a:uFill>
+                  <a:ea typeface="Meiryo UI" panose="020B0604030504040204" pitchFamily="50" charset="-128"/>
+                </a:rPr>
+                <a:t> </a:t>
+              </a:r>
+              <a:r>
+                <a:rPr kumimoji="1" lang="en-US" altLang="ja-JP" sz="1600" b="1" dirty="0">
+                  <a:solidFill>
+                    <a:schemeClr val="tx1">
+                      <a:lumMod val="85000"/>
+                      <a:lumOff val="15000"/>
+                    </a:schemeClr>
+                  </a:solidFill>
+                  <a:uFill>
+                    <a:solidFill>
+                      <a:schemeClr val="accent1"/>
+                    </a:solidFill>
+                  </a:uFill>
+                  <a:ea typeface="Meiryo UI" panose="020B0604030504040204" pitchFamily="50" charset="-128"/>
+                </a:rPr>
+                <a:t>#</a:t>
+              </a:r>
+              <a:r>
+                <a:rPr kumimoji="1" lang="en-US" altLang="ja-JP" sz="1600" b="1" u="heavy" dirty="0">
+                  <a:solidFill>
+                    <a:schemeClr val="tx1">
+                      <a:lumMod val="85000"/>
+                      <a:lumOff val="15000"/>
+                    </a:schemeClr>
+                  </a:solidFill>
+                  <a:uFill>
+                    <a:solidFill>
+                      <a:schemeClr val="accent2"/>
+                    </a:solidFill>
+                  </a:uFill>
+                  <a:ea typeface="Meiryo UI" panose="020B0604030504040204" pitchFamily="50" charset="-128"/>
+                </a:rPr>
+                <a:t> </a:t>
+              </a:r>
+              <a:r>
+                <a:rPr kumimoji="1" lang="en-US" altLang="ja-JP" sz="1600" b="1" dirty="0">
+                  <a:solidFill>
+                    <a:schemeClr val="tx1">
+                      <a:lumMod val="85000"/>
+                      <a:lumOff val="15000"/>
+                    </a:schemeClr>
+                  </a:solidFill>
+                  <a:uFill>
+                    <a:solidFill>
+                      <a:schemeClr val="accent3">
+                        <a:lumMod val="20000"/>
+                        <a:lumOff val="80000"/>
                       </a:schemeClr>
                     </a:solidFill>
-                    <a:uFill>
-                      <a:solidFill>
-                        <a:schemeClr val="accent2"/>
-                      </a:solidFill>
-                    </a:uFill>
-                    <a:ea typeface="Meiryo UI" panose="020B0604030504040204" pitchFamily="50" charset="-128"/>
-                  </a:rPr>
-                  <a:t> </a:t>
-                </a:r>
-                <a:r>
-                  <a:rPr kumimoji="1" lang="en-US" altLang="ja-JP" sz="1600" b="1" dirty="0">
+                  </a:uFill>
+                  <a:ea typeface="Meiryo UI" panose="020B0604030504040204" pitchFamily="50" charset="-128"/>
+                </a:rPr>
+                <a:t>#</a:t>
+              </a:r>
+              <a:r>
+                <a:rPr kumimoji="1" lang="en-US" altLang="ja-JP" sz="1600" b="1" dirty="0">
+                  <a:solidFill>
+                    <a:srgbClr val="2FD7B4"/>
+                  </a:solidFill>
+                  <a:uFill>
                     <a:solidFill>
-                      <a:schemeClr val="tx1">
-                        <a:lumMod val="85000"/>
-                        <a:lumOff val="15000"/>
+                      <a:schemeClr val="accent3">
+                        <a:lumMod val="20000"/>
+                        <a:lumOff val="80000"/>
                       </a:schemeClr>
                     </a:solidFill>
-                    <a:uFill>
-                      <a:solidFill>
-                        <a:schemeClr val="accent1"/>
-                      </a:solidFill>
-                    </a:uFill>
-                    <a:ea typeface="Meiryo UI" panose="020B0604030504040204" pitchFamily="50" charset="-128"/>
-                  </a:rPr>
-                  <a:t>#</a:t>
-                </a:r>
-                <a:r>
-                  <a:rPr kumimoji="1" lang="en-US" altLang="ja-JP" sz="1600" b="1" dirty="0">
+                  </a:uFill>
+                  <a:ea typeface="Meiryo UI" panose="020B0604030504040204" pitchFamily="50" charset="-128"/>
+                </a:rPr>
+                <a:t>\n</a:t>
+              </a:r>
+              <a:r>
+                <a:rPr kumimoji="1" lang="en-US" altLang="ja-JP" sz="1600" b="1" dirty="0">
+                  <a:solidFill>
+                    <a:schemeClr val="tx1">
+                      <a:lumMod val="85000"/>
+                      <a:lumOff val="15000"/>
+                    </a:schemeClr>
+                  </a:solidFill>
+                  <a:ea typeface="Meiryo UI" panose="020B0604030504040204" pitchFamily="50" charset="-128"/>
+                </a:rPr>
+                <a:t>”   =&gt;    “</a:t>
+              </a:r>
+              <a:r>
+                <a:rPr kumimoji="1" lang="en-US" altLang="ja-JP" sz="1600" b="1" u="heavy" dirty="0">
+                  <a:solidFill>
+                    <a:schemeClr val="tx1">
+                      <a:lumMod val="85000"/>
+                      <a:lumOff val="15000"/>
+                    </a:schemeClr>
+                  </a:solidFill>
+                  <a:uFill>
                     <a:solidFill>
-                      <a:srgbClr val="2FD7B4"/>
+                      <a:schemeClr val="accent1"/>
                     </a:solidFill>
-                    <a:uFill>
-                      <a:solidFill>
-                        <a:schemeClr val="accent1"/>
-                      </a:solidFill>
-                    </a:uFill>
-                    <a:ea typeface="Meiryo UI" panose="020B0604030504040204" pitchFamily="50" charset="-128"/>
-                  </a:rPr>
-                  <a:t>\n</a:t>
-                </a:r>
-                <a:r>
-                  <a:rPr kumimoji="1" lang="en-US" altLang="ja-JP" sz="1600" b="1" dirty="0">
+                  </a:uFill>
+                  <a:ea typeface="Meiryo UI" panose="020B0604030504040204" pitchFamily="50" charset="-128"/>
+                </a:rPr>
+                <a:t> </a:t>
+              </a:r>
+              <a:r>
+                <a:rPr kumimoji="1" lang="en-US" altLang="ja-JP" sz="1600" b="1" u="heavy" dirty="0">
+                  <a:solidFill>
+                    <a:schemeClr val="tx1">
+                      <a:lumMod val="85000"/>
+                      <a:lumOff val="15000"/>
+                    </a:schemeClr>
+                  </a:solidFill>
+                  <a:uFill>
                     <a:solidFill>
-                      <a:schemeClr val="tx1">
-                        <a:lumMod val="85000"/>
-                        <a:lumOff val="15000"/>
+                      <a:schemeClr val="accent2"/>
+                    </a:solidFill>
+                  </a:uFill>
+                  <a:ea typeface="Meiryo UI" panose="020B0604030504040204" pitchFamily="50" charset="-128"/>
+                </a:rPr>
+                <a:t> </a:t>
+              </a:r>
+              <a:r>
+                <a:rPr kumimoji="1" lang="en-US" altLang="ja-JP" sz="1600" b="1" dirty="0">
+                  <a:solidFill>
+                    <a:schemeClr val="tx1">
+                      <a:lumMod val="85000"/>
+                      <a:lumOff val="15000"/>
+                    </a:schemeClr>
+                  </a:solidFill>
+                  <a:uFill>
+                    <a:solidFill>
+                      <a:schemeClr val="accent2"/>
+                    </a:solidFill>
+                  </a:uFill>
+                  <a:ea typeface="Meiryo UI" panose="020B0604030504040204" pitchFamily="50" charset="-128"/>
+                </a:rPr>
+                <a:t>#</a:t>
+              </a:r>
+              <a:r>
+                <a:rPr kumimoji="1" lang="en-US" altLang="ja-JP" sz="1600" b="1" dirty="0">
+                  <a:solidFill>
+                    <a:srgbClr val="2FD7B4"/>
+                  </a:solidFill>
+                  <a:uFill>
+                    <a:solidFill>
+                      <a:schemeClr val="accent1"/>
+                    </a:solidFill>
+                  </a:uFill>
+                  <a:ea typeface="Meiryo UI" panose="020B0604030504040204" pitchFamily="50" charset="-128"/>
+                </a:rPr>
+                <a:t>\n</a:t>
+              </a:r>
+              <a:r>
+                <a:rPr kumimoji="1" lang="en-US" altLang="ja-JP" sz="1600" b="1" u="heavy" dirty="0">
+                  <a:solidFill>
+                    <a:schemeClr val="tx1">
+                      <a:lumMod val="85000"/>
+                      <a:lumOff val="15000"/>
+                    </a:schemeClr>
+                  </a:solidFill>
+                  <a:uFill>
+                    <a:solidFill>
+                      <a:schemeClr val="accent1"/>
+                    </a:solidFill>
+                  </a:uFill>
+                  <a:ea typeface="Meiryo UI" panose="020B0604030504040204" pitchFamily="50" charset="-128"/>
+                </a:rPr>
+                <a:t> </a:t>
+              </a:r>
+              <a:r>
+                <a:rPr kumimoji="1" lang="en-US" altLang="ja-JP" sz="1600" b="1" dirty="0">
+                  <a:solidFill>
+                    <a:schemeClr val="tx1">
+                      <a:lumMod val="85000"/>
+                      <a:lumOff val="15000"/>
+                    </a:schemeClr>
+                  </a:solidFill>
+                  <a:uFill>
+                    <a:solidFill>
+                      <a:schemeClr val="accent1"/>
+                    </a:solidFill>
+                  </a:uFill>
+                  <a:ea typeface="Meiryo UI" panose="020B0604030504040204" pitchFamily="50" charset="-128"/>
+                </a:rPr>
+                <a:t>#</a:t>
+              </a:r>
+              <a:r>
+                <a:rPr kumimoji="1" lang="en-US" altLang="ja-JP" sz="1600" b="1" u="heavy" dirty="0">
+                  <a:solidFill>
+                    <a:schemeClr val="tx1">
+                      <a:lumMod val="85000"/>
+                      <a:lumOff val="15000"/>
+                    </a:schemeClr>
+                  </a:solidFill>
+                  <a:uFill>
+                    <a:solidFill>
+                      <a:schemeClr val="accent2"/>
+                    </a:solidFill>
+                  </a:uFill>
+                  <a:ea typeface="Meiryo UI" panose="020B0604030504040204" pitchFamily="50" charset="-128"/>
+                </a:rPr>
+                <a:t> </a:t>
+              </a:r>
+              <a:r>
+                <a:rPr kumimoji="1" lang="en-US" altLang="ja-JP" sz="1600" b="1" dirty="0">
+                  <a:solidFill>
+                    <a:schemeClr val="tx1">
+                      <a:lumMod val="85000"/>
+                      <a:lumOff val="15000"/>
+                    </a:schemeClr>
+                  </a:solidFill>
+                  <a:uFill>
+                    <a:solidFill>
+                      <a:schemeClr val="accent3">
+                        <a:lumMod val="20000"/>
+                        <a:lumOff val="80000"/>
                       </a:schemeClr>
                     </a:solidFill>
-                    <a:ea typeface="Meiryo UI" panose="020B0604030504040204" pitchFamily="50" charset="-128"/>
-                  </a:rPr>
-                  <a:t>”        =&gt;    “</a:t>
-                </a:r>
-                <a:r>
-                  <a:rPr kumimoji="1" lang="en-US" altLang="ja-JP" sz="1600" b="1" u="heavy" dirty="0">
+                  </a:uFill>
+                  <a:ea typeface="Meiryo UI" panose="020B0604030504040204" pitchFamily="50" charset="-128"/>
+                </a:rPr>
+                <a:t>#</a:t>
+              </a:r>
+              <a:r>
+                <a:rPr kumimoji="1" lang="en-US" altLang="ja-JP" sz="1600" b="1" dirty="0">
+                  <a:solidFill>
+                    <a:srgbClr val="2FD7B4"/>
+                  </a:solidFill>
+                  <a:uFill>
                     <a:solidFill>
-                      <a:schemeClr val="tx1">
-                        <a:lumMod val="85000"/>
-                        <a:lumOff val="15000"/>
+                      <a:schemeClr val="accent3">
+                        <a:lumMod val="20000"/>
+                        <a:lumOff val="80000"/>
                       </a:schemeClr>
                     </a:solidFill>
-                    <a:uFill>
-                      <a:solidFill>
-                        <a:schemeClr val="accent1"/>
-                      </a:solidFill>
-                    </a:uFill>
-                    <a:ea typeface="Meiryo UI" panose="020B0604030504040204" pitchFamily="50" charset="-128"/>
-                  </a:rPr>
-                  <a:t> </a:t>
-                </a:r>
-                <a:r>
-                  <a:rPr kumimoji="1" lang="en-US" altLang="ja-JP" sz="1600" b="1" u="heavy" dirty="0">
+                  </a:uFill>
+                  <a:ea typeface="Meiryo UI" panose="020B0604030504040204" pitchFamily="50" charset="-128"/>
+                </a:rPr>
+                <a:t>\n</a:t>
+              </a:r>
+              <a:r>
+                <a:rPr kumimoji="1" lang="en-US" altLang="ja-JP" sz="1600" b="1" dirty="0">
+                  <a:solidFill>
+                    <a:schemeClr val="tx1">
+                      <a:lumMod val="85000"/>
+                      <a:lumOff val="15000"/>
+                    </a:schemeClr>
+                  </a:solidFill>
+                  <a:ea typeface="Meiryo UI" panose="020B0604030504040204" pitchFamily="50" charset="-128"/>
+                </a:rPr>
+                <a:t>#</a:t>
+              </a:r>
+              <a:r>
+                <a:rPr kumimoji="1" lang="en-US" altLang="ja-JP" sz="1600" b="1" u="heavy" dirty="0">
+                  <a:solidFill>
+                    <a:schemeClr val="tx1">
+                      <a:lumMod val="85000"/>
+                      <a:lumOff val="15000"/>
+                    </a:schemeClr>
+                  </a:solidFill>
+                  <a:uFill>
                     <a:solidFill>
-                      <a:schemeClr val="tx1">
-                        <a:lumMod val="85000"/>
-                        <a:lumOff val="15000"/>
+                      <a:schemeClr val="accent1"/>
+                    </a:solidFill>
+                  </a:uFill>
+                  <a:ea typeface="Meiryo UI" panose="020B0604030504040204" pitchFamily="50" charset="-128"/>
+                </a:rPr>
+                <a:t> </a:t>
+              </a:r>
+              <a:r>
+                <a:rPr kumimoji="1" lang="en-US" altLang="ja-JP" sz="1600" b="1" dirty="0">
+                  <a:solidFill>
+                    <a:schemeClr val="tx1">
+                      <a:lumMod val="85000"/>
+                      <a:lumOff val="15000"/>
+                    </a:schemeClr>
+                  </a:solidFill>
+                  <a:uFill>
+                    <a:solidFill>
+                      <a:schemeClr val="accent1"/>
+                    </a:solidFill>
+                  </a:uFill>
+                  <a:ea typeface="Meiryo UI" panose="020B0604030504040204" pitchFamily="50" charset="-128"/>
+                </a:rPr>
+                <a:t>#</a:t>
+              </a:r>
+              <a:r>
+                <a:rPr kumimoji="1" lang="en-US" altLang="ja-JP" sz="1600" b="1" u="heavy" dirty="0">
+                  <a:solidFill>
+                    <a:schemeClr val="tx1">
+                      <a:lumMod val="85000"/>
+                      <a:lumOff val="15000"/>
+                    </a:schemeClr>
+                  </a:solidFill>
+                  <a:uFill>
+                    <a:solidFill>
+                      <a:schemeClr val="accent2"/>
+                    </a:solidFill>
+                  </a:uFill>
+                  <a:ea typeface="Meiryo UI" panose="020B0604030504040204" pitchFamily="50" charset="-128"/>
+                </a:rPr>
+                <a:t> </a:t>
+              </a:r>
+              <a:r>
+                <a:rPr kumimoji="1" lang="en-US" altLang="ja-JP" sz="1600" b="1" dirty="0">
+                  <a:solidFill>
+                    <a:schemeClr val="tx1">
+                      <a:lumMod val="85000"/>
+                      <a:lumOff val="15000"/>
+                    </a:schemeClr>
+                  </a:solidFill>
+                  <a:uFill>
+                    <a:solidFill>
+                      <a:schemeClr val="accent3">
+                        <a:lumMod val="20000"/>
+                        <a:lumOff val="80000"/>
                       </a:schemeClr>
                     </a:solidFill>
-                    <a:uFill>
-                      <a:solidFill>
-                        <a:schemeClr val="accent2"/>
-                      </a:solidFill>
-                    </a:uFill>
-                    <a:ea typeface="Meiryo UI" panose="020B0604030504040204" pitchFamily="50" charset="-128"/>
-                  </a:rPr>
-                  <a:t> </a:t>
-                </a:r>
-                <a:r>
-                  <a:rPr kumimoji="1" lang="en-US" altLang="ja-JP" sz="1600" b="1" dirty="0">
+                  </a:uFill>
+                  <a:ea typeface="Meiryo UI" panose="020B0604030504040204" pitchFamily="50" charset="-128"/>
+                </a:rPr>
+                <a:t>#</a:t>
+              </a:r>
+              <a:r>
+                <a:rPr kumimoji="1" lang="en-US" altLang="ja-JP" sz="1600" b="1" dirty="0">
+                  <a:solidFill>
+                    <a:srgbClr val="2FD7B4"/>
+                  </a:solidFill>
+                  <a:uFill>
                     <a:solidFill>
-                      <a:schemeClr val="tx1">
-                        <a:lumMod val="85000"/>
-                        <a:lumOff val="15000"/>
+                      <a:schemeClr val="accent3">
+                        <a:lumMod val="20000"/>
+                        <a:lumOff val="80000"/>
                       </a:schemeClr>
                     </a:solidFill>
-                    <a:uFill>
-                      <a:solidFill>
-                        <a:schemeClr val="accent1"/>
-                      </a:solidFill>
-                    </a:uFill>
-                    <a:ea typeface="Meiryo UI" panose="020B0604030504040204" pitchFamily="50" charset="-128"/>
-                  </a:rPr>
-                  <a:t>#</a:t>
-                </a:r>
-                <a:r>
-                  <a:rPr kumimoji="1" lang="en-US" altLang="ja-JP" sz="1600" b="1" dirty="0">
+                  </a:uFill>
+                  <a:ea typeface="Meiryo UI" panose="020B0604030504040204" pitchFamily="50" charset="-128"/>
+                </a:rPr>
+                <a:t>\n</a:t>
+              </a:r>
+              <a:r>
+                <a:rPr kumimoji="1" lang="en-US" altLang="ja-JP" sz="1600" b="1" dirty="0">
+                  <a:solidFill>
+                    <a:schemeClr val="tx1">
+                      <a:lumMod val="85000"/>
+                      <a:lumOff val="15000"/>
+                    </a:schemeClr>
+                  </a:solidFill>
+                  <a:ea typeface="Meiryo UI" panose="020B0604030504040204" pitchFamily="50" charset="-128"/>
+                </a:rPr>
+                <a:t>”</a:t>
+              </a:r>
+              <a:r>
+                <a:rPr kumimoji="1" lang="ja-JP" altLang="en-US" sz="1600" b="1" dirty="0">
+                  <a:solidFill>
+                    <a:schemeClr val="tx1">
+                      <a:lumMod val="85000"/>
+                      <a:lumOff val="15000"/>
+                    </a:schemeClr>
+                  </a:solidFill>
+                  <a:ea typeface="Meiryo UI" panose="020B0604030504040204" pitchFamily="50" charset="-128"/>
+                </a:rPr>
+                <a:t>   </a:t>
+              </a:r>
+              <a:r>
+                <a:rPr kumimoji="1" lang="en-US" altLang="ja-JP" sz="1600" b="1" dirty="0">
+                  <a:solidFill>
+                    <a:schemeClr val="tx1">
+                      <a:lumMod val="85000"/>
+                      <a:lumOff val="15000"/>
+                    </a:schemeClr>
+                  </a:solidFill>
+                  <a:ea typeface="Meiryo UI" panose="020B0604030504040204" pitchFamily="50" charset="-128"/>
+                </a:rPr>
+                <a:t>=&gt;  “</a:t>
+              </a:r>
+              <a:r>
+                <a:rPr kumimoji="1" lang="en-US" altLang="ja-JP" sz="1600" b="1" u="heavy" dirty="0">
+                  <a:solidFill>
+                    <a:schemeClr val="tx1">
+                      <a:lumMod val="85000"/>
+                      <a:lumOff val="15000"/>
+                    </a:schemeClr>
+                  </a:solidFill>
+                  <a:uFill>
                     <a:solidFill>
-                      <a:srgbClr val="2FD7B4"/>
+                      <a:schemeClr val="accent1"/>
                     </a:solidFill>
-                    <a:uFill>
-                      <a:solidFill>
-                        <a:schemeClr val="accent1"/>
-                      </a:solidFill>
-                    </a:uFill>
-                    <a:ea typeface="Meiryo UI" panose="020B0604030504040204" pitchFamily="50" charset="-128"/>
-                  </a:rPr>
-                  <a:t>\n</a:t>
-                </a:r>
-                <a:r>
-                  <a:rPr kumimoji="1" lang="en-US" altLang="ja-JP" sz="1600" b="1" dirty="0">
+                  </a:uFill>
+                  <a:ea typeface="Meiryo UI" panose="020B0604030504040204" pitchFamily="50" charset="-128"/>
+                </a:rPr>
+                <a:t> </a:t>
+              </a:r>
+              <a:r>
+                <a:rPr kumimoji="1" lang="en-US" altLang="ja-JP" sz="1600" b="1" u="heavy" dirty="0">
+                  <a:solidFill>
+                    <a:schemeClr val="tx1">
+                      <a:lumMod val="85000"/>
+                      <a:lumOff val="15000"/>
+                    </a:schemeClr>
+                  </a:solidFill>
+                  <a:uFill>
                     <a:solidFill>
-                      <a:schemeClr val="tx1">
-                        <a:lumMod val="85000"/>
-                        <a:lumOff val="15000"/>
+                      <a:schemeClr val="accent2"/>
+                    </a:solidFill>
+                  </a:uFill>
+                  <a:ea typeface="Meiryo UI" panose="020B0604030504040204" pitchFamily="50" charset="-128"/>
+                </a:rPr>
+                <a:t> </a:t>
+              </a:r>
+              <a:r>
+                <a:rPr kumimoji="1" lang="en-US" altLang="ja-JP" sz="1600" b="1" dirty="0">
+                  <a:solidFill>
+                    <a:schemeClr val="tx1">
+                      <a:lumMod val="85000"/>
+                      <a:lumOff val="15000"/>
+                    </a:schemeClr>
+                  </a:solidFill>
+                  <a:uFill>
+                    <a:solidFill>
+                      <a:schemeClr val="accent2"/>
+                    </a:solidFill>
+                  </a:uFill>
+                  <a:ea typeface="Meiryo UI" panose="020B0604030504040204" pitchFamily="50" charset="-128"/>
+                </a:rPr>
+                <a:t>#</a:t>
+              </a:r>
+              <a:r>
+                <a:rPr kumimoji="1" lang="en-US" altLang="ja-JP" sz="1600" b="1" dirty="0">
+                  <a:solidFill>
+                    <a:srgbClr val="2FD7B4"/>
+                  </a:solidFill>
+                  <a:uFill>
+                    <a:solidFill>
+                      <a:schemeClr val="accent1"/>
+                    </a:solidFill>
+                  </a:uFill>
+                  <a:ea typeface="Meiryo UI" panose="020B0604030504040204" pitchFamily="50" charset="-128"/>
+                </a:rPr>
+                <a:t>\n</a:t>
+              </a:r>
+              <a:r>
+                <a:rPr kumimoji="1" lang="en-US" altLang="ja-JP" sz="1600" b="1" u="heavy" dirty="0">
+                  <a:solidFill>
+                    <a:schemeClr val="tx1">
+                      <a:lumMod val="85000"/>
+                      <a:lumOff val="15000"/>
+                    </a:schemeClr>
+                  </a:solidFill>
+                  <a:uFill>
+                    <a:solidFill>
+                      <a:schemeClr val="accent1"/>
+                    </a:solidFill>
+                  </a:uFill>
+                  <a:ea typeface="Meiryo UI" panose="020B0604030504040204" pitchFamily="50" charset="-128"/>
+                </a:rPr>
+                <a:t> </a:t>
+              </a:r>
+              <a:r>
+                <a:rPr kumimoji="1" lang="en-US" altLang="ja-JP" sz="1600" b="1" dirty="0">
+                  <a:solidFill>
+                    <a:schemeClr val="tx1">
+                      <a:lumMod val="85000"/>
+                      <a:lumOff val="15000"/>
+                    </a:schemeClr>
+                  </a:solidFill>
+                  <a:uFill>
+                    <a:solidFill>
+                      <a:schemeClr val="accent1"/>
+                    </a:solidFill>
+                  </a:uFill>
+                  <a:ea typeface="Meiryo UI" panose="020B0604030504040204" pitchFamily="50" charset="-128"/>
+                </a:rPr>
+                <a:t>#</a:t>
+              </a:r>
+              <a:r>
+                <a:rPr kumimoji="1" lang="en-US" altLang="ja-JP" sz="1600" b="1" u="heavy" dirty="0">
+                  <a:solidFill>
+                    <a:schemeClr val="tx1">
+                      <a:lumMod val="85000"/>
+                      <a:lumOff val="15000"/>
+                    </a:schemeClr>
+                  </a:solidFill>
+                  <a:uFill>
+                    <a:solidFill>
+                      <a:schemeClr val="accent2"/>
+                    </a:solidFill>
+                  </a:uFill>
+                  <a:ea typeface="Meiryo UI" panose="020B0604030504040204" pitchFamily="50" charset="-128"/>
+                </a:rPr>
+                <a:t> </a:t>
+              </a:r>
+              <a:r>
+                <a:rPr kumimoji="1" lang="en-US" altLang="ja-JP" sz="1600" b="1" dirty="0">
+                  <a:solidFill>
+                    <a:schemeClr val="tx1">
+                      <a:lumMod val="85000"/>
+                      <a:lumOff val="15000"/>
+                    </a:schemeClr>
+                  </a:solidFill>
+                  <a:uFill>
+                    <a:solidFill>
+                      <a:schemeClr val="accent3">
+                        <a:lumMod val="20000"/>
+                        <a:lumOff val="80000"/>
                       </a:schemeClr>
                     </a:solidFill>
-                    <a:ea typeface="Meiryo UI" panose="020B0604030504040204" pitchFamily="50" charset="-128"/>
-                  </a:rPr>
-                  <a:t>”</a:t>
-                </a:r>
-              </a:p>
-              <a:p>
-                <a:pPr lvl="1">
-                  <a:lnSpc>
-                    <a:spcPct val="150000"/>
-                  </a:lnSpc>
-                  <a:buClr>
-                    <a:schemeClr val="tx1"/>
-                  </a:buClr>
-                </a:pPr>
-                <a:r>
-                  <a:rPr kumimoji="1" lang="en-US" altLang="ja-JP" sz="1600" b="1" dirty="0">
+                  </a:uFill>
+                  <a:ea typeface="Meiryo UI" panose="020B0604030504040204" pitchFamily="50" charset="-128"/>
+                </a:rPr>
+                <a:t>#</a:t>
+              </a:r>
+              <a:r>
+                <a:rPr kumimoji="1" lang="en-US" altLang="ja-JP" sz="1600" b="1" dirty="0">
+                  <a:solidFill>
+                    <a:srgbClr val="2FD7B4"/>
+                  </a:solidFill>
+                  <a:uFill>
                     <a:solidFill>
-                      <a:schemeClr val="tx1">
-                        <a:lumMod val="85000"/>
-                        <a:lumOff val="15000"/>
+                      <a:schemeClr val="accent3">
+                        <a:lumMod val="20000"/>
+                        <a:lumOff val="80000"/>
                       </a:schemeClr>
                     </a:solidFill>
-                    <a:ea typeface="Meiryo UI" panose="020B0604030504040204" pitchFamily="50" charset="-128"/>
-                  </a:rPr>
-                  <a:t>2      “</a:t>
-                </a:r>
-                <a:r>
-                  <a:rPr kumimoji="1" lang="en-US" altLang="ja-JP" sz="1600" b="1" u="heavy" dirty="0">
+                  </a:uFill>
+                  <a:ea typeface="Meiryo UI" panose="020B0604030504040204" pitchFamily="50" charset="-128"/>
+                </a:rPr>
+                <a:t>\n</a:t>
+              </a:r>
+              <a:r>
+                <a:rPr kumimoji="1" lang="en-US" altLang="ja-JP" sz="1600" b="1" dirty="0">
+                  <a:solidFill>
+                    <a:schemeClr val="tx1">
+                      <a:lumMod val="85000"/>
+                      <a:lumOff val="15000"/>
+                    </a:schemeClr>
+                  </a:solidFill>
+                  <a:ea typeface="Meiryo UI" panose="020B0604030504040204" pitchFamily="50" charset="-128"/>
+                </a:rPr>
+                <a:t>#</a:t>
+              </a:r>
+              <a:r>
+                <a:rPr kumimoji="1" lang="en-US" altLang="ja-JP" sz="1600" b="1" u="heavy" dirty="0">
+                  <a:solidFill>
+                    <a:schemeClr val="tx1">
+                      <a:lumMod val="85000"/>
+                      <a:lumOff val="15000"/>
+                    </a:schemeClr>
+                  </a:solidFill>
+                  <a:uFill>
                     <a:solidFill>
-                      <a:schemeClr val="tx1">
-                        <a:lumMod val="85000"/>
-                        <a:lumOff val="15000"/>
+                      <a:schemeClr val="accent1"/>
+                    </a:solidFill>
+                  </a:uFill>
+                  <a:ea typeface="Meiryo UI" panose="020B0604030504040204" pitchFamily="50" charset="-128"/>
+                </a:rPr>
+                <a:t> </a:t>
+              </a:r>
+              <a:r>
+                <a:rPr kumimoji="1" lang="en-US" altLang="ja-JP" sz="1600" b="1" dirty="0">
+                  <a:solidFill>
+                    <a:schemeClr val="tx1">
+                      <a:lumMod val="85000"/>
+                      <a:lumOff val="15000"/>
+                    </a:schemeClr>
+                  </a:solidFill>
+                  <a:uFill>
+                    <a:solidFill>
+                      <a:schemeClr val="accent1"/>
+                    </a:solidFill>
+                  </a:uFill>
+                  <a:ea typeface="Meiryo UI" panose="020B0604030504040204" pitchFamily="50" charset="-128"/>
+                </a:rPr>
+                <a:t>#</a:t>
+              </a:r>
+              <a:r>
+                <a:rPr kumimoji="1" lang="en-US" altLang="ja-JP" sz="1600" b="1" u="heavy" dirty="0">
+                  <a:solidFill>
+                    <a:schemeClr val="tx1">
+                      <a:lumMod val="85000"/>
+                      <a:lumOff val="15000"/>
+                    </a:schemeClr>
+                  </a:solidFill>
+                  <a:uFill>
+                    <a:solidFill>
+                      <a:schemeClr val="accent2"/>
+                    </a:solidFill>
+                  </a:uFill>
+                  <a:ea typeface="Meiryo UI" panose="020B0604030504040204" pitchFamily="50" charset="-128"/>
+                </a:rPr>
+                <a:t> </a:t>
+              </a:r>
+              <a:r>
+                <a:rPr kumimoji="1" lang="en-US" altLang="ja-JP" sz="1600" b="1" dirty="0">
+                  <a:solidFill>
+                    <a:schemeClr val="tx1">
+                      <a:lumMod val="85000"/>
+                      <a:lumOff val="15000"/>
+                    </a:schemeClr>
+                  </a:solidFill>
+                  <a:uFill>
+                    <a:solidFill>
+                      <a:schemeClr val="accent3">
+                        <a:lumMod val="20000"/>
+                        <a:lumOff val="80000"/>
                       </a:schemeClr>
                     </a:solidFill>
-                    <a:uFill>
-                      <a:solidFill>
-                        <a:schemeClr val="accent1"/>
-                      </a:solidFill>
-                    </a:uFill>
-                    <a:ea typeface="Meiryo UI" panose="020B0604030504040204" pitchFamily="50" charset="-128"/>
-                  </a:rPr>
-                  <a:t> </a:t>
-                </a:r>
-                <a:r>
-                  <a:rPr kumimoji="1" lang="en-US" altLang="ja-JP" sz="1600" b="1" dirty="0">
-                    <a:solidFill>
-                      <a:schemeClr val="tx1">
-                        <a:lumMod val="85000"/>
-                        <a:lumOff val="15000"/>
-                      </a:schemeClr>
-                    </a:solidFill>
-                    <a:uFill>
-                      <a:solidFill>
-                        <a:schemeClr val="accent1"/>
-                      </a:solidFill>
-                    </a:uFill>
-                    <a:ea typeface="Meiryo UI" panose="020B0604030504040204" pitchFamily="50" charset="-128"/>
-                  </a:rPr>
-                  <a:t>#</a:t>
-                </a:r>
-                <a:r>
-                  <a:rPr kumimoji="1" lang="en-US" altLang="ja-JP" sz="1600" b="1" u="heavy" dirty="0">
-                    <a:solidFill>
-                      <a:schemeClr val="tx1">
-                        <a:lumMod val="85000"/>
-                        <a:lumOff val="15000"/>
-                      </a:schemeClr>
-                    </a:solidFill>
-                    <a:uFill>
-                      <a:solidFill>
-                        <a:schemeClr val="accent2"/>
-                      </a:solidFill>
-                    </a:uFill>
-                    <a:ea typeface="Meiryo UI" panose="020B0604030504040204" pitchFamily="50" charset="-128"/>
-                  </a:rPr>
-                  <a:t> </a:t>
-                </a:r>
-                <a:r>
-                  <a:rPr kumimoji="1" lang="en-US" altLang="ja-JP" sz="1600" b="1" dirty="0">
-                    <a:solidFill>
-                      <a:schemeClr val="tx1">
-                        <a:lumMod val="85000"/>
-                        <a:lumOff val="15000"/>
-                      </a:schemeClr>
-                    </a:solidFill>
-                    <a:uFill>
-                      <a:solidFill>
-                        <a:schemeClr val="accent3">
-                          <a:lumMod val="20000"/>
-                          <a:lumOff val="80000"/>
-                        </a:schemeClr>
-                      </a:solidFill>
-                    </a:uFill>
-                    <a:ea typeface="Meiryo UI" panose="020B0604030504040204" pitchFamily="50" charset="-128"/>
-                  </a:rPr>
-                  <a:t>#</a:t>
-                </a:r>
-                <a:r>
-                  <a:rPr kumimoji="1" lang="en-US" altLang="ja-JP" sz="1600" b="1" dirty="0">
-                    <a:solidFill>
-                      <a:schemeClr val="tx1">
-                        <a:lumMod val="85000"/>
-                        <a:lumOff val="15000"/>
-                      </a:schemeClr>
-                    </a:solidFill>
-                    <a:ea typeface="Meiryo UI" panose="020B0604030504040204" pitchFamily="50" charset="-128"/>
-                  </a:rPr>
-                  <a:t>”          =&gt;      “</a:t>
-                </a:r>
-                <a:r>
-                  <a:rPr kumimoji="1" lang="en-US" altLang="ja-JP" sz="1600" b="1" u="heavy" dirty="0">
-                    <a:solidFill>
-                      <a:schemeClr val="tx1">
-                        <a:lumMod val="85000"/>
-                        <a:lumOff val="15000"/>
-                      </a:schemeClr>
-                    </a:solidFill>
-                    <a:uFill>
-                      <a:solidFill>
-                        <a:schemeClr val="accent1"/>
-                      </a:solidFill>
-                    </a:uFill>
-                    <a:ea typeface="Meiryo UI" panose="020B0604030504040204" pitchFamily="50" charset="-128"/>
-                  </a:rPr>
-                  <a:t> </a:t>
-                </a:r>
-                <a:r>
-                  <a:rPr kumimoji="1" lang="en-US" altLang="ja-JP" sz="1600" b="1" dirty="0">
-                    <a:solidFill>
-                      <a:schemeClr val="tx1">
-                        <a:lumMod val="85000"/>
-                        <a:lumOff val="15000"/>
-                      </a:schemeClr>
-                    </a:solidFill>
-                    <a:uFill>
-                      <a:solidFill>
-                        <a:schemeClr val="accent1"/>
-                      </a:solidFill>
-                    </a:uFill>
-                    <a:ea typeface="Meiryo UI" panose="020B0604030504040204" pitchFamily="50" charset="-128"/>
-                  </a:rPr>
-                  <a:t>#</a:t>
-                </a:r>
-                <a:r>
-                  <a:rPr kumimoji="1" lang="en-US" altLang="ja-JP" sz="1600" b="1" u="heavy" dirty="0">
-                    <a:solidFill>
-                      <a:schemeClr val="tx1">
-                        <a:lumMod val="85000"/>
-                        <a:lumOff val="15000"/>
-                      </a:schemeClr>
-                    </a:solidFill>
-                    <a:uFill>
-                      <a:solidFill>
-                        <a:schemeClr val="accent2"/>
-                      </a:solidFill>
-                    </a:uFill>
-                    <a:ea typeface="Meiryo UI" panose="020B0604030504040204" pitchFamily="50" charset="-128"/>
-                  </a:rPr>
-                  <a:t> </a:t>
-                </a:r>
-                <a:r>
-                  <a:rPr kumimoji="1" lang="en-US" altLang="ja-JP" sz="1600" b="1" dirty="0">
-                    <a:solidFill>
-                      <a:schemeClr val="tx1">
-                        <a:lumMod val="85000"/>
-                        <a:lumOff val="15000"/>
-                      </a:schemeClr>
-                    </a:solidFill>
-                    <a:uFill>
-                      <a:solidFill>
-                        <a:schemeClr val="accent3">
-                          <a:lumMod val="20000"/>
-                          <a:lumOff val="80000"/>
-                        </a:schemeClr>
-                      </a:solidFill>
-                    </a:uFill>
-                    <a:ea typeface="Meiryo UI" panose="020B0604030504040204" pitchFamily="50" charset="-128"/>
-                  </a:rPr>
-                  <a:t>#</a:t>
-                </a:r>
-                <a:r>
-                  <a:rPr kumimoji="1" lang="en-US" altLang="ja-JP" sz="1600" b="1" dirty="0">
-                    <a:solidFill>
-                      <a:srgbClr val="2FD7B4"/>
-                    </a:solidFill>
-                    <a:uFill>
-                      <a:solidFill>
-                        <a:schemeClr val="accent3">
-                          <a:lumMod val="20000"/>
-                          <a:lumOff val="80000"/>
-                        </a:schemeClr>
-                      </a:solidFill>
-                    </a:uFill>
-                    <a:ea typeface="Meiryo UI" panose="020B0604030504040204" pitchFamily="50" charset="-128"/>
-                  </a:rPr>
-                  <a:t>\n</a:t>
-                </a:r>
-                <a:r>
-                  <a:rPr kumimoji="1" lang="en-US" altLang="ja-JP" sz="1600" b="1" dirty="0">
-                    <a:solidFill>
-                      <a:schemeClr val="tx1">
-                        <a:lumMod val="85000"/>
-                        <a:lumOff val="15000"/>
-                      </a:schemeClr>
-                    </a:solidFill>
-                    <a:ea typeface="Meiryo UI" panose="020B0604030504040204" pitchFamily="50" charset="-128"/>
-                  </a:rPr>
-                  <a:t>”      =&gt;    “</a:t>
-                </a:r>
-                <a:r>
-                  <a:rPr kumimoji="1" lang="en-US" altLang="ja-JP" sz="1600" b="1" u="heavy" dirty="0">
-                    <a:solidFill>
-                      <a:schemeClr val="tx1">
-                        <a:lumMod val="85000"/>
-                        <a:lumOff val="15000"/>
-                      </a:schemeClr>
-                    </a:solidFill>
-                    <a:uFill>
-                      <a:solidFill>
-                        <a:schemeClr val="accent1"/>
-                      </a:solidFill>
-                    </a:uFill>
-                    <a:ea typeface="Meiryo UI" panose="020B0604030504040204" pitchFamily="50" charset="-128"/>
-                  </a:rPr>
-                  <a:t> </a:t>
-                </a:r>
-                <a:r>
-                  <a:rPr kumimoji="1" lang="en-US" altLang="ja-JP" sz="1600" b="1" u="heavy" dirty="0">
-                    <a:solidFill>
-                      <a:schemeClr val="tx1">
-                        <a:lumMod val="85000"/>
-                        <a:lumOff val="15000"/>
-                      </a:schemeClr>
-                    </a:solidFill>
-                    <a:uFill>
-                      <a:solidFill>
-                        <a:schemeClr val="accent2"/>
-                      </a:solidFill>
-                    </a:uFill>
-                    <a:ea typeface="Meiryo UI" panose="020B0604030504040204" pitchFamily="50" charset="-128"/>
-                  </a:rPr>
-                  <a:t> </a:t>
-                </a:r>
-                <a:r>
-                  <a:rPr kumimoji="1" lang="en-US" altLang="ja-JP" sz="1600" b="1" dirty="0">
-                    <a:solidFill>
-                      <a:schemeClr val="tx1">
-                        <a:lumMod val="85000"/>
-                        <a:lumOff val="15000"/>
-                      </a:schemeClr>
-                    </a:solidFill>
-                    <a:uFill>
-                      <a:solidFill>
-                        <a:schemeClr val="accent1"/>
-                      </a:solidFill>
-                    </a:uFill>
-                    <a:ea typeface="Meiryo UI" panose="020B0604030504040204" pitchFamily="50" charset="-128"/>
-                  </a:rPr>
-                  <a:t>#</a:t>
-                </a:r>
-                <a:r>
-                  <a:rPr kumimoji="1" lang="en-US" altLang="ja-JP" sz="1600" b="1" dirty="0">
-                    <a:solidFill>
-                      <a:srgbClr val="2FD7B4"/>
-                    </a:solidFill>
-                    <a:uFill>
-                      <a:solidFill>
-                        <a:schemeClr val="accent1"/>
-                      </a:solidFill>
-                    </a:uFill>
-                    <a:ea typeface="Meiryo UI" panose="020B0604030504040204" pitchFamily="50" charset="-128"/>
-                  </a:rPr>
-                  <a:t>\n</a:t>
-                </a:r>
-                <a:r>
-                  <a:rPr kumimoji="1" lang="en-US" altLang="ja-JP" sz="1600" b="1" u="heavy" dirty="0">
-                    <a:solidFill>
-                      <a:schemeClr val="tx1">
-                        <a:lumMod val="85000"/>
-                        <a:lumOff val="15000"/>
-                      </a:schemeClr>
-                    </a:solidFill>
-                    <a:uFill>
-                      <a:solidFill>
-                        <a:schemeClr val="accent1"/>
-                      </a:solidFill>
-                    </a:uFill>
-                    <a:ea typeface="Meiryo UI" panose="020B0604030504040204" pitchFamily="50" charset="-128"/>
-                  </a:rPr>
-                  <a:t> </a:t>
-                </a:r>
-                <a:r>
-                  <a:rPr kumimoji="1" lang="en-US" altLang="ja-JP" sz="1600" b="1" dirty="0">
-                    <a:solidFill>
-                      <a:schemeClr val="tx1">
-                        <a:lumMod val="85000"/>
-                        <a:lumOff val="15000"/>
-                      </a:schemeClr>
-                    </a:solidFill>
-                    <a:uFill>
-                      <a:solidFill>
-                        <a:schemeClr val="accent1"/>
-                      </a:solidFill>
-                    </a:uFill>
-                    <a:ea typeface="Meiryo UI" panose="020B0604030504040204" pitchFamily="50" charset="-128"/>
-                  </a:rPr>
-                  <a:t>#</a:t>
-                </a:r>
-                <a:r>
-                  <a:rPr kumimoji="1" lang="en-US" altLang="ja-JP" sz="1600" b="1" u="heavy" dirty="0">
-                    <a:solidFill>
-                      <a:schemeClr val="tx1">
-                        <a:lumMod val="85000"/>
-                        <a:lumOff val="15000"/>
-                      </a:schemeClr>
-                    </a:solidFill>
-                    <a:uFill>
-                      <a:solidFill>
-                        <a:schemeClr val="accent2"/>
-                      </a:solidFill>
-                    </a:uFill>
-                    <a:ea typeface="Meiryo UI" panose="020B0604030504040204" pitchFamily="50" charset="-128"/>
-                  </a:rPr>
-                  <a:t> </a:t>
-                </a:r>
-                <a:r>
-                  <a:rPr kumimoji="1" lang="en-US" altLang="ja-JP" sz="1600" b="1" dirty="0">
-                    <a:solidFill>
-                      <a:schemeClr val="tx1">
-                        <a:lumMod val="85000"/>
-                        <a:lumOff val="15000"/>
-                      </a:schemeClr>
-                    </a:solidFill>
-                    <a:uFill>
-                      <a:solidFill>
-                        <a:schemeClr val="accent3">
-                          <a:lumMod val="20000"/>
-                          <a:lumOff val="80000"/>
-                        </a:schemeClr>
-                      </a:solidFill>
-                    </a:uFill>
-                    <a:ea typeface="Meiryo UI" panose="020B0604030504040204" pitchFamily="50" charset="-128"/>
-                  </a:rPr>
-                  <a:t>#</a:t>
-                </a:r>
-                <a:r>
-                  <a:rPr kumimoji="1" lang="en-US" altLang="ja-JP" sz="1600" b="1" dirty="0">
-                    <a:solidFill>
-                      <a:srgbClr val="2FD7B4"/>
-                    </a:solidFill>
-                    <a:uFill>
-                      <a:solidFill>
-                        <a:schemeClr val="accent3">
-                          <a:lumMod val="20000"/>
-                          <a:lumOff val="80000"/>
-                        </a:schemeClr>
-                      </a:solidFill>
-                    </a:uFill>
-                    <a:ea typeface="Meiryo UI" panose="020B0604030504040204" pitchFamily="50" charset="-128"/>
-                  </a:rPr>
-                  <a:t>\n</a:t>
-                </a:r>
-                <a:r>
-                  <a:rPr kumimoji="1" lang="en-US" altLang="ja-JP" sz="1600" b="1" dirty="0">
-                    <a:solidFill>
-                      <a:schemeClr val="tx1">
-                        <a:lumMod val="85000"/>
-                        <a:lumOff val="15000"/>
-                      </a:schemeClr>
-                    </a:solidFill>
-                    <a:ea typeface="Meiryo UI" panose="020B0604030504040204" pitchFamily="50" charset="-128"/>
-                  </a:rPr>
-                  <a:t>”</a:t>
-                </a:r>
-              </a:p>
-              <a:p>
-                <a:pPr lvl="1">
-                  <a:lnSpc>
-                    <a:spcPct val="150000"/>
-                  </a:lnSpc>
-                  <a:buClr>
-                    <a:schemeClr val="tx1"/>
-                  </a:buClr>
-                </a:pPr>
-                <a:r>
-                  <a:rPr kumimoji="1" lang="en-US" altLang="ja-JP" sz="1600" b="1" dirty="0">
-                    <a:solidFill>
-                      <a:schemeClr val="tx1">
-                        <a:lumMod val="85000"/>
-                        <a:lumOff val="15000"/>
-                      </a:schemeClr>
-                    </a:solidFill>
-                    <a:ea typeface="Meiryo UI" panose="020B0604030504040204" pitchFamily="50" charset="-128"/>
-                  </a:rPr>
-                  <a:t>3      “#</a:t>
-                </a:r>
-                <a:r>
-                  <a:rPr kumimoji="1" lang="en-US" altLang="ja-JP" sz="1600" b="1" u="heavy" dirty="0">
-                    <a:solidFill>
-                      <a:schemeClr val="tx1">
-                        <a:lumMod val="85000"/>
-                        <a:lumOff val="15000"/>
-                      </a:schemeClr>
-                    </a:solidFill>
-                    <a:uFill>
-                      <a:solidFill>
-                        <a:schemeClr val="accent1"/>
-                      </a:solidFill>
-                    </a:uFill>
-                    <a:ea typeface="Meiryo UI" panose="020B0604030504040204" pitchFamily="50" charset="-128"/>
-                  </a:rPr>
-                  <a:t> </a:t>
-                </a:r>
-                <a:r>
-                  <a:rPr kumimoji="1" lang="en-US" altLang="ja-JP" sz="1600" b="1" dirty="0">
-                    <a:solidFill>
-                      <a:schemeClr val="tx1">
-                        <a:lumMod val="85000"/>
-                        <a:lumOff val="15000"/>
-                      </a:schemeClr>
-                    </a:solidFill>
-                    <a:uFill>
-                      <a:solidFill>
-                        <a:schemeClr val="accent1"/>
-                      </a:solidFill>
-                    </a:uFill>
-                    <a:ea typeface="Meiryo UI" panose="020B0604030504040204" pitchFamily="50" charset="-128"/>
-                  </a:rPr>
-                  <a:t>#</a:t>
-                </a:r>
-                <a:r>
-                  <a:rPr kumimoji="1" lang="en-US" altLang="ja-JP" sz="1600" b="1" u="heavy" dirty="0">
-                    <a:solidFill>
-                      <a:schemeClr val="tx1">
-                        <a:lumMod val="85000"/>
-                        <a:lumOff val="15000"/>
-                      </a:schemeClr>
-                    </a:solidFill>
-                    <a:uFill>
-                      <a:solidFill>
-                        <a:schemeClr val="accent2"/>
-                      </a:solidFill>
-                    </a:uFill>
-                    <a:ea typeface="Meiryo UI" panose="020B0604030504040204" pitchFamily="50" charset="-128"/>
-                  </a:rPr>
-                  <a:t> </a:t>
-                </a:r>
-                <a:r>
-                  <a:rPr kumimoji="1" lang="en-US" altLang="ja-JP" sz="1600" b="1" dirty="0">
-                    <a:solidFill>
-                      <a:schemeClr val="tx1">
-                        <a:lumMod val="85000"/>
-                        <a:lumOff val="15000"/>
-                      </a:schemeClr>
-                    </a:solidFill>
-                    <a:uFill>
-                      <a:solidFill>
-                        <a:schemeClr val="accent3">
-                          <a:lumMod val="20000"/>
-                          <a:lumOff val="80000"/>
-                        </a:schemeClr>
-                      </a:solidFill>
-                    </a:uFill>
-                    <a:ea typeface="Meiryo UI" panose="020B0604030504040204" pitchFamily="50" charset="-128"/>
-                  </a:rPr>
-                  <a:t>#</a:t>
-                </a:r>
-                <a:r>
-                  <a:rPr kumimoji="1" lang="en-US" altLang="ja-JP" sz="1600" b="1" dirty="0">
-                    <a:solidFill>
-                      <a:schemeClr val="tx1">
-                        <a:lumMod val="85000"/>
-                        <a:lumOff val="15000"/>
-                      </a:schemeClr>
-                    </a:solidFill>
-                    <a:ea typeface="Meiryo UI" panose="020B0604030504040204" pitchFamily="50" charset="-128"/>
-                  </a:rPr>
-                  <a:t>”        =&gt;      “#</a:t>
-                </a:r>
-                <a:r>
-                  <a:rPr kumimoji="1" lang="en-US" altLang="ja-JP" sz="1600" b="1" u="heavy" dirty="0">
-                    <a:solidFill>
-                      <a:schemeClr val="tx1">
-                        <a:lumMod val="85000"/>
-                        <a:lumOff val="15000"/>
-                      </a:schemeClr>
-                    </a:solidFill>
-                    <a:uFill>
-                      <a:solidFill>
-                        <a:schemeClr val="accent1"/>
-                      </a:solidFill>
-                    </a:uFill>
-                    <a:ea typeface="Meiryo UI" panose="020B0604030504040204" pitchFamily="50" charset="-128"/>
-                  </a:rPr>
-                  <a:t> </a:t>
-                </a:r>
-                <a:r>
-                  <a:rPr kumimoji="1" lang="en-US" altLang="ja-JP" sz="1600" b="1" dirty="0">
-                    <a:solidFill>
-                      <a:schemeClr val="tx1">
-                        <a:lumMod val="85000"/>
-                        <a:lumOff val="15000"/>
-                      </a:schemeClr>
-                    </a:solidFill>
-                    <a:uFill>
-                      <a:solidFill>
-                        <a:schemeClr val="accent1"/>
-                      </a:solidFill>
-                    </a:uFill>
-                    <a:ea typeface="Meiryo UI" panose="020B0604030504040204" pitchFamily="50" charset="-128"/>
-                  </a:rPr>
-                  <a:t>#</a:t>
-                </a:r>
-                <a:r>
-                  <a:rPr kumimoji="1" lang="en-US" altLang="ja-JP" sz="1600" b="1" u="heavy" dirty="0">
-                    <a:solidFill>
-                      <a:schemeClr val="tx1">
-                        <a:lumMod val="85000"/>
-                        <a:lumOff val="15000"/>
-                      </a:schemeClr>
-                    </a:solidFill>
-                    <a:uFill>
-                      <a:solidFill>
-                        <a:schemeClr val="accent2"/>
-                      </a:solidFill>
-                    </a:uFill>
-                    <a:ea typeface="Meiryo UI" panose="020B0604030504040204" pitchFamily="50" charset="-128"/>
-                  </a:rPr>
-                  <a:t> </a:t>
-                </a:r>
-                <a:r>
-                  <a:rPr kumimoji="1" lang="en-US" altLang="ja-JP" sz="1600" b="1" dirty="0">
-                    <a:solidFill>
-                      <a:schemeClr val="tx1">
-                        <a:lumMod val="85000"/>
-                        <a:lumOff val="15000"/>
-                      </a:schemeClr>
-                    </a:solidFill>
-                    <a:uFill>
-                      <a:solidFill>
-                        <a:schemeClr val="accent3">
-                          <a:lumMod val="20000"/>
-                          <a:lumOff val="80000"/>
-                        </a:schemeClr>
-                      </a:solidFill>
-                    </a:uFill>
-                    <a:ea typeface="Meiryo UI" panose="020B0604030504040204" pitchFamily="50" charset="-128"/>
-                  </a:rPr>
-                  <a:t>#</a:t>
-                </a:r>
-                <a:r>
-                  <a:rPr kumimoji="1" lang="en-US" altLang="ja-JP" sz="1600" b="1" dirty="0">
-                    <a:solidFill>
-                      <a:srgbClr val="2FD7B4"/>
-                    </a:solidFill>
-                    <a:uFill>
-                      <a:solidFill>
-                        <a:schemeClr val="accent3">
-                          <a:lumMod val="20000"/>
-                          <a:lumOff val="80000"/>
-                        </a:schemeClr>
-                      </a:solidFill>
-                    </a:uFill>
-                    <a:ea typeface="Meiryo UI" panose="020B0604030504040204" pitchFamily="50" charset="-128"/>
-                  </a:rPr>
-                  <a:t>\n</a:t>
-                </a:r>
-                <a:r>
-                  <a:rPr kumimoji="1" lang="en-US" altLang="ja-JP" sz="1600" b="1" dirty="0">
-                    <a:solidFill>
-                      <a:schemeClr val="tx1">
-                        <a:lumMod val="85000"/>
-                        <a:lumOff val="15000"/>
-                      </a:schemeClr>
-                    </a:solidFill>
-                    <a:ea typeface="Meiryo UI" panose="020B0604030504040204" pitchFamily="50" charset="-128"/>
-                  </a:rPr>
-                  <a:t>”    =&gt;    “</a:t>
-                </a:r>
-                <a:r>
-                  <a:rPr kumimoji="1" lang="en-US" altLang="ja-JP" sz="1600" b="1" dirty="0">
-                    <a:solidFill>
-                      <a:schemeClr val="tx1">
-                        <a:lumMod val="85000"/>
-                        <a:lumOff val="15000"/>
-                      </a:schemeClr>
-                    </a:solidFill>
-                    <a:uFill>
-                      <a:solidFill>
-                        <a:schemeClr val="accent1"/>
-                      </a:solidFill>
-                    </a:uFill>
-                    <a:ea typeface="Meiryo UI" panose="020B0604030504040204" pitchFamily="50" charset="-128"/>
-                  </a:rPr>
-                  <a:t>#</a:t>
-                </a:r>
-                <a:r>
-                  <a:rPr kumimoji="1" lang="en-US" altLang="ja-JP" sz="1600" b="1" u="heavy" dirty="0">
-                    <a:solidFill>
-                      <a:schemeClr val="tx1">
-                        <a:lumMod val="85000"/>
-                        <a:lumOff val="15000"/>
-                      </a:schemeClr>
-                    </a:solidFill>
-                    <a:uFill>
-                      <a:solidFill>
-                        <a:schemeClr val="accent1"/>
-                      </a:solidFill>
-                    </a:uFill>
-                    <a:ea typeface="Meiryo UI" panose="020B0604030504040204" pitchFamily="50" charset="-128"/>
-                  </a:rPr>
-                  <a:t> </a:t>
-                </a:r>
-                <a:r>
-                  <a:rPr kumimoji="1" lang="en-US" altLang="ja-JP" sz="1600" b="1" u="heavy" dirty="0">
-                    <a:solidFill>
-                      <a:schemeClr val="tx1">
-                        <a:lumMod val="85000"/>
-                        <a:lumOff val="15000"/>
-                      </a:schemeClr>
-                    </a:solidFill>
-                    <a:uFill>
-                      <a:solidFill>
-                        <a:schemeClr val="accent2"/>
-                      </a:solidFill>
-                    </a:uFill>
-                    <a:ea typeface="Meiryo UI" panose="020B0604030504040204" pitchFamily="50" charset="-128"/>
-                  </a:rPr>
-                  <a:t> </a:t>
-                </a:r>
-                <a:r>
-                  <a:rPr kumimoji="1" lang="en-US" altLang="ja-JP" sz="1600" b="1" dirty="0">
-                    <a:solidFill>
-                      <a:srgbClr val="2FD7B4"/>
-                    </a:solidFill>
-                    <a:uFill>
-                      <a:solidFill>
-                        <a:schemeClr val="accent1"/>
-                      </a:solidFill>
-                    </a:uFill>
-                    <a:ea typeface="Meiryo UI" panose="020B0604030504040204" pitchFamily="50" charset="-128"/>
-                  </a:rPr>
-                  <a:t>\n</a:t>
-                </a:r>
-                <a:r>
-                  <a:rPr kumimoji="1" lang="en-US" altLang="ja-JP" sz="1600" b="1" u="heavy" dirty="0">
-                    <a:solidFill>
-                      <a:schemeClr val="tx1">
-                        <a:lumMod val="85000"/>
-                        <a:lumOff val="15000"/>
-                      </a:schemeClr>
-                    </a:solidFill>
-                    <a:uFill>
-                      <a:solidFill>
-                        <a:schemeClr val="accent1"/>
-                      </a:solidFill>
-                    </a:uFill>
-                    <a:ea typeface="Meiryo UI" panose="020B0604030504040204" pitchFamily="50" charset="-128"/>
-                  </a:rPr>
-                  <a:t> </a:t>
-                </a:r>
-                <a:r>
-                  <a:rPr kumimoji="1" lang="en-US" altLang="ja-JP" sz="1600" b="1" dirty="0">
-                    <a:solidFill>
-                      <a:schemeClr val="tx1">
-                        <a:lumMod val="85000"/>
-                        <a:lumOff val="15000"/>
-                      </a:schemeClr>
-                    </a:solidFill>
-                    <a:uFill>
-                      <a:solidFill>
-                        <a:schemeClr val="accent1"/>
-                      </a:solidFill>
-                    </a:uFill>
-                    <a:ea typeface="Meiryo UI" panose="020B0604030504040204" pitchFamily="50" charset="-128"/>
-                  </a:rPr>
-                  <a:t>#</a:t>
-                </a:r>
-                <a:r>
-                  <a:rPr kumimoji="1" lang="en-US" altLang="ja-JP" sz="1600" b="1" u="heavy" dirty="0">
-                    <a:solidFill>
-                      <a:schemeClr val="tx1">
-                        <a:lumMod val="85000"/>
-                        <a:lumOff val="15000"/>
-                      </a:schemeClr>
-                    </a:solidFill>
-                    <a:uFill>
-                      <a:solidFill>
-                        <a:schemeClr val="accent2"/>
-                      </a:solidFill>
-                    </a:uFill>
-                    <a:ea typeface="Meiryo UI" panose="020B0604030504040204" pitchFamily="50" charset="-128"/>
-                  </a:rPr>
-                  <a:t> </a:t>
-                </a:r>
-                <a:r>
-                  <a:rPr kumimoji="1" lang="en-US" altLang="ja-JP" sz="1600" b="1" dirty="0">
-                    <a:solidFill>
-                      <a:schemeClr val="tx1">
-                        <a:lumMod val="85000"/>
-                        <a:lumOff val="15000"/>
-                      </a:schemeClr>
-                    </a:solidFill>
-                    <a:uFill>
-                      <a:solidFill>
-                        <a:schemeClr val="accent3">
-                          <a:lumMod val="20000"/>
-                          <a:lumOff val="80000"/>
-                        </a:schemeClr>
-                      </a:solidFill>
-                    </a:uFill>
-                    <a:ea typeface="Meiryo UI" panose="020B0604030504040204" pitchFamily="50" charset="-128"/>
-                  </a:rPr>
-                  <a:t>#</a:t>
-                </a:r>
-                <a:r>
-                  <a:rPr kumimoji="1" lang="en-US" altLang="ja-JP" sz="1600" b="1" dirty="0">
-                    <a:solidFill>
-                      <a:srgbClr val="2FD7B4"/>
-                    </a:solidFill>
-                    <a:uFill>
-                      <a:solidFill>
-                        <a:schemeClr val="accent3">
-                          <a:lumMod val="20000"/>
-                          <a:lumOff val="80000"/>
-                        </a:schemeClr>
-                      </a:solidFill>
-                    </a:uFill>
-                    <a:ea typeface="Meiryo UI" panose="020B0604030504040204" pitchFamily="50" charset="-128"/>
-                  </a:rPr>
-                  <a:t>\n</a:t>
-                </a:r>
-                <a:r>
-                  <a:rPr kumimoji="1" lang="en-US" altLang="ja-JP" sz="1600" b="1" dirty="0">
-                    <a:solidFill>
-                      <a:schemeClr val="tx1">
-                        <a:lumMod val="85000"/>
-                        <a:lumOff val="15000"/>
-                      </a:schemeClr>
-                    </a:solidFill>
-                    <a:ea typeface="Meiryo UI" panose="020B0604030504040204" pitchFamily="50" charset="-128"/>
-                  </a:rPr>
-                  <a:t>#</a:t>
-                </a:r>
-                <a:r>
-                  <a:rPr kumimoji="1" lang="en-US" altLang="ja-JP" sz="1600" b="1" u="heavy" dirty="0">
-                    <a:solidFill>
-                      <a:schemeClr val="tx1">
-                        <a:lumMod val="85000"/>
-                        <a:lumOff val="15000"/>
-                      </a:schemeClr>
-                    </a:solidFill>
-                    <a:uFill>
-                      <a:solidFill>
-                        <a:schemeClr val="accent1"/>
-                      </a:solidFill>
-                    </a:uFill>
-                    <a:ea typeface="Meiryo UI" panose="020B0604030504040204" pitchFamily="50" charset="-128"/>
-                  </a:rPr>
-                  <a:t> </a:t>
-                </a:r>
-                <a:r>
-                  <a:rPr kumimoji="1" lang="en-US" altLang="ja-JP" sz="1600" b="1" dirty="0">
-                    <a:solidFill>
-                      <a:schemeClr val="tx1">
-                        <a:lumMod val="85000"/>
-                        <a:lumOff val="15000"/>
-                      </a:schemeClr>
-                    </a:solidFill>
-                    <a:uFill>
-                      <a:solidFill>
-                        <a:schemeClr val="accent1"/>
-                      </a:solidFill>
-                    </a:uFill>
-                    <a:ea typeface="Meiryo UI" panose="020B0604030504040204" pitchFamily="50" charset="-128"/>
-                  </a:rPr>
-                  <a:t>#</a:t>
-                </a:r>
-                <a:r>
-                  <a:rPr kumimoji="1" lang="en-US" altLang="ja-JP" sz="1600" b="1" u="heavy" dirty="0">
-                    <a:solidFill>
-                      <a:schemeClr val="tx1">
-                        <a:lumMod val="85000"/>
-                        <a:lumOff val="15000"/>
-                      </a:schemeClr>
-                    </a:solidFill>
-                    <a:uFill>
-                      <a:solidFill>
-                        <a:schemeClr val="accent2"/>
-                      </a:solidFill>
-                    </a:uFill>
-                    <a:ea typeface="Meiryo UI" panose="020B0604030504040204" pitchFamily="50" charset="-128"/>
-                  </a:rPr>
-                  <a:t> </a:t>
-                </a:r>
-                <a:r>
-                  <a:rPr kumimoji="1" lang="en-US" altLang="ja-JP" sz="1600" b="1" dirty="0">
-                    <a:solidFill>
-                      <a:schemeClr val="tx1">
-                        <a:lumMod val="85000"/>
-                        <a:lumOff val="15000"/>
-                      </a:schemeClr>
-                    </a:solidFill>
-                    <a:uFill>
-                      <a:solidFill>
-                        <a:schemeClr val="accent3">
-                          <a:lumMod val="20000"/>
-                          <a:lumOff val="80000"/>
-                        </a:schemeClr>
-                      </a:solidFill>
-                    </a:uFill>
-                    <a:ea typeface="Meiryo UI" panose="020B0604030504040204" pitchFamily="50" charset="-128"/>
-                  </a:rPr>
-                  <a:t>#</a:t>
-                </a:r>
-                <a:r>
-                  <a:rPr kumimoji="1" lang="en-US" altLang="ja-JP" sz="1600" b="1" dirty="0">
-                    <a:solidFill>
-                      <a:srgbClr val="2FD7B4"/>
-                    </a:solidFill>
-                    <a:uFill>
-                      <a:solidFill>
-                        <a:schemeClr val="accent3">
-                          <a:lumMod val="20000"/>
-                          <a:lumOff val="80000"/>
-                        </a:schemeClr>
-                      </a:solidFill>
-                    </a:uFill>
-                    <a:ea typeface="Meiryo UI" panose="020B0604030504040204" pitchFamily="50" charset="-128"/>
-                  </a:rPr>
-                  <a:t>\n</a:t>
-                </a:r>
-                <a:r>
-                  <a:rPr kumimoji="1" lang="en-US" altLang="ja-JP" sz="1600" b="1" dirty="0">
-                    <a:solidFill>
-                      <a:schemeClr val="tx1">
-                        <a:lumMod val="85000"/>
-                        <a:lumOff val="15000"/>
-                      </a:schemeClr>
-                    </a:solidFill>
-                    <a:ea typeface="Meiryo UI" panose="020B0604030504040204" pitchFamily="50" charset="-128"/>
-                  </a:rPr>
-                  <a:t>”</a:t>
-                </a:r>
-                <a:r>
-                  <a:rPr kumimoji="1" lang="ja-JP" altLang="en-US" sz="1600" b="1" dirty="0">
-                    <a:solidFill>
-                      <a:schemeClr val="tx1">
-                        <a:lumMod val="85000"/>
-                        <a:lumOff val="15000"/>
-                      </a:schemeClr>
-                    </a:solidFill>
-                    <a:ea typeface="Meiryo UI" panose="020B0604030504040204" pitchFamily="50" charset="-128"/>
-                  </a:rPr>
-                  <a:t>   </a:t>
-                </a:r>
-                <a:r>
-                  <a:rPr kumimoji="1" lang="en-US" altLang="ja-JP" sz="1600" b="1" dirty="0">
-                    <a:solidFill>
-                      <a:schemeClr val="tx1">
-                        <a:lumMod val="85000"/>
-                        <a:lumOff val="15000"/>
-                      </a:schemeClr>
-                    </a:solidFill>
-                    <a:ea typeface="Meiryo UI" panose="020B0604030504040204" pitchFamily="50" charset="-128"/>
-                  </a:rPr>
-                  <a:t>=&gt;   “</a:t>
-                </a:r>
-                <a:r>
-                  <a:rPr kumimoji="1" lang="en-US" altLang="ja-JP" sz="1600" b="1" dirty="0">
-                    <a:solidFill>
-                      <a:schemeClr val="tx1">
-                        <a:lumMod val="85000"/>
-                        <a:lumOff val="15000"/>
-                      </a:schemeClr>
-                    </a:solidFill>
-                    <a:uFill>
-                      <a:solidFill>
-                        <a:schemeClr val="accent1"/>
-                      </a:solidFill>
-                    </a:uFill>
-                    <a:ea typeface="Meiryo UI" panose="020B0604030504040204" pitchFamily="50" charset="-128"/>
-                  </a:rPr>
-                  <a:t>#</a:t>
-                </a:r>
-                <a:r>
-                  <a:rPr kumimoji="1" lang="en-US" altLang="ja-JP" sz="1600" b="1" u="heavy" dirty="0">
-                    <a:solidFill>
-                      <a:schemeClr val="tx1">
-                        <a:lumMod val="85000"/>
-                        <a:lumOff val="15000"/>
-                      </a:schemeClr>
-                    </a:solidFill>
-                    <a:uFill>
-                      <a:solidFill>
-                        <a:schemeClr val="accent1"/>
-                      </a:solidFill>
-                    </a:uFill>
-                    <a:ea typeface="Meiryo UI" panose="020B0604030504040204" pitchFamily="50" charset="-128"/>
-                  </a:rPr>
-                  <a:t> </a:t>
-                </a:r>
-                <a:r>
-                  <a:rPr kumimoji="1" lang="en-US" altLang="ja-JP" sz="1600" b="1" u="heavy" dirty="0">
-                    <a:solidFill>
-                      <a:schemeClr val="tx1">
-                        <a:lumMod val="85000"/>
-                        <a:lumOff val="15000"/>
-                      </a:schemeClr>
-                    </a:solidFill>
-                    <a:uFill>
-                      <a:solidFill>
-                        <a:schemeClr val="accent2"/>
-                      </a:solidFill>
-                    </a:uFill>
-                    <a:ea typeface="Meiryo UI" panose="020B0604030504040204" pitchFamily="50" charset="-128"/>
-                  </a:rPr>
-                  <a:t> </a:t>
-                </a:r>
-                <a:r>
-                  <a:rPr kumimoji="1" lang="en-US" altLang="ja-JP" sz="1600" b="1" dirty="0">
-                    <a:solidFill>
-                      <a:srgbClr val="2FD7B4"/>
-                    </a:solidFill>
-                    <a:uFill>
-                      <a:solidFill>
-                        <a:schemeClr val="accent1"/>
-                      </a:solidFill>
-                    </a:uFill>
-                    <a:ea typeface="Meiryo UI" panose="020B0604030504040204" pitchFamily="50" charset="-128"/>
-                  </a:rPr>
-                  <a:t>\n</a:t>
-                </a:r>
-                <a:r>
-                  <a:rPr kumimoji="1" lang="en-US" altLang="ja-JP" sz="1600" b="1" u="heavy" dirty="0">
-                    <a:solidFill>
-                      <a:schemeClr val="tx1">
-                        <a:lumMod val="85000"/>
-                        <a:lumOff val="15000"/>
-                      </a:schemeClr>
-                    </a:solidFill>
-                    <a:uFill>
-                      <a:solidFill>
-                        <a:schemeClr val="accent1"/>
-                      </a:solidFill>
-                    </a:uFill>
-                    <a:ea typeface="Meiryo UI" panose="020B0604030504040204" pitchFamily="50" charset="-128"/>
-                  </a:rPr>
-                  <a:t> </a:t>
-                </a:r>
-                <a:r>
-                  <a:rPr kumimoji="1" lang="en-US" altLang="ja-JP" sz="1600" b="1" dirty="0">
-                    <a:solidFill>
-                      <a:schemeClr val="tx1">
-                        <a:lumMod val="85000"/>
-                        <a:lumOff val="15000"/>
-                      </a:schemeClr>
-                    </a:solidFill>
-                    <a:uFill>
-                      <a:solidFill>
-                        <a:schemeClr val="accent1"/>
-                      </a:solidFill>
-                    </a:uFill>
-                    <a:ea typeface="Meiryo UI" panose="020B0604030504040204" pitchFamily="50" charset="-128"/>
-                  </a:rPr>
-                  <a:t>#</a:t>
-                </a:r>
-                <a:r>
-                  <a:rPr kumimoji="1" lang="en-US" altLang="ja-JP" sz="1600" b="1" u="heavy" dirty="0">
-                    <a:solidFill>
-                      <a:schemeClr val="tx1">
-                        <a:lumMod val="85000"/>
-                        <a:lumOff val="15000"/>
-                      </a:schemeClr>
-                    </a:solidFill>
-                    <a:uFill>
-                      <a:solidFill>
-                        <a:schemeClr val="accent2"/>
-                      </a:solidFill>
-                    </a:uFill>
-                    <a:ea typeface="Meiryo UI" panose="020B0604030504040204" pitchFamily="50" charset="-128"/>
-                  </a:rPr>
-                  <a:t> </a:t>
-                </a:r>
-                <a:r>
-                  <a:rPr kumimoji="1" lang="en-US" altLang="ja-JP" sz="1600" b="1" dirty="0">
-                    <a:solidFill>
-                      <a:schemeClr val="tx1">
-                        <a:lumMod val="85000"/>
-                        <a:lumOff val="15000"/>
-                      </a:schemeClr>
-                    </a:solidFill>
-                    <a:uFill>
-                      <a:solidFill>
-                        <a:schemeClr val="accent3">
-                          <a:lumMod val="20000"/>
-                          <a:lumOff val="80000"/>
-                        </a:schemeClr>
-                      </a:solidFill>
-                    </a:uFill>
-                    <a:ea typeface="Meiryo UI" panose="020B0604030504040204" pitchFamily="50" charset="-128"/>
-                  </a:rPr>
-                  <a:t>#</a:t>
-                </a:r>
-                <a:r>
-                  <a:rPr kumimoji="1" lang="en-US" altLang="ja-JP" sz="1600" b="1" dirty="0">
-                    <a:solidFill>
-                      <a:srgbClr val="2FD7B4"/>
-                    </a:solidFill>
-                    <a:uFill>
-                      <a:solidFill>
-                        <a:schemeClr val="accent3">
-                          <a:lumMod val="20000"/>
-                          <a:lumOff val="80000"/>
-                        </a:schemeClr>
-                      </a:solidFill>
-                    </a:uFill>
-                    <a:ea typeface="Meiryo UI" panose="020B0604030504040204" pitchFamily="50" charset="-128"/>
-                  </a:rPr>
-                  <a:t>\n</a:t>
-                </a:r>
-                <a:r>
-                  <a:rPr kumimoji="1" lang="en-US" altLang="ja-JP" sz="1600" b="1" dirty="0">
-                    <a:solidFill>
-                      <a:schemeClr val="tx1">
-                        <a:lumMod val="85000"/>
-                        <a:lumOff val="15000"/>
-                      </a:schemeClr>
-                    </a:solidFill>
-                    <a:ea typeface="Meiryo UI" panose="020B0604030504040204" pitchFamily="50" charset="-128"/>
-                  </a:rPr>
-                  <a:t>#</a:t>
-                </a:r>
-                <a:r>
-                  <a:rPr kumimoji="1" lang="en-US" altLang="ja-JP" sz="1600" b="1" u="heavy" dirty="0">
-                    <a:solidFill>
-                      <a:schemeClr val="tx1">
-                        <a:lumMod val="85000"/>
-                        <a:lumOff val="15000"/>
-                      </a:schemeClr>
-                    </a:solidFill>
-                    <a:uFill>
-                      <a:solidFill>
-                        <a:schemeClr val="accent1"/>
-                      </a:solidFill>
-                    </a:uFill>
-                    <a:ea typeface="Meiryo UI" panose="020B0604030504040204" pitchFamily="50" charset="-128"/>
-                  </a:rPr>
-                  <a:t> </a:t>
-                </a:r>
-                <a:r>
-                  <a:rPr kumimoji="1" lang="en-US" altLang="ja-JP" sz="1600" b="1" dirty="0">
-                    <a:solidFill>
-                      <a:schemeClr val="tx1">
-                        <a:lumMod val="85000"/>
-                        <a:lumOff val="15000"/>
-                      </a:schemeClr>
-                    </a:solidFill>
-                    <a:uFill>
-                      <a:solidFill>
-                        <a:schemeClr val="accent1"/>
-                      </a:solidFill>
-                    </a:uFill>
-                    <a:ea typeface="Meiryo UI" panose="020B0604030504040204" pitchFamily="50" charset="-128"/>
-                  </a:rPr>
-                  <a:t>#</a:t>
-                </a:r>
-                <a:r>
-                  <a:rPr kumimoji="1" lang="en-US" altLang="ja-JP" sz="1600" b="1" u="heavy" dirty="0">
-                    <a:solidFill>
-                      <a:schemeClr val="tx1">
-                        <a:lumMod val="85000"/>
-                        <a:lumOff val="15000"/>
-                      </a:schemeClr>
-                    </a:solidFill>
-                    <a:uFill>
-                      <a:solidFill>
-                        <a:schemeClr val="accent2"/>
-                      </a:solidFill>
-                    </a:uFill>
-                    <a:ea typeface="Meiryo UI" panose="020B0604030504040204" pitchFamily="50" charset="-128"/>
-                  </a:rPr>
-                  <a:t> </a:t>
-                </a:r>
-                <a:r>
-                  <a:rPr kumimoji="1" lang="en-US" altLang="ja-JP" sz="1600" b="1" dirty="0">
-                    <a:solidFill>
-                      <a:schemeClr val="tx1">
-                        <a:lumMod val="85000"/>
-                        <a:lumOff val="15000"/>
-                      </a:schemeClr>
-                    </a:solidFill>
-                    <a:uFill>
-                      <a:solidFill>
-                        <a:schemeClr val="accent3">
-                          <a:lumMod val="20000"/>
-                          <a:lumOff val="80000"/>
-                        </a:schemeClr>
-                      </a:solidFill>
-                    </a:uFill>
-                    <a:ea typeface="Meiryo UI" panose="020B0604030504040204" pitchFamily="50" charset="-128"/>
-                  </a:rPr>
-                  <a:t>#</a:t>
-                </a:r>
-                <a:r>
-                  <a:rPr kumimoji="1" lang="en-US" altLang="ja-JP" sz="1600" b="1" dirty="0">
-                    <a:solidFill>
-                      <a:schemeClr val="tx1">
-                        <a:lumMod val="85000"/>
-                        <a:lumOff val="15000"/>
-                      </a:schemeClr>
-                    </a:solidFill>
-                    <a:ea typeface="Meiryo UI" panose="020B0604030504040204" pitchFamily="50" charset="-128"/>
-                  </a:rPr>
-                  <a:t>”</a:t>
-                </a:r>
-              </a:p>
-            </p:txBody>
-          </p:sp>
-          <p:sp>
-            <p:nvSpPr>
-              <p:cNvPr id="34" name="正方形/長方形 33">
-                <a:extLst>
-                  <a:ext uri="{FF2B5EF4-FFF2-40B4-BE49-F238E27FC236}">
-                    <a16:creationId xmlns:a16="http://schemas.microsoft.com/office/drawing/2014/main" id="{C5F083B8-8D21-4243-BD55-E7ACC9E395B1}"/>
-                  </a:ext>
-                </a:extLst>
-              </p:cNvPr>
-              <p:cNvSpPr/>
-              <p:nvPr/>
-            </p:nvSpPr>
-            <p:spPr>
-              <a:xfrm>
-                <a:off x="566336" y="2794130"/>
-                <a:ext cx="1410566" cy="429893"/>
-              </a:xfrm>
-              <a:prstGeom prst="rect">
-                <a:avLst/>
-              </a:prstGeom>
-              <a:solidFill>
-                <a:schemeClr val="accent5">
-                  <a:lumMod val="20000"/>
-                  <a:lumOff val="80000"/>
-                </a:schemeClr>
-              </a:solidFill>
-              <a:ln>
-                <a:noFill/>
-              </a:ln>
-            </p:spPr>
-            <p:style>
-              <a:lnRef idx="2">
-                <a:schemeClr val="accent1">
-                  <a:shade val="50000"/>
-                </a:schemeClr>
-              </a:lnRef>
-              <a:fillRef idx="1">
-                <a:schemeClr val="accent1"/>
-              </a:fillRef>
-              <a:effectRef idx="0">
-                <a:schemeClr val="accent1"/>
-              </a:effectRef>
-              <a:fontRef idx="minor">
-                <a:schemeClr val="lt1"/>
-              </a:fontRef>
-            </p:style>
-            <p:txBody>
-              <a:bodyPr rtlCol="0" anchor="ctr"/>
-              <a:lstStyle/>
-              <a:p>
-                <a:pPr algn="ctr"/>
-                <a:r>
-                  <a:rPr kumimoji="1" lang="ja-JP" altLang="en-US" dirty="0">
-                    <a:solidFill>
-                      <a:schemeClr val="tx1">
-                        <a:lumMod val="85000"/>
-                        <a:lumOff val="15000"/>
-                      </a:schemeClr>
-                    </a:solidFill>
-                    <a:latin typeface="Meiryo UI" panose="020B0604030504040204" pitchFamily="50" charset="-128"/>
-                    <a:ea typeface="Meiryo UI" panose="020B0604030504040204" pitchFamily="50" charset="-128"/>
-                  </a:rPr>
-                  <a:t>スペースの隙間に</a:t>
-                </a:r>
-                <a:endParaRPr kumimoji="1" lang="en-US" altLang="ja-JP" dirty="0">
+                  </a:uFill>
+                  <a:ea typeface="Meiryo UI" panose="020B0604030504040204" pitchFamily="50" charset="-128"/>
+                </a:rPr>
+                <a:t>#</a:t>
+              </a:r>
+              <a:r>
+                <a:rPr kumimoji="1" lang="en-US" altLang="ja-JP" sz="1600" b="1" dirty="0">
+                  <a:solidFill>
+                    <a:schemeClr val="tx1">
+                      <a:lumMod val="85000"/>
+                      <a:lumOff val="15000"/>
+                    </a:schemeClr>
+                  </a:solidFill>
+                  <a:ea typeface="Meiryo UI" panose="020B0604030504040204" pitchFamily="50" charset="-128"/>
+                </a:rPr>
+                <a:t>”</a:t>
+              </a:r>
+            </a:p>
+          </p:txBody>
+        </p:sp>
+        <p:sp>
+          <p:nvSpPr>
+            <p:cNvPr id="34" name="正方形/長方形 33">
+              <a:extLst>
+                <a:ext uri="{FF2B5EF4-FFF2-40B4-BE49-F238E27FC236}">
+                  <a16:creationId xmlns:a16="http://schemas.microsoft.com/office/drawing/2014/main" id="{C5F083B8-8D21-4243-BD55-E7ACC9E395B1}"/>
+                </a:ext>
+              </a:extLst>
+            </p:cNvPr>
+            <p:cNvSpPr/>
+            <p:nvPr/>
+          </p:nvSpPr>
+          <p:spPr>
+            <a:xfrm>
+              <a:off x="859095" y="2787042"/>
+              <a:ext cx="1410566" cy="429893"/>
+            </a:xfrm>
+            <a:prstGeom prst="rect">
+              <a:avLst/>
+            </a:prstGeom>
+            <a:noFill/>
+            <a:ln>
+              <a:noFill/>
+            </a:ln>
+          </p:spPr>
+          <p:style>
+            <a:lnRef idx="2">
+              <a:schemeClr val="accent1">
+                <a:shade val="50000"/>
+              </a:schemeClr>
+            </a:lnRef>
+            <a:fillRef idx="1">
+              <a:schemeClr val="accent1"/>
+            </a:fillRef>
+            <a:effectRef idx="0">
+              <a:schemeClr val="accent1"/>
+            </a:effectRef>
+            <a:fontRef idx="minor">
+              <a:schemeClr val="lt1"/>
+            </a:fontRef>
+          </p:style>
+          <p:txBody>
+            <a:bodyPr rtlCol="0" anchor="ctr"/>
+            <a:lstStyle/>
+            <a:p>
+              <a:pPr algn="ctr"/>
+              <a:r>
+                <a:rPr kumimoji="1" lang="ja-JP" altLang="en-US" dirty="0">
                   <a:solidFill>
                     <a:schemeClr val="tx1">
                       <a:lumMod val="85000"/>
@@ -11585,104 +12856,24 @@
                   </a:solidFill>
                   <a:latin typeface="Meiryo UI" panose="020B0604030504040204" pitchFamily="50" charset="-128"/>
                   <a:ea typeface="Meiryo UI" panose="020B0604030504040204" pitchFamily="50" charset="-128"/>
-                </a:endParaRPr>
-              </a:p>
-              <a:p>
-                <a:pPr algn="ctr"/>
-                <a:r>
-                  <a:rPr kumimoji="1" lang="en-US" altLang="ja-JP" dirty="0">
-                    <a:solidFill>
-                      <a:schemeClr val="tx1">
-                        <a:lumMod val="85000"/>
-                        <a:lumOff val="15000"/>
-                      </a:schemeClr>
-                    </a:solidFill>
-                    <a:latin typeface="Meiryo UI" panose="020B0604030504040204" pitchFamily="50" charset="-128"/>
-                    <a:ea typeface="Meiryo UI" panose="020B0604030504040204" pitchFamily="50" charset="-128"/>
-                  </a:rPr>
-                  <a:t>”#”</a:t>
-                </a:r>
-                <a:r>
-                  <a:rPr kumimoji="1" lang="ja-JP" altLang="en-US" dirty="0">
-                    <a:solidFill>
-                      <a:schemeClr val="tx1">
-                        <a:lumMod val="85000"/>
-                        <a:lumOff val="15000"/>
-                      </a:schemeClr>
-                    </a:solidFill>
-                    <a:latin typeface="Meiryo UI" panose="020B0604030504040204" pitchFamily="50" charset="-128"/>
-                    <a:ea typeface="Meiryo UI" panose="020B0604030504040204" pitchFamily="50" charset="-128"/>
-                  </a:rPr>
-                  <a:t>を入れる</a:t>
-                </a:r>
-              </a:p>
-            </p:txBody>
-          </p:sp>
-          <p:sp>
-            <p:nvSpPr>
-              <p:cNvPr id="35" name="正方形/長方形 34">
-                <a:extLst>
-                  <a:ext uri="{FF2B5EF4-FFF2-40B4-BE49-F238E27FC236}">
-                    <a16:creationId xmlns:a16="http://schemas.microsoft.com/office/drawing/2014/main" id="{987FDCED-92F6-4CAB-A42A-CA7D8E953786}"/>
-                  </a:ext>
-                </a:extLst>
-              </p:cNvPr>
-              <p:cNvSpPr/>
-              <p:nvPr/>
-            </p:nvSpPr>
-            <p:spPr>
-              <a:xfrm>
-                <a:off x="2451564" y="2794130"/>
-                <a:ext cx="1094646" cy="429893"/>
-              </a:xfrm>
-              <a:prstGeom prst="rect">
-                <a:avLst/>
-              </a:prstGeom>
-              <a:solidFill>
-                <a:schemeClr val="accent5">
-                  <a:lumMod val="20000"/>
-                  <a:lumOff val="80000"/>
-                </a:schemeClr>
-              </a:solidFill>
-              <a:ln>
-                <a:noFill/>
-              </a:ln>
-            </p:spPr>
-            <p:style>
-              <a:lnRef idx="2">
-                <a:schemeClr val="accent1">
-                  <a:shade val="50000"/>
-                </a:schemeClr>
-              </a:lnRef>
-              <a:fillRef idx="1">
-                <a:schemeClr val="accent1"/>
-              </a:fillRef>
-              <a:effectRef idx="0">
-                <a:schemeClr val="accent1"/>
-              </a:effectRef>
-              <a:fontRef idx="minor">
-                <a:schemeClr val="lt1"/>
-              </a:fontRef>
-            </p:style>
-            <p:txBody>
-              <a:bodyPr rtlCol="0" anchor="ctr"/>
-              <a:lstStyle/>
-              <a:p>
-                <a:pPr algn="ctr"/>
-                <a:r>
-                  <a:rPr kumimoji="1" lang="ja-JP" altLang="en-US" dirty="0">
-                    <a:solidFill>
-                      <a:schemeClr val="tx1">
-                        <a:lumMod val="85000"/>
-                        <a:lumOff val="15000"/>
-                      </a:schemeClr>
-                    </a:solidFill>
-                    <a:latin typeface="Meiryo UI" panose="020B0604030504040204" pitchFamily="50" charset="-128"/>
-                    <a:ea typeface="Meiryo UI" panose="020B0604030504040204" pitchFamily="50" charset="-128"/>
-                  </a:rPr>
-                  <a:t>末尾に</a:t>
-                </a:r>
-                <a:endParaRPr kumimoji="1" lang="en-US" altLang="ja-JP" dirty="0">
+                </a:rPr>
+                <a:t>スペースの間に</a:t>
+              </a:r>
+              <a:endParaRPr kumimoji="1" lang="en-US" altLang="ja-JP" dirty="0">
+                <a:solidFill>
+                  <a:schemeClr val="tx1">
+                    <a:lumMod val="85000"/>
+                    <a:lumOff val="15000"/>
+                  </a:schemeClr>
+                </a:solidFill>
+                <a:latin typeface="Meiryo UI" panose="020B0604030504040204" pitchFamily="50" charset="-128"/>
+                <a:ea typeface="Meiryo UI" panose="020B0604030504040204" pitchFamily="50" charset="-128"/>
+              </a:endParaRPr>
+            </a:p>
+            <a:p>
+              <a:pPr algn="ctr"/>
+              <a:r>
+                <a:rPr kumimoji="1" lang="en-US" altLang="ja-JP" dirty="0">
                   <a:solidFill>
                     <a:schemeClr val="tx1">
                       <a:lumMod val="85000"/>
@@ -11691,307 +12882,11 @@
                   </a:solidFill>
                   <a:latin typeface="Meiryo UI" panose="020B0604030504040204" pitchFamily="50" charset="-128"/>
                   <a:ea typeface="Meiryo UI" panose="020B0604030504040204" pitchFamily="50" charset="-128"/>
-                </a:endParaRPr>
-              </a:p>
-              <a:p>
-                <a:pPr algn="ctr"/>
-                <a:r>
-                  <a:rPr kumimoji="1" lang="en-US" altLang="ja-JP" dirty="0">
-                    <a:solidFill>
-                      <a:schemeClr val="tx1">
-                        <a:lumMod val="85000"/>
-                        <a:lumOff val="15000"/>
-                      </a:schemeClr>
-                    </a:solidFill>
-                    <a:latin typeface="Meiryo UI" panose="020B0604030504040204" pitchFamily="50" charset="-128"/>
-                    <a:ea typeface="Meiryo UI" panose="020B0604030504040204" pitchFamily="50" charset="-128"/>
-                  </a:rPr>
-                  <a:t>“\n”</a:t>
-                </a:r>
-                <a:r>
-                  <a:rPr kumimoji="1" lang="ja-JP" altLang="en-US" dirty="0">
-                    <a:solidFill>
-                      <a:schemeClr val="tx1">
-                        <a:lumMod val="85000"/>
-                        <a:lumOff val="15000"/>
-                      </a:schemeClr>
-                    </a:solidFill>
-                    <a:latin typeface="Meiryo UI" panose="020B0604030504040204" pitchFamily="50" charset="-128"/>
-                    <a:ea typeface="Meiryo UI" panose="020B0604030504040204" pitchFamily="50" charset="-128"/>
-                  </a:rPr>
-                  <a:t>を追加</a:t>
-                </a:r>
-              </a:p>
-            </p:txBody>
-          </p:sp>
-          <p:sp>
-            <p:nvSpPr>
-              <p:cNvPr id="36" name="正方形/長方形 35">
-                <a:extLst>
-                  <a:ext uri="{FF2B5EF4-FFF2-40B4-BE49-F238E27FC236}">
-                    <a16:creationId xmlns:a16="http://schemas.microsoft.com/office/drawing/2014/main" id="{20E23E0B-5374-40C9-B7F8-ECDC9DDA35AE}"/>
-                  </a:ext>
-                </a:extLst>
-              </p:cNvPr>
-              <p:cNvSpPr/>
-              <p:nvPr/>
-            </p:nvSpPr>
-            <p:spPr>
-              <a:xfrm>
-                <a:off x="4442077" y="2794130"/>
-                <a:ext cx="1210960" cy="429893"/>
-              </a:xfrm>
-              <a:prstGeom prst="rect">
-                <a:avLst/>
-              </a:prstGeom>
-              <a:solidFill>
-                <a:schemeClr val="accent5">
-                  <a:lumMod val="20000"/>
-                  <a:lumOff val="80000"/>
-                </a:schemeClr>
-              </a:solidFill>
-              <a:ln>
-                <a:noFill/>
-              </a:ln>
-            </p:spPr>
-            <p:style>
-              <a:lnRef idx="2">
-                <a:schemeClr val="accent1">
-                  <a:shade val="50000"/>
-                </a:schemeClr>
-              </a:lnRef>
-              <a:fillRef idx="1">
-                <a:schemeClr val="accent1"/>
-              </a:fillRef>
-              <a:effectRef idx="0">
-                <a:schemeClr val="accent1"/>
-              </a:effectRef>
-              <a:fontRef idx="minor">
-                <a:schemeClr val="lt1"/>
-              </a:fontRef>
-            </p:style>
-            <p:txBody>
-              <a:bodyPr rtlCol="0" anchor="ctr"/>
-              <a:lstStyle/>
-              <a:p>
-                <a:pPr algn="ctr"/>
-                <a:r>
-                  <a:rPr kumimoji="1" lang="ja-JP" altLang="en-US" dirty="0">
-                    <a:solidFill>
-                      <a:schemeClr val="tx1">
-                        <a:lumMod val="85000"/>
-                        <a:lumOff val="15000"/>
-                      </a:schemeClr>
-                    </a:solidFill>
-                    <a:latin typeface="Meiryo UI" panose="020B0604030504040204" pitchFamily="50" charset="-128"/>
-                    <a:ea typeface="Meiryo UI" panose="020B0604030504040204" pitchFamily="50" charset="-128"/>
-                  </a:rPr>
-                  <a:t>文字列を結合</a:t>
-                </a:r>
-              </a:p>
-            </p:txBody>
-          </p:sp>
-          <p:sp>
-            <p:nvSpPr>
-              <p:cNvPr id="37" name="正方形/長方形 36">
-                <a:extLst>
-                  <a:ext uri="{FF2B5EF4-FFF2-40B4-BE49-F238E27FC236}">
-                    <a16:creationId xmlns:a16="http://schemas.microsoft.com/office/drawing/2014/main" id="{DCD7BC39-0414-4F4F-B42E-1298D4BF38AF}"/>
-                  </a:ext>
-                </a:extLst>
-              </p:cNvPr>
-              <p:cNvSpPr/>
-              <p:nvPr/>
-            </p:nvSpPr>
-            <p:spPr>
-              <a:xfrm>
-                <a:off x="6738116" y="3571721"/>
-                <a:ext cx="1564858" cy="429893"/>
-              </a:xfrm>
-              <a:prstGeom prst="rect">
-                <a:avLst/>
-              </a:prstGeom>
-              <a:noFill/>
-              <a:ln>
-                <a:noFill/>
-              </a:ln>
-            </p:spPr>
-            <p:style>
-              <a:lnRef idx="2">
-                <a:schemeClr val="accent1">
-                  <a:shade val="50000"/>
-                </a:schemeClr>
-              </a:lnRef>
-              <a:fillRef idx="1">
-                <a:schemeClr val="accent1"/>
-              </a:fillRef>
-              <a:effectRef idx="0">
-                <a:schemeClr val="accent1"/>
-              </a:effectRef>
-              <a:fontRef idx="minor">
-                <a:schemeClr val="lt1"/>
-              </a:fontRef>
-            </p:style>
-            <p:txBody>
-              <a:bodyPr rtlCol="0" anchor="ctr"/>
-              <a:lstStyle/>
-              <a:p>
-                <a:pPr algn="ctr"/>
-                <a:r>
-                  <a:rPr kumimoji="1" lang="ja-JP" altLang="en-US" dirty="0">
-                    <a:solidFill>
-                      <a:schemeClr val="tx1">
-                        <a:lumMod val="85000"/>
-                        <a:lumOff val="15000"/>
-                      </a:schemeClr>
-                    </a:solidFill>
-                    <a:latin typeface="Meiryo UI" panose="020B0604030504040204" pitchFamily="50" charset="-128"/>
-                    <a:ea typeface="Meiryo UI" panose="020B0604030504040204" pitchFamily="50" charset="-128"/>
-                  </a:rPr>
-                  <a:t>末尾の</a:t>
-                </a:r>
-                <a:r>
-                  <a:rPr kumimoji="1" lang="en-US" altLang="ja-JP" dirty="0">
-                    <a:solidFill>
-                      <a:schemeClr val="tx1">
-                        <a:lumMod val="85000"/>
-                        <a:lumOff val="15000"/>
-                      </a:schemeClr>
-                    </a:solidFill>
-                    <a:latin typeface="Meiryo UI" panose="020B0604030504040204" pitchFamily="50" charset="-128"/>
-                    <a:ea typeface="Meiryo UI" panose="020B0604030504040204" pitchFamily="50" charset="-128"/>
-                  </a:rPr>
-                  <a:t>”\n”</a:t>
-                </a:r>
-                <a:r>
-                  <a:rPr kumimoji="1" lang="ja-JP" altLang="en-US" dirty="0">
-                    <a:solidFill>
-                      <a:schemeClr val="tx1">
-                        <a:lumMod val="85000"/>
-                        <a:lumOff val="15000"/>
-                      </a:schemeClr>
-                    </a:solidFill>
-                    <a:latin typeface="Meiryo UI" panose="020B0604030504040204" pitchFamily="50" charset="-128"/>
-                    <a:ea typeface="Meiryo UI" panose="020B0604030504040204" pitchFamily="50" charset="-128"/>
-                  </a:rPr>
-                  <a:t>を削除</a:t>
-                </a:r>
-              </a:p>
-            </p:txBody>
-          </p:sp>
-          <p:sp>
-            <p:nvSpPr>
-              <p:cNvPr id="38" name="吹き出し: 円形 37">
-                <a:extLst>
-                  <a:ext uri="{FF2B5EF4-FFF2-40B4-BE49-F238E27FC236}">
-                    <a16:creationId xmlns:a16="http://schemas.microsoft.com/office/drawing/2014/main" id="{249F3303-D243-4077-952C-3A7ACC66D489}"/>
-                  </a:ext>
-                </a:extLst>
-              </p:cNvPr>
-              <p:cNvSpPr/>
-              <p:nvPr/>
-            </p:nvSpPr>
-            <p:spPr>
-              <a:xfrm>
-                <a:off x="8339663" y="3470225"/>
-                <a:ext cx="507600" cy="506437"/>
-              </a:xfrm>
-              <a:prstGeom prst="wedgeEllipseCallout">
-                <a:avLst>
-                  <a:gd name="adj1" fmla="val -34870"/>
-                  <a:gd name="adj2" fmla="val 62500"/>
-                </a:avLst>
-              </a:prstGeom>
-              <a:noFill/>
-              <a:ln w="12700">
-                <a:solidFill>
-                  <a:schemeClr val="accent1"/>
-                </a:solidFill>
-              </a:ln>
-            </p:spPr>
-            <p:style>
-              <a:lnRef idx="2">
-                <a:schemeClr val="accent1">
-                  <a:shade val="50000"/>
-                </a:schemeClr>
-              </a:lnRef>
-              <a:fillRef idx="1">
-                <a:schemeClr val="accent1"/>
-              </a:fillRef>
-              <a:effectRef idx="0">
-                <a:schemeClr val="accent1"/>
-              </a:effectRef>
-              <a:fontRef idx="minor">
-                <a:schemeClr val="lt1"/>
-              </a:fontRef>
-            </p:style>
-            <p:txBody>
-              <a:bodyPr wrap="none" rtlCol="0" anchor="ctr"/>
-              <a:lstStyle/>
-              <a:p>
-                <a:pPr algn="ctr"/>
-                <a:r>
-                  <a:rPr kumimoji="1" lang="ja-JP" altLang="en-US" dirty="0">
-                    <a:solidFill>
-                      <a:schemeClr val="accent1"/>
-                    </a:solidFill>
-                    <a:latin typeface="Meiryo UI" panose="020B0604030504040204" pitchFamily="50" charset="-128"/>
-                    <a:ea typeface="Meiryo UI" panose="020B0604030504040204" pitchFamily="50" charset="-128"/>
-                  </a:rPr>
-                  <a:t>完成</a:t>
-                </a:r>
-              </a:p>
-            </p:txBody>
-          </p:sp>
-          <p:sp>
-            <p:nvSpPr>
-              <p:cNvPr id="40" name="正方形/長方形 39">
-                <a:extLst>
-                  <a:ext uri="{FF2B5EF4-FFF2-40B4-BE49-F238E27FC236}">
-                    <a16:creationId xmlns:a16="http://schemas.microsoft.com/office/drawing/2014/main" id="{DFCA995E-1BA6-434B-86D1-B21E795113B9}"/>
-                  </a:ext>
-                </a:extLst>
-              </p:cNvPr>
-              <p:cNvSpPr/>
-              <p:nvPr/>
-            </p:nvSpPr>
-            <p:spPr>
-              <a:xfrm>
-                <a:off x="197889" y="2364237"/>
-                <a:ext cx="8748221" cy="2060511"/>
-              </a:xfrm>
-              <a:prstGeom prst="rect">
-                <a:avLst/>
-              </a:prstGeom>
-              <a:noFill/>
-              <a:ln w="9525">
-                <a:solidFill>
-                  <a:schemeClr val="tx1"/>
-                </a:solidFill>
-              </a:ln>
-            </p:spPr>
-            <p:style>
-              <a:lnRef idx="2">
-                <a:schemeClr val="accent1">
-                  <a:shade val="50000"/>
-                </a:schemeClr>
-              </a:lnRef>
-              <a:fillRef idx="1">
-                <a:schemeClr val="accent1"/>
-              </a:fillRef>
-              <a:effectRef idx="0">
-                <a:schemeClr val="accent1"/>
-              </a:effectRef>
-              <a:fontRef idx="minor">
-                <a:schemeClr val="lt1"/>
-              </a:fontRef>
-            </p:style>
-            <p:txBody>
-              <a:bodyPr rtlCol="0" anchor="ctr"/>
-              <a:lstStyle/>
-              <a:p>
-                <a:pPr algn="ctr"/>
-                <a:endParaRPr kumimoji="1" lang="ja-JP" altLang="en-US" dirty="0">
+                </a:rPr>
+                <a:t>”#”</a:t>
+              </a:r>
+              <a:r>
+                <a:rPr kumimoji="1" lang="ja-JP" altLang="en-US" dirty="0">
                   <a:solidFill>
                     <a:schemeClr val="tx1">
                       <a:lumMod val="85000"/>
@@ -12000,11 +12895,414 @@
                   </a:solidFill>
                   <a:latin typeface="Meiryo UI" panose="020B0604030504040204" pitchFamily="50" charset="-128"/>
                   <a:ea typeface="Meiryo UI" panose="020B0604030504040204" pitchFamily="50" charset="-128"/>
-                </a:endParaRPr>
-              </a:p>
-            </p:txBody>
-          </p:sp>
-        </p:grpSp>
+                </a:rPr>
+                <a:t>を入れる</a:t>
+              </a:r>
+            </a:p>
+          </p:txBody>
+        </p:sp>
+        <p:sp>
+          <p:nvSpPr>
+            <p:cNvPr id="35" name="正方形/長方形 34">
+              <a:extLst>
+                <a:ext uri="{FF2B5EF4-FFF2-40B4-BE49-F238E27FC236}">
+                  <a16:creationId xmlns:a16="http://schemas.microsoft.com/office/drawing/2014/main" id="{987FDCED-92F6-4CAB-A42A-CA7D8E953786}"/>
+                </a:ext>
+              </a:extLst>
+            </p:cNvPr>
+            <p:cNvSpPr/>
+            <p:nvPr/>
+          </p:nvSpPr>
+          <p:spPr>
+            <a:xfrm>
+              <a:off x="2655468" y="2787042"/>
+              <a:ext cx="1094646" cy="429893"/>
+            </a:xfrm>
+            <a:prstGeom prst="rect">
+              <a:avLst/>
+            </a:prstGeom>
+            <a:noFill/>
+            <a:ln>
+              <a:noFill/>
+            </a:ln>
+          </p:spPr>
+          <p:style>
+            <a:lnRef idx="2">
+              <a:schemeClr val="accent1">
+                <a:shade val="50000"/>
+              </a:schemeClr>
+            </a:lnRef>
+            <a:fillRef idx="1">
+              <a:schemeClr val="accent1"/>
+            </a:fillRef>
+            <a:effectRef idx="0">
+              <a:schemeClr val="accent1"/>
+            </a:effectRef>
+            <a:fontRef idx="minor">
+              <a:schemeClr val="lt1"/>
+            </a:fontRef>
+          </p:style>
+          <p:txBody>
+            <a:bodyPr rtlCol="0" anchor="ctr"/>
+            <a:lstStyle/>
+            <a:p>
+              <a:pPr algn="ctr"/>
+              <a:r>
+                <a:rPr kumimoji="1" lang="ja-JP" altLang="en-US" dirty="0">
+                  <a:solidFill>
+                    <a:schemeClr val="tx1">
+                      <a:lumMod val="85000"/>
+                      <a:lumOff val="15000"/>
+                    </a:schemeClr>
+                  </a:solidFill>
+                  <a:latin typeface="Meiryo UI" panose="020B0604030504040204" pitchFamily="50" charset="-128"/>
+                  <a:ea typeface="Meiryo UI" panose="020B0604030504040204" pitchFamily="50" charset="-128"/>
+                </a:rPr>
+                <a:t>末尾に</a:t>
+              </a:r>
+              <a:endParaRPr kumimoji="1" lang="en-US" altLang="ja-JP" dirty="0">
+                <a:solidFill>
+                  <a:schemeClr val="tx1">
+                    <a:lumMod val="85000"/>
+                    <a:lumOff val="15000"/>
+                  </a:schemeClr>
+                </a:solidFill>
+                <a:latin typeface="Meiryo UI" panose="020B0604030504040204" pitchFamily="50" charset="-128"/>
+                <a:ea typeface="Meiryo UI" panose="020B0604030504040204" pitchFamily="50" charset="-128"/>
+              </a:endParaRPr>
+            </a:p>
+            <a:p>
+              <a:pPr algn="ctr"/>
+              <a:r>
+                <a:rPr kumimoji="1" lang="en-US" altLang="ja-JP" dirty="0">
+                  <a:solidFill>
+                    <a:schemeClr val="tx1">
+                      <a:lumMod val="85000"/>
+                      <a:lumOff val="15000"/>
+                    </a:schemeClr>
+                  </a:solidFill>
+                  <a:latin typeface="Meiryo UI" panose="020B0604030504040204" pitchFamily="50" charset="-128"/>
+                  <a:ea typeface="Meiryo UI" panose="020B0604030504040204" pitchFamily="50" charset="-128"/>
+                </a:rPr>
+                <a:t>“\n”</a:t>
+              </a:r>
+              <a:r>
+                <a:rPr kumimoji="1" lang="ja-JP" altLang="en-US" dirty="0">
+                  <a:solidFill>
+                    <a:schemeClr val="tx1">
+                      <a:lumMod val="85000"/>
+                      <a:lumOff val="15000"/>
+                    </a:schemeClr>
+                  </a:solidFill>
+                  <a:latin typeface="Meiryo UI" panose="020B0604030504040204" pitchFamily="50" charset="-128"/>
+                  <a:ea typeface="Meiryo UI" panose="020B0604030504040204" pitchFamily="50" charset="-128"/>
+                </a:rPr>
+                <a:t>を追加</a:t>
+              </a:r>
+            </a:p>
+          </p:txBody>
+        </p:sp>
+        <p:sp>
+          <p:nvSpPr>
+            <p:cNvPr id="36" name="正方形/長方形 35">
+              <a:extLst>
+                <a:ext uri="{FF2B5EF4-FFF2-40B4-BE49-F238E27FC236}">
+                  <a16:creationId xmlns:a16="http://schemas.microsoft.com/office/drawing/2014/main" id="{20E23E0B-5374-40C9-B7F8-ECDC9DDA35AE}"/>
+                </a:ext>
+              </a:extLst>
+            </p:cNvPr>
+            <p:cNvSpPr/>
+            <p:nvPr/>
+          </p:nvSpPr>
+          <p:spPr>
+            <a:xfrm>
+              <a:off x="4572000" y="2787042"/>
+              <a:ext cx="1210960" cy="429893"/>
+            </a:xfrm>
+            <a:prstGeom prst="rect">
+              <a:avLst/>
+            </a:prstGeom>
+            <a:noFill/>
+            <a:ln>
+              <a:noFill/>
+            </a:ln>
+          </p:spPr>
+          <p:style>
+            <a:lnRef idx="2">
+              <a:schemeClr val="accent1">
+                <a:shade val="50000"/>
+              </a:schemeClr>
+            </a:lnRef>
+            <a:fillRef idx="1">
+              <a:schemeClr val="accent1"/>
+            </a:fillRef>
+            <a:effectRef idx="0">
+              <a:schemeClr val="accent1"/>
+            </a:effectRef>
+            <a:fontRef idx="minor">
+              <a:schemeClr val="lt1"/>
+            </a:fontRef>
+          </p:style>
+          <p:txBody>
+            <a:bodyPr rtlCol="0" anchor="ctr"/>
+            <a:lstStyle/>
+            <a:p>
+              <a:pPr algn="ctr"/>
+              <a:r>
+                <a:rPr kumimoji="1" lang="ja-JP" altLang="en-US" dirty="0">
+                  <a:solidFill>
+                    <a:schemeClr val="tx1">
+                      <a:lumMod val="85000"/>
+                      <a:lumOff val="15000"/>
+                    </a:schemeClr>
+                  </a:solidFill>
+                  <a:latin typeface="Meiryo UI" panose="020B0604030504040204" pitchFamily="50" charset="-128"/>
+                  <a:ea typeface="Meiryo UI" panose="020B0604030504040204" pitchFamily="50" charset="-128"/>
+                </a:rPr>
+                <a:t>できあがった</a:t>
+              </a:r>
+              <a:endParaRPr kumimoji="1" lang="en-US" altLang="ja-JP" dirty="0">
+                <a:solidFill>
+                  <a:schemeClr val="tx1">
+                    <a:lumMod val="85000"/>
+                    <a:lumOff val="15000"/>
+                  </a:schemeClr>
+                </a:solidFill>
+                <a:latin typeface="Meiryo UI" panose="020B0604030504040204" pitchFamily="50" charset="-128"/>
+                <a:ea typeface="Meiryo UI" panose="020B0604030504040204" pitchFamily="50" charset="-128"/>
+              </a:endParaRPr>
+            </a:p>
+            <a:p>
+              <a:pPr algn="ctr"/>
+              <a:r>
+                <a:rPr kumimoji="1" lang="ja-JP" altLang="en-US" dirty="0">
+                  <a:solidFill>
+                    <a:schemeClr val="tx1">
+                      <a:lumMod val="85000"/>
+                      <a:lumOff val="15000"/>
+                    </a:schemeClr>
+                  </a:solidFill>
+                  <a:latin typeface="Meiryo UI" panose="020B0604030504040204" pitchFamily="50" charset="-128"/>
+                  <a:ea typeface="Meiryo UI" panose="020B0604030504040204" pitchFamily="50" charset="-128"/>
+                </a:rPr>
+                <a:t>文字列を結合</a:t>
+              </a:r>
+            </a:p>
+          </p:txBody>
+        </p:sp>
+        <p:sp>
+          <p:nvSpPr>
+            <p:cNvPr id="37" name="正方形/長方形 36">
+              <a:extLst>
+                <a:ext uri="{FF2B5EF4-FFF2-40B4-BE49-F238E27FC236}">
+                  <a16:creationId xmlns:a16="http://schemas.microsoft.com/office/drawing/2014/main" id="{DCD7BC39-0414-4F4F-B42E-1298D4BF38AF}"/>
+                </a:ext>
+              </a:extLst>
+            </p:cNvPr>
+            <p:cNvSpPr/>
+            <p:nvPr/>
+          </p:nvSpPr>
+          <p:spPr>
+            <a:xfrm>
+              <a:off x="6851584" y="3662577"/>
+              <a:ext cx="1564858" cy="429893"/>
+            </a:xfrm>
+            <a:prstGeom prst="rect">
+              <a:avLst/>
+            </a:prstGeom>
+            <a:noFill/>
+            <a:ln>
+              <a:noFill/>
+            </a:ln>
+          </p:spPr>
+          <p:style>
+            <a:lnRef idx="2">
+              <a:schemeClr val="accent1">
+                <a:shade val="50000"/>
+              </a:schemeClr>
+            </a:lnRef>
+            <a:fillRef idx="1">
+              <a:schemeClr val="accent1"/>
+            </a:fillRef>
+            <a:effectRef idx="0">
+              <a:schemeClr val="accent1"/>
+            </a:effectRef>
+            <a:fontRef idx="minor">
+              <a:schemeClr val="lt1"/>
+            </a:fontRef>
+          </p:style>
+          <p:txBody>
+            <a:bodyPr rtlCol="0" anchor="ctr"/>
+            <a:lstStyle/>
+            <a:p>
+              <a:pPr algn="ctr"/>
+              <a:r>
+                <a:rPr kumimoji="1" lang="ja-JP" altLang="en-US" dirty="0">
+                  <a:solidFill>
+                    <a:schemeClr val="tx1">
+                      <a:lumMod val="85000"/>
+                      <a:lumOff val="15000"/>
+                    </a:schemeClr>
+                  </a:solidFill>
+                  <a:latin typeface="Meiryo UI" panose="020B0604030504040204" pitchFamily="50" charset="-128"/>
+                  <a:ea typeface="Meiryo UI" panose="020B0604030504040204" pitchFamily="50" charset="-128"/>
+                </a:rPr>
+                <a:t>末尾の</a:t>
+              </a:r>
+              <a:r>
+                <a:rPr kumimoji="1" lang="en-US" altLang="ja-JP" dirty="0">
+                  <a:solidFill>
+                    <a:schemeClr val="tx1">
+                      <a:lumMod val="85000"/>
+                      <a:lumOff val="15000"/>
+                    </a:schemeClr>
+                  </a:solidFill>
+                  <a:latin typeface="Meiryo UI" panose="020B0604030504040204" pitchFamily="50" charset="-128"/>
+                  <a:ea typeface="Meiryo UI" panose="020B0604030504040204" pitchFamily="50" charset="-128"/>
+                </a:rPr>
+                <a:t>”\n”</a:t>
+              </a:r>
+              <a:r>
+                <a:rPr kumimoji="1" lang="ja-JP" altLang="en-US" dirty="0">
+                  <a:solidFill>
+                    <a:schemeClr val="tx1">
+                      <a:lumMod val="85000"/>
+                      <a:lumOff val="15000"/>
+                    </a:schemeClr>
+                  </a:solidFill>
+                  <a:latin typeface="Meiryo UI" panose="020B0604030504040204" pitchFamily="50" charset="-128"/>
+                  <a:ea typeface="Meiryo UI" panose="020B0604030504040204" pitchFamily="50" charset="-128"/>
+                </a:rPr>
+                <a:t>を削除</a:t>
+              </a:r>
+            </a:p>
+          </p:txBody>
+        </p:sp>
+        <p:sp>
+          <p:nvSpPr>
+            <p:cNvPr id="38" name="吹き出し: 円形 37">
+              <a:extLst>
+                <a:ext uri="{FF2B5EF4-FFF2-40B4-BE49-F238E27FC236}">
+                  <a16:creationId xmlns:a16="http://schemas.microsoft.com/office/drawing/2014/main" id="{249F3303-D243-4077-952C-3A7ACC66D489}"/>
+                </a:ext>
+              </a:extLst>
+            </p:cNvPr>
+            <p:cNvSpPr/>
+            <p:nvPr/>
+          </p:nvSpPr>
+          <p:spPr>
+            <a:xfrm>
+              <a:off x="8355989" y="3399819"/>
+              <a:ext cx="507600" cy="506437"/>
+            </a:xfrm>
+            <a:prstGeom prst="wedgeEllipseCallout">
+              <a:avLst>
+                <a:gd name="adj1" fmla="val -34870"/>
+                <a:gd name="adj2" fmla="val 62500"/>
+              </a:avLst>
+            </a:prstGeom>
+            <a:noFill/>
+            <a:ln w="12700">
+              <a:solidFill>
+                <a:schemeClr val="accent1"/>
+              </a:solidFill>
+            </a:ln>
+          </p:spPr>
+          <p:style>
+            <a:lnRef idx="2">
+              <a:schemeClr val="accent1">
+                <a:shade val="50000"/>
+              </a:schemeClr>
+            </a:lnRef>
+            <a:fillRef idx="1">
+              <a:schemeClr val="accent1"/>
+            </a:fillRef>
+            <a:effectRef idx="0">
+              <a:schemeClr val="accent1"/>
+            </a:effectRef>
+            <a:fontRef idx="minor">
+              <a:schemeClr val="lt1"/>
+            </a:fontRef>
+          </p:style>
+          <p:txBody>
+            <a:bodyPr wrap="none" rtlCol="0" anchor="ctr"/>
+            <a:lstStyle/>
+            <a:p>
+              <a:pPr algn="ctr"/>
+              <a:r>
+                <a:rPr kumimoji="1" lang="ja-JP" altLang="en-US" dirty="0">
+                  <a:solidFill>
+                    <a:schemeClr val="accent1"/>
+                  </a:solidFill>
+                  <a:latin typeface="Meiryo UI" panose="020B0604030504040204" pitchFamily="50" charset="-128"/>
+                  <a:ea typeface="Meiryo UI" panose="020B0604030504040204" pitchFamily="50" charset="-128"/>
+                </a:rPr>
+                <a:t>完成</a:t>
+              </a:r>
+            </a:p>
+          </p:txBody>
+        </p:sp>
+        <p:sp>
+          <p:nvSpPr>
+            <p:cNvPr id="40" name="正方形/長方形 39">
+              <a:extLst>
+                <a:ext uri="{FF2B5EF4-FFF2-40B4-BE49-F238E27FC236}">
+                  <a16:creationId xmlns:a16="http://schemas.microsoft.com/office/drawing/2014/main" id="{DFCA995E-1BA6-434B-86D1-B21E795113B9}"/>
+                </a:ext>
+              </a:extLst>
+            </p:cNvPr>
+            <p:cNvSpPr/>
+            <p:nvPr/>
+          </p:nvSpPr>
+          <p:spPr>
+            <a:xfrm>
+              <a:off x="197889" y="2364237"/>
+              <a:ext cx="8748221" cy="2060511"/>
+            </a:xfrm>
+            <a:prstGeom prst="rect">
+              <a:avLst/>
+            </a:prstGeom>
+            <a:noFill/>
+            <a:ln w="9525">
+              <a:solidFill>
+                <a:schemeClr val="tx1"/>
+              </a:solidFill>
+            </a:ln>
+          </p:spPr>
+          <p:style>
+            <a:lnRef idx="2">
+              <a:schemeClr val="accent1">
+                <a:shade val="50000"/>
+              </a:schemeClr>
+            </a:lnRef>
+            <a:fillRef idx="1">
+              <a:schemeClr val="accent1"/>
+            </a:fillRef>
+            <a:effectRef idx="0">
+              <a:schemeClr val="accent1"/>
+            </a:effectRef>
+            <a:fontRef idx="minor">
+              <a:schemeClr val="lt1"/>
+            </a:fontRef>
+          </p:style>
+          <p:txBody>
+            <a:bodyPr rtlCol="0" anchor="ctr"/>
+            <a:lstStyle/>
+            <a:p>
+              <a:pPr algn="ctr"/>
+              <a:endParaRPr kumimoji="1" lang="ja-JP" altLang="en-US" dirty="0">
+                <a:solidFill>
+                  <a:schemeClr val="tx1">
+                    <a:lumMod val="85000"/>
+                    <a:lumOff val="15000"/>
+                  </a:schemeClr>
+                </a:solidFill>
+                <a:latin typeface="Meiryo UI" panose="020B0604030504040204" pitchFamily="50" charset="-128"/>
+                <a:ea typeface="Meiryo UI" panose="020B0604030504040204" pitchFamily="50" charset="-128"/>
+              </a:endParaRPr>
+            </a:p>
+          </p:txBody>
+        </p:sp>
         <p:sp>
           <p:nvSpPr>
             <p:cNvPr id="23" name="正方形/長方形 22">
@@ -12061,59 +13359,431 @@
                       <a:lumOff val="15000"/>
                     </a:schemeClr>
                   </a:solidFill>
+                  <a:latin typeface="Meiryo UI" panose="020B0604030504040204" pitchFamily="50" charset="-128"/>
+                  <a:ea typeface="Meiryo UI" panose="020B0604030504040204" pitchFamily="50" charset="-128"/>
                 </a:rPr>
                 <a:t>プログラムの流れ</a:t>
               </a:r>
             </a:p>
           </p:txBody>
         </p:sp>
+        <p:sp>
+          <p:nvSpPr>
+            <p:cNvPr id="4" name="矢印: 環状 3">
+              <a:extLst>
+                <a:ext uri="{FF2B5EF4-FFF2-40B4-BE49-F238E27FC236}">
+                  <a16:creationId xmlns:a16="http://schemas.microsoft.com/office/drawing/2014/main" id="{B5110B76-6898-4AFC-8285-306F7D73F784}"/>
+                </a:ext>
+              </a:extLst>
+            </p:cNvPr>
+            <p:cNvSpPr/>
+            <p:nvPr/>
+          </p:nvSpPr>
+          <p:spPr>
+            <a:xfrm rot="5400000">
+              <a:off x="1693373" y="3394492"/>
+              <a:ext cx="342510" cy="342510"/>
+            </a:xfrm>
+            <a:prstGeom prst="circularArrow">
+              <a:avLst/>
+            </a:prstGeom>
+            <a:ln>
+              <a:noFill/>
+            </a:ln>
+          </p:spPr>
+          <p:style>
+            <a:lnRef idx="2">
+              <a:schemeClr val="accent1">
+                <a:shade val="50000"/>
+              </a:schemeClr>
+            </a:lnRef>
+            <a:fillRef idx="1">
+              <a:schemeClr val="accent1"/>
+            </a:fillRef>
+            <a:effectRef idx="0">
+              <a:schemeClr val="accent1"/>
+            </a:effectRef>
+            <a:fontRef idx="minor">
+              <a:schemeClr val="lt1"/>
+            </a:fontRef>
+          </p:style>
+          <p:txBody>
+            <a:bodyPr rtlCol="0" anchor="ctr"/>
+            <a:lstStyle/>
+            <a:p>
+              <a:pPr algn="ctr"/>
+              <a:endParaRPr kumimoji="1" lang="ja-JP" altLang="en-US">
+                <a:solidFill>
+                  <a:schemeClr val="tx1"/>
+                </a:solidFill>
+              </a:endParaRPr>
+            </a:p>
+          </p:txBody>
+        </p:sp>
+        <p:sp>
+          <p:nvSpPr>
+            <p:cNvPr id="24" name="矢印: 環状 23">
+              <a:extLst>
+                <a:ext uri="{FF2B5EF4-FFF2-40B4-BE49-F238E27FC236}">
+                  <a16:creationId xmlns:a16="http://schemas.microsoft.com/office/drawing/2014/main" id="{CEC7817F-7195-47E6-8698-4A776FC78512}"/>
+                </a:ext>
+              </a:extLst>
+            </p:cNvPr>
+            <p:cNvSpPr/>
+            <p:nvPr/>
+          </p:nvSpPr>
+          <p:spPr>
+            <a:xfrm rot="5400000">
+              <a:off x="1693373" y="3844113"/>
+              <a:ext cx="342510" cy="342510"/>
+            </a:xfrm>
+            <a:prstGeom prst="circularArrow">
+              <a:avLst/>
+            </a:prstGeom>
+            <a:ln>
+              <a:noFill/>
+            </a:ln>
+          </p:spPr>
+          <p:style>
+            <a:lnRef idx="2">
+              <a:schemeClr val="accent1">
+                <a:shade val="50000"/>
+              </a:schemeClr>
+            </a:lnRef>
+            <a:fillRef idx="1">
+              <a:schemeClr val="accent1"/>
+            </a:fillRef>
+            <a:effectRef idx="0">
+              <a:schemeClr val="accent1"/>
+            </a:effectRef>
+            <a:fontRef idx="minor">
+              <a:schemeClr val="lt1"/>
+            </a:fontRef>
+          </p:style>
+          <p:txBody>
+            <a:bodyPr rtlCol="0" anchor="ctr"/>
+            <a:lstStyle/>
+            <a:p>
+              <a:pPr algn="ctr"/>
+              <a:endParaRPr kumimoji="1" lang="ja-JP" altLang="en-US">
+                <a:solidFill>
+                  <a:schemeClr val="tx1"/>
+                </a:solidFill>
+              </a:endParaRPr>
+            </a:p>
+          </p:txBody>
+        </p:sp>
+        <p:sp>
+          <p:nvSpPr>
+            <p:cNvPr id="25" name="正方形/長方形 24">
+              <a:extLst>
+                <a:ext uri="{FF2B5EF4-FFF2-40B4-BE49-F238E27FC236}">
+                  <a16:creationId xmlns:a16="http://schemas.microsoft.com/office/drawing/2014/main" id="{07009682-808A-41BD-A263-96969D174E92}"/>
+                </a:ext>
+              </a:extLst>
+            </p:cNvPr>
+            <p:cNvSpPr/>
+            <p:nvPr/>
+          </p:nvSpPr>
+          <p:spPr>
+            <a:xfrm>
+              <a:off x="212452" y="3036322"/>
+              <a:ext cx="342510" cy="1369716"/>
+            </a:xfrm>
+            <a:prstGeom prst="rect">
+              <a:avLst/>
+            </a:prstGeom>
+            <a:noFill/>
+            <a:ln>
+              <a:noFill/>
+            </a:ln>
+          </p:spPr>
+          <p:style>
+            <a:lnRef idx="2">
+              <a:schemeClr val="accent1">
+                <a:shade val="50000"/>
+              </a:schemeClr>
+            </a:lnRef>
+            <a:fillRef idx="1">
+              <a:schemeClr val="accent1"/>
+            </a:fillRef>
+            <a:effectRef idx="0">
+              <a:schemeClr val="accent1"/>
+            </a:effectRef>
+            <a:fontRef idx="minor">
+              <a:schemeClr val="lt1"/>
+            </a:fontRef>
+          </p:style>
+          <p:txBody>
+            <a:bodyPr vert="eaVert" rtlCol="0" anchor="ctr"/>
+            <a:lstStyle/>
+            <a:p>
+              <a:pPr algn="ctr"/>
+              <a:r>
+                <a:rPr kumimoji="1" lang="ja-JP" altLang="en-US" sz="1200" dirty="0">
+                  <a:solidFill>
+                    <a:schemeClr val="tx1">
+                      <a:lumMod val="85000"/>
+                      <a:lumOff val="15000"/>
+                    </a:schemeClr>
+                  </a:solidFill>
+                  <a:latin typeface="Meiryo UI" panose="020B0604030504040204" pitchFamily="50" charset="-128"/>
+                  <a:ea typeface="Meiryo UI" panose="020B0604030504040204" pitchFamily="50" charset="-128"/>
+                </a:rPr>
+                <a:t>高さの数繰り返す</a:t>
+              </a:r>
+              <a:endParaRPr kumimoji="1" lang="en-US" altLang="ja-JP" sz="1200" dirty="0">
+                <a:solidFill>
+                  <a:schemeClr val="tx1">
+                    <a:lumMod val="85000"/>
+                    <a:lumOff val="15000"/>
+                  </a:schemeClr>
+                </a:solidFill>
+                <a:latin typeface="Meiryo UI" panose="020B0604030504040204" pitchFamily="50" charset="-128"/>
+                <a:ea typeface="Meiryo UI" panose="020B0604030504040204" pitchFamily="50" charset="-128"/>
+              </a:endParaRPr>
+            </a:p>
+          </p:txBody>
+        </p:sp>
+        <p:cxnSp>
+          <p:nvCxnSpPr>
+            <p:cNvPr id="6" name="直線矢印コネクタ 5">
+              <a:extLst>
+                <a:ext uri="{FF2B5EF4-FFF2-40B4-BE49-F238E27FC236}">
+                  <a16:creationId xmlns:a16="http://schemas.microsoft.com/office/drawing/2014/main" id="{187E6AA8-8B1D-4790-B8FC-0E48AD981E16}"/>
+                </a:ext>
+              </a:extLst>
+            </p:cNvPr>
+            <p:cNvCxnSpPr>
+              <a:cxnSpLocks/>
+            </p:cNvCxnSpPr>
+            <p:nvPr/>
+          </p:nvCxnSpPr>
+          <p:spPr>
+            <a:xfrm flipV="1">
+              <a:off x="1507554" y="3501372"/>
+              <a:ext cx="0" cy="9601"/>
+            </a:xfrm>
+            <a:prstGeom prst="straightConnector1">
+              <a:avLst/>
+            </a:prstGeom>
+            <a:ln w="12700">
+              <a:solidFill>
+                <a:schemeClr val="tx1"/>
+              </a:solidFill>
+              <a:tailEnd type="arrow" w="sm" len="sm"/>
+            </a:ln>
+          </p:spPr>
+          <p:style>
+            <a:lnRef idx="1">
+              <a:schemeClr val="accent1"/>
+            </a:lnRef>
+            <a:fillRef idx="0">
+              <a:schemeClr val="accent1"/>
+            </a:fillRef>
+            <a:effectRef idx="0">
+              <a:schemeClr val="accent1"/>
+            </a:effectRef>
+            <a:fontRef idx="minor">
+              <a:schemeClr val="tx1"/>
+            </a:fontRef>
+          </p:style>
+        </p:cxnSp>
+        <p:cxnSp>
+          <p:nvCxnSpPr>
+            <p:cNvPr id="45" name="直線矢印コネクタ 44">
+              <a:extLst>
+                <a:ext uri="{FF2B5EF4-FFF2-40B4-BE49-F238E27FC236}">
+                  <a16:creationId xmlns:a16="http://schemas.microsoft.com/office/drawing/2014/main" id="{A7E43D5F-E2DC-46F7-B0FB-1A1A71FE2EC4}"/>
+                </a:ext>
+              </a:extLst>
+            </p:cNvPr>
+            <p:cNvCxnSpPr>
+              <a:cxnSpLocks/>
+            </p:cNvCxnSpPr>
+            <p:nvPr/>
+          </p:nvCxnSpPr>
+          <p:spPr>
+            <a:xfrm flipV="1">
+              <a:off x="1445270" y="3855835"/>
+              <a:ext cx="0" cy="9601"/>
+            </a:xfrm>
+            <a:prstGeom prst="straightConnector1">
+              <a:avLst/>
+            </a:prstGeom>
+            <a:ln w="12700">
+              <a:solidFill>
+                <a:schemeClr val="tx1"/>
+              </a:solidFill>
+              <a:tailEnd type="arrow" w="sm" len="sm"/>
+            </a:ln>
+          </p:spPr>
+          <p:style>
+            <a:lnRef idx="1">
+              <a:schemeClr val="accent1"/>
+            </a:lnRef>
+            <a:fillRef idx="0">
+              <a:schemeClr val="accent1"/>
+            </a:fillRef>
+            <a:effectRef idx="0">
+              <a:schemeClr val="accent1"/>
+            </a:effectRef>
+            <a:fontRef idx="minor">
+              <a:schemeClr val="tx1"/>
+            </a:fontRef>
+          </p:style>
+        </p:cxnSp>
+        <p:cxnSp>
+          <p:nvCxnSpPr>
+            <p:cNvPr id="46" name="直線矢印コネクタ 45">
+              <a:extLst>
+                <a:ext uri="{FF2B5EF4-FFF2-40B4-BE49-F238E27FC236}">
+                  <a16:creationId xmlns:a16="http://schemas.microsoft.com/office/drawing/2014/main" id="{A7B61A47-12EE-44CB-AE86-ADE8D2ED442B}"/>
+                </a:ext>
+              </a:extLst>
+            </p:cNvPr>
+            <p:cNvCxnSpPr>
+              <a:cxnSpLocks/>
+            </p:cNvCxnSpPr>
+            <p:nvPr/>
+          </p:nvCxnSpPr>
+          <p:spPr>
+            <a:xfrm flipV="1">
+              <a:off x="1327211" y="4227178"/>
+              <a:ext cx="0" cy="9601"/>
+            </a:xfrm>
+            <a:prstGeom prst="straightConnector1">
+              <a:avLst/>
+            </a:prstGeom>
+            <a:ln w="12700">
+              <a:solidFill>
+                <a:schemeClr val="tx1"/>
+              </a:solidFill>
+              <a:tailEnd type="arrow" w="sm" len="sm"/>
+            </a:ln>
+          </p:spPr>
+          <p:style>
+            <a:lnRef idx="1">
+              <a:schemeClr val="accent1"/>
+            </a:lnRef>
+            <a:fillRef idx="0">
+              <a:schemeClr val="accent1"/>
+            </a:fillRef>
+            <a:effectRef idx="0">
+              <a:schemeClr val="accent1"/>
+            </a:effectRef>
+            <a:fontRef idx="minor">
+              <a:schemeClr val="tx1"/>
+            </a:fontRef>
+          </p:style>
+        </p:cxnSp>
+        <p:cxnSp>
+          <p:nvCxnSpPr>
+            <p:cNvPr id="52" name="直線矢印コネクタ 51">
+              <a:extLst>
+                <a:ext uri="{FF2B5EF4-FFF2-40B4-BE49-F238E27FC236}">
+                  <a16:creationId xmlns:a16="http://schemas.microsoft.com/office/drawing/2014/main" id="{CF3D91F4-74B6-4BE4-BE6F-0B848CB7A5A3}"/>
+                </a:ext>
+              </a:extLst>
+            </p:cNvPr>
+            <p:cNvCxnSpPr>
+              <a:cxnSpLocks/>
+            </p:cNvCxnSpPr>
+            <p:nvPr/>
+          </p:nvCxnSpPr>
+          <p:spPr>
+            <a:xfrm flipV="1">
+              <a:off x="8405111" y="4227178"/>
+              <a:ext cx="0" cy="9601"/>
+            </a:xfrm>
+            <a:prstGeom prst="straightConnector1">
+              <a:avLst/>
+            </a:prstGeom>
+            <a:ln w="12700">
+              <a:solidFill>
+                <a:schemeClr val="tx1"/>
+              </a:solidFill>
+              <a:tailEnd type="arrow" w="sm" len="sm"/>
+            </a:ln>
+          </p:spPr>
+          <p:style>
+            <a:lnRef idx="1">
+              <a:schemeClr val="accent1"/>
+            </a:lnRef>
+            <a:fillRef idx="0">
+              <a:schemeClr val="accent1"/>
+            </a:fillRef>
+            <a:effectRef idx="0">
+              <a:schemeClr val="accent1"/>
+            </a:effectRef>
+            <a:fontRef idx="minor">
+              <a:schemeClr val="tx1"/>
+            </a:fontRef>
+          </p:style>
+        </p:cxnSp>
       </p:grpSp>
-      <p:cxnSp>
-        <p:nvCxnSpPr>
-          <p:cNvPr id="48" name="直線コネクタ 47">
+      <p:sp>
+        <p:nvSpPr>
+          <p:cNvPr id="53" name="正方形/長方形 52">
             <a:extLst>
               <a:ext uri="{FF2B5EF4-FFF2-40B4-BE49-F238E27FC236}">
-                <a16:creationId xmlns:a16="http://schemas.microsoft.com/office/drawing/2014/main" id="{7F7996C0-C160-4CD4-9369-1E7A4DD72A65}"/>
+                <a16:creationId xmlns:a16="http://schemas.microsoft.com/office/drawing/2014/main" id="{E60805C7-C34C-49F0-9AB8-12825DA531A4}"/>
               </a:ext>
             </a:extLst>
           </p:cNvPr>
-          <p:cNvCxnSpPr>
-            <a:cxnSpLocks/>
-          </p:cNvCxnSpPr>
+          <p:cNvSpPr/>
           <p:nvPr/>
-        </p:nvCxnSpPr>
+        </p:nvSpPr>
         <p:spPr>
           <a:xfrm>
-            <a:off x="3014766" y="1427478"/>
-            <a:ext cx="0" cy="499413"/>
+            <a:off x="6122123" y="760392"/>
+            <a:ext cx="2015315" cy="429893"/>
           </a:xfrm>
-          <a:prstGeom prst="line">
+          <a:prstGeom prst="rect">
             <a:avLst/>
           </a:prstGeom>
-          <a:ln w="19050">
-            <a:solidFill>
-              <a:schemeClr val="accent6">
-                <a:lumMod val="60000"/>
-                <a:lumOff val="40000"/>
-              </a:schemeClr>
-            </a:solidFill>
+          <a:noFill/>
+          <a:ln>
+            <a:noFill/>
           </a:ln>
         </p:spPr>
         <p:style>
-          <a:lnRef idx="1">
-            <a:schemeClr val="accent1"/>
+          <a:lnRef idx="2">
+            <a:schemeClr val="accent1">
+              <a:shade val="50000"/>
+            </a:schemeClr>
           </a:lnRef>
-          <a:fillRef idx="0">
+          <a:fillRef idx="1">
             <a:schemeClr val="accent1"/>
           </a:fillRef>
           <a:effectRef idx="0">
             <a:schemeClr val="accent1"/>
           </a:effectRef>
           <a:fontRef idx="minor">
-            <a:schemeClr val="tx1"/>
+            <a:schemeClr val="lt1"/>
           </a:fontRef>
         </p:style>
-      </p:cxnSp>
+        <p:txBody>
+          <a:bodyPr rtlCol="0" anchor="ctr"/>
+          <a:lstStyle/>
+          <a:p>
+            <a:pPr algn="ctr"/>
+            <a:r>
+              <a:rPr kumimoji="1" lang="ja-JP" altLang="en-US" dirty="0">
+                <a:solidFill>
+                  <a:schemeClr val="tx1">
+                    <a:lumMod val="85000"/>
+                    <a:lumOff val="15000"/>
+                  </a:schemeClr>
+                </a:solidFill>
+                <a:latin typeface="Meiryo UI" panose="020B0604030504040204" pitchFamily="50" charset="-128"/>
+                <a:ea typeface="Meiryo UI" panose="020B0604030504040204" pitchFamily="50" charset="-128"/>
+              </a:rPr>
+              <a:t>－ 見えてきた規則性 －</a:t>
+            </a:r>
+          </a:p>
+        </p:txBody>
+      </p:sp>
     </p:spTree>
     <p:extLst>
       <p:ext uri="{BB962C8B-B14F-4D97-AF65-F5344CB8AC3E}">
@@ -12168,71 +13838,19 @@
         </p:nvPicPr>
         <p:blipFill rotWithShape="1">
           <a:blip r:embed="rId3"/>
-          <a:srcRect r="4874"/>
+          <a:srcRect r="16336"/>
           <a:stretch/>
         </p:blipFill>
         <p:spPr>
           <a:xfrm>
-            <a:off x="230521" y="911772"/>
-            <a:ext cx="8698326" cy="3319956"/>
+            <a:off x="85725" y="772979"/>
+            <a:ext cx="8972549" cy="3893773"/>
           </a:xfrm>
           <a:prstGeom prst="rect">
             <a:avLst/>
           </a:prstGeom>
         </p:spPr>
       </p:pic>
-      <p:sp>
-        <p:nvSpPr>
-          <p:cNvPr id="11" name="正方形/長方形 10">
-            <a:extLst>
-              <a:ext uri="{FF2B5EF4-FFF2-40B4-BE49-F238E27FC236}">
-                <a16:creationId xmlns:a16="http://schemas.microsoft.com/office/drawing/2014/main" id="{9D601CA2-D5A9-4754-98A2-F8A53BE71A4D}"/>
-              </a:ext>
-            </a:extLst>
-          </p:cNvPr>
-          <p:cNvSpPr/>
-          <p:nvPr/>
-        </p:nvSpPr>
-        <p:spPr>
-          <a:xfrm>
-            <a:off x="4809497" y="1013545"/>
-            <a:ext cx="4046017" cy="1014411"/>
-          </a:xfrm>
-          <a:prstGeom prst="rect">
-            <a:avLst/>
-          </a:prstGeom>
-          <a:solidFill>
-            <a:schemeClr val="bg1"/>
-          </a:solidFill>
-          <a:ln>
-            <a:noFill/>
-          </a:ln>
-        </p:spPr>
-        <p:style>
-          <a:lnRef idx="2">
-            <a:schemeClr val="accent1">
-              <a:shade val="50000"/>
-            </a:schemeClr>
-          </a:lnRef>
-          <a:fillRef idx="1">
-            <a:schemeClr val="accent1"/>
-          </a:fillRef>
-          <a:effectRef idx="0">
-            <a:schemeClr val="accent1"/>
-          </a:effectRef>
-          <a:fontRef idx="minor">
-            <a:schemeClr val="lt1"/>
-          </a:fontRef>
-        </p:style>
-        <p:txBody>
-          <a:bodyPr rtlCol="0" anchor="ctr"/>
-          <a:lstStyle/>
-          <a:p>
-            <a:pPr algn="ctr"/>
-            <a:endParaRPr kumimoji="1" lang="ja-JP" altLang="en-US"/>
-          </a:p>
-        </p:txBody>
-      </p:sp>
       <p:sp>
         <p:nvSpPr>
           <p:cNvPr id="469" name="Google Shape;469;p14"/>
@@ -12331,10 +13949,10 @@
       </p:sp>
       <p:sp>
         <p:nvSpPr>
-          <p:cNvPr id="25" name="正方形/長方形 24">
+          <p:cNvPr id="12" name="正方形/長方形 11">
             <a:extLst>
               <a:ext uri="{FF2B5EF4-FFF2-40B4-BE49-F238E27FC236}">
-                <a16:creationId xmlns:a16="http://schemas.microsoft.com/office/drawing/2014/main" id="{96E98D7F-856B-47A2-99A1-E44B74B36B36}"/>
+                <a16:creationId xmlns:a16="http://schemas.microsoft.com/office/drawing/2014/main" id="{CC12CE61-BDFC-4C57-9694-0FB1CE954162}"/>
               </a:ext>
             </a:extLst>
           </p:cNvPr>
@@ -12343,15 +13961,13 @@
         </p:nvSpPr>
         <p:spPr>
           <a:xfrm>
-            <a:off x="3098222" y="1552945"/>
-            <a:ext cx="1588782" cy="317400"/>
+            <a:off x="3746629" y="1555644"/>
+            <a:ext cx="1870727" cy="317400"/>
           </a:xfrm>
           <a:prstGeom prst="rect">
             <a:avLst/>
           </a:prstGeom>
-          <a:solidFill>
-            <a:schemeClr val="bg1"/>
-          </a:solidFill>
+          <a:noFill/>
           <a:ln>
             <a:noFill/>
           </a:ln>
@@ -12382,40 +13998,27 @@
               </a:lnSpc>
             </a:pPr>
             <a:r>
-              <a:rPr kumimoji="1" lang="ja-JP" altLang="en-US" b="1" dirty="0">
+              <a:rPr kumimoji="1" lang="en-US" altLang="ja-JP" sz="1200" dirty="0">
                 <a:solidFill>
-                  <a:schemeClr val="tx1">
-                    <a:lumMod val="85000"/>
-                    <a:lumOff val="15000"/>
-                  </a:schemeClr>
-                </a:solidFill>
-                <a:ea typeface="Meiryo UI" panose="020B0604030504040204" pitchFamily="50" charset="-128"/>
-              </a:rPr>
-              <a:t>スペース</a:t>
-            </a:r>
-            <a:r>
-              <a:rPr kumimoji="1" lang="en-US" altLang="ja-JP" b="1" dirty="0">
-                <a:solidFill>
-                  <a:schemeClr val="tx1">
-                    <a:lumMod val="85000"/>
-                    <a:lumOff val="15000"/>
-                  </a:schemeClr>
-                </a:solidFill>
-                <a:ea typeface="Meiryo UI" panose="020B0604030504040204" pitchFamily="50" charset="-128"/>
-              </a:rPr>
-              <a:t>“</a:t>
-            </a:r>
-            <a:r>
-              <a:rPr kumimoji="1" lang="en-US" altLang="ja-JP" b="1" u="heavy" dirty="0">
-                <a:solidFill>
-                  <a:schemeClr val="tx1">
-                    <a:lumMod val="85000"/>
-                    <a:lumOff val="15000"/>
-                  </a:schemeClr>
+                  <a:schemeClr val="bg1"/>
                 </a:solidFill>
                 <a:uFill>
                   <a:solidFill>
-                    <a:schemeClr val="accent1"/>
+                    <a:schemeClr val="bg1"/>
+                  </a:solidFill>
+                </a:uFill>
+                <a:ea typeface="Meiryo UI" panose="020B0604030504040204" pitchFamily="50" charset="-128"/>
+              </a:rPr>
+              <a:t>=&gt;     “</a:t>
+            </a:r>
+            <a:r>
+              <a:rPr kumimoji="1" lang="en-US" altLang="ja-JP" sz="1200" u="heavy" dirty="0">
+                <a:solidFill>
+                  <a:schemeClr val="bg1"/>
+                </a:solidFill>
+                <a:uFill>
+                  <a:solidFill>
+                    <a:schemeClr val="bg1"/>
                   </a:solidFill>
                 </a:uFill>
                 <a:ea typeface="Meiryo UI" panose="020B0604030504040204" pitchFamily="50" charset="-128"/>
@@ -12423,16 +14026,55 @@
               <a:t> </a:t>
             </a:r>
             <a:r>
-              <a:rPr kumimoji="1" lang="en-US" altLang="ja-JP" b="1" u="heavy" dirty="0">
+              <a:rPr kumimoji="1" lang="en-US" altLang="ja-JP" sz="1200" dirty="0">
                 <a:solidFill>
-                  <a:schemeClr val="tx1">
-                    <a:lumMod val="85000"/>
-                    <a:lumOff val="15000"/>
-                  </a:schemeClr>
+                  <a:schemeClr val="bg1"/>
                 </a:solidFill>
                 <a:uFill>
                   <a:solidFill>
-                    <a:schemeClr val="accent2"/>
+                    <a:schemeClr val="bg1"/>
+                  </a:solidFill>
+                </a:uFill>
+                <a:ea typeface="Meiryo UI" panose="020B0604030504040204" pitchFamily="50" charset="-128"/>
+              </a:rPr>
+              <a:t>“  +  </a:t>
+            </a:r>
+            <a:r>
+              <a:rPr kumimoji="1" lang="ja-JP" altLang="en-US" sz="1200" dirty="0">
+                <a:solidFill>
+                  <a:schemeClr val="bg1"/>
+                </a:solidFill>
+                <a:uFill>
+                  <a:solidFill>
+                    <a:schemeClr val="bg1"/>
+                  </a:solidFill>
+                </a:uFill>
+                <a:ea typeface="Meiryo UI" panose="020B0604030504040204" pitchFamily="50" charset="-128"/>
+              </a:rPr>
+              <a:t>・・・  </a:t>
+            </a:r>
+            <a:r>
+              <a:rPr kumimoji="1" lang="en-US" altLang="ja-JP" sz="1200" dirty="0">
+                <a:solidFill>
+                  <a:schemeClr val="bg1"/>
+                </a:solidFill>
+                <a:uFill>
+                  <a:solidFill>
+                    <a:schemeClr val="bg1"/>
+                  </a:solidFill>
+                </a:uFill>
+                <a:ea typeface="Meiryo UI" panose="020B0604030504040204" pitchFamily="50" charset="-128"/>
+              </a:rPr>
+              <a:t>+  “</a:t>
+            </a:r>
+            <a:r>
+              <a:rPr kumimoji="1" lang="en-US" altLang="ja-JP" sz="1200" u="heavy" dirty="0">
+                <a:solidFill>
+                  <a:schemeClr val="bg1"/>
+                </a:solidFill>
+                <a:uFill>
+                  <a:solidFill>
+                    <a:schemeClr val="bg1"/>
                   </a:solidFill>
                 </a:uFill>
                 <a:ea typeface="Meiryo UI" panose="020B0604030504040204" pitchFamily="50" charset="-128"/>
@@ -12440,47 +14082,28 @@
               <a:t> </a:t>
             </a:r>
             <a:r>
-              <a:rPr kumimoji="1" lang="en-US" altLang="ja-JP" b="1" dirty="0">
+              <a:rPr kumimoji="1" lang="en-US" altLang="ja-JP" sz="1200" dirty="0">
                 <a:solidFill>
-                  <a:schemeClr val="tx1">
-                    <a:lumMod val="85000"/>
-                    <a:lumOff val="15000"/>
-                  </a:schemeClr>
+                  <a:schemeClr val="bg1"/>
                 </a:solidFill>
+                <a:uFill>
+                  <a:solidFill>
+                    <a:schemeClr val="bg1"/>
+                  </a:solidFill>
+                </a:uFill>
                 <a:ea typeface="Meiryo UI" panose="020B0604030504040204" pitchFamily="50" charset="-128"/>
               </a:rPr>
-              <a:t>”</a:t>
+              <a:t>“</a:t>
             </a:r>
-            <a:r>
-              <a:rPr kumimoji="1" lang="ja-JP" altLang="en-US" b="1" dirty="0">
-                <a:solidFill>
-                  <a:schemeClr val="tx1">
-                    <a:lumMod val="85000"/>
-                    <a:lumOff val="15000"/>
-                  </a:schemeClr>
-                </a:solidFill>
-                <a:ea typeface="Meiryo UI" panose="020B0604030504040204" pitchFamily="50" charset="-128"/>
-              </a:rPr>
-              <a:t>を用意</a:t>
-            </a:r>
-            <a:endParaRPr kumimoji="1" lang="en-US" altLang="ja-JP" b="1" dirty="0">
-              <a:solidFill>
-                <a:schemeClr val="tx1">
-                  <a:lumMod val="85000"/>
-                  <a:lumOff val="15000"/>
-                </a:schemeClr>
-              </a:solidFill>
-              <a:ea typeface="Meiryo UI" panose="020B0604030504040204" pitchFamily="50" charset="-128"/>
-            </a:endParaRPr>
           </a:p>
         </p:txBody>
       </p:sp>
       <p:sp>
         <p:nvSpPr>
-          <p:cNvPr id="28" name="正方形/長方形 27">
+          <p:cNvPr id="13" name="正方形/長方形 12">
             <a:extLst>
               <a:ext uri="{FF2B5EF4-FFF2-40B4-BE49-F238E27FC236}">
-                <a16:creationId xmlns:a16="http://schemas.microsoft.com/office/drawing/2014/main" id="{B1E5A26F-96E4-4220-9B4C-1F2A455062F9}"/>
+                <a16:creationId xmlns:a16="http://schemas.microsoft.com/office/drawing/2014/main" id="{60796391-65CE-4169-A981-42E37CA1741A}"/>
               </a:ext>
             </a:extLst>
           </p:cNvPr>
@@ -12489,18 +14112,13 @@
         </p:nvSpPr>
         <p:spPr>
           <a:xfrm>
-            <a:off x="5102199" y="2761381"/>
-            <a:ext cx="2434993" cy="317400"/>
+            <a:off x="3987910" y="1075751"/>
+            <a:ext cx="1493280" cy="317400"/>
           </a:xfrm>
           <a:prstGeom prst="rect">
             <a:avLst/>
           </a:prstGeom>
-          <a:solidFill>
-            <a:schemeClr val="accent5">
-              <a:lumMod val="20000"/>
-              <a:lumOff val="80000"/>
-            </a:schemeClr>
-          </a:solidFill>
+          <a:noFill/>
           <a:ln>
             <a:noFill/>
           </a:ln>
@@ -12525,54 +14143,87 @@
           <a:bodyPr rtlCol="0" anchor="ctr"/>
           <a:lstStyle/>
           <a:p>
+            <a:pPr algn="ctr">
+              <a:lnSpc>
+                <a:spcPct val="150000"/>
+              </a:lnSpc>
+            </a:pPr>
             <a:r>
-              <a:rPr kumimoji="1" lang="ja-JP" altLang="en-US" b="1" dirty="0">
+              <a:rPr kumimoji="1" lang="en-US" altLang="ja-JP" sz="1200" dirty="0">
                 <a:solidFill>
-                  <a:schemeClr val="tx1">
-                    <a:lumMod val="85000"/>
-                    <a:lumOff val="15000"/>
-                  </a:schemeClr>
+                  <a:schemeClr val="bg1"/>
                 </a:solidFill>
-                <a:latin typeface="Meiryo UI" panose="020B0604030504040204" pitchFamily="50" charset="-128"/>
+                <a:uFill>
+                  <a:solidFill>
+                    <a:schemeClr val="bg1"/>
+                  </a:solidFill>
+                </a:uFill>
                 <a:ea typeface="Meiryo UI" panose="020B0604030504040204" pitchFamily="50" charset="-128"/>
               </a:rPr>
-              <a:t>スペースの隙間に</a:t>
+              <a:t>(</a:t>
             </a:r>
             <a:r>
-              <a:rPr kumimoji="1" lang="en-US" altLang="ja-JP" b="1" dirty="0">
+              <a:rPr kumimoji="1" lang="ja-JP" altLang="en-US" sz="1200" dirty="0">
                 <a:solidFill>
-                  <a:schemeClr val="tx1">
-                    <a:lumMod val="85000"/>
-                    <a:lumOff val="15000"/>
-                  </a:schemeClr>
+                  <a:schemeClr val="bg1"/>
                 </a:solidFill>
-                <a:latin typeface="Meiryo UI" panose="020B0604030504040204" pitchFamily="50" charset="-128"/>
+                <a:uFill>
+                  <a:solidFill>
+                    <a:schemeClr val="bg1"/>
+                  </a:solidFill>
+                </a:uFill>
                 <a:ea typeface="Meiryo UI" panose="020B0604030504040204" pitchFamily="50" charset="-128"/>
               </a:rPr>
-              <a:t>”#”</a:t>
+              <a:t>ツリーの高さ </a:t>
             </a:r>
             <a:r>
-              <a:rPr kumimoji="1" lang="ja-JP" altLang="en-US" b="1" dirty="0">
+              <a:rPr kumimoji="1" lang="en-US" altLang="ja-JP" sz="1200" dirty="0">
                 <a:solidFill>
-                  <a:schemeClr val="tx1">
-                    <a:lumMod val="85000"/>
-                    <a:lumOff val="15000"/>
-                  </a:schemeClr>
+                  <a:schemeClr val="bg1"/>
                 </a:solidFill>
-                <a:latin typeface="Meiryo UI" panose="020B0604030504040204" pitchFamily="50" charset="-128"/>
+                <a:uFill>
+                  <a:solidFill>
+                    <a:schemeClr val="bg1"/>
+                  </a:solidFill>
+                </a:uFill>
                 <a:ea typeface="Meiryo UI" panose="020B0604030504040204" pitchFamily="50" charset="-128"/>
               </a:rPr>
-              <a:t>を入れる</a:t>
+              <a:t>– 1) </a:t>
             </a:r>
+            <a:r>
+              <a:rPr kumimoji="1" lang="ja-JP" altLang="en-US" sz="1100" dirty="0">
+                <a:solidFill>
+                  <a:schemeClr val="bg1"/>
+                </a:solidFill>
+                <a:uFill>
+                  <a:solidFill>
+                    <a:schemeClr val="bg1"/>
+                  </a:solidFill>
+                </a:uFill>
+                <a:ea typeface="Meiryo UI" panose="020B0604030504040204" pitchFamily="50" charset="-128"/>
+              </a:rPr>
+              <a:t>コ</a:t>
+            </a:r>
+            <a:endParaRPr kumimoji="1" lang="en-US" altLang="ja-JP" sz="1200" dirty="0">
+              <a:solidFill>
+                <a:schemeClr val="bg1"/>
+              </a:solidFill>
+              <a:uFill>
+                <a:solidFill>
+                  <a:schemeClr val="bg1"/>
+                </a:solidFill>
+              </a:uFill>
+              <a:ea typeface="Meiryo UI" panose="020B0604030504040204" pitchFamily="50" charset="-128"/>
+            </a:endParaRPr>
           </a:p>
         </p:txBody>
       </p:sp>
       <p:sp>
         <p:nvSpPr>
-          <p:cNvPr id="30" name="正方形/長方形 29">
+          <p:cNvPr id="14" name="正方形/長方形 13">
             <a:extLst>
               <a:ext uri="{FF2B5EF4-FFF2-40B4-BE49-F238E27FC236}">
-                <a16:creationId xmlns:a16="http://schemas.microsoft.com/office/drawing/2014/main" id="{F82ED9F5-ED87-4D65-AC73-60908D923830}"/>
+                <a16:creationId xmlns:a16="http://schemas.microsoft.com/office/drawing/2014/main" id="{D12FD46E-682C-44C8-B4B4-772772CB095D}"/>
               </a:ext>
             </a:extLst>
           </p:cNvPr>
@@ -12581,18 +14232,13 @@
         </p:nvSpPr>
         <p:spPr>
           <a:xfrm>
-            <a:off x="2167746" y="3138596"/>
-            <a:ext cx="1666590" cy="317400"/>
+            <a:off x="5969564" y="3034733"/>
+            <a:ext cx="2813607" cy="317400"/>
           </a:xfrm>
           <a:prstGeom prst="rect">
             <a:avLst/>
           </a:prstGeom>
-          <a:solidFill>
-            <a:schemeClr val="accent5">
-              <a:lumMod val="20000"/>
-              <a:lumOff val="80000"/>
-            </a:schemeClr>
-          </a:solidFill>
+          <a:noFill/>
           <a:ln>
             <a:noFill/>
           </a:ln>
@@ -12617,54 +14263,139 @@
           <a:bodyPr rtlCol="0" anchor="ctr"/>
           <a:lstStyle/>
           <a:p>
+            <a:pPr>
+              <a:lnSpc>
+                <a:spcPct val="150000"/>
+              </a:lnSpc>
+            </a:pPr>
             <a:r>
-              <a:rPr kumimoji="1" lang="ja-JP" altLang="en-US" b="1" dirty="0">
+              <a:rPr kumimoji="1" lang="en-US" altLang="ja-JP" sz="1200" dirty="0">
                 <a:solidFill>
-                  <a:schemeClr val="tx1">
-                    <a:lumMod val="85000"/>
-                    <a:lumOff val="15000"/>
-                  </a:schemeClr>
+                  <a:schemeClr val="bg1"/>
                 </a:solidFill>
-                <a:latin typeface="Meiryo UI" panose="020B0604030504040204" pitchFamily="50" charset="-128"/>
+                <a:uFill>
+                  <a:solidFill>
+                    <a:schemeClr val="bg1"/>
+                  </a:solidFill>
+                </a:uFill>
                 <a:ea typeface="Meiryo UI" panose="020B0604030504040204" pitchFamily="50" charset="-128"/>
               </a:rPr>
-              <a:t>末尾に</a:t>
+              <a:t>=&gt;   (</a:t>
             </a:r>
             <a:r>
-              <a:rPr kumimoji="1" lang="en-US" altLang="ja-JP" b="1" dirty="0">
+              <a:rPr kumimoji="1" lang="ja-JP" altLang="en-US" sz="1200" dirty="0">
                 <a:solidFill>
-                  <a:schemeClr val="tx1">
-                    <a:lumMod val="85000"/>
-                    <a:lumOff val="15000"/>
-                  </a:schemeClr>
+                  <a:schemeClr val="bg1"/>
                 </a:solidFill>
-                <a:latin typeface="Meiryo UI" panose="020B0604030504040204" pitchFamily="50" charset="-128"/>
+                <a:uFill>
+                  <a:solidFill>
+                    <a:schemeClr val="bg1"/>
+                  </a:solidFill>
+                </a:uFill>
                 <a:ea typeface="Meiryo UI" panose="020B0604030504040204" pitchFamily="50" charset="-128"/>
               </a:rPr>
-              <a:t>“\n”</a:t>
+              <a:t>前半文字列</a:t>
             </a:r>
             <a:r>
-              <a:rPr kumimoji="1" lang="ja-JP" altLang="en-US" b="1" dirty="0">
+              <a:rPr kumimoji="1" lang="en-US" altLang="ja-JP" sz="1200" dirty="0">
                 <a:solidFill>
-                  <a:schemeClr val="tx1">
-                    <a:lumMod val="85000"/>
-                    <a:lumOff val="15000"/>
-                  </a:schemeClr>
+                  <a:schemeClr val="bg1"/>
                 </a:solidFill>
-                <a:latin typeface="Meiryo UI" panose="020B0604030504040204" pitchFamily="50" charset="-128"/>
+                <a:uFill>
+                  <a:solidFill>
+                    <a:schemeClr val="bg1"/>
+                  </a:solidFill>
+                </a:uFill>
                 <a:ea typeface="Meiryo UI" panose="020B0604030504040204" pitchFamily="50" charset="-128"/>
               </a:rPr>
-              <a:t>を追加</a:t>
+              <a:t>) + “#” + (</a:t>
+            </a:r>
+            <a:r>
+              <a:rPr kumimoji="1" lang="ja-JP" altLang="en-US" sz="1200" dirty="0">
+                <a:solidFill>
+                  <a:schemeClr val="bg1"/>
+                </a:solidFill>
+                <a:uFill>
+                  <a:solidFill>
+                    <a:schemeClr val="bg1"/>
+                  </a:solidFill>
+                </a:uFill>
+                <a:ea typeface="Meiryo UI" panose="020B0604030504040204" pitchFamily="50" charset="-128"/>
+              </a:rPr>
+              <a:t>後半文字列</a:t>
+            </a:r>
+            <a:r>
+              <a:rPr kumimoji="1" lang="en-US" altLang="ja-JP" sz="1200" dirty="0">
+                <a:solidFill>
+                  <a:schemeClr val="bg1"/>
+                </a:solidFill>
+                <a:uFill>
+                  <a:solidFill>
+                    <a:schemeClr val="bg1"/>
+                  </a:solidFill>
+                </a:uFill>
+                <a:ea typeface="Meiryo UI" panose="020B0604030504040204" pitchFamily="50" charset="-128"/>
+              </a:rPr>
+              <a:t>)</a:t>
             </a:r>
           </a:p>
         </p:txBody>
       </p:sp>
       <p:sp>
         <p:nvSpPr>
-          <p:cNvPr id="41" name="正方形/長方形 40">
+          <p:cNvPr id="2" name="左中かっこ 1">
             <a:extLst>
               <a:ext uri="{FF2B5EF4-FFF2-40B4-BE49-F238E27FC236}">
-                <a16:creationId xmlns:a16="http://schemas.microsoft.com/office/drawing/2014/main" id="{2680BAB0-8BF1-4BF0-9C53-BDB5574C458F}"/>
+                <a16:creationId xmlns:a16="http://schemas.microsoft.com/office/drawing/2014/main" id="{4ECB2804-1B26-42C3-8B3F-5C2B80F85717}"/>
+              </a:ext>
+            </a:extLst>
+          </p:cNvPr>
+          <p:cNvSpPr/>
+          <p:nvPr/>
+        </p:nvSpPr>
+        <p:spPr>
+          <a:xfrm rot="5400000">
+            <a:off x="4670267" y="998873"/>
+            <a:ext cx="166293" cy="1069991"/>
+          </a:xfrm>
+          <a:prstGeom prst="leftBrace">
+            <a:avLst/>
+          </a:prstGeom>
+          <a:ln>
+            <a:solidFill>
+              <a:schemeClr val="bg1"/>
+            </a:solidFill>
+          </a:ln>
+        </p:spPr>
+        <p:style>
+          <a:lnRef idx="1">
+            <a:schemeClr val="accent1"/>
+          </a:lnRef>
+          <a:fillRef idx="0">
+            <a:schemeClr val="accent1"/>
+          </a:fillRef>
+          <a:effectRef idx="0">
+            <a:schemeClr val="accent1"/>
+          </a:effectRef>
+          <a:fontRef idx="minor">
+            <a:schemeClr val="tx1"/>
+          </a:fontRef>
+        </p:style>
+        <p:txBody>
+          <a:bodyPr rtlCol="0" anchor="ctr"/>
+          <a:lstStyle/>
+          <a:p>
+            <a:pPr algn="ctr"/>
+            <a:endParaRPr kumimoji="1" lang="ja-JP" altLang="en-US" sz="1200"/>
+          </a:p>
+        </p:txBody>
+      </p:sp>
+      <p:sp>
+        <p:nvSpPr>
+          <p:cNvPr id="16" name="正方形/長方形 15">
+            <a:extLst>
+              <a:ext uri="{FF2B5EF4-FFF2-40B4-BE49-F238E27FC236}">
+                <a16:creationId xmlns:a16="http://schemas.microsoft.com/office/drawing/2014/main" id="{8F5F1A34-714C-4DDA-91F3-4867048C932E}"/>
               </a:ext>
             </a:extLst>
           </p:cNvPr>
@@ -12673,15 +14404,13 @@
         </p:nvSpPr>
         <p:spPr>
           <a:xfrm>
-            <a:off x="2544261" y="3733068"/>
-            <a:ext cx="1666590" cy="317400"/>
+            <a:off x="2642190" y="4101131"/>
+            <a:ext cx="2218949" cy="317400"/>
           </a:xfrm>
           <a:prstGeom prst="rect">
             <a:avLst/>
           </a:prstGeom>
-          <a:solidFill>
-            <a:schemeClr val="bg1"/>
-          </a:solidFill>
+          <a:noFill/>
           <a:ln>
             <a:noFill/>
           </a:ln>
@@ -12706,54 +14435,62 @@
           <a:bodyPr rtlCol="0" anchor="ctr"/>
           <a:lstStyle/>
           <a:p>
+            <a:pPr>
+              <a:lnSpc>
+                <a:spcPct val="150000"/>
+              </a:lnSpc>
+            </a:pPr>
             <a:r>
-              <a:rPr kumimoji="1" lang="ja-JP" altLang="en-US" b="1" dirty="0">
+              <a:rPr kumimoji="1" lang="en-US" altLang="ja-JP" sz="1200" dirty="0">
                 <a:solidFill>
-                  <a:schemeClr val="tx1">
-                    <a:lumMod val="85000"/>
-                    <a:lumOff val="15000"/>
-                  </a:schemeClr>
+                  <a:schemeClr val="bg1"/>
                 </a:solidFill>
-                <a:latin typeface="Meiryo UI" panose="020B0604030504040204" pitchFamily="50" charset="-128"/>
+                <a:uFill>
+                  <a:solidFill>
+                    <a:schemeClr val="bg1"/>
+                  </a:solidFill>
+                </a:uFill>
                 <a:ea typeface="Meiryo UI" panose="020B0604030504040204" pitchFamily="50" charset="-128"/>
               </a:rPr>
-              <a:t>末尾の</a:t>
+              <a:t>=&gt;    “</a:t>
             </a:r>
             <a:r>
-              <a:rPr kumimoji="1" lang="en-US" altLang="ja-JP" b="1" dirty="0">
+              <a:rPr kumimoji="1" lang="ja-JP" altLang="en-US" sz="1200" dirty="0">
                 <a:solidFill>
-                  <a:schemeClr val="tx1">
-                    <a:lumMod val="85000"/>
-                    <a:lumOff val="15000"/>
-                  </a:schemeClr>
+                  <a:schemeClr val="bg1"/>
                 </a:solidFill>
-                <a:latin typeface="Meiryo UI" panose="020B0604030504040204" pitchFamily="50" charset="-128"/>
+                <a:uFill>
+                  <a:solidFill>
+                    <a:schemeClr val="bg1"/>
+                  </a:solidFill>
+                </a:uFill>
                 <a:ea typeface="Meiryo UI" panose="020B0604030504040204" pitchFamily="50" charset="-128"/>
               </a:rPr>
-              <a:t>”\n”</a:t>
+              <a:t>・ ・ ・ ・ ・ ・ </a:t>
             </a:r>
             <a:r>
-              <a:rPr kumimoji="1" lang="ja-JP" altLang="en-US" b="1" dirty="0">
+              <a:rPr kumimoji="1" lang="en-US" altLang="ja-JP" sz="1200" dirty="0">
                 <a:solidFill>
-                  <a:schemeClr val="tx1">
-                    <a:lumMod val="85000"/>
-                    <a:lumOff val="15000"/>
-                  </a:schemeClr>
+                  <a:schemeClr val="bg1"/>
                 </a:solidFill>
-                <a:latin typeface="Meiryo UI" panose="020B0604030504040204" pitchFamily="50" charset="-128"/>
+                <a:uFill>
+                  <a:solidFill>
+                    <a:schemeClr val="bg1"/>
+                  </a:solidFill>
+                </a:uFill>
                 <a:ea typeface="Meiryo UI" panose="020B0604030504040204" pitchFamily="50" charset="-128"/>
               </a:rPr>
-              <a:t>を削除</a:t>
+              <a:t>\n”</a:t>
             </a:r>
           </a:p>
         </p:txBody>
       </p:sp>
       <p:sp>
         <p:nvSpPr>
-          <p:cNvPr id="42" name="正方形/長方形 41">
+          <p:cNvPr id="20" name="正方形/長方形 19">
             <a:extLst>
               <a:ext uri="{FF2B5EF4-FFF2-40B4-BE49-F238E27FC236}">
-                <a16:creationId xmlns:a16="http://schemas.microsoft.com/office/drawing/2014/main" id="{B1F86B33-37E7-48ED-A08A-18D49BAB0856}"/>
+                <a16:creationId xmlns:a16="http://schemas.microsoft.com/office/drawing/2014/main" id="{3F45A9DC-878D-4D98-BB46-02218B94B5D8}"/>
               </a:ext>
             </a:extLst>
           </p:cNvPr>
@@ -12762,18 +14499,13 @@
         </p:nvSpPr>
         <p:spPr>
           <a:xfrm>
-            <a:off x="3916730" y="3138596"/>
-            <a:ext cx="1242568" cy="317400"/>
+            <a:off x="2634933" y="3245131"/>
+            <a:ext cx="3166973" cy="317400"/>
           </a:xfrm>
           <a:prstGeom prst="rect">
             <a:avLst/>
           </a:prstGeom>
-          <a:solidFill>
-            <a:schemeClr val="accent5">
-              <a:lumMod val="20000"/>
-              <a:lumOff val="80000"/>
-            </a:schemeClr>
-          </a:solidFill>
+          <a:noFill/>
           <a:ln>
             <a:noFill/>
           </a:ln>
@@ -12798,56 +14530,328 @@
           <a:bodyPr rtlCol="0" anchor="ctr"/>
           <a:lstStyle/>
           <a:p>
+            <a:pPr>
+              <a:lnSpc>
+                <a:spcPct val="150000"/>
+              </a:lnSpc>
+            </a:pPr>
             <a:r>
-              <a:rPr kumimoji="1" lang="ja-JP" altLang="en-US" b="1" dirty="0">
+              <a:rPr kumimoji="1" lang="en-US" altLang="ja-JP" sz="1200" dirty="0">
                 <a:solidFill>
-                  <a:schemeClr val="tx1">
-                    <a:lumMod val="85000"/>
-                    <a:lumOff val="15000"/>
-                  </a:schemeClr>
+                  <a:schemeClr val="bg1"/>
                 </a:solidFill>
-                <a:latin typeface="Meiryo UI" panose="020B0604030504040204" pitchFamily="50" charset="-128"/>
+                <a:uFill>
+                  <a:solidFill>
+                    <a:schemeClr val="bg1"/>
+                  </a:solidFill>
+                </a:uFill>
                 <a:ea typeface="Meiryo UI" panose="020B0604030504040204" pitchFamily="50" charset="-128"/>
               </a:rPr>
-              <a:t>文字列を結合</a:t>
+              <a:t>=&gt; </a:t>
+            </a:r>
+            <a:r>
+              <a:rPr kumimoji="1" lang="ja-JP" altLang="en-US" sz="1200" dirty="0">
+                <a:solidFill>
+                  <a:schemeClr val="bg1"/>
+                </a:solidFill>
+                <a:uFill>
+                  <a:solidFill>
+                    <a:schemeClr val="bg1"/>
+                  </a:solidFill>
+                </a:uFill>
+                <a:ea typeface="Meiryo UI" panose="020B0604030504040204" pitchFamily="50" charset="-128"/>
+              </a:rPr>
+              <a:t>   </a:t>
+            </a:r>
+            <a:r>
+              <a:rPr kumimoji="1" lang="en-US" altLang="ja-JP" sz="1200" dirty="0">
+                <a:solidFill>
+                  <a:schemeClr val="bg1"/>
+                </a:solidFill>
+                <a:uFill>
+                  <a:solidFill>
+                    <a:schemeClr val="bg1"/>
+                  </a:solidFill>
+                </a:uFill>
+                <a:ea typeface="Meiryo UI" panose="020B0604030504040204" pitchFamily="50" charset="-128"/>
+              </a:rPr>
+              <a:t>(</a:t>
+            </a:r>
+            <a:r>
+              <a:rPr kumimoji="1" lang="ja-JP" altLang="en-US" sz="1200" dirty="0">
+                <a:solidFill>
+                  <a:schemeClr val="bg1"/>
+                </a:solidFill>
+                <a:uFill>
+                  <a:solidFill>
+                    <a:schemeClr val="bg1"/>
+                  </a:solidFill>
+                </a:uFill>
+                <a:ea typeface="Meiryo UI" panose="020B0604030504040204" pitchFamily="50" charset="-128"/>
+              </a:rPr>
+              <a:t>結果文字列</a:t>
+            </a:r>
+            <a:r>
+              <a:rPr kumimoji="1" lang="en-US" altLang="ja-JP" sz="1200" dirty="0">
+                <a:solidFill>
+                  <a:schemeClr val="bg1"/>
+                </a:solidFill>
+                <a:uFill>
+                  <a:solidFill>
+                    <a:schemeClr val="bg1"/>
+                  </a:solidFill>
+                </a:uFill>
+                <a:ea typeface="Meiryo UI" panose="020B0604030504040204" pitchFamily="50" charset="-128"/>
+              </a:rPr>
+              <a:t>)</a:t>
+            </a:r>
+            <a:r>
+              <a:rPr kumimoji="1" lang="en-US" altLang="ja-JP" sz="1200" dirty="0">
+                <a:solidFill>
+                  <a:schemeClr val="bg1"/>
+                </a:solidFill>
+                <a:uFill>
+                  <a:solidFill>
+                    <a:schemeClr val="accent1"/>
+                  </a:solidFill>
+                </a:uFill>
+                <a:ea typeface="Meiryo UI" panose="020B0604030504040204" pitchFamily="50" charset="-128"/>
+              </a:rPr>
+              <a:t>   +=   </a:t>
+            </a:r>
+            <a:r>
+              <a:rPr kumimoji="1" lang="en-US" altLang="ja-JP" sz="1200" dirty="0">
+                <a:solidFill>
+                  <a:schemeClr val="bg1"/>
+                </a:solidFill>
+                <a:uFill>
+                  <a:solidFill>
+                    <a:schemeClr val="bg1"/>
+                  </a:solidFill>
+                </a:uFill>
+                <a:ea typeface="Meiryo UI" panose="020B0604030504040204" pitchFamily="50" charset="-128"/>
+              </a:rPr>
+              <a:t>(</a:t>
+            </a:r>
+            <a:r>
+              <a:rPr kumimoji="1" lang="ja-JP" altLang="en-US" sz="1200" dirty="0">
+                <a:solidFill>
+                  <a:schemeClr val="bg1"/>
+                </a:solidFill>
+                <a:uFill>
+                  <a:solidFill>
+                    <a:schemeClr val="bg1"/>
+                  </a:solidFill>
+                </a:uFill>
+                <a:ea typeface="Meiryo UI" panose="020B0604030504040204" pitchFamily="50" charset="-128"/>
+              </a:rPr>
+              <a:t>今回文字列</a:t>
+            </a:r>
+            <a:r>
+              <a:rPr kumimoji="1" lang="en-US" altLang="ja-JP" sz="1200" dirty="0">
+                <a:solidFill>
+                  <a:schemeClr val="bg1"/>
+                </a:solidFill>
+                <a:uFill>
+                  <a:solidFill>
+                    <a:schemeClr val="bg1"/>
+                  </a:solidFill>
+                </a:uFill>
+                <a:ea typeface="Meiryo UI" panose="020B0604030504040204" pitchFamily="50" charset="-128"/>
+              </a:rPr>
+              <a:t>) + \n</a:t>
             </a:r>
           </a:p>
         </p:txBody>
       </p:sp>
-      <p:pic>
-        <p:nvPicPr>
-          <p:cNvPr id="15" name="図 14">
+      <p:sp>
+        <p:nvSpPr>
+          <p:cNvPr id="21" name="正方形/長方形 20">
             <a:extLst>
               <a:ext uri="{FF2B5EF4-FFF2-40B4-BE49-F238E27FC236}">
-                <a16:creationId xmlns:a16="http://schemas.microsoft.com/office/drawing/2014/main" id="{88CE6946-2026-415F-9A0B-C4B89796A13D}"/>
+                <a16:creationId xmlns:a16="http://schemas.microsoft.com/office/drawing/2014/main" id="{82094AA0-6731-46A6-B727-C8A758077BFE}"/>
               </a:ext>
             </a:extLst>
           </p:cNvPr>
-          <p:cNvPicPr>
-            <a:picLocks noChangeAspect="1"/>
-          </p:cNvPicPr>
+          <p:cNvSpPr/>
           <p:nvPr/>
-        </p:nvPicPr>
-        <p:blipFill>
-          <a:blip r:embed="rId4"/>
-          <a:stretch>
-            <a:fillRect/>
-          </a:stretch>
-        </p:blipFill>
+        </p:nvSpPr>
         <p:spPr>
           <a:xfrm>
-            <a:off x="4863740" y="993377"/>
-            <a:ext cx="3946183" cy="1070244"/>
+            <a:off x="3695910" y="4323421"/>
+            <a:ext cx="520060" cy="196855"/>
           </a:xfrm>
           <a:prstGeom prst="rect">
             <a:avLst/>
           </a:prstGeom>
+          <a:noFill/>
+          <a:ln>
+            <a:noFill/>
+          </a:ln>
         </p:spPr>
-      </p:pic>
+        <p:style>
+          <a:lnRef idx="2">
+            <a:schemeClr val="accent1">
+              <a:shade val="50000"/>
+            </a:schemeClr>
+          </a:lnRef>
+          <a:fillRef idx="1">
+            <a:schemeClr val="accent1"/>
+          </a:fillRef>
+          <a:effectRef idx="0">
+            <a:schemeClr val="accent1"/>
+          </a:effectRef>
+          <a:fontRef idx="minor">
+            <a:schemeClr val="lt1"/>
+          </a:fontRef>
+        </p:style>
+        <p:txBody>
+          <a:bodyPr rtlCol="0" anchor="ctr"/>
+          <a:lstStyle/>
+          <a:p>
+            <a:pPr algn="ctr">
+              <a:lnSpc>
+                <a:spcPct val="150000"/>
+              </a:lnSpc>
+            </a:pPr>
+            <a:r>
+              <a:rPr kumimoji="1" lang="ja-JP" altLang="en-US" sz="1200" dirty="0">
+                <a:solidFill>
+                  <a:schemeClr val="bg1"/>
+                </a:solidFill>
+                <a:uFill>
+                  <a:solidFill>
+                    <a:schemeClr val="bg1"/>
+                  </a:solidFill>
+                </a:uFill>
+                <a:ea typeface="Meiryo UI" panose="020B0604030504040204" pitchFamily="50" charset="-128"/>
+              </a:rPr>
+              <a:t>削除</a:t>
+            </a:r>
+            <a:endParaRPr kumimoji="1" lang="en-US" altLang="ja-JP" sz="1200" dirty="0">
+              <a:solidFill>
+                <a:schemeClr val="bg1"/>
+              </a:solidFill>
+              <a:uFill>
+                <a:solidFill>
+                  <a:schemeClr val="bg1"/>
+                </a:solidFill>
+              </a:uFill>
+              <a:ea typeface="Meiryo UI" panose="020B0604030504040204" pitchFamily="50" charset="-128"/>
+            </a:endParaRPr>
+          </a:p>
+        </p:txBody>
+      </p:sp>
+      <p:sp>
+        <p:nvSpPr>
+          <p:cNvPr id="52" name="正方形/長方形 51">
+            <a:extLst>
+              <a:ext uri="{FF2B5EF4-FFF2-40B4-BE49-F238E27FC236}">
+                <a16:creationId xmlns:a16="http://schemas.microsoft.com/office/drawing/2014/main" id="{B3AAB145-9E3D-49D2-9E17-5117CAD0036C}"/>
+              </a:ext>
+            </a:extLst>
+          </p:cNvPr>
+          <p:cNvSpPr/>
+          <p:nvPr/>
+        </p:nvSpPr>
+        <p:spPr>
+          <a:xfrm>
+            <a:off x="3191297" y="2798349"/>
+            <a:ext cx="2940145" cy="317400"/>
+          </a:xfrm>
+          <a:prstGeom prst="rect">
+            <a:avLst/>
+          </a:prstGeom>
+          <a:noFill/>
+          <a:ln>
+            <a:noFill/>
+          </a:ln>
+        </p:spPr>
+        <p:style>
+          <a:lnRef idx="2">
+            <a:schemeClr val="accent1">
+              <a:shade val="50000"/>
+            </a:schemeClr>
+          </a:lnRef>
+          <a:fillRef idx="1">
+            <a:schemeClr val="accent1"/>
+          </a:fillRef>
+          <a:effectRef idx="0">
+            <a:schemeClr val="accent1"/>
+          </a:effectRef>
+          <a:fontRef idx="minor">
+            <a:schemeClr val="lt1"/>
+          </a:fontRef>
+        </p:style>
+        <p:txBody>
+          <a:bodyPr rtlCol="0" anchor="ctr"/>
+          <a:lstStyle/>
+          <a:p>
+            <a:pPr>
+              <a:lnSpc>
+                <a:spcPct val="150000"/>
+              </a:lnSpc>
+            </a:pPr>
+            <a:r>
+              <a:rPr kumimoji="1" lang="en-US" altLang="ja-JP" sz="1200" dirty="0">
+                <a:solidFill>
+                  <a:schemeClr val="bg1"/>
+                </a:solidFill>
+                <a:uFill>
+                  <a:solidFill>
+                    <a:schemeClr val="bg1"/>
+                  </a:solidFill>
+                </a:uFill>
+                <a:ea typeface="Meiryo UI" panose="020B0604030504040204" pitchFamily="50" charset="-128"/>
+              </a:rPr>
+              <a:t>=&gt; </a:t>
+            </a:r>
+            <a:r>
+              <a:rPr kumimoji="1" lang="ja-JP" altLang="en-US" sz="1200" dirty="0">
+                <a:solidFill>
+                  <a:schemeClr val="bg1"/>
+                </a:solidFill>
+                <a:uFill>
+                  <a:solidFill>
+                    <a:schemeClr val="bg1"/>
+                  </a:solidFill>
+                </a:uFill>
+                <a:ea typeface="Meiryo UI" panose="020B0604030504040204" pitchFamily="50" charset="-128"/>
+              </a:rPr>
+              <a:t>   ツリーの高さの</a:t>
+            </a:r>
+            <a:r>
+              <a:rPr kumimoji="1" lang="ja-JP" altLang="en-US" sz="1200">
+                <a:solidFill>
+                  <a:schemeClr val="bg1"/>
+                </a:solidFill>
+                <a:uFill>
+                  <a:solidFill>
+                    <a:schemeClr val="bg1"/>
+                  </a:solidFill>
+                </a:uFill>
+                <a:ea typeface="Meiryo UI" panose="020B0604030504040204" pitchFamily="50" charset="-128"/>
+              </a:rPr>
+              <a:t>数ループさせる</a:t>
+            </a:r>
+            <a:endParaRPr kumimoji="1" lang="en-US" altLang="ja-JP" sz="1200" dirty="0">
+              <a:solidFill>
+                <a:schemeClr val="bg1"/>
+              </a:solidFill>
+              <a:uFill>
+                <a:solidFill>
+                  <a:schemeClr val="bg1"/>
+                </a:solidFill>
+              </a:uFill>
+              <a:ea typeface="Meiryo UI" panose="020B0604030504040204" pitchFamily="50" charset="-128"/>
+            </a:endParaRPr>
+          </a:p>
+        </p:txBody>
+      </p:sp>
     </p:spTree>
     <p:extLst>
       <p:ext uri="{BB962C8B-B14F-4D97-AF65-F5344CB8AC3E}">
-        <p14:creationId xmlns:p14="http://schemas.microsoft.com/office/powerpoint/2010/main" val="2143537473"/>
+        <p14:creationId xmlns:p14="http://schemas.microsoft.com/office/powerpoint/2010/main" val="2744301866"/>
       </p:ext>
     </p:extLst>
   </p:cSld>

--- a/presentation.pptx
+++ b/presentation.pptx
@@ -5,37 +5,36 @@
     <p:sldMasterId id="2147483659" r:id="rId1"/>
   </p:sldMasterIdLst>
   <p:notesMasterIdLst>
-    <p:notesMasterId r:id="rId8"/>
+    <p:notesMasterId r:id="rId7"/>
   </p:notesMasterIdLst>
   <p:sldIdLst>
     <p:sldId id="256" r:id="rId2"/>
     <p:sldId id="267" r:id="rId3"/>
     <p:sldId id="262" r:id="rId4"/>
     <p:sldId id="268" r:id="rId5"/>
-    <p:sldId id="265" r:id="rId6"/>
-    <p:sldId id="257" r:id="rId7"/>
+    <p:sldId id="257" r:id="rId6"/>
   </p:sldIdLst>
   <p:sldSz cx="9144000" cy="5143500" type="screen16x9"/>
   <p:notesSz cx="6858000" cy="9144000"/>
   <p:embeddedFontLst>
     <p:embeddedFont>
       <p:font typeface="Meiryo UI" panose="020B0604030504040204" pitchFamily="50" charset="-128"/>
-      <p:regular r:id="rId9"/>
-      <p:bold r:id="rId10"/>
-      <p:italic r:id="rId11"/>
-      <p:boldItalic r:id="rId12"/>
+      <p:regular r:id="rId8"/>
+      <p:bold r:id="rId9"/>
+      <p:italic r:id="rId10"/>
+      <p:boldItalic r:id="rId11"/>
     </p:embeddedFont>
     <p:embeddedFont>
       <p:font typeface="Oswald" panose="00000500000000000000" pitchFamily="2" charset="0"/>
-      <p:regular r:id="rId13"/>
-      <p:bold r:id="rId14"/>
+      <p:regular r:id="rId12"/>
+      <p:bold r:id="rId13"/>
     </p:embeddedFont>
     <p:embeddedFont>
       <p:font typeface="Source Sans Pro" panose="020B0503030403020204" pitchFamily="34" charset="0"/>
-      <p:regular r:id="rId15"/>
-      <p:bold r:id="rId16"/>
-      <p:italic r:id="rId17"/>
-      <p:boldItalic r:id="rId18"/>
+      <p:regular r:id="rId14"/>
+      <p:bold r:id="rId15"/>
+      <p:italic r:id="rId16"/>
+      <p:boldItalic r:id="rId17"/>
     </p:embeddedFont>
   </p:embeddedFontLst>
   <p:defaultTextStyle>
@@ -397,6 +396,37 @@
             <ac:spMk id="469" creationId="{00000000-0000-0000-0000-000000000000}"/>
           </ac:spMkLst>
         </pc:spChg>
+      </pc:sldChg>
+    </pc:docChg>
+  </pc:docChgLst>
+  <pc:docChgLst>
+    <pc:chgData name="大祐 近藤" userId="d7b9c57dec2cb7b2" providerId="LiveId" clId="{5C487DFC-FD37-4F6F-8799-92B2C40989FF}"/>
+    <pc:docChg chg="delSld modSld">
+      <pc:chgData name="大祐 近藤" userId="d7b9c57dec2cb7b2" providerId="LiveId" clId="{5C487DFC-FD37-4F6F-8799-92B2C40989FF}" dt="2022-01-30T10:06:16.937" v="2" actId="20577"/>
+      <pc:docMkLst>
+        <pc:docMk/>
+      </pc:docMkLst>
+      <pc:sldChg chg="modSp mod">
+        <pc:chgData name="大祐 近藤" userId="d7b9c57dec2cb7b2" providerId="LiveId" clId="{5C487DFC-FD37-4F6F-8799-92B2C40989FF}" dt="2022-01-30T10:06:16.937" v="2" actId="20577"/>
+        <pc:sldMkLst>
+          <pc:docMk/>
+          <pc:sldMk cId="0" sldId="256"/>
+        </pc:sldMkLst>
+        <pc:spChg chg="mod">
+          <ac:chgData name="大祐 近藤" userId="d7b9c57dec2cb7b2" providerId="LiveId" clId="{5C487DFC-FD37-4F6F-8799-92B2C40989FF}" dt="2022-01-30T10:06:16.937" v="2" actId="20577"/>
+          <ac:spMkLst>
+            <pc:docMk/>
+            <pc:sldMk cId="0" sldId="256"/>
+            <ac:spMk id="464" creationId="{00000000-0000-0000-0000-000000000000}"/>
+          </ac:spMkLst>
+        </pc:spChg>
+      </pc:sldChg>
+      <pc:sldChg chg="del">
+        <pc:chgData name="大祐 近藤" userId="d7b9c57dec2cb7b2" providerId="LiveId" clId="{5C487DFC-FD37-4F6F-8799-92B2C40989FF}" dt="2022-01-30T08:43:08.723" v="0" actId="47"/>
+        <pc:sldMkLst>
+          <pc:docMk/>
+          <pc:sldMk cId="4018031625" sldId="265"/>
+        </pc:sldMkLst>
       </pc:sldChg>
     </pc:docChg>
   </pc:docChgLst>
@@ -8815,38 +8845,11 @@
             </a:pPr>
             <a:r>
               <a:rPr lang="en" dirty="0"/>
-              <a:t>HOW TO CREATE A  CHRISMAS TREE</a:t>
-            </a:r>
-            <a:br>
-              <a:rPr lang="en" dirty="0"/>
-            </a:br>
-            <a:r>
-              <a:rPr lang="ja-JP" altLang="en-US" sz="2000" dirty="0">
-                <a:latin typeface="Meiryo UI" panose="020B0604030504040204" pitchFamily="50" charset="-128"/>
-                <a:ea typeface="Meiryo UI" panose="020B0604030504040204" pitchFamily="50" charset="-128"/>
-              </a:rPr>
-              <a:t>事技系</a:t>
+              <a:t>HOW TO CREATE A  </a:t>
             </a:r>
             <a:r>
-              <a:rPr lang="en-US" altLang="ja-JP" sz="2000" dirty="0">
-                <a:latin typeface="Oswald" panose="00000500000000000000" pitchFamily="2" charset="0"/>
-                <a:ea typeface="Meiryo UI" panose="020B0604030504040204" pitchFamily="50" charset="-128"/>
-              </a:rPr>
-              <a:t>TPS</a:t>
-            </a:r>
-            <a:r>
-              <a:rPr lang="ja-JP" altLang="en-US" sz="2000" dirty="0">
-                <a:latin typeface="Meiryo UI" panose="020B0604030504040204" pitchFamily="50" charset="-128"/>
-                <a:ea typeface="Meiryo UI" panose="020B0604030504040204" pitchFamily="50" charset="-128"/>
-              </a:rPr>
-              <a:t>推進室 </a:t>
-            </a:r>
-            <a:r>
-              <a:rPr lang="en-US" altLang="ja-JP" sz="2000" dirty="0">
-                <a:latin typeface="Oswald" panose="00000500000000000000" pitchFamily="2" charset="0"/>
-                <a:ea typeface="Meiryo UI" panose="020B0604030504040204" pitchFamily="50" charset="-128"/>
-              </a:rPr>
-              <a:t>1G</a:t>
+              <a:rPr lang="en"/>
+              <a:t>CHRISMAS TREE</a:t>
             </a:r>
             <a:br>
               <a:rPr lang="en-US" altLang="ja-JP" sz="2000" dirty="0">
@@ -14870,367 +14873,6 @@
 </file>
 
 <file path=ppt/slides/slide5.xml><?xml version="1.0" encoding="utf-8"?>
-<p:sld xmlns:a="http://schemas.openxmlformats.org/drawingml/2006/main" xmlns:r="http://schemas.openxmlformats.org/officeDocument/2006/relationships" xmlns:p="http://schemas.openxmlformats.org/presentationml/2006/main">
-  <p:cSld>
-    <p:spTree>
-      <p:nvGrpSpPr>
-        <p:cNvPr id="1" name=""/>
-        <p:cNvGrpSpPr/>
-        <p:nvPr/>
-      </p:nvGrpSpPr>
-      <p:grpSpPr>
-        <a:xfrm>
-          <a:off x="0" y="0"/>
-          <a:ext cx="0" cy="0"/>
-          <a:chOff x="0" y="0"/>
-          <a:chExt cx="0" cy="0"/>
-        </a:xfrm>
-      </p:grpSpPr>
-      <p:sp>
-        <p:nvSpPr>
-          <p:cNvPr id="5" name="スライド番号プレースホルダー 4">
-            <a:extLst>
-              <a:ext uri="{FF2B5EF4-FFF2-40B4-BE49-F238E27FC236}">
-                <a16:creationId xmlns:a16="http://schemas.microsoft.com/office/drawing/2014/main" id="{4CEB482E-69FE-478D-A905-E437B404ACFF}"/>
-              </a:ext>
-            </a:extLst>
-          </p:cNvPr>
-          <p:cNvSpPr>
-            <a:spLocks noGrp="1"/>
-          </p:cNvSpPr>
-          <p:nvPr>
-            <p:ph type="sldNum" idx="12"/>
-          </p:nvPr>
-        </p:nvSpPr>
-        <p:spPr/>
-        <p:txBody>
-          <a:bodyPr/>
-          <a:lstStyle/>
-          <a:p>
-            <a:pPr marL="0" lvl="0" indent="0" algn="r" rtl="0">
-              <a:spcBef>
-                <a:spcPts val="0"/>
-              </a:spcBef>
-              <a:spcAft>
-                <a:spcPts val="0"/>
-              </a:spcAft>
-              <a:buNone/>
-            </a:pPr>
-            <a:fld id="{00000000-1234-1234-1234-123412341234}" type="slidenum">
-              <a:rPr lang="en" smtClean="0"/>
-              <a:t>5</a:t>
-            </a:fld>
-            <a:endParaRPr lang="en"/>
-          </a:p>
-        </p:txBody>
-      </p:sp>
-      <p:sp>
-        <p:nvSpPr>
-          <p:cNvPr id="6" name="Google Shape;506;p19">
-            <a:extLst>
-              <a:ext uri="{FF2B5EF4-FFF2-40B4-BE49-F238E27FC236}">
-                <a16:creationId xmlns:a16="http://schemas.microsoft.com/office/drawing/2014/main" id="{5D95BDB4-D88D-45DE-9691-3F830CC8D813}"/>
-              </a:ext>
-            </a:extLst>
-          </p:cNvPr>
-          <p:cNvSpPr txBox="1">
-            <a:spLocks/>
-          </p:cNvSpPr>
-          <p:nvPr/>
-        </p:nvSpPr>
-        <p:spPr>
-          <a:xfrm>
-            <a:off x="685800" y="1991850"/>
-            <a:ext cx="7772400" cy="1159800"/>
-          </a:xfrm>
-          <a:prstGeom prst="rect">
-            <a:avLst/>
-          </a:prstGeom>
-          <a:noFill/>
-          <a:ln>
-            <a:noFill/>
-          </a:ln>
-        </p:spPr>
-        <p:txBody>
-          <a:bodyPr spcFirstLastPara="1" wrap="square" lIns="91425" tIns="91425" rIns="91425" bIns="91425" anchor="ctr" anchorCtr="0">
-            <a:noAutofit/>
-          </a:bodyPr>
-          <a:lstStyle>
-            <a:defPPr marR="0" lvl="0" algn="l" rtl="0">
-              <a:lnSpc>
-                <a:spcPct val="100000"/>
-              </a:lnSpc>
-              <a:spcBef>
-                <a:spcPts val="0"/>
-              </a:spcBef>
-              <a:spcAft>
-                <a:spcPts val="0"/>
-              </a:spcAft>
-            </a:defPPr>
-            <a:lvl1pPr marR="0" lvl="0" algn="ctr" rtl="0">
-              <a:lnSpc>
-                <a:spcPct val="100000"/>
-              </a:lnSpc>
-              <a:spcBef>
-                <a:spcPts val="0"/>
-              </a:spcBef>
-              <a:spcAft>
-                <a:spcPts val="0"/>
-              </a:spcAft>
-              <a:buClr>
-                <a:schemeClr val="accent1"/>
-              </a:buClr>
-              <a:buSzPts val="2000"/>
-              <a:buFont typeface="Oswald"/>
-              <a:buNone/>
-              <a:defRPr sz="2000" b="1" i="0" u="none" strike="noStrike" cap="none">
-                <a:solidFill>
-                  <a:schemeClr val="accent1"/>
-                </a:solidFill>
-                <a:latin typeface="Oswald"/>
-                <a:ea typeface="Oswald"/>
-                <a:cs typeface="Oswald"/>
-                <a:sym typeface="Oswald"/>
-              </a:defRPr>
-            </a:lvl1pPr>
-            <a:lvl2pPr marR="0" lvl="1" algn="ctr" rtl="0">
-              <a:lnSpc>
-                <a:spcPct val="100000"/>
-              </a:lnSpc>
-              <a:spcBef>
-                <a:spcPts val="0"/>
-              </a:spcBef>
-              <a:spcAft>
-                <a:spcPts val="0"/>
-              </a:spcAft>
-              <a:buClr>
-                <a:schemeClr val="accent1"/>
-              </a:buClr>
-              <a:buSzPts val="2000"/>
-              <a:buFont typeface="Oswald"/>
-              <a:buNone/>
-              <a:defRPr sz="2000" b="1" i="0" u="none" strike="noStrike" cap="none">
-                <a:solidFill>
-                  <a:schemeClr val="accent1"/>
-                </a:solidFill>
-                <a:latin typeface="Oswald"/>
-                <a:ea typeface="Oswald"/>
-                <a:cs typeface="Oswald"/>
-                <a:sym typeface="Oswald"/>
-              </a:defRPr>
-            </a:lvl2pPr>
-            <a:lvl3pPr marR="0" lvl="2" algn="ctr" rtl="0">
-              <a:lnSpc>
-                <a:spcPct val="100000"/>
-              </a:lnSpc>
-              <a:spcBef>
-                <a:spcPts val="0"/>
-              </a:spcBef>
-              <a:spcAft>
-                <a:spcPts val="0"/>
-              </a:spcAft>
-              <a:buClr>
-                <a:schemeClr val="accent1"/>
-              </a:buClr>
-              <a:buSzPts val="2000"/>
-              <a:buFont typeface="Oswald"/>
-              <a:buNone/>
-              <a:defRPr sz="2000" b="1" i="0" u="none" strike="noStrike" cap="none">
-                <a:solidFill>
-                  <a:schemeClr val="accent1"/>
-                </a:solidFill>
-                <a:latin typeface="Oswald"/>
-                <a:ea typeface="Oswald"/>
-                <a:cs typeface="Oswald"/>
-                <a:sym typeface="Oswald"/>
-              </a:defRPr>
-            </a:lvl3pPr>
-            <a:lvl4pPr marR="0" lvl="3" algn="ctr" rtl="0">
-              <a:lnSpc>
-                <a:spcPct val="100000"/>
-              </a:lnSpc>
-              <a:spcBef>
-                <a:spcPts val="0"/>
-              </a:spcBef>
-              <a:spcAft>
-                <a:spcPts val="0"/>
-              </a:spcAft>
-              <a:buClr>
-                <a:schemeClr val="accent1"/>
-              </a:buClr>
-              <a:buSzPts val="2000"/>
-              <a:buFont typeface="Oswald"/>
-              <a:buNone/>
-              <a:defRPr sz="2000" b="1" i="0" u="none" strike="noStrike" cap="none">
-                <a:solidFill>
-                  <a:schemeClr val="accent1"/>
-                </a:solidFill>
-                <a:latin typeface="Oswald"/>
-                <a:ea typeface="Oswald"/>
-                <a:cs typeface="Oswald"/>
-                <a:sym typeface="Oswald"/>
-              </a:defRPr>
-            </a:lvl4pPr>
-            <a:lvl5pPr marR="0" lvl="4" algn="ctr" rtl="0">
-              <a:lnSpc>
-                <a:spcPct val="100000"/>
-              </a:lnSpc>
-              <a:spcBef>
-                <a:spcPts val="0"/>
-              </a:spcBef>
-              <a:spcAft>
-                <a:spcPts val="0"/>
-              </a:spcAft>
-              <a:buClr>
-                <a:schemeClr val="accent1"/>
-              </a:buClr>
-              <a:buSzPts val="2000"/>
-              <a:buFont typeface="Oswald"/>
-              <a:buNone/>
-              <a:defRPr sz="2000" b="1" i="0" u="none" strike="noStrike" cap="none">
-                <a:solidFill>
-                  <a:schemeClr val="accent1"/>
-                </a:solidFill>
-                <a:latin typeface="Oswald"/>
-                <a:ea typeface="Oswald"/>
-                <a:cs typeface="Oswald"/>
-                <a:sym typeface="Oswald"/>
-              </a:defRPr>
-            </a:lvl5pPr>
-            <a:lvl6pPr marR="0" lvl="5" algn="ctr" rtl="0">
-              <a:lnSpc>
-                <a:spcPct val="100000"/>
-              </a:lnSpc>
-              <a:spcBef>
-                <a:spcPts val="0"/>
-              </a:spcBef>
-              <a:spcAft>
-                <a:spcPts val="0"/>
-              </a:spcAft>
-              <a:buClr>
-                <a:schemeClr val="accent1"/>
-              </a:buClr>
-              <a:buSzPts val="2000"/>
-              <a:buFont typeface="Oswald"/>
-              <a:buNone/>
-              <a:defRPr sz="2000" b="1" i="0" u="none" strike="noStrike" cap="none">
-                <a:solidFill>
-                  <a:schemeClr val="accent1"/>
-                </a:solidFill>
-                <a:latin typeface="Oswald"/>
-                <a:ea typeface="Oswald"/>
-                <a:cs typeface="Oswald"/>
-                <a:sym typeface="Oswald"/>
-              </a:defRPr>
-            </a:lvl6pPr>
-            <a:lvl7pPr marR="0" lvl="6" algn="ctr" rtl="0">
-              <a:lnSpc>
-                <a:spcPct val="100000"/>
-              </a:lnSpc>
-              <a:spcBef>
-                <a:spcPts val="0"/>
-              </a:spcBef>
-              <a:spcAft>
-                <a:spcPts val="0"/>
-              </a:spcAft>
-              <a:buClr>
-                <a:schemeClr val="accent1"/>
-              </a:buClr>
-              <a:buSzPts val="2000"/>
-              <a:buFont typeface="Oswald"/>
-              <a:buNone/>
-              <a:defRPr sz="2000" b="1" i="0" u="none" strike="noStrike" cap="none">
-                <a:solidFill>
-                  <a:schemeClr val="accent1"/>
-                </a:solidFill>
-                <a:latin typeface="Oswald"/>
-                <a:ea typeface="Oswald"/>
-                <a:cs typeface="Oswald"/>
-                <a:sym typeface="Oswald"/>
-              </a:defRPr>
-            </a:lvl7pPr>
-            <a:lvl8pPr marR="0" lvl="7" algn="ctr" rtl="0">
-              <a:lnSpc>
-                <a:spcPct val="100000"/>
-              </a:lnSpc>
-              <a:spcBef>
-                <a:spcPts val="0"/>
-              </a:spcBef>
-              <a:spcAft>
-                <a:spcPts val="0"/>
-              </a:spcAft>
-              <a:buClr>
-                <a:schemeClr val="accent1"/>
-              </a:buClr>
-              <a:buSzPts val="2000"/>
-              <a:buFont typeface="Oswald"/>
-              <a:buNone/>
-              <a:defRPr sz="2000" b="1" i="0" u="none" strike="noStrike" cap="none">
-                <a:solidFill>
-                  <a:schemeClr val="accent1"/>
-                </a:solidFill>
-                <a:latin typeface="Oswald"/>
-                <a:ea typeface="Oswald"/>
-                <a:cs typeface="Oswald"/>
-                <a:sym typeface="Oswald"/>
-              </a:defRPr>
-            </a:lvl8pPr>
-            <a:lvl9pPr marR="0" lvl="8" algn="ctr" rtl="0">
-              <a:lnSpc>
-                <a:spcPct val="100000"/>
-              </a:lnSpc>
-              <a:spcBef>
-                <a:spcPts val="0"/>
-              </a:spcBef>
-              <a:spcAft>
-                <a:spcPts val="0"/>
-              </a:spcAft>
-              <a:buClr>
-                <a:schemeClr val="accent1"/>
-              </a:buClr>
-              <a:buSzPts val="2000"/>
-              <a:buFont typeface="Oswald"/>
-              <a:buNone/>
-              <a:defRPr sz="2000" b="1" i="0" u="none" strike="noStrike" cap="none">
-                <a:solidFill>
-                  <a:schemeClr val="accent1"/>
-                </a:solidFill>
-                <a:latin typeface="Oswald"/>
-                <a:ea typeface="Oswald"/>
-                <a:cs typeface="Oswald"/>
-                <a:sym typeface="Oswald"/>
-              </a:defRPr>
-            </a:lvl9pPr>
-          </a:lstStyle>
-          <a:p>
-            <a:r>
-              <a:rPr lang="ja-JP" altLang="en-US" sz="4000" b="0" dirty="0">
-                <a:latin typeface="Meiryo UI" panose="020B0604030504040204" pitchFamily="50" charset="-128"/>
-                <a:ea typeface="Meiryo UI" panose="020B0604030504040204" pitchFamily="50" charset="-128"/>
-              </a:rPr>
-              <a:t>以上</a:t>
-            </a:r>
-            <a:endParaRPr lang="en-US" sz="4000" b="0" dirty="0">
-              <a:latin typeface="Meiryo UI" panose="020B0604030504040204" pitchFamily="50" charset="-128"/>
-              <a:ea typeface="Meiryo UI" panose="020B0604030504040204" pitchFamily="50" charset="-128"/>
-            </a:endParaRPr>
-          </a:p>
-        </p:txBody>
-      </p:sp>
-    </p:spTree>
-    <p:extLst>
-      <p:ext uri="{BB962C8B-B14F-4D97-AF65-F5344CB8AC3E}">
-        <p14:creationId xmlns:p14="http://schemas.microsoft.com/office/powerpoint/2010/main" val="4018031625"/>
-      </p:ext>
-    </p:extLst>
-  </p:cSld>
-  <p:clrMapOvr>
-    <a:masterClrMapping/>
-  </p:clrMapOvr>
-</p:sld>
-</file>
-
-<file path=ppt/slides/slide6.xml><?xml version="1.0" encoding="utf-8"?>
 <p:sld xmlns:a="http://schemas.openxmlformats.org/drawingml/2006/main" xmlns:r="http://schemas.openxmlformats.org/officeDocument/2006/relationships" xmlns:p="http://schemas.openxmlformats.org/presentationml/2006/main" show="0">
   <p:cSld>
     <p:spTree>
@@ -15331,7 +14973,7 @@
             </a:pPr>
             <a:fld id="{00000000-1234-1234-1234-123412341234}" type="slidenum">
               <a:rPr lang="en"/>
-              <a:t>6</a:t>
+              <a:t>5</a:t>
             </a:fld>
             <a:endParaRPr/>
           </a:p>

--- a/presentation.pptx
+++ b/presentation.pptx
@@ -5,36 +5,37 @@
     <p:sldMasterId id="2147483659" r:id="rId1"/>
   </p:sldMasterIdLst>
   <p:notesMasterIdLst>
-    <p:notesMasterId r:id="rId7"/>
+    <p:notesMasterId r:id="rId8"/>
   </p:notesMasterIdLst>
   <p:sldIdLst>
     <p:sldId id="256" r:id="rId2"/>
     <p:sldId id="267" r:id="rId3"/>
     <p:sldId id="262" r:id="rId4"/>
     <p:sldId id="268" r:id="rId5"/>
-    <p:sldId id="257" r:id="rId6"/>
+    <p:sldId id="269" r:id="rId6"/>
+    <p:sldId id="257" r:id="rId7"/>
   </p:sldIdLst>
   <p:sldSz cx="9144000" cy="5143500" type="screen16x9"/>
   <p:notesSz cx="6858000" cy="9144000"/>
   <p:embeddedFontLst>
     <p:embeddedFont>
       <p:font typeface="Meiryo UI" panose="020B0604030504040204" pitchFamily="50" charset="-128"/>
-      <p:regular r:id="rId8"/>
-      <p:bold r:id="rId9"/>
-      <p:italic r:id="rId10"/>
-      <p:boldItalic r:id="rId11"/>
+      <p:regular r:id="rId9"/>
+      <p:bold r:id="rId10"/>
+      <p:italic r:id="rId11"/>
+      <p:boldItalic r:id="rId12"/>
     </p:embeddedFont>
     <p:embeddedFont>
-      <p:font typeface="Oswald" panose="00000500000000000000" pitchFamily="2" charset="0"/>
-      <p:regular r:id="rId12"/>
-      <p:bold r:id="rId13"/>
+      <p:font typeface="Source Sans Pro" panose="020B0600070205080204" charset="0"/>
+      <p:regular r:id="rId13"/>
+      <p:bold r:id="rId14"/>
+      <p:italic r:id="rId15"/>
+      <p:boldItalic r:id="rId16"/>
     </p:embeddedFont>
     <p:embeddedFont>
-      <p:font typeface="Source Sans Pro" panose="020B0503030403020204" pitchFamily="34" charset="0"/>
-      <p:regular r:id="rId14"/>
-      <p:bold r:id="rId15"/>
-      <p:italic r:id="rId16"/>
-      <p:boldItalic r:id="rId17"/>
+      <p:font typeface="Oswald" panose="020B0600070205080204" charset="0"/>
+      <p:regular r:id="rId17"/>
+      <p:bold r:id="rId18"/>
     </p:embeddedFont>
   </p:embeddedFontLst>
   <p:defaultTextStyle>
@@ -2632,6 +2633,115 @@
         </p:txBody>
       </p:sp>
     </p:spTree>
+    <p:extLst>
+      <p:ext uri="{BB962C8B-B14F-4D97-AF65-F5344CB8AC3E}">
+        <p14:creationId xmlns:p14="http://schemas.microsoft.com/office/powerpoint/2010/main" val="2647397684"/>
+      </p:ext>
+    </p:extLst>
+  </p:cSld>
+  <p:clrMapOvr>
+    <a:masterClrMapping/>
+  </p:clrMapOvr>
+</p:notes>
+</file>
+
+<file path=ppt/notesSlides/notesSlide6.xml><?xml version="1.0" encoding="utf-8"?>
+<p:notes xmlns:a="http://schemas.openxmlformats.org/drawingml/2006/main" xmlns:r="http://schemas.openxmlformats.org/officeDocument/2006/relationships" xmlns:p="http://schemas.openxmlformats.org/presentationml/2006/main" showMasterSp="0" showMasterPhAnim="0">
+  <p:cSld>
+    <p:spTree>
+      <p:nvGrpSpPr>
+        <p:cNvPr id="1" name="Shape 465"/>
+        <p:cNvGrpSpPr/>
+        <p:nvPr/>
+      </p:nvGrpSpPr>
+      <p:grpSpPr>
+        <a:xfrm>
+          <a:off x="0" y="0"/>
+          <a:ext cx="0" cy="0"/>
+          <a:chOff x="0" y="0"/>
+          <a:chExt cx="0" cy="0"/>
+        </a:xfrm>
+      </p:grpSpPr>
+      <p:sp>
+        <p:nvSpPr>
+          <p:cNvPr id="466" name="Google Shape;466;g3606f1c2d_30:notes"/>
+          <p:cNvSpPr>
+            <a:spLocks noGrp="1" noRot="1" noChangeAspect="1"/>
+          </p:cNvSpPr>
+          <p:nvPr>
+            <p:ph type="sldImg" idx="2"/>
+          </p:nvPr>
+        </p:nvSpPr>
+        <p:spPr>
+          <a:xfrm>
+            <a:off x="381000" y="685800"/>
+            <a:ext cx="6096000" cy="3429000"/>
+          </a:xfrm>
+          <a:custGeom>
+            <a:avLst/>
+            <a:gdLst/>
+            <a:ahLst/>
+            <a:cxnLst/>
+            <a:rect l="l" t="t" r="r" b="b"/>
+            <a:pathLst>
+              <a:path w="120000" h="120000" extrusionOk="0">
+                <a:moveTo>
+                  <a:pt x="0" y="0"/>
+                </a:moveTo>
+                <a:lnTo>
+                  <a:pt x="120000" y="0"/>
+                </a:lnTo>
+                <a:lnTo>
+                  <a:pt x="120000" y="120000"/>
+                </a:lnTo>
+                <a:lnTo>
+                  <a:pt x="0" y="120000"/>
+                </a:lnTo>
+                <a:close/>
+              </a:path>
+            </a:pathLst>
+          </a:custGeom>
+        </p:spPr>
+      </p:sp>
+      <p:sp>
+        <p:nvSpPr>
+          <p:cNvPr id="467" name="Google Shape;467;g3606f1c2d_30:notes"/>
+          <p:cNvSpPr txBox="1">
+            <a:spLocks noGrp="1"/>
+          </p:cNvSpPr>
+          <p:nvPr>
+            <p:ph type="body" idx="1"/>
+          </p:nvPr>
+        </p:nvSpPr>
+        <p:spPr>
+          <a:xfrm>
+            <a:off x="685800" y="4343400"/>
+            <a:ext cx="5486400" cy="4114800"/>
+          </a:xfrm>
+          <a:prstGeom prst="rect">
+            <a:avLst/>
+          </a:prstGeom>
+        </p:spPr>
+        <p:txBody>
+          <a:bodyPr spcFirstLastPara="1" wrap="square" lIns="91425" tIns="91425" rIns="91425" bIns="91425" anchor="t" anchorCtr="0">
+            <a:noAutofit/>
+          </a:bodyPr>
+          <a:lstStyle/>
+          <a:p>
+            <a:pPr marL="0" lvl="0" indent="0" algn="l" rtl="0">
+              <a:spcBef>
+                <a:spcPts val="0"/>
+              </a:spcBef>
+              <a:spcAft>
+                <a:spcPts val="0"/>
+              </a:spcAft>
+              <a:buNone/>
+            </a:pPr>
+            <a:endParaRPr/>
+          </a:p>
+        </p:txBody>
+      </p:sp>
+    </p:spTree>
   </p:cSld>
   <p:clrMapOvr>
     <a:masterClrMapping/>
@@ -8845,11 +8955,14 @@
             </a:pPr>
             <a:r>
               <a:rPr lang="en" dirty="0"/>
-              <a:t>HOW TO CREATE A  </a:t>
-            </a:r>
-            <a:r>
-              <a:rPr lang="en"/>
-              <a:t>CHRISMAS TREE</a:t>
+              <a:t>HOW TO CREATE A  CHRISMAS TREE</a:t>
+            </a:r>
+            <a:r>
+              <a:rPr lang="en-US" altLang="ja-JP" sz="2000" dirty="0">
+                <a:latin typeface="Meiryo UI" panose="020B0604030504040204" pitchFamily="50" charset="-128"/>
+                <a:ea typeface="Meiryo UI" panose="020B0604030504040204" pitchFamily="50" charset="-128"/>
+              </a:rPr>
+              <a:t/>
             </a:r>
             <a:br>
               <a:rPr lang="en-US" altLang="ja-JP" sz="2000" dirty="0">
@@ -8876,6 +8989,13 @@
   <p:clrMapOvr>
     <a:masterClrMapping/>
   </p:clrMapOvr>
+  <p:timing>
+    <p:tnLst>
+      <p:par>
+        <p:cTn id="1" dur="indefinite" restart="never" nodeType="tmRoot"/>
+      </p:par>
+    </p:tnLst>
+  </p:timing>
 </p:sld>
 </file>
 
@@ -9568,6 +9688,13 @@
   <p:clrMapOvr>
     <a:masterClrMapping/>
   </p:clrMapOvr>
+  <p:timing>
+    <p:tnLst>
+      <p:par>
+        <p:cTn id="1" dur="indefinite" restart="never" nodeType="tmRoot"/>
+      </p:par>
+    </p:tnLst>
+  </p:timing>
 </p:sld>
 </file>
 
@@ -9650,7 +9777,7 @@
         </p:nvSpPr>
         <p:spPr>
           <a:xfrm>
-            <a:off x="776601" y="244914"/>
+            <a:off x="534546" y="244914"/>
             <a:ext cx="7893642" cy="2249016"/>
           </a:xfrm>
           <a:prstGeom prst="rect">
@@ -9974,7 +10101,7 @@
         </p:nvCxnSpPr>
         <p:spPr>
           <a:xfrm>
-            <a:off x="2165050" y="1427478"/>
+            <a:off x="1922995" y="1427478"/>
             <a:ext cx="0" cy="499413"/>
           </a:xfrm>
           <a:prstGeom prst="line">
@@ -10018,7 +10145,7 @@
         </p:nvSpPr>
         <p:spPr>
           <a:xfrm>
-            <a:off x="1617172" y="1893207"/>
+            <a:off x="1375117" y="1893207"/>
             <a:ext cx="403008" cy="310591"/>
           </a:xfrm>
           <a:prstGeom prst="rect">
@@ -10079,7 +10206,7 @@
         </p:nvSpPr>
         <p:spPr>
           <a:xfrm>
-            <a:off x="2383301" y="1893207"/>
+            <a:off x="2141246" y="1893207"/>
             <a:ext cx="403008" cy="310591"/>
           </a:xfrm>
           <a:prstGeom prst="rect">
@@ -10140,7 +10267,7 @@
         </p:nvSpPr>
         <p:spPr>
           <a:xfrm>
-            <a:off x="3168546" y="1893207"/>
+            <a:off x="2926491" y="1893207"/>
             <a:ext cx="403008" cy="310591"/>
           </a:xfrm>
           <a:prstGeom prst="rect">
@@ -10249,7 +10376,7 @@
         </p:nvSpPr>
         <p:spPr>
           <a:xfrm>
-            <a:off x="3893395" y="1023791"/>
+            <a:off x="3651340" y="1023791"/>
             <a:ext cx="638371" cy="638628"/>
           </a:xfrm>
           <a:prstGeom prst="wedgeEllipseCallout">
@@ -10306,6 +10433,16 @@
               </a:rPr>
               <a:t>で</a:t>
             </a:r>
+            <a:r>
+              <a:rPr kumimoji="1" lang="en-US" altLang="ja-JP" dirty="0">
+                <a:solidFill>
+                  <a:schemeClr val="accent1"/>
+                </a:solidFill>
+                <a:latin typeface="Meiryo UI" panose="020B0604030504040204" pitchFamily="50" charset="-128"/>
+                <a:ea typeface="Meiryo UI" panose="020B0604030504040204" pitchFamily="50" charset="-128"/>
+              </a:rPr>
+              <a:t/>
+            </a:r>
             <a:br>
               <a:rPr kumimoji="1" lang="en-US" altLang="ja-JP" dirty="0">
                 <a:solidFill>
@@ -10342,8 +10479,8 @@
         </p:nvSpPr>
         <p:spPr>
           <a:xfrm>
-            <a:off x="5441950" y="1135428"/>
-            <a:ext cx="3375663" cy="882355"/>
+            <a:off x="5199895" y="786803"/>
+            <a:ext cx="3515649" cy="882355"/>
           </a:xfrm>
           <a:prstGeom prst="rect">
             <a:avLst/>
@@ -10387,7 +10524,7 @@
               </a:tabLst>
             </a:pPr>
             <a:r>
-              <a:rPr kumimoji="1" lang="ja-JP" altLang="en-US" sz="1600" dirty="0">
+              <a:rPr kumimoji="1" lang="ja-JP" altLang="en-US" dirty="0" smtClean="0">
                 <a:solidFill>
                   <a:schemeClr val="tx1">
                     <a:lumMod val="85000"/>
@@ -10397,10 +10534,68 @@
                 <a:latin typeface="Meiryo UI" panose="020B0604030504040204" pitchFamily="50" charset="-128"/>
                 <a:ea typeface="Meiryo UI" panose="020B0604030504040204" pitchFamily="50" charset="-128"/>
               </a:rPr>
-              <a:t>スペースの数は、</a:t>
-            </a:r>
-            <a:r>
-              <a:rPr kumimoji="1" lang="en-US" altLang="ja-JP" sz="1600" dirty="0">
+              <a:t>スペース</a:t>
+            </a:r>
+            <a:r>
+              <a:rPr kumimoji="1" lang="en-US" altLang="ja-JP" dirty="0">
+                <a:solidFill>
+                  <a:schemeClr val="tx1">
+                    <a:lumMod val="85000"/>
+                    <a:lumOff val="15000"/>
+                  </a:schemeClr>
+                </a:solidFill>
+                <a:ea typeface="Meiryo UI" panose="020B0604030504040204" pitchFamily="50" charset="-128"/>
+              </a:rPr>
+              <a:t>“</a:t>
+            </a:r>
+            <a:r>
+              <a:rPr kumimoji="1" lang="en-US" altLang="ja-JP" u="heavy" dirty="0">
+                <a:solidFill>
+                  <a:schemeClr val="tx1">
+                    <a:lumMod val="85000"/>
+                    <a:lumOff val="15000"/>
+                  </a:schemeClr>
+                </a:solidFill>
+                <a:uFill>
+                  <a:solidFill>
+                    <a:schemeClr val="accent1"/>
+                  </a:solidFill>
+                </a:uFill>
+                <a:ea typeface="Meiryo UI" panose="020B0604030504040204" pitchFamily="50" charset="-128"/>
+              </a:rPr>
+              <a:t> </a:t>
+            </a:r>
+            <a:r>
+              <a:rPr kumimoji="1" lang="en-US" altLang="ja-JP" u="heavy" dirty="0">
+                <a:solidFill>
+                  <a:schemeClr val="tx1">
+                    <a:lumMod val="85000"/>
+                    <a:lumOff val="15000"/>
+                  </a:schemeClr>
+                </a:solidFill>
+                <a:uFill>
+                  <a:solidFill>
+                    <a:schemeClr val="accent2"/>
+                  </a:solidFill>
+                </a:uFill>
+                <a:ea typeface="Meiryo UI" panose="020B0604030504040204" pitchFamily="50" charset="-128"/>
+              </a:rPr>
+              <a:t> </a:t>
+            </a:r>
+            <a:r>
+              <a:rPr kumimoji="1" lang="en-US" altLang="ja-JP" dirty="0">
+                <a:solidFill>
+                  <a:schemeClr val="tx1">
+                    <a:lumMod val="85000"/>
+                    <a:lumOff val="15000"/>
+                  </a:schemeClr>
+                </a:solidFill>
+                <a:ea typeface="Meiryo UI" panose="020B0604030504040204" pitchFamily="50" charset="-128"/>
+              </a:rPr>
+              <a:t>”</a:t>
+            </a:r>
+            <a:r>
+              <a:rPr kumimoji="1" lang="ja-JP" altLang="en-US" dirty="0" smtClean="0">
                 <a:solidFill>
                   <a:schemeClr val="tx1">
                     <a:lumMod val="85000"/>
@@ -10410,10 +10605,36 @@
                 <a:latin typeface="Meiryo UI" panose="020B0604030504040204" pitchFamily="50" charset="-128"/>
                 <a:ea typeface="Meiryo UI" panose="020B0604030504040204" pitchFamily="50" charset="-128"/>
               </a:rPr>
+              <a:t>の</a:t>
+            </a:r>
+            <a:r>
+              <a:rPr kumimoji="1" lang="ja-JP" altLang="en-US" dirty="0">
+                <a:solidFill>
+                  <a:schemeClr val="tx1">
+                    <a:lumMod val="85000"/>
+                    <a:lumOff val="15000"/>
+                  </a:schemeClr>
+                </a:solidFill>
+                <a:latin typeface="Meiryo UI" panose="020B0604030504040204" pitchFamily="50" charset="-128"/>
+                <a:ea typeface="Meiryo UI" panose="020B0604030504040204" pitchFamily="50" charset="-128"/>
+              </a:rPr>
+              <a:t>数は、</a:t>
+            </a:r>
+            <a:r>
+              <a:rPr kumimoji="1" lang="en-US" altLang="ja-JP" dirty="0">
+                <a:solidFill>
+                  <a:schemeClr val="tx1">
+                    <a:lumMod val="85000"/>
+                    <a:lumOff val="15000"/>
+                  </a:schemeClr>
+                </a:solidFill>
+                <a:latin typeface="Meiryo UI" panose="020B0604030504040204" pitchFamily="50" charset="-128"/>
+                <a:ea typeface="Meiryo UI" panose="020B0604030504040204" pitchFamily="50" charset="-128"/>
+              </a:rPr>
               <a:t>2</a:t>
             </a:r>
             <a:r>
-              <a:rPr kumimoji="1" lang="ja-JP" altLang="en-US" sz="1600" dirty="0">
+              <a:rPr kumimoji="1" lang="ja-JP" altLang="en-US" dirty="0">
                 <a:solidFill>
                   <a:schemeClr val="tx1">
                     <a:lumMod val="85000"/>
@@ -10426,7 +10647,7 @@
               <a:t>で固定（</a:t>
             </a:r>
             <a:r>
-              <a:rPr kumimoji="1" lang="en-US" altLang="ja-JP" sz="1600" dirty="0">
+              <a:rPr kumimoji="1" lang="en-US" altLang="ja-JP" dirty="0">
                 <a:solidFill>
                   <a:schemeClr val="tx1">
                     <a:lumMod val="85000"/>
@@ -10439,7 +10660,7 @@
               <a:t>=3-1</a:t>
             </a:r>
             <a:r>
-              <a:rPr kumimoji="1" lang="ja-JP" altLang="en-US" sz="1600" dirty="0">
+              <a:rPr kumimoji="1" lang="ja-JP" altLang="en-US" dirty="0">
                 <a:solidFill>
                   <a:schemeClr val="tx1">
                     <a:lumMod val="85000"/>
@@ -10451,7 +10672,7 @@
               </a:rPr>
               <a:t>）</a:t>
             </a:r>
-            <a:endParaRPr kumimoji="1" lang="en-US" altLang="ja-JP" sz="1600" dirty="0">
+            <a:endParaRPr kumimoji="1" lang="en-US" altLang="ja-JP" dirty="0">
               <a:solidFill>
                 <a:schemeClr val="tx1">
                   <a:lumMod val="85000"/>
@@ -10477,7 +10698,7 @@
               </a:tabLst>
             </a:pPr>
             <a:r>
-              <a:rPr kumimoji="1" lang="ja-JP" altLang="en-US" sz="1600" dirty="0">
+              <a:rPr kumimoji="1" lang="ja-JP" altLang="en-US" dirty="0">
                 <a:solidFill>
                   <a:schemeClr val="tx1">
                     <a:lumMod val="85000"/>
@@ -10489,8 +10710,21 @@
               </a:rPr>
               <a:t>番号が増えるにつれて、</a:t>
             </a:r>
+            <a:r>
+              <a:rPr kumimoji="1" lang="en-US" altLang="ja-JP" dirty="0">
+                <a:solidFill>
+                  <a:schemeClr val="tx1">
+                    <a:lumMod val="85000"/>
+                    <a:lumOff val="15000"/>
+                  </a:schemeClr>
+                </a:solidFill>
+                <a:latin typeface="Meiryo UI" panose="020B0604030504040204" pitchFamily="50" charset="-128"/>
+                <a:ea typeface="Meiryo UI" panose="020B0604030504040204" pitchFamily="50" charset="-128"/>
+              </a:rPr>
+              <a:t/>
+            </a:r>
             <a:br>
-              <a:rPr kumimoji="1" lang="en-US" altLang="ja-JP" sz="1600" dirty="0">
+              <a:rPr kumimoji="1" lang="en-US" altLang="ja-JP" dirty="0">
                 <a:solidFill>
                   <a:schemeClr val="tx1">
                     <a:lumMod val="85000"/>
@@ -10502,7 +10736,7 @@
               </a:rPr>
             </a:br>
             <a:r>
-              <a:rPr kumimoji="1" lang="en-US" altLang="ja-JP" sz="1600" dirty="0">
+              <a:rPr kumimoji="1" lang="en-US" altLang="ja-JP" dirty="0">
                 <a:solidFill>
                   <a:schemeClr val="tx1">
                     <a:lumMod val="85000"/>
@@ -10515,7 +10749,7 @@
               <a:t>”#”</a:t>
             </a:r>
             <a:r>
-              <a:rPr kumimoji="1" lang="ja-JP" altLang="en-US" sz="1600" dirty="0">
+              <a:rPr kumimoji="1" lang="ja-JP" altLang="en-US" dirty="0">
                 <a:solidFill>
                   <a:schemeClr val="tx1">
                     <a:lumMod val="85000"/>
@@ -10525,9 +10759,22 @@
                 <a:latin typeface="Meiryo UI" panose="020B0604030504040204" pitchFamily="50" charset="-128"/>
                 <a:ea typeface="Meiryo UI" panose="020B0604030504040204" pitchFamily="50" charset="-128"/>
               </a:rPr>
-              <a:t>がスペースの間に差し込まれていく</a:t>
-            </a:r>
-            <a:endParaRPr kumimoji="1" lang="en-US" altLang="ja-JP" sz="1600" dirty="0">
+              <a:t>がスペースの間に</a:t>
+            </a:r>
+            <a:r>
+              <a:rPr kumimoji="1" lang="ja-JP" altLang="en-US" dirty="0" smtClean="0">
+                <a:solidFill>
+                  <a:schemeClr val="tx1">
+                    <a:lumMod val="85000"/>
+                    <a:lumOff val="15000"/>
+                  </a:schemeClr>
+                </a:solidFill>
+                <a:latin typeface="Meiryo UI" panose="020B0604030504040204" pitchFamily="50" charset="-128"/>
+                <a:ea typeface="Meiryo UI" panose="020B0604030504040204" pitchFamily="50" charset="-128"/>
+              </a:rPr>
+              <a:t>差し込まれて増えていく</a:t>
+            </a:r>
+            <a:endParaRPr kumimoji="1" lang="en-US" altLang="ja-JP" dirty="0">
               <a:solidFill>
                 <a:schemeClr val="tx1">
                   <a:lumMod val="85000"/>
@@ -10554,7 +10801,7 @@
         </p:nvSpPr>
         <p:spPr>
           <a:xfrm>
-            <a:off x="4819122" y="1272270"/>
+            <a:off x="4577067" y="1272270"/>
             <a:ext cx="418577" cy="391291"/>
           </a:xfrm>
           <a:prstGeom prst="rightArrow">
@@ -10605,7 +10852,7 @@
         </p:nvCxnSpPr>
         <p:spPr>
           <a:xfrm>
-            <a:off x="3014766" y="1427478"/>
+            <a:off x="2772711" y="1427478"/>
             <a:ext cx="0" cy="499413"/>
           </a:xfrm>
           <a:prstGeom prst="line">
@@ -10635,3102 +10882,12 @@
           </a:fontRef>
         </p:style>
       </p:cxnSp>
-      <p:grpSp>
-        <p:nvGrpSpPr>
-          <p:cNvPr id="11" name="グループ化 10">
+      <p:sp>
+        <p:nvSpPr>
+          <p:cNvPr id="47" name="正方形/長方形 46">
             <a:extLst>
               <a:ext uri="{FF2B5EF4-FFF2-40B4-BE49-F238E27FC236}">
-                <a16:creationId xmlns:a16="http://schemas.microsoft.com/office/drawing/2014/main" id="{60826B69-1A7D-46BF-A056-683484A50F21}"/>
-              </a:ext>
-            </a:extLst>
-          </p:cNvPr>
-          <p:cNvGrpSpPr/>
-          <p:nvPr/>
-        </p:nvGrpSpPr>
-        <p:grpSpPr>
-          <a:xfrm>
-            <a:off x="197889" y="2285728"/>
-            <a:ext cx="8928786" cy="2301251"/>
-            <a:chOff x="197889" y="2285728"/>
-            <a:chExt cx="8928786" cy="2301251"/>
-          </a:xfrm>
-        </p:grpSpPr>
-        <p:sp>
-          <p:nvSpPr>
-            <p:cNvPr id="47" name="正方形/長方形 46">
-              <a:extLst>
-                <a:ext uri="{FF2B5EF4-FFF2-40B4-BE49-F238E27FC236}">
-                  <a16:creationId xmlns:a16="http://schemas.microsoft.com/office/drawing/2014/main" id="{7E4F8DE7-7A00-4C21-838A-6474D463DC9E}"/>
-                </a:ext>
-              </a:extLst>
-            </p:cNvPr>
-            <p:cNvSpPr/>
-            <p:nvPr/>
-          </p:nvSpPr>
-          <p:spPr>
-            <a:xfrm>
-              <a:off x="7952030" y="4003699"/>
-              <a:ext cx="453277" cy="247965"/>
-            </a:xfrm>
-            <a:prstGeom prst="rect">
-              <a:avLst/>
-            </a:prstGeom>
-            <a:solidFill>
-              <a:srgbClr val="FFFFCC"/>
-            </a:solidFill>
-            <a:ln>
-              <a:noFill/>
-            </a:ln>
-          </p:spPr>
-          <p:style>
-            <a:lnRef idx="2">
-              <a:schemeClr val="accent1">
-                <a:shade val="50000"/>
-              </a:schemeClr>
-            </a:lnRef>
-            <a:fillRef idx="1">
-              <a:schemeClr val="accent1"/>
-            </a:fillRef>
-            <a:effectRef idx="0">
-              <a:schemeClr val="accent1"/>
-            </a:effectRef>
-            <a:fontRef idx="minor">
-              <a:schemeClr val="lt1"/>
-            </a:fontRef>
-          </p:style>
-          <p:txBody>
-            <a:bodyPr rtlCol="0" anchor="ctr"/>
-            <a:lstStyle/>
-            <a:p>
-              <a:pPr algn="ctr"/>
-              <a:endParaRPr kumimoji="1" lang="ja-JP" altLang="en-US" dirty="0">
-                <a:solidFill>
-                  <a:schemeClr val="tx1">
-                    <a:lumMod val="85000"/>
-                    <a:lumOff val="15000"/>
-                  </a:schemeClr>
-                </a:solidFill>
-                <a:latin typeface="Meiryo UI" panose="020B0604030504040204" pitchFamily="50" charset="-128"/>
-                <a:ea typeface="Meiryo UI" panose="020B0604030504040204" pitchFamily="50" charset="-128"/>
-              </a:endParaRPr>
-            </a:p>
-          </p:txBody>
-        </p:sp>
-        <p:sp>
-          <p:nvSpPr>
-            <p:cNvPr id="49" name="正方形/長方形 48">
-              <a:extLst>
-                <a:ext uri="{FF2B5EF4-FFF2-40B4-BE49-F238E27FC236}">
-                  <a16:creationId xmlns:a16="http://schemas.microsoft.com/office/drawing/2014/main" id="{822CF126-F655-4761-8F3D-E3135675E97D}"/>
-                </a:ext>
-              </a:extLst>
-            </p:cNvPr>
-            <p:cNvSpPr/>
-            <p:nvPr/>
-          </p:nvSpPr>
-          <p:spPr>
-            <a:xfrm>
-              <a:off x="7358359" y="4003699"/>
-              <a:ext cx="593671" cy="247965"/>
-            </a:xfrm>
-            <a:prstGeom prst="rect">
-              <a:avLst/>
-            </a:prstGeom>
-            <a:solidFill>
-              <a:srgbClr val="CCFFFF"/>
-            </a:solidFill>
-            <a:ln>
-              <a:noFill/>
-            </a:ln>
-          </p:spPr>
-          <p:style>
-            <a:lnRef idx="2">
-              <a:schemeClr val="accent1">
-                <a:shade val="50000"/>
-              </a:schemeClr>
-            </a:lnRef>
-            <a:fillRef idx="1">
-              <a:schemeClr val="accent1"/>
-            </a:fillRef>
-            <a:effectRef idx="0">
-              <a:schemeClr val="accent1"/>
-            </a:effectRef>
-            <a:fontRef idx="minor">
-              <a:schemeClr val="lt1"/>
-            </a:fontRef>
-          </p:style>
-          <p:txBody>
-            <a:bodyPr rtlCol="0" anchor="ctr"/>
-            <a:lstStyle/>
-            <a:p>
-              <a:pPr algn="ctr"/>
-              <a:endParaRPr kumimoji="1" lang="ja-JP" altLang="en-US" dirty="0">
-                <a:solidFill>
-                  <a:schemeClr val="tx1">
-                    <a:lumMod val="85000"/>
-                    <a:lumOff val="15000"/>
-                  </a:schemeClr>
-                </a:solidFill>
-                <a:latin typeface="Meiryo UI" panose="020B0604030504040204" pitchFamily="50" charset="-128"/>
-                <a:ea typeface="Meiryo UI" panose="020B0604030504040204" pitchFamily="50" charset="-128"/>
-              </a:endParaRPr>
-            </a:p>
-          </p:txBody>
-        </p:sp>
-        <p:sp>
-          <p:nvSpPr>
-            <p:cNvPr id="50" name="正方形/長方形 49">
-              <a:extLst>
-                <a:ext uri="{FF2B5EF4-FFF2-40B4-BE49-F238E27FC236}">
-                  <a16:creationId xmlns:a16="http://schemas.microsoft.com/office/drawing/2014/main" id="{5941D1EF-889F-4ABD-AD76-F0F9A281B208}"/>
-                </a:ext>
-              </a:extLst>
-            </p:cNvPr>
-            <p:cNvSpPr/>
-            <p:nvPr/>
-          </p:nvSpPr>
-          <p:spPr>
-            <a:xfrm>
-              <a:off x="6905082" y="4003699"/>
-              <a:ext cx="459407" cy="247965"/>
-            </a:xfrm>
-            <a:prstGeom prst="rect">
-              <a:avLst/>
-            </a:prstGeom>
-            <a:solidFill>
-              <a:srgbClr val="FFCCFF"/>
-            </a:solidFill>
-            <a:ln>
-              <a:noFill/>
-            </a:ln>
-          </p:spPr>
-          <p:style>
-            <a:lnRef idx="2">
-              <a:schemeClr val="accent1">
-                <a:shade val="50000"/>
-              </a:schemeClr>
-            </a:lnRef>
-            <a:fillRef idx="1">
-              <a:schemeClr val="accent1"/>
-            </a:fillRef>
-            <a:effectRef idx="0">
-              <a:schemeClr val="accent1"/>
-            </a:effectRef>
-            <a:fontRef idx="minor">
-              <a:schemeClr val="lt1"/>
-            </a:fontRef>
-          </p:style>
-          <p:txBody>
-            <a:bodyPr rtlCol="0" anchor="ctr"/>
-            <a:lstStyle/>
-            <a:p>
-              <a:pPr algn="ctr"/>
-              <a:endParaRPr kumimoji="1" lang="ja-JP" altLang="en-US" dirty="0">
-                <a:solidFill>
-                  <a:schemeClr val="tx1">
-                    <a:lumMod val="85000"/>
-                    <a:lumOff val="15000"/>
-                  </a:schemeClr>
-                </a:solidFill>
-                <a:latin typeface="Meiryo UI" panose="020B0604030504040204" pitchFamily="50" charset="-128"/>
-                <a:ea typeface="Meiryo UI" panose="020B0604030504040204" pitchFamily="50" charset="-128"/>
-              </a:endParaRPr>
-            </a:p>
-          </p:txBody>
-        </p:sp>
-        <p:sp>
-          <p:nvSpPr>
-            <p:cNvPr id="39" name="正方形/長方形 38">
-              <a:extLst>
-                <a:ext uri="{FF2B5EF4-FFF2-40B4-BE49-F238E27FC236}">
-                  <a16:creationId xmlns:a16="http://schemas.microsoft.com/office/drawing/2014/main" id="{D57DDB7D-102B-4709-B92F-255347514501}"/>
-                </a:ext>
-              </a:extLst>
-            </p:cNvPr>
-            <p:cNvSpPr/>
-            <p:nvPr/>
-          </p:nvSpPr>
-          <p:spPr>
-            <a:xfrm>
-              <a:off x="5501178" y="4003699"/>
-              <a:ext cx="678288" cy="247965"/>
-            </a:xfrm>
-            <a:prstGeom prst="rect">
-              <a:avLst/>
-            </a:prstGeom>
-            <a:solidFill>
-              <a:srgbClr val="FFFFCC"/>
-            </a:solidFill>
-            <a:ln>
-              <a:noFill/>
-            </a:ln>
-          </p:spPr>
-          <p:style>
-            <a:lnRef idx="2">
-              <a:schemeClr val="accent1">
-                <a:shade val="50000"/>
-              </a:schemeClr>
-            </a:lnRef>
-            <a:fillRef idx="1">
-              <a:schemeClr val="accent1"/>
-            </a:fillRef>
-            <a:effectRef idx="0">
-              <a:schemeClr val="accent1"/>
-            </a:effectRef>
-            <a:fontRef idx="minor">
-              <a:schemeClr val="lt1"/>
-            </a:fontRef>
-          </p:style>
-          <p:txBody>
-            <a:bodyPr rtlCol="0" anchor="ctr"/>
-            <a:lstStyle/>
-            <a:p>
-              <a:pPr algn="ctr"/>
-              <a:endParaRPr kumimoji="1" lang="ja-JP" altLang="en-US" dirty="0">
-                <a:solidFill>
-                  <a:schemeClr val="tx1">
-                    <a:lumMod val="85000"/>
-                    <a:lumOff val="15000"/>
-                  </a:schemeClr>
-                </a:solidFill>
-                <a:latin typeface="Meiryo UI" panose="020B0604030504040204" pitchFamily="50" charset="-128"/>
-                <a:ea typeface="Meiryo UI" panose="020B0604030504040204" pitchFamily="50" charset="-128"/>
-              </a:endParaRPr>
-            </a:p>
-          </p:txBody>
-        </p:sp>
-        <p:sp>
-          <p:nvSpPr>
-            <p:cNvPr id="33" name="正方形/長方形 32">
-              <a:extLst>
-                <a:ext uri="{FF2B5EF4-FFF2-40B4-BE49-F238E27FC236}">
-                  <a16:creationId xmlns:a16="http://schemas.microsoft.com/office/drawing/2014/main" id="{20A759E8-5629-4172-9A9A-8BC06772D26E}"/>
-                </a:ext>
-              </a:extLst>
-            </p:cNvPr>
-            <p:cNvSpPr/>
-            <p:nvPr/>
-          </p:nvSpPr>
-          <p:spPr>
-            <a:xfrm>
-              <a:off x="4907507" y="4003699"/>
-              <a:ext cx="593671" cy="247965"/>
-            </a:xfrm>
-            <a:prstGeom prst="rect">
-              <a:avLst/>
-            </a:prstGeom>
-            <a:solidFill>
-              <a:srgbClr val="CCFFFF"/>
-            </a:solidFill>
-            <a:ln>
-              <a:noFill/>
-            </a:ln>
-          </p:spPr>
-          <p:style>
-            <a:lnRef idx="2">
-              <a:schemeClr val="accent1">
-                <a:shade val="50000"/>
-              </a:schemeClr>
-            </a:lnRef>
-            <a:fillRef idx="1">
-              <a:schemeClr val="accent1"/>
-            </a:fillRef>
-            <a:effectRef idx="0">
-              <a:schemeClr val="accent1"/>
-            </a:effectRef>
-            <a:fontRef idx="minor">
-              <a:schemeClr val="lt1"/>
-            </a:fontRef>
-          </p:style>
-          <p:txBody>
-            <a:bodyPr rtlCol="0" anchor="ctr"/>
-            <a:lstStyle/>
-            <a:p>
-              <a:pPr algn="ctr"/>
-              <a:endParaRPr kumimoji="1" lang="ja-JP" altLang="en-US" dirty="0">
-                <a:solidFill>
-                  <a:schemeClr val="tx1">
-                    <a:lumMod val="85000"/>
-                    <a:lumOff val="15000"/>
-                  </a:schemeClr>
-                </a:solidFill>
-                <a:latin typeface="Meiryo UI" panose="020B0604030504040204" pitchFamily="50" charset="-128"/>
-                <a:ea typeface="Meiryo UI" panose="020B0604030504040204" pitchFamily="50" charset="-128"/>
-              </a:endParaRPr>
-            </a:p>
-          </p:txBody>
-        </p:sp>
-        <p:sp>
-          <p:nvSpPr>
-            <p:cNvPr id="32" name="正方形/長方形 31">
-              <a:extLst>
-                <a:ext uri="{FF2B5EF4-FFF2-40B4-BE49-F238E27FC236}">
-                  <a16:creationId xmlns:a16="http://schemas.microsoft.com/office/drawing/2014/main" id="{C80BF633-C0D9-4593-B66F-3B4CC9E9B1E2}"/>
-                </a:ext>
-              </a:extLst>
-            </p:cNvPr>
-            <p:cNvSpPr/>
-            <p:nvPr/>
-          </p:nvSpPr>
-          <p:spPr>
-            <a:xfrm>
-              <a:off x="4454230" y="4003699"/>
-              <a:ext cx="459407" cy="247965"/>
-            </a:xfrm>
-            <a:prstGeom prst="rect">
-              <a:avLst/>
-            </a:prstGeom>
-            <a:solidFill>
-              <a:srgbClr val="FFCCFF"/>
-            </a:solidFill>
-            <a:ln>
-              <a:noFill/>
-            </a:ln>
-          </p:spPr>
-          <p:style>
-            <a:lnRef idx="2">
-              <a:schemeClr val="accent1">
-                <a:shade val="50000"/>
-              </a:schemeClr>
-            </a:lnRef>
-            <a:fillRef idx="1">
-              <a:schemeClr val="accent1"/>
-            </a:fillRef>
-            <a:effectRef idx="0">
-              <a:schemeClr val="accent1"/>
-            </a:effectRef>
-            <a:fontRef idx="minor">
-              <a:schemeClr val="lt1"/>
-            </a:fontRef>
-          </p:style>
-          <p:txBody>
-            <a:bodyPr rtlCol="0" anchor="ctr"/>
-            <a:lstStyle/>
-            <a:p>
-              <a:pPr algn="ctr"/>
-              <a:endParaRPr kumimoji="1" lang="ja-JP" altLang="en-US" dirty="0">
-                <a:solidFill>
-                  <a:schemeClr val="tx1">
-                    <a:lumMod val="85000"/>
-                    <a:lumOff val="15000"/>
-                  </a:schemeClr>
-                </a:solidFill>
-                <a:latin typeface="Meiryo UI" panose="020B0604030504040204" pitchFamily="50" charset="-128"/>
-                <a:ea typeface="Meiryo UI" panose="020B0604030504040204" pitchFamily="50" charset="-128"/>
-              </a:endParaRPr>
-            </a:p>
-          </p:txBody>
-        </p:sp>
-        <p:sp>
-          <p:nvSpPr>
-            <p:cNvPr id="31" name="正方形/長方形 30">
-              <a:extLst>
-                <a:ext uri="{FF2B5EF4-FFF2-40B4-BE49-F238E27FC236}">
-                  <a16:creationId xmlns:a16="http://schemas.microsoft.com/office/drawing/2014/main" id="{85D69C3C-F70A-4335-9517-A53991B4A2CB}"/>
-                </a:ext>
-              </a:extLst>
-            </p:cNvPr>
-            <p:cNvSpPr/>
-            <p:nvPr/>
-          </p:nvSpPr>
-          <p:spPr>
-            <a:xfrm>
-              <a:off x="4907507" y="3636230"/>
-              <a:ext cx="593671" cy="247965"/>
-            </a:xfrm>
-            <a:prstGeom prst="rect">
-              <a:avLst/>
-            </a:prstGeom>
-            <a:solidFill>
-              <a:srgbClr val="CCFFFF"/>
-            </a:solidFill>
-            <a:ln>
-              <a:noFill/>
-            </a:ln>
-          </p:spPr>
-          <p:style>
-            <a:lnRef idx="2">
-              <a:schemeClr val="accent1">
-                <a:shade val="50000"/>
-              </a:schemeClr>
-            </a:lnRef>
-            <a:fillRef idx="1">
-              <a:schemeClr val="accent1"/>
-            </a:fillRef>
-            <a:effectRef idx="0">
-              <a:schemeClr val="accent1"/>
-            </a:effectRef>
-            <a:fontRef idx="minor">
-              <a:schemeClr val="lt1"/>
-            </a:fontRef>
-          </p:style>
-          <p:txBody>
-            <a:bodyPr rtlCol="0" anchor="ctr"/>
-            <a:lstStyle/>
-            <a:p>
-              <a:pPr algn="ctr"/>
-              <a:endParaRPr kumimoji="1" lang="ja-JP" altLang="en-US" dirty="0">
-                <a:solidFill>
-                  <a:schemeClr val="tx1">
-                    <a:lumMod val="85000"/>
-                    <a:lumOff val="15000"/>
-                  </a:schemeClr>
-                </a:solidFill>
-                <a:latin typeface="Meiryo UI" panose="020B0604030504040204" pitchFamily="50" charset="-128"/>
-                <a:ea typeface="Meiryo UI" panose="020B0604030504040204" pitchFamily="50" charset="-128"/>
-              </a:endParaRPr>
-            </a:p>
-          </p:txBody>
-        </p:sp>
-        <p:sp>
-          <p:nvSpPr>
-            <p:cNvPr id="30" name="正方形/長方形 29">
-              <a:extLst>
-                <a:ext uri="{FF2B5EF4-FFF2-40B4-BE49-F238E27FC236}">
-                  <a16:creationId xmlns:a16="http://schemas.microsoft.com/office/drawing/2014/main" id="{9570902A-A37F-4B87-8526-2B927A6CF2DD}"/>
-                </a:ext>
-              </a:extLst>
-            </p:cNvPr>
-            <p:cNvSpPr/>
-            <p:nvPr/>
-          </p:nvSpPr>
-          <p:spPr>
-            <a:xfrm>
-              <a:off x="4454230" y="3636230"/>
-              <a:ext cx="459407" cy="247965"/>
-            </a:xfrm>
-            <a:prstGeom prst="rect">
-              <a:avLst/>
-            </a:prstGeom>
-            <a:solidFill>
-              <a:srgbClr val="FFCCFF"/>
-            </a:solidFill>
-            <a:ln>
-              <a:noFill/>
-            </a:ln>
-          </p:spPr>
-          <p:style>
-            <a:lnRef idx="2">
-              <a:schemeClr val="accent1">
-                <a:shade val="50000"/>
-              </a:schemeClr>
-            </a:lnRef>
-            <a:fillRef idx="1">
-              <a:schemeClr val="accent1"/>
-            </a:fillRef>
-            <a:effectRef idx="0">
-              <a:schemeClr val="accent1"/>
-            </a:effectRef>
-            <a:fontRef idx="minor">
-              <a:schemeClr val="lt1"/>
-            </a:fontRef>
-          </p:style>
-          <p:txBody>
-            <a:bodyPr rtlCol="0" anchor="ctr"/>
-            <a:lstStyle/>
-            <a:p>
-              <a:pPr algn="ctr"/>
-              <a:endParaRPr kumimoji="1" lang="ja-JP" altLang="en-US" dirty="0">
-                <a:solidFill>
-                  <a:schemeClr val="tx1">
-                    <a:lumMod val="85000"/>
-                    <a:lumOff val="15000"/>
-                  </a:schemeClr>
-                </a:solidFill>
-                <a:latin typeface="Meiryo UI" panose="020B0604030504040204" pitchFamily="50" charset="-128"/>
-                <a:ea typeface="Meiryo UI" panose="020B0604030504040204" pitchFamily="50" charset="-128"/>
-              </a:endParaRPr>
-            </a:p>
-          </p:txBody>
-        </p:sp>
-        <p:sp>
-          <p:nvSpPr>
-            <p:cNvPr id="28" name="正方形/長方形 27">
-              <a:extLst>
-                <a:ext uri="{FF2B5EF4-FFF2-40B4-BE49-F238E27FC236}">
-                  <a16:creationId xmlns:a16="http://schemas.microsoft.com/office/drawing/2014/main" id="{3705C55F-3C52-4330-9398-57F62FC7EA6F}"/>
-                </a:ext>
-              </a:extLst>
-            </p:cNvPr>
-            <p:cNvSpPr/>
-            <p:nvPr/>
-          </p:nvSpPr>
-          <p:spPr>
-            <a:xfrm>
-              <a:off x="4454230" y="3276258"/>
-              <a:ext cx="459407" cy="247965"/>
-            </a:xfrm>
-            <a:prstGeom prst="rect">
-              <a:avLst/>
-            </a:prstGeom>
-            <a:solidFill>
-              <a:srgbClr val="FFCCFF"/>
-            </a:solidFill>
-            <a:ln>
-              <a:noFill/>
-            </a:ln>
-          </p:spPr>
-          <p:style>
-            <a:lnRef idx="2">
-              <a:schemeClr val="accent1">
-                <a:shade val="50000"/>
-              </a:schemeClr>
-            </a:lnRef>
-            <a:fillRef idx="1">
-              <a:schemeClr val="accent1"/>
-            </a:fillRef>
-            <a:effectRef idx="0">
-              <a:schemeClr val="accent1"/>
-            </a:effectRef>
-            <a:fontRef idx="minor">
-              <a:schemeClr val="lt1"/>
-            </a:fontRef>
-          </p:style>
-          <p:txBody>
-            <a:bodyPr rtlCol="0" anchor="ctr"/>
-            <a:lstStyle/>
-            <a:p>
-              <a:pPr algn="ctr"/>
-              <a:endParaRPr kumimoji="1" lang="ja-JP" altLang="en-US" dirty="0">
-                <a:solidFill>
-                  <a:schemeClr val="tx1">
-                    <a:lumMod val="85000"/>
-                    <a:lumOff val="15000"/>
-                  </a:schemeClr>
-                </a:solidFill>
-                <a:latin typeface="Meiryo UI" panose="020B0604030504040204" pitchFamily="50" charset="-128"/>
-                <a:ea typeface="Meiryo UI" panose="020B0604030504040204" pitchFamily="50" charset="-128"/>
-              </a:endParaRPr>
-            </a:p>
-          </p:txBody>
-        </p:sp>
-        <p:sp>
-          <p:nvSpPr>
-            <p:cNvPr id="29" name="正方形/長方形 28">
-              <a:extLst>
-                <a:ext uri="{FF2B5EF4-FFF2-40B4-BE49-F238E27FC236}">
-                  <a16:creationId xmlns:a16="http://schemas.microsoft.com/office/drawing/2014/main" id="{9A29573D-ED39-4BE7-92FD-576A11A4CD24}"/>
-                </a:ext>
-              </a:extLst>
-            </p:cNvPr>
-            <p:cNvSpPr/>
-            <p:nvPr/>
-          </p:nvSpPr>
-          <p:spPr>
-            <a:xfrm>
-              <a:off x="502022" y="2337963"/>
-              <a:ext cx="8624653" cy="2249016"/>
-            </a:xfrm>
-            <a:prstGeom prst="rect">
-              <a:avLst/>
-            </a:prstGeom>
-            <a:noFill/>
-            <a:ln>
-              <a:noFill/>
-            </a:ln>
-          </p:spPr>
-          <p:style>
-            <a:lnRef idx="2">
-              <a:schemeClr val="accent1">
-                <a:shade val="50000"/>
-              </a:schemeClr>
-            </a:lnRef>
-            <a:fillRef idx="1">
-              <a:schemeClr val="accent1"/>
-            </a:fillRef>
-            <a:effectRef idx="0">
-              <a:schemeClr val="accent1"/>
-            </a:effectRef>
-            <a:fontRef idx="minor">
-              <a:schemeClr val="lt1"/>
-            </a:fontRef>
-          </p:style>
-          <p:txBody>
-            <a:bodyPr rtlCol="0" anchor="t"/>
-            <a:lstStyle/>
-            <a:p>
-              <a:pPr>
-                <a:lnSpc>
-                  <a:spcPct val="150000"/>
-                </a:lnSpc>
-              </a:pPr>
-              <a:r>
-                <a:rPr kumimoji="1" lang="ja-JP" altLang="en-US" dirty="0">
-                  <a:solidFill>
-                    <a:schemeClr val="tx1">
-                      <a:lumMod val="85000"/>
-                      <a:lumOff val="15000"/>
-                    </a:schemeClr>
-                  </a:solidFill>
-                  <a:ea typeface="Meiryo UI" panose="020B0604030504040204" pitchFamily="50" charset="-128"/>
-                </a:rPr>
-                <a:t>まずは、スペース</a:t>
-              </a:r>
-              <a:r>
-                <a:rPr kumimoji="1" lang="en-US" altLang="ja-JP" dirty="0">
-                  <a:solidFill>
-                    <a:schemeClr val="tx1">
-                      <a:lumMod val="85000"/>
-                      <a:lumOff val="15000"/>
-                    </a:schemeClr>
-                  </a:solidFill>
-                  <a:ea typeface="Meiryo UI" panose="020B0604030504040204" pitchFamily="50" charset="-128"/>
-                </a:rPr>
-                <a:t>“</a:t>
-              </a:r>
-              <a:r>
-                <a:rPr kumimoji="1" lang="en-US" altLang="ja-JP" u="heavy" dirty="0">
-                  <a:solidFill>
-                    <a:schemeClr val="tx1">
-                      <a:lumMod val="85000"/>
-                      <a:lumOff val="15000"/>
-                    </a:schemeClr>
-                  </a:solidFill>
-                  <a:uFill>
-                    <a:solidFill>
-                      <a:schemeClr val="accent1"/>
-                    </a:solidFill>
-                  </a:uFill>
-                  <a:ea typeface="Meiryo UI" panose="020B0604030504040204" pitchFamily="50" charset="-128"/>
-                </a:rPr>
-                <a:t> </a:t>
-              </a:r>
-              <a:r>
-                <a:rPr kumimoji="1" lang="en-US" altLang="ja-JP" u="heavy" dirty="0">
-                  <a:solidFill>
-                    <a:schemeClr val="tx1">
-                      <a:lumMod val="85000"/>
-                      <a:lumOff val="15000"/>
-                    </a:schemeClr>
-                  </a:solidFill>
-                  <a:uFill>
-                    <a:solidFill>
-                      <a:schemeClr val="accent2"/>
-                    </a:solidFill>
-                  </a:uFill>
-                  <a:ea typeface="Meiryo UI" panose="020B0604030504040204" pitchFamily="50" charset="-128"/>
-                </a:rPr>
-                <a:t> </a:t>
-              </a:r>
-              <a:r>
-                <a:rPr kumimoji="1" lang="en-US" altLang="ja-JP" dirty="0">
-                  <a:solidFill>
-                    <a:schemeClr val="tx1">
-                      <a:lumMod val="85000"/>
-                      <a:lumOff val="15000"/>
-                    </a:schemeClr>
-                  </a:solidFill>
-                  <a:ea typeface="Meiryo UI" panose="020B0604030504040204" pitchFamily="50" charset="-128"/>
-                </a:rPr>
-                <a:t>”</a:t>
-              </a:r>
-              <a:r>
-                <a:rPr kumimoji="1" lang="ja-JP" altLang="en-US" dirty="0">
-                  <a:solidFill>
-                    <a:schemeClr val="tx1">
-                      <a:lumMod val="85000"/>
-                      <a:lumOff val="15000"/>
-                    </a:schemeClr>
-                  </a:solidFill>
-                  <a:ea typeface="Meiryo UI" panose="020B0604030504040204" pitchFamily="50" charset="-128"/>
-                </a:rPr>
-                <a:t>を用意</a:t>
-              </a:r>
-              <a:endParaRPr kumimoji="1" lang="en-US" altLang="ja-JP" dirty="0">
-                <a:solidFill>
-                  <a:schemeClr val="tx1">
-                    <a:lumMod val="85000"/>
-                    <a:lumOff val="15000"/>
-                  </a:schemeClr>
-                </a:solidFill>
-                <a:ea typeface="Meiryo UI" panose="020B0604030504040204" pitchFamily="50" charset="-128"/>
-              </a:endParaRPr>
-            </a:p>
-            <a:p>
-              <a:pPr>
-                <a:lnSpc>
-                  <a:spcPct val="150000"/>
-                </a:lnSpc>
-              </a:pPr>
-              <a:endParaRPr kumimoji="1" lang="en-US" altLang="ja-JP" sz="1100" b="1" dirty="0">
-                <a:solidFill>
-                  <a:schemeClr val="tx1">
-                    <a:lumMod val="85000"/>
-                    <a:lumOff val="15000"/>
-                  </a:schemeClr>
-                </a:solidFill>
-                <a:ea typeface="Meiryo UI" panose="020B0604030504040204" pitchFamily="50" charset="-128"/>
-              </a:endParaRPr>
-            </a:p>
-            <a:p>
-              <a:pPr>
-                <a:lnSpc>
-                  <a:spcPct val="150000"/>
-                </a:lnSpc>
-              </a:pPr>
-              <a:endParaRPr kumimoji="1" lang="en-US" altLang="ja-JP" sz="1100" b="1" dirty="0">
-                <a:solidFill>
-                  <a:schemeClr val="tx1">
-                    <a:lumMod val="85000"/>
-                    <a:lumOff val="15000"/>
-                  </a:schemeClr>
-                </a:solidFill>
-                <a:ea typeface="Meiryo UI" panose="020B0604030504040204" pitchFamily="50" charset="-128"/>
-              </a:endParaRPr>
-            </a:p>
-            <a:p>
-              <a:pPr lvl="1">
-                <a:lnSpc>
-                  <a:spcPct val="150000"/>
-                </a:lnSpc>
-                <a:buClr>
-                  <a:schemeClr val="tx1"/>
-                </a:buClr>
-              </a:pPr>
-              <a:r>
-                <a:rPr kumimoji="1" lang="en-US" altLang="ja-JP" sz="1600" b="1" dirty="0">
-                  <a:solidFill>
-                    <a:schemeClr val="tx1">
-                      <a:lumMod val="85000"/>
-                      <a:lumOff val="15000"/>
-                    </a:schemeClr>
-                  </a:solidFill>
-                  <a:ea typeface="Meiryo UI" panose="020B0604030504040204" pitchFamily="50" charset="-128"/>
-                </a:rPr>
-                <a:t>1</a:t>
-              </a:r>
-              <a:r>
-                <a:rPr kumimoji="1" lang="ja-JP" altLang="en-US" sz="1200" b="1" dirty="0">
-                  <a:solidFill>
-                    <a:schemeClr val="tx1">
-                      <a:lumMod val="85000"/>
-                      <a:lumOff val="15000"/>
-                    </a:schemeClr>
-                  </a:solidFill>
-                  <a:ea typeface="Meiryo UI" panose="020B0604030504040204" pitchFamily="50" charset="-128"/>
-                </a:rPr>
-                <a:t>回目</a:t>
-              </a:r>
-              <a:r>
-                <a:rPr kumimoji="1" lang="en-US" altLang="ja-JP" sz="1600" b="1" dirty="0">
-                  <a:solidFill>
-                    <a:schemeClr val="tx1">
-                      <a:lumMod val="85000"/>
-                      <a:lumOff val="15000"/>
-                    </a:schemeClr>
-                  </a:solidFill>
-                  <a:ea typeface="Meiryo UI" panose="020B0604030504040204" pitchFamily="50" charset="-128"/>
-                </a:rPr>
-                <a:t>    “</a:t>
-              </a:r>
-              <a:r>
-                <a:rPr kumimoji="1" lang="en-US" altLang="ja-JP" sz="1600" b="1" u="heavy" dirty="0">
-                  <a:solidFill>
-                    <a:schemeClr val="tx1">
-                      <a:lumMod val="85000"/>
-                      <a:lumOff val="15000"/>
-                    </a:schemeClr>
-                  </a:solidFill>
-                  <a:uFill>
-                    <a:solidFill>
-                      <a:schemeClr val="accent1"/>
-                    </a:solidFill>
-                  </a:uFill>
-                  <a:ea typeface="Meiryo UI" panose="020B0604030504040204" pitchFamily="50" charset="-128"/>
-                </a:rPr>
-                <a:t> </a:t>
-              </a:r>
-              <a:r>
-                <a:rPr kumimoji="1" lang="en-US" altLang="ja-JP" sz="1600" b="1" u="heavy" dirty="0">
-                  <a:solidFill>
-                    <a:schemeClr val="tx1">
-                      <a:lumMod val="85000"/>
-                      <a:lumOff val="15000"/>
-                    </a:schemeClr>
-                  </a:solidFill>
-                  <a:uFill>
-                    <a:solidFill>
-                      <a:schemeClr val="accent2"/>
-                    </a:solidFill>
-                  </a:uFill>
-                  <a:ea typeface="Meiryo UI" panose="020B0604030504040204" pitchFamily="50" charset="-128"/>
-                </a:rPr>
-                <a:t> </a:t>
-              </a:r>
-              <a:r>
-                <a:rPr kumimoji="1" lang="en-US" altLang="ja-JP" sz="1600" b="1" dirty="0">
-                  <a:solidFill>
-                    <a:schemeClr val="tx1">
-                      <a:lumMod val="85000"/>
-                      <a:lumOff val="15000"/>
-                    </a:schemeClr>
-                  </a:solidFill>
-                  <a:uFill>
-                    <a:solidFill>
-                      <a:schemeClr val="accent1"/>
-                    </a:solidFill>
-                  </a:uFill>
-                  <a:ea typeface="Meiryo UI" panose="020B0604030504040204" pitchFamily="50" charset="-128"/>
-                </a:rPr>
-                <a:t>#</a:t>
-              </a:r>
-              <a:r>
-                <a:rPr kumimoji="1" lang="en-US" altLang="ja-JP" sz="1600" b="1" dirty="0">
-                  <a:solidFill>
-                    <a:schemeClr val="tx1">
-                      <a:lumMod val="85000"/>
-                      <a:lumOff val="15000"/>
-                    </a:schemeClr>
-                  </a:solidFill>
-                  <a:ea typeface="Meiryo UI" panose="020B0604030504040204" pitchFamily="50" charset="-128"/>
-                </a:rPr>
-                <a:t>”          =&gt;      “</a:t>
-              </a:r>
-              <a:r>
-                <a:rPr kumimoji="1" lang="en-US" altLang="ja-JP" sz="1600" b="1" u="heavy" dirty="0">
-                  <a:solidFill>
-                    <a:schemeClr val="tx1">
-                      <a:lumMod val="85000"/>
-                      <a:lumOff val="15000"/>
-                    </a:schemeClr>
-                  </a:solidFill>
-                  <a:uFill>
-                    <a:solidFill>
-                      <a:schemeClr val="accent1"/>
-                    </a:solidFill>
-                  </a:uFill>
-                  <a:ea typeface="Meiryo UI" panose="020B0604030504040204" pitchFamily="50" charset="-128"/>
-                </a:rPr>
-                <a:t> </a:t>
-              </a:r>
-              <a:r>
-                <a:rPr kumimoji="1" lang="en-US" altLang="ja-JP" sz="1600" b="1" u="heavy" dirty="0">
-                  <a:solidFill>
-                    <a:schemeClr val="tx1">
-                      <a:lumMod val="85000"/>
-                      <a:lumOff val="15000"/>
-                    </a:schemeClr>
-                  </a:solidFill>
-                  <a:uFill>
-                    <a:solidFill>
-                      <a:schemeClr val="accent2"/>
-                    </a:solidFill>
-                  </a:uFill>
-                  <a:ea typeface="Meiryo UI" panose="020B0604030504040204" pitchFamily="50" charset="-128"/>
-                </a:rPr>
-                <a:t> </a:t>
-              </a:r>
-              <a:r>
-                <a:rPr kumimoji="1" lang="en-US" altLang="ja-JP" sz="1600" b="1" dirty="0">
-                  <a:solidFill>
-                    <a:schemeClr val="tx1">
-                      <a:lumMod val="85000"/>
-                      <a:lumOff val="15000"/>
-                    </a:schemeClr>
-                  </a:solidFill>
-                  <a:uFill>
-                    <a:solidFill>
-                      <a:schemeClr val="accent1"/>
-                    </a:solidFill>
-                  </a:uFill>
-                  <a:ea typeface="Meiryo UI" panose="020B0604030504040204" pitchFamily="50" charset="-128"/>
-                </a:rPr>
-                <a:t>#</a:t>
-              </a:r>
-              <a:r>
-                <a:rPr kumimoji="1" lang="en-US" altLang="ja-JP" sz="1600" b="1" dirty="0">
-                  <a:solidFill>
-                    <a:srgbClr val="2FD7B4"/>
-                  </a:solidFill>
-                  <a:uFill>
-                    <a:solidFill>
-                      <a:schemeClr val="accent1"/>
-                    </a:solidFill>
-                  </a:uFill>
-                  <a:ea typeface="Meiryo UI" panose="020B0604030504040204" pitchFamily="50" charset="-128"/>
-                </a:rPr>
-                <a:t>\n</a:t>
-              </a:r>
-              <a:r>
-                <a:rPr kumimoji="1" lang="en-US" altLang="ja-JP" sz="1600" b="1" dirty="0">
-                  <a:solidFill>
-                    <a:schemeClr val="tx1">
-                      <a:lumMod val="85000"/>
-                      <a:lumOff val="15000"/>
-                    </a:schemeClr>
-                  </a:solidFill>
-                  <a:ea typeface="Meiryo UI" panose="020B0604030504040204" pitchFamily="50" charset="-128"/>
-                </a:rPr>
-                <a:t>”       =&gt;    “</a:t>
-              </a:r>
-              <a:r>
-                <a:rPr kumimoji="1" lang="en-US" altLang="ja-JP" sz="1600" b="1" u="heavy" dirty="0">
-                  <a:solidFill>
-                    <a:schemeClr val="tx1">
-                      <a:lumMod val="85000"/>
-                      <a:lumOff val="15000"/>
-                    </a:schemeClr>
-                  </a:solidFill>
-                  <a:uFill>
-                    <a:solidFill>
-                      <a:schemeClr val="accent1"/>
-                    </a:solidFill>
-                  </a:uFill>
-                  <a:ea typeface="Meiryo UI" panose="020B0604030504040204" pitchFamily="50" charset="-128"/>
-                </a:rPr>
-                <a:t> </a:t>
-              </a:r>
-              <a:r>
-                <a:rPr kumimoji="1" lang="en-US" altLang="ja-JP" sz="1600" b="1" u="heavy" dirty="0">
-                  <a:solidFill>
-                    <a:schemeClr val="tx1">
-                      <a:lumMod val="85000"/>
-                      <a:lumOff val="15000"/>
-                    </a:schemeClr>
-                  </a:solidFill>
-                  <a:uFill>
-                    <a:solidFill>
-                      <a:schemeClr val="accent2"/>
-                    </a:solidFill>
-                  </a:uFill>
-                  <a:ea typeface="Meiryo UI" panose="020B0604030504040204" pitchFamily="50" charset="-128"/>
-                </a:rPr>
-                <a:t> </a:t>
-              </a:r>
-              <a:r>
-                <a:rPr kumimoji="1" lang="en-US" altLang="ja-JP" sz="1600" b="1" dirty="0">
-                  <a:solidFill>
-                    <a:schemeClr val="tx1">
-                      <a:lumMod val="85000"/>
-                      <a:lumOff val="15000"/>
-                    </a:schemeClr>
-                  </a:solidFill>
-                  <a:uFill>
-                    <a:solidFill>
-                      <a:schemeClr val="accent1"/>
-                    </a:solidFill>
-                  </a:uFill>
-                  <a:ea typeface="Meiryo UI" panose="020B0604030504040204" pitchFamily="50" charset="-128"/>
-                </a:rPr>
-                <a:t>#</a:t>
-              </a:r>
-              <a:r>
-                <a:rPr kumimoji="1" lang="en-US" altLang="ja-JP" sz="1600" b="1" dirty="0">
-                  <a:solidFill>
-                    <a:srgbClr val="2FD7B4"/>
-                  </a:solidFill>
-                  <a:uFill>
-                    <a:solidFill>
-                      <a:schemeClr val="accent1"/>
-                    </a:solidFill>
-                  </a:uFill>
-                  <a:ea typeface="Meiryo UI" panose="020B0604030504040204" pitchFamily="50" charset="-128"/>
-                </a:rPr>
-                <a:t>\n</a:t>
-              </a:r>
-              <a:r>
-                <a:rPr kumimoji="1" lang="en-US" altLang="ja-JP" sz="1600" b="1" dirty="0">
-                  <a:solidFill>
-                    <a:schemeClr val="tx1">
-                      <a:lumMod val="85000"/>
-                      <a:lumOff val="15000"/>
-                    </a:schemeClr>
-                  </a:solidFill>
-                  <a:ea typeface="Meiryo UI" panose="020B0604030504040204" pitchFamily="50" charset="-128"/>
-                </a:rPr>
-                <a:t>”</a:t>
-              </a:r>
-            </a:p>
-            <a:p>
-              <a:pPr lvl="1">
-                <a:lnSpc>
-                  <a:spcPct val="150000"/>
-                </a:lnSpc>
-                <a:buClr>
-                  <a:schemeClr val="tx1"/>
-                </a:buClr>
-              </a:pPr>
-              <a:r>
-                <a:rPr kumimoji="1" lang="en-US" altLang="ja-JP" sz="1600" b="1" dirty="0">
-                  <a:solidFill>
-                    <a:schemeClr val="tx1">
-                      <a:lumMod val="85000"/>
-                      <a:lumOff val="15000"/>
-                    </a:schemeClr>
-                  </a:solidFill>
-                  <a:ea typeface="Meiryo UI" panose="020B0604030504040204" pitchFamily="50" charset="-128"/>
-                </a:rPr>
-                <a:t>2</a:t>
-              </a:r>
-              <a:r>
-                <a:rPr kumimoji="1" lang="ja-JP" altLang="en-US" sz="1200" b="1" dirty="0">
-                  <a:solidFill>
-                    <a:schemeClr val="tx1">
-                      <a:lumMod val="85000"/>
-                      <a:lumOff val="15000"/>
-                    </a:schemeClr>
-                  </a:solidFill>
-                  <a:ea typeface="Meiryo UI" panose="020B0604030504040204" pitchFamily="50" charset="-128"/>
-                </a:rPr>
-                <a:t>回目</a:t>
-              </a:r>
-              <a:r>
-                <a:rPr kumimoji="1" lang="en-US" altLang="ja-JP" sz="1600" b="1" dirty="0">
-                  <a:solidFill>
-                    <a:schemeClr val="tx1">
-                      <a:lumMod val="85000"/>
-                      <a:lumOff val="15000"/>
-                    </a:schemeClr>
-                  </a:solidFill>
-                  <a:ea typeface="Meiryo UI" panose="020B0604030504040204" pitchFamily="50" charset="-128"/>
-                </a:rPr>
-                <a:t>    “</a:t>
-              </a:r>
-              <a:r>
-                <a:rPr kumimoji="1" lang="en-US" altLang="ja-JP" sz="1600" b="1" u="heavy" dirty="0">
-                  <a:solidFill>
-                    <a:schemeClr val="tx1">
-                      <a:lumMod val="85000"/>
-                      <a:lumOff val="15000"/>
-                    </a:schemeClr>
-                  </a:solidFill>
-                  <a:uFill>
-                    <a:solidFill>
-                      <a:schemeClr val="accent1"/>
-                    </a:solidFill>
-                  </a:uFill>
-                  <a:ea typeface="Meiryo UI" panose="020B0604030504040204" pitchFamily="50" charset="-128"/>
-                </a:rPr>
-                <a:t> </a:t>
-              </a:r>
-              <a:r>
-                <a:rPr kumimoji="1" lang="en-US" altLang="ja-JP" sz="1600" b="1" dirty="0">
-                  <a:solidFill>
-                    <a:schemeClr val="tx1">
-                      <a:lumMod val="85000"/>
-                      <a:lumOff val="15000"/>
-                    </a:schemeClr>
-                  </a:solidFill>
-                  <a:uFill>
-                    <a:solidFill>
-                      <a:schemeClr val="accent1"/>
-                    </a:solidFill>
-                  </a:uFill>
-                  <a:ea typeface="Meiryo UI" panose="020B0604030504040204" pitchFamily="50" charset="-128"/>
-                </a:rPr>
-                <a:t>#</a:t>
-              </a:r>
-              <a:r>
-                <a:rPr kumimoji="1" lang="en-US" altLang="ja-JP" sz="1600" b="1" u="heavy" dirty="0">
-                  <a:solidFill>
-                    <a:schemeClr val="tx1">
-                      <a:lumMod val="85000"/>
-                      <a:lumOff val="15000"/>
-                    </a:schemeClr>
-                  </a:solidFill>
-                  <a:uFill>
-                    <a:solidFill>
-                      <a:schemeClr val="accent2"/>
-                    </a:solidFill>
-                  </a:uFill>
-                  <a:ea typeface="Meiryo UI" panose="020B0604030504040204" pitchFamily="50" charset="-128"/>
-                </a:rPr>
-                <a:t> </a:t>
-              </a:r>
-              <a:r>
-                <a:rPr kumimoji="1" lang="en-US" altLang="ja-JP" sz="1600" b="1" dirty="0">
-                  <a:solidFill>
-                    <a:schemeClr val="tx1">
-                      <a:lumMod val="85000"/>
-                      <a:lumOff val="15000"/>
-                    </a:schemeClr>
-                  </a:solidFill>
-                  <a:uFill>
-                    <a:solidFill>
-                      <a:schemeClr val="accent3">
-                        <a:lumMod val="20000"/>
-                        <a:lumOff val="80000"/>
-                      </a:schemeClr>
-                    </a:solidFill>
-                  </a:uFill>
-                  <a:ea typeface="Meiryo UI" panose="020B0604030504040204" pitchFamily="50" charset="-128"/>
-                </a:rPr>
-                <a:t>#</a:t>
-              </a:r>
-              <a:r>
-                <a:rPr kumimoji="1" lang="en-US" altLang="ja-JP" sz="1600" b="1" dirty="0">
-                  <a:solidFill>
-                    <a:schemeClr val="tx1">
-                      <a:lumMod val="85000"/>
-                      <a:lumOff val="15000"/>
-                    </a:schemeClr>
-                  </a:solidFill>
-                  <a:ea typeface="Meiryo UI" panose="020B0604030504040204" pitchFamily="50" charset="-128"/>
-                </a:rPr>
-                <a:t>”        =&gt;      “</a:t>
-              </a:r>
-              <a:r>
-                <a:rPr kumimoji="1" lang="en-US" altLang="ja-JP" sz="1600" b="1" u="heavy" dirty="0">
-                  <a:solidFill>
-                    <a:schemeClr val="tx1">
-                      <a:lumMod val="85000"/>
-                      <a:lumOff val="15000"/>
-                    </a:schemeClr>
-                  </a:solidFill>
-                  <a:uFill>
-                    <a:solidFill>
-                      <a:schemeClr val="accent1"/>
-                    </a:solidFill>
-                  </a:uFill>
-                  <a:ea typeface="Meiryo UI" panose="020B0604030504040204" pitchFamily="50" charset="-128"/>
-                </a:rPr>
-                <a:t> </a:t>
-              </a:r>
-              <a:r>
-                <a:rPr kumimoji="1" lang="en-US" altLang="ja-JP" sz="1600" b="1" dirty="0">
-                  <a:solidFill>
-                    <a:schemeClr val="tx1">
-                      <a:lumMod val="85000"/>
-                      <a:lumOff val="15000"/>
-                    </a:schemeClr>
-                  </a:solidFill>
-                  <a:uFill>
-                    <a:solidFill>
-                      <a:schemeClr val="accent1"/>
-                    </a:solidFill>
-                  </a:uFill>
-                  <a:ea typeface="Meiryo UI" panose="020B0604030504040204" pitchFamily="50" charset="-128"/>
-                </a:rPr>
-                <a:t>#</a:t>
-              </a:r>
-              <a:r>
-                <a:rPr kumimoji="1" lang="en-US" altLang="ja-JP" sz="1600" b="1" u="heavy" dirty="0">
-                  <a:solidFill>
-                    <a:schemeClr val="tx1">
-                      <a:lumMod val="85000"/>
-                      <a:lumOff val="15000"/>
-                    </a:schemeClr>
-                  </a:solidFill>
-                  <a:uFill>
-                    <a:solidFill>
-                      <a:schemeClr val="accent2"/>
-                    </a:solidFill>
-                  </a:uFill>
-                  <a:ea typeface="Meiryo UI" panose="020B0604030504040204" pitchFamily="50" charset="-128"/>
-                </a:rPr>
-                <a:t> </a:t>
-              </a:r>
-              <a:r>
-                <a:rPr kumimoji="1" lang="en-US" altLang="ja-JP" sz="1600" b="1" dirty="0">
-                  <a:solidFill>
-                    <a:schemeClr val="tx1">
-                      <a:lumMod val="85000"/>
-                      <a:lumOff val="15000"/>
-                    </a:schemeClr>
-                  </a:solidFill>
-                  <a:uFill>
-                    <a:solidFill>
-                      <a:schemeClr val="accent3">
-                        <a:lumMod val="20000"/>
-                        <a:lumOff val="80000"/>
-                      </a:schemeClr>
-                    </a:solidFill>
-                  </a:uFill>
-                  <a:ea typeface="Meiryo UI" panose="020B0604030504040204" pitchFamily="50" charset="-128"/>
-                </a:rPr>
-                <a:t>#</a:t>
-              </a:r>
-              <a:r>
-                <a:rPr kumimoji="1" lang="en-US" altLang="ja-JP" sz="1600" b="1" dirty="0">
-                  <a:solidFill>
-                    <a:srgbClr val="2FD7B4"/>
-                  </a:solidFill>
-                  <a:uFill>
-                    <a:solidFill>
-                      <a:schemeClr val="accent3">
-                        <a:lumMod val="20000"/>
-                        <a:lumOff val="80000"/>
-                      </a:schemeClr>
-                    </a:solidFill>
-                  </a:uFill>
-                  <a:ea typeface="Meiryo UI" panose="020B0604030504040204" pitchFamily="50" charset="-128"/>
-                </a:rPr>
-                <a:t>\n</a:t>
-              </a:r>
-              <a:r>
-                <a:rPr kumimoji="1" lang="en-US" altLang="ja-JP" sz="1600" b="1" dirty="0">
-                  <a:solidFill>
-                    <a:schemeClr val="tx1">
-                      <a:lumMod val="85000"/>
-                      <a:lumOff val="15000"/>
-                    </a:schemeClr>
-                  </a:solidFill>
-                  <a:ea typeface="Meiryo UI" panose="020B0604030504040204" pitchFamily="50" charset="-128"/>
-                </a:rPr>
-                <a:t>”     =&gt;    “</a:t>
-              </a:r>
-              <a:r>
-                <a:rPr kumimoji="1" lang="en-US" altLang="ja-JP" sz="1600" b="1" u="heavy" dirty="0">
-                  <a:solidFill>
-                    <a:schemeClr val="tx1">
-                      <a:lumMod val="85000"/>
-                      <a:lumOff val="15000"/>
-                    </a:schemeClr>
-                  </a:solidFill>
-                  <a:uFill>
-                    <a:solidFill>
-                      <a:schemeClr val="accent1"/>
-                    </a:solidFill>
-                  </a:uFill>
-                  <a:ea typeface="Meiryo UI" panose="020B0604030504040204" pitchFamily="50" charset="-128"/>
-                </a:rPr>
-                <a:t> </a:t>
-              </a:r>
-              <a:r>
-                <a:rPr kumimoji="1" lang="en-US" altLang="ja-JP" sz="1600" b="1" u="heavy" dirty="0">
-                  <a:solidFill>
-                    <a:schemeClr val="tx1">
-                      <a:lumMod val="85000"/>
-                      <a:lumOff val="15000"/>
-                    </a:schemeClr>
-                  </a:solidFill>
-                  <a:uFill>
-                    <a:solidFill>
-                      <a:schemeClr val="accent2"/>
-                    </a:solidFill>
-                  </a:uFill>
-                  <a:ea typeface="Meiryo UI" panose="020B0604030504040204" pitchFamily="50" charset="-128"/>
-                </a:rPr>
-                <a:t> </a:t>
-              </a:r>
-              <a:r>
-                <a:rPr kumimoji="1" lang="en-US" altLang="ja-JP" sz="1600" b="1" dirty="0">
-                  <a:solidFill>
-                    <a:schemeClr val="tx1">
-                      <a:lumMod val="85000"/>
-                      <a:lumOff val="15000"/>
-                    </a:schemeClr>
-                  </a:solidFill>
-                  <a:uFill>
-                    <a:solidFill>
-                      <a:schemeClr val="accent1"/>
-                    </a:solidFill>
-                  </a:uFill>
-                  <a:ea typeface="Meiryo UI" panose="020B0604030504040204" pitchFamily="50" charset="-128"/>
-                </a:rPr>
-                <a:t>#</a:t>
-              </a:r>
-              <a:r>
-                <a:rPr kumimoji="1" lang="en-US" altLang="ja-JP" sz="1600" b="1" dirty="0">
-                  <a:solidFill>
-                    <a:srgbClr val="2FD7B4"/>
-                  </a:solidFill>
-                  <a:uFill>
-                    <a:solidFill>
-                      <a:schemeClr val="accent1"/>
-                    </a:solidFill>
-                  </a:uFill>
-                  <a:ea typeface="Meiryo UI" panose="020B0604030504040204" pitchFamily="50" charset="-128"/>
-                </a:rPr>
-                <a:t>\n</a:t>
-              </a:r>
-              <a:r>
-                <a:rPr kumimoji="1" lang="en-US" altLang="ja-JP" sz="1600" b="1" u="heavy" dirty="0">
-                  <a:solidFill>
-                    <a:schemeClr val="tx1">
-                      <a:lumMod val="85000"/>
-                      <a:lumOff val="15000"/>
-                    </a:schemeClr>
-                  </a:solidFill>
-                  <a:uFill>
-                    <a:solidFill>
-                      <a:schemeClr val="accent1"/>
-                    </a:solidFill>
-                  </a:uFill>
-                  <a:ea typeface="Meiryo UI" panose="020B0604030504040204" pitchFamily="50" charset="-128"/>
-                </a:rPr>
-                <a:t> </a:t>
-              </a:r>
-              <a:r>
-                <a:rPr kumimoji="1" lang="en-US" altLang="ja-JP" sz="1600" b="1" dirty="0">
-                  <a:solidFill>
-                    <a:schemeClr val="tx1">
-                      <a:lumMod val="85000"/>
-                      <a:lumOff val="15000"/>
-                    </a:schemeClr>
-                  </a:solidFill>
-                  <a:uFill>
-                    <a:solidFill>
-                      <a:schemeClr val="accent1"/>
-                    </a:solidFill>
-                  </a:uFill>
-                  <a:ea typeface="Meiryo UI" panose="020B0604030504040204" pitchFamily="50" charset="-128"/>
-                </a:rPr>
-                <a:t>#</a:t>
-              </a:r>
-              <a:r>
-                <a:rPr kumimoji="1" lang="en-US" altLang="ja-JP" sz="1600" b="1" u="heavy" dirty="0">
-                  <a:solidFill>
-                    <a:schemeClr val="tx1">
-                      <a:lumMod val="85000"/>
-                      <a:lumOff val="15000"/>
-                    </a:schemeClr>
-                  </a:solidFill>
-                  <a:uFill>
-                    <a:solidFill>
-                      <a:schemeClr val="accent2"/>
-                    </a:solidFill>
-                  </a:uFill>
-                  <a:ea typeface="Meiryo UI" panose="020B0604030504040204" pitchFamily="50" charset="-128"/>
-                </a:rPr>
-                <a:t> </a:t>
-              </a:r>
-              <a:r>
-                <a:rPr kumimoji="1" lang="en-US" altLang="ja-JP" sz="1600" b="1" dirty="0">
-                  <a:solidFill>
-                    <a:schemeClr val="tx1">
-                      <a:lumMod val="85000"/>
-                      <a:lumOff val="15000"/>
-                    </a:schemeClr>
-                  </a:solidFill>
-                  <a:uFill>
-                    <a:solidFill>
-                      <a:schemeClr val="accent3">
-                        <a:lumMod val="20000"/>
-                        <a:lumOff val="80000"/>
-                      </a:schemeClr>
-                    </a:solidFill>
-                  </a:uFill>
-                  <a:ea typeface="Meiryo UI" panose="020B0604030504040204" pitchFamily="50" charset="-128"/>
-                </a:rPr>
-                <a:t>#</a:t>
-              </a:r>
-              <a:r>
-                <a:rPr kumimoji="1" lang="en-US" altLang="ja-JP" sz="1600" b="1" dirty="0">
-                  <a:solidFill>
-                    <a:srgbClr val="2FD7B4"/>
-                  </a:solidFill>
-                  <a:uFill>
-                    <a:solidFill>
-                      <a:schemeClr val="accent3">
-                        <a:lumMod val="20000"/>
-                        <a:lumOff val="80000"/>
-                      </a:schemeClr>
-                    </a:solidFill>
-                  </a:uFill>
-                  <a:ea typeface="Meiryo UI" panose="020B0604030504040204" pitchFamily="50" charset="-128"/>
-                </a:rPr>
-                <a:t>\n</a:t>
-              </a:r>
-              <a:r>
-                <a:rPr kumimoji="1" lang="en-US" altLang="ja-JP" sz="1600" b="1" dirty="0">
-                  <a:solidFill>
-                    <a:schemeClr val="tx1">
-                      <a:lumMod val="85000"/>
-                      <a:lumOff val="15000"/>
-                    </a:schemeClr>
-                  </a:solidFill>
-                  <a:ea typeface="Meiryo UI" panose="020B0604030504040204" pitchFamily="50" charset="-128"/>
-                </a:rPr>
-                <a:t>”</a:t>
-              </a:r>
-            </a:p>
-            <a:p>
-              <a:pPr lvl="1">
-                <a:lnSpc>
-                  <a:spcPct val="150000"/>
-                </a:lnSpc>
-                <a:buClr>
-                  <a:schemeClr val="tx1"/>
-                </a:buClr>
-              </a:pPr>
-              <a:r>
-                <a:rPr kumimoji="1" lang="en-US" altLang="ja-JP" sz="1600" b="1" dirty="0">
-                  <a:solidFill>
-                    <a:schemeClr val="tx1">
-                      <a:lumMod val="85000"/>
-                      <a:lumOff val="15000"/>
-                    </a:schemeClr>
-                  </a:solidFill>
-                  <a:ea typeface="Meiryo UI" panose="020B0604030504040204" pitchFamily="50" charset="-128"/>
-                </a:rPr>
-                <a:t>3</a:t>
-              </a:r>
-              <a:r>
-                <a:rPr kumimoji="1" lang="ja-JP" altLang="en-US" sz="1200" b="1" dirty="0">
-                  <a:solidFill>
-                    <a:schemeClr val="tx1">
-                      <a:lumMod val="85000"/>
-                      <a:lumOff val="15000"/>
-                    </a:schemeClr>
-                  </a:solidFill>
-                  <a:ea typeface="Meiryo UI" panose="020B0604030504040204" pitchFamily="50" charset="-128"/>
-                </a:rPr>
-                <a:t>回目</a:t>
-              </a:r>
-              <a:r>
-                <a:rPr kumimoji="1" lang="en-US" altLang="ja-JP" sz="1600" b="1" dirty="0">
-                  <a:solidFill>
-                    <a:schemeClr val="tx1">
-                      <a:lumMod val="85000"/>
-                      <a:lumOff val="15000"/>
-                    </a:schemeClr>
-                  </a:solidFill>
-                  <a:ea typeface="Meiryo UI" panose="020B0604030504040204" pitchFamily="50" charset="-128"/>
-                </a:rPr>
-                <a:t>   “#</a:t>
-              </a:r>
-              <a:r>
-                <a:rPr kumimoji="1" lang="en-US" altLang="ja-JP" sz="1600" b="1" u="heavy" dirty="0">
-                  <a:solidFill>
-                    <a:schemeClr val="tx1">
-                      <a:lumMod val="85000"/>
-                      <a:lumOff val="15000"/>
-                    </a:schemeClr>
-                  </a:solidFill>
-                  <a:uFill>
-                    <a:solidFill>
-                      <a:schemeClr val="accent1"/>
-                    </a:solidFill>
-                  </a:uFill>
-                  <a:ea typeface="Meiryo UI" panose="020B0604030504040204" pitchFamily="50" charset="-128"/>
-                </a:rPr>
-                <a:t> </a:t>
-              </a:r>
-              <a:r>
-                <a:rPr kumimoji="1" lang="en-US" altLang="ja-JP" sz="1600" b="1" dirty="0">
-                  <a:solidFill>
-                    <a:schemeClr val="tx1">
-                      <a:lumMod val="85000"/>
-                      <a:lumOff val="15000"/>
-                    </a:schemeClr>
-                  </a:solidFill>
-                  <a:uFill>
-                    <a:solidFill>
-                      <a:schemeClr val="accent1"/>
-                    </a:solidFill>
-                  </a:uFill>
-                  <a:ea typeface="Meiryo UI" panose="020B0604030504040204" pitchFamily="50" charset="-128"/>
-                </a:rPr>
-                <a:t>#</a:t>
-              </a:r>
-              <a:r>
-                <a:rPr kumimoji="1" lang="en-US" altLang="ja-JP" sz="1600" b="1" u="heavy" dirty="0">
-                  <a:solidFill>
-                    <a:schemeClr val="tx1">
-                      <a:lumMod val="85000"/>
-                      <a:lumOff val="15000"/>
-                    </a:schemeClr>
-                  </a:solidFill>
-                  <a:uFill>
-                    <a:solidFill>
-                      <a:schemeClr val="accent2"/>
-                    </a:solidFill>
-                  </a:uFill>
-                  <a:ea typeface="Meiryo UI" panose="020B0604030504040204" pitchFamily="50" charset="-128"/>
-                </a:rPr>
-                <a:t> </a:t>
-              </a:r>
-              <a:r>
-                <a:rPr kumimoji="1" lang="en-US" altLang="ja-JP" sz="1600" b="1" dirty="0">
-                  <a:solidFill>
-                    <a:schemeClr val="tx1">
-                      <a:lumMod val="85000"/>
-                      <a:lumOff val="15000"/>
-                    </a:schemeClr>
-                  </a:solidFill>
-                  <a:uFill>
-                    <a:solidFill>
-                      <a:schemeClr val="accent3">
-                        <a:lumMod val="20000"/>
-                        <a:lumOff val="80000"/>
-                      </a:schemeClr>
-                    </a:solidFill>
-                  </a:uFill>
-                  <a:ea typeface="Meiryo UI" panose="020B0604030504040204" pitchFamily="50" charset="-128"/>
-                </a:rPr>
-                <a:t>#</a:t>
-              </a:r>
-              <a:r>
-                <a:rPr kumimoji="1" lang="en-US" altLang="ja-JP" sz="1600" b="1" dirty="0">
-                  <a:solidFill>
-                    <a:schemeClr val="tx1">
-                      <a:lumMod val="85000"/>
-                      <a:lumOff val="15000"/>
-                    </a:schemeClr>
-                  </a:solidFill>
-                  <a:ea typeface="Meiryo UI" panose="020B0604030504040204" pitchFamily="50" charset="-128"/>
-                </a:rPr>
-                <a:t>”       =&gt;      “#</a:t>
-              </a:r>
-              <a:r>
-                <a:rPr kumimoji="1" lang="en-US" altLang="ja-JP" sz="1600" b="1" u="heavy" dirty="0">
-                  <a:solidFill>
-                    <a:schemeClr val="tx1">
-                      <a:lumMod val="85000"/>
-                      <a:lumOff val="15000"/>
-                    </a:schemeClr>
-                  </a:solidFill>
-                  <a:uFill>
-                    <a:solidFill>
-                      <a:schemeClr val="accent1"/>
-                    </a:solidFill>
-                  </a:uFill>
-                  <a:ea typeface="Meiryo UI" panose="020B0604030504040204" pitchFamily="50" charset="-128"/>
-                </a:rPr>
-                <a:t> </a:t>
-              </a:r>
-              <a:r>
-                <a:rPr kumimoji="1" lang="en-US" altLang="ja-JP" sz="1600" b="1" dirty="0">
-                  <a:solidFill>
-                    <a:schemeClr val="tx1">
-                      <a:lumMod val="85000"/>
-                      <a:lumOff val="15000"/>
-                    </a:schemeClr>
-                  </a:solidFill>
-                  <a:uFill>
-                    <a:solidFill>
-                      <a:schemeClr val="accent1"/>
-                    </a:solidFill>
-                  </a:uFill>
-                  <a:ea typeface="Meiryo UI" panose="020B0604030504040204" pitchFamily="50" charset="-128"/>
-                </a:rPr>
-                <a:t>#</a:t>
-              </a:r>
-              <a:r>
-                <a:rPr kumimoji="1" lang="en-US" altLang="ja-JP" sz="1600" b="1" u="heavy" dirty="0">
-                  <a:solidFill>
-                    <a:schemeClr val="tx1">
-                      <a:lumMod val="85000"/>
-                      <a:lumOff val="15000"/>
-                    </a:schemeClr>
-                  </a:solidFill>
-                  <a:uFill>
-                    <a:solidFill>
-                      <a:schemeClr val="accent2"/>
-                    </a:solidFill>
-                  </a:uFill>
-                  <a:ea typeface="Meiryo UI" panose="020B0604030504040204" pitchFamily="50" charset="-128"/>
-                </a:rPr>
-                <a:t> </a:t>
-              </a:r>
-              <a:r>
-                <a:rPr kumimoji="1" lang="en-US" altLang="ja-JP" sz="1600" b="1" dirty="0">
-                  <a:solidFill>
-                    <a:schemeClr val="tx1">
-                      <a:lumMod val="85000"/>
-                      <a:lumOff val="15000"/>
-                    </a:schemeClr>
-                  </a:solidFill>
-                  <a:uFill>
-                    <a:solidFill>
-                      <a:schemeClr val="accent3">
-                        <a:lumMod val="20000"/>
-                        <a:lumOff val="80000"/>
-                      </a:schemeClr>
-                    </a:solidFill>
-                  </a:uFill>
-                  <a:ea typeface="Meiryo UI" panose="020B0604030504040204" pitchFamily="50" charset="-128"/>
-                </a:rPr>
-                <a:t>#</a:t>
-              </a:r>
-              <a:r>
-                <a:rPr kumimoji="1" lang="en-US" altLang="ja-JP" sz="1600" b="1" dirty="0">
-                  <a:solidFill>
-                    <a:srgbClr val="2FD7B4"/>
-                  </a:solidFill>
-                  <a:uFill>
-                    <a:solidFill>
-                      <a:schemeClr val="accent3">
-                        <a:lumMod val="20000"/>
-                        <a:lumOff val="80000"/>
-                      </a:schemeClr>
-                    </a:solidFill>
-                  </a:uFill>
-                  <a:ea typeface="Meiryo UI" panose="020B0604030504040204" pitchFamily="50" charset="-128"/>
-                </a:rPr>
-                <a:t>\n</a:t>
-              </a:r>
-              <a:r>
-                <a:rPr kumimoji="1" lang="en-US" altLang="ja-JP" sz="1600" b="1" dirty="0">
-                  <a:solidFill>
-                    <a:schemeClr val="tx1">
-                      <a:lumMod val="85000"/>
-                      <a:lumOff val="15000"/>
-                    </a:schemeClr>
-                  </a:solidFill>
-                  <a:ea typeface="Meiryo UI" panose="020B0604030504040204" pitchFamily="50" charset="-128"/>
-                </a:rPr>
-                <a:t>”   =&gt;    “</a:t>
-              </a:r>
-              <a:r>
-                <a:rPr kumimoji="1" lang="en-US" altLang="ja-JP" sz="1600" b="1" u="heavy" dirty="0">
-                  <a:solidFill>
-                    <a:schemeClr val="tx1">
-                      <a:lumMod val="85000"/>
-                      <a:lumOff val="15000"/>
-                    </a:schemeClr>
-                  </a:solidFill>
-                  <a:uFill>
-                    <a:solidFill>
-                      <a:schemeClr val="accent1"/>
-                    </a:solidFill>
-                  </a:uFill>
-                  <a:ea typeface="Meiryo UI" panose="020B0604030504040204" pitchFamily="50" charset="-128"/>
-                </a:rPr>
-                <a:t> </a:t>
-              </a:r>
-              <a:r>
-                <a:rPr kumimoji="1" lang="en-US" altLang="ja-JP" sz="1600" b="1" u="heavy" dirty="0">
-                  <a:solidFill>
-                    <a:schemeClr val="tx1">
-                      <a:lumMod val="85000"/>
-                      <a:lumOff val="15000"/>
-                    </a:schemeClr>
-                  </a:solidFill>
-                  <a:uFill>
-                    <a:solidFill>
-                      <a:schemeClr val="accent2"/>
-                    </a:solidFill>
-                  </a:uFill>
-                  <a:ea typeface="Meiryo UI" panose="020B0604030504040204" pitchFamily="50" charset="-128"/>
-                </a:rPr>
-                <a:t> </a:t>
-              </a:r>
-              <a:r>
-                <a:rPr kumimoji="1" lang="en-US" altLang="ja-JP" sz="1600" b="1" dirty="0">
-                  <a:solidFill>
-                    <a:schemeClr val="tx1">
-                      <a:lumMod val="85000"/>
-                      <a:lumOff val="15000"/>
-                    </a:schemeClr>
-                  </a:solidFill>
-                  <a:uFill>
-                    <a:solidFill>
-                      <a:schemeClr val="accent2"/>
-                    </a:solidFill>
-                  </a:uFill>
-                  <a:ea typeface="Meiryo UI" panose="020B0604030504040204" pitchFamily="50" charset="-128"/>
-                </a:rPr>
-                <a:t>#</a:t>
-              </a:r>
-              <a:r>
-                <a:rPr kumimoji="1" lang="en-US" altLang="ja-JP" sz="1600" b="1" dirty="0">
-                  <a:solidFill>
-                    <a:srgbClr val="2FD7B4"/>
-                  </a:solidFill>
-                  <a:uFill>
-                    <a:solidFill>
-                      <a:schemeClr val="accent1"/>
-                    </a:solidFill>
-                  </a:uFill>
-                  <a:ea typeface="Meiryo UI" panose="020B0604030504040204" pitchFamily="50" charset="-128"/>
-                </a:rPr>
-                <a:t>\n</a:t>
-              </a:r>
-              <a:r>
-                <a:rPr kumimoji="1" lang="en-US" altLang="ja-JP" sz="1600" b="1" u="heavy" dirty="0">
-                  <a:solidFill>
-                    <a:schemeClr val="tx1">
-                      <a:lumMod val="85000"/>
-                      <a:lumOff val="15000"/>
-                    </a:schemeClr>
-                  </a:solidFill>
-                  <a:uFill>
-                    <a:solidFill>
-                      <a:schemeClr val="accent1"/>
-                    </a:solidFill>
-                  </a:uFill>
-                  <a:ea typeface="Meiryo UI" panose="020B0604030504040204" pitchFamily="50" charset="-128"/>
-                </a:rPr>
-                <a:t> </a:t>
-              </a:r>
-              <a:r>
-                <a:rPr kumimoji="1" lang="en-US" altLang="ja-JP" sz="1600" b="1" dirty="0">
-                  <a:solidFill>
-                    <a:schemeClr val="tx1">
-                      <a:lumMod val="85000"/>
-                      <a:lumOff val="15000"/>
-                    </a:schemeClr>
-                  </a:solidFill>
-                  <a:uFill>
-                    <a:solidFill>
-                      <a:schemeClr val="accent1"/>
-                    </a:solidFill>
-                  </a:uFill>
-                  <a:ea typeface="Meiryo UI" panose="020B0604030504040204" pitchFamily="50" charset="-128"/>
-                </a:rPr>
-                <a:t>#</a:t>
-              </a:r>
-              <a:r>
-                <a:rPr kumimoji="1" lang="en-US" altLang="ja-JP" sz="1600" b="1" u="heavy" dirty="0">
-                  <a:solidFill>
-                    <a:schemeClr val="tx1">
-                      <a:lumMod val="85000"/>
-                      <a:lumOff val="15000"/>
-                    </a:schemeClr>
-                  </a:solidFill>
-                  <a:uFill>
-                    <a:solidFill>
-                      <a:schemeClr val="accent2"/>
-                    </a:solidFill>
-                  </a:uFill>
-                  <a:ea typeface="Meiryo UI" panose="020B0604030504040204" pitchFamily="50" charset="-128"/>
-                </a:rPr>
-                <a:t> </a:t>
-              </a:r>
-              <a:r>
-                <a:rPr kumimoji="1" lang="en-US" altLang="ja-JP" sz="1600" b="1" dirty="0">
-                  <a:solidFill>
-                    <a:schemeClr val="tx1">
-                      <a:lumMod val="85000"/>
-                      <a:lumOff val="15000"/>
-                    </a:schemeClr>
-                  </a:solidFill>
-                  <a:uFill>
-                    <a:solidFill>
-                      <a:schemeClr val="accent3">
-                        <a:lumMod val="20000"/>
-                        <a:lumOff val="80000"/>
-                      </a:schemeClr>
-                    </a:solidFill>
-                  </a:uFill>
-                  <a:ea typeface="Meiryo UI" panose="020B0604030504040204" pitchFamily="50" charset="-128"/>
-                </a:rPr>
-                <a:t>#</a:t>
-              </a:r>
-              <a:r>
-                <a:rPr kumimoji="1" lang="en-US" altLang="ja-JP" sz="1600" b="1" dirty="0">
-                  <a:solidFill>
-                    <a:srgbClr val="2FD7B4"/>
-                  </a:solidFill>
-                  <a:uFill>
-                    <a:solidFill>
-                      <a:schemeClr val="accent3">
-                        <a:lumMod val="20000"/>
-                        <a:lumOff val="80000"/>
-                      </a:schemeClr>
-                    </a:solidFill>
-                  </a:uFill>
-                  <a:ea typeface="Meiryo UI" panose="020B0604030504040204" pitchFamily="50" charset="-128"/>
-                </a:rPr>
-                <a:t>\n</a:t>
-              </a:r>
-              <a:r>
-                <a:rPr kumimoji="1" lang="en-US" altLang="ja-JP" sz="1600" b="1" dirty="0">
-                  <a:solidFill>
-                    <a:schemeClr val="tx1">
-                      <a:lumMod val="85000"/>
-                      <a:lumOff val="15000"/>
-                    </a:schemeClr>
-                  </a:solidFill>
-                  <a:ea typeface="Meiryo UI" panose="020B0604030504040204" pitchFamily="50" charset="-128"/>
-                </a:rPr>
-                <a:t>#</a:t>
-              </a:r>
-              <a:r>
-                <a:rPr kumimoji="1" lang="en-US" altLang="ja-JP" sz="1600" b="1" u="heavy" dirty="0">
-                  <a:solidFill>
-                    <a:schemeClr val="tx1">
-                      <a:lumMod val="85000"/>
-                      <a:lumOff val="15000"/>
-                    </a:schemeClr>
-                  </a:solidFill>
-                  <a:uFill>
-                    <a:solidFill>
-                      <a:schemeClr val="accent1"/>
-                    </a:solidFill>
-                  </a:uFill>
-                  <a:ea typeface="Meiryo UI" panose="020B0604030504040204" pitchFamily="50" charset="-128"/>
-                </a:rPr>
-                <a:t> </a:t>
-              </a:r>
-              <a:r>
-                <a:rPr kumimoji="1" lang="en-US" altLang="ja-JP" sz="1600" b="1" dirty="0">
-                  <a:solidFill>
-                    <a:schemeClr val="tx1">
-                      <a:lumMod val="85000"/>
-                      <a:lumOff val="15000"/>
-                    </a:schemeClr>
-                  </a:solidFill>
-                  <a:uFill>
-                    <a:solidFill>
-                      <a:schemeClr val="accent1"/>
-                    </a:solidFill>
-                  </a:uFill>
-                  <a:ea typeface="Meiryo UI" panose="020B0604030504040204" pitchFamily="50" charset="-128"/>
-                </a:rPr>
-                <a:t>#</a:t>
-              </a:r>
-              <a:r>
-                <a:rPr kumimoji="1" lang="en-US" altLang="ja-JP" sz="1600" b="1" u="heavy" dirty="0">
-                  <a:solidFill>
-                    <a:schemeClr val="tx1">
-                      <a:lumMod val="85000"/>
-                      <a:lumOff val="15000"/>
-                    </a:schemeClr>
-                  </a:solidFill>
-                  <a:uFill>
-                    <a:solidFill>
-                      <a:schemeClr val="accent2"/>
-                    </a:solidFill>
-                  </a:uFill>
-                  <a:ea typeface="Meiryo UI" panose="020B0604030504040204" pitchFamily="50" charset="-128"/>
-                </a:rPr>
-                <a:t> </a:t>
-              </a:r>
-              <a:r>
-                <a:rPr kumimoji="1" lang="en-US" altLang="ja-JP" sz="1600" b="1" dirty="0">
-                  <a:solidFill>
-                    <a:schemeClr val="tx1">
-                      <a:lumMod val="85000"/>
-                      <a:lumOff val="15000"/>
-                    </a:schemeClr>
-                  </a:solidFill>
-                  <a:uFill>
-                    <a:solidFill>
-                      <a:schemeClr val="accent3">
-                        <a:lumMod val="20000"/>
-                        <a:lumOff val="80000"/>
-                      </a:schemeClr>
-                    </a:solidFill>
-                  </a:uFill>
-                  <a:ea typeface="Meiryo UI" panose="020B0604030504040204" pitchFamily="50" charset="-128"/>
-                </a:rPr>
-                <a:t>#</a:t>
-              </a:r>
-              <a:r>
-                <a:rPr kumimoji="1" lang="en-US" altLang="ja-JP" sz="1600" b="1" dirty="0">
-                  <a:solidFill>
-                    <a:srgbClr val="2FD7B4"/>
-                  </a:solidFill>
-                  <a:uFill>
-                    <a:solidFill>
-                      <a:schemeClr val="accent3">
-                        <a:lumMod val="20000"/>
-                        <a:lumOff val="80000"/>
-                      </a:schemeClr>
-                    </a:solidFill>
-                  </a:uFill>
-                  <a:ea typeface="Meiryo UI" panose="020B0604030504040204" pitchFamily="50" charset="-128"/>
-                </a:rPr>
-                <a:t>\n</a:t>
-              </a:r>
-              <a:r>
-                <a:rPr kumimoji="1" lang="en-US" altLang="ja-JP" sz="1600" b="1" dirty="0">
-                  <a:solidFill>
-                    <a:schemeClr val="tx1">
-                      <a:lumMod val="85000"/>
-                      <a:lumOff val="15000"/>
-                    </a:schemeClr>
-                  </a:solidFill>
-                  <a:ea typeface="Meiryo UI" panose="020B0604030504040204" pitchFamily="50" charset="-128"/>
-                </a:rPr>
-                <a:t>”</a:t>
-              </a:r>
-              <a:r>
-                <a:rPr kumimoji="1" lang="ja-JP" altLang="en-US" sz="1600" b="1" dirty="0">
-                  <a:solidFill>
-                    <a:schemeClr val="tx1">
-                      <a:lumMod val="85000"/>
-                      <a:lumOff val="15000"/>
-                    </a:schemeClr>
-                  </a:solidFill>
-                  <a:ea typeface="Meiryo UI" panose="020B0604030504040204" pitchFamily="50" charset="-128"/>
-                </a:rPr>
-                <a:t>   </a:t>
-              </a:r>
-              <a:r>
-                <a:rPr kumimoji="1" lang="en-US" altLang="ja-JP" sz="1600" b="1" dirty="0">
-                  <a:solidFill>
-                    <a:schemeClr val="tx1">
-                      <a:lumMod val="85000"/>
-                      <a:lumOff val="15000"/>
-                    </a:schemeClr>
-                  </a:solidFill>
-                  <a:ea typeface="Meiryo UI" panose="020B0604030504040204" pitchFamily="50" charset="-128"/>
-                </a:rPr>
-                <a:t>=&gt;  “</a:t>
-              </a:r>
-              <a:r>
-                <a:rPr kumimoji="1" lang="en-US" altLang="ja-JP" sz="1600" b="1" u="heavy" dirty="0">
-                  <a:solidFill>
-                    <a:schemeClr val="tx1">
-                      <a:lumMod val="85000"/>
-                      <a:lumOff val="15000"/>
-                    </a:schemeClr>
-                  </a:solidFill>
-                  <a:uFill>
-                    <a:solidFill>
-                      <a:schemeClr val="accent1"/>
-                    </a:solidFill>
-                  </a:uFill>
-                  <a:ea typeface="Meiryo UI" panose="020B0604030504040204" pitchFamily="50" charset="-128"/>
-                </a:rPr>
-                <a:t> </a:t>
-              </a:r>
-              <a:r>
-                <a:rPr kumimoji="1" lang="en-US" altLang="ja-JP" sz="1600" b="1" u="heavy" dirty="0">
-                  <a:solidFill>
-                    <a:schemeClr val="tx1">
-                      <a:lumMod val="85000"/>
-                      <a:lumOff val="15000"/>
-                    </a:schemeClr>
-                  </a:solidFill>
-                  <a:uFill>
-                    <a:solidFill>
-                      <a:schemeClr val="accent2"/>
-                    </a:solidFill>
-                  </a:uFill>
-                  <a:ea typeface="Meiryo UI" panose="020B0604030504040204" pitchFamily="50" charset="-128"/>
-                </a:rPr>
-                <a:t> </a:t>
-              </a:r>
-              <a:r>
-                <a:rPr kumimoji="1" lang="en-US" altLang="ja-JP" sz="1600" b="1" dirty="0">
-                  <a:solidFill>
-                    <a:schemeClr val="tx1">
-                      <a:lumMod val="85000"/>
-                      <a:lumOff val="15000"/>
-                    </a:schemeClr>
-                  </a:solidFill>
-                  <a:uFill>
-                    <a:solidFill>
-                      <a:schemeClr val="accent2"/>
-                    </a:solidFill>
-                  </a:uFill>
-                  <a:ea typeface="Meiryo UI" panose="020B0604030504040204" pitchFamily="50" charset="-128"/>
-                </a:rPr>
-                <a:t>#</a:t>
-              </a:r>
-              <a:r>
-                <a:rPr kumimoji="1" lang="en-US" altLang="ja-JP" sz="1600" b="1" dirty="0">
-                  <a:solidFill>
-                    <a:srgbClr val="2FD7B4"/>
-                  </a:solidFill>
-                  <a:uFill>
-                    <a:solidFill>
-                      <a:schemeClr val="accent1"/>
-                    </a:solidFill>
-                  </a:uFill>
-                  <a:ea typeface="Meiryo UI" panose="020B0604030504040204" pitchFamily="50" charset="-128"/>
-                </a:rPr>
-                <a:t>\n</a:t>
-              </a:r>
-              <a:r>
-                <a:rPr kumimoji="1" lang="en-US" altLang="ja-JP" sz="1600" b="1" u="heavy" dirty="0">
-                  <a:solidFill>
-                    <a:schemeClr val="tx1">
-                      <a:lumMod val="85000"/>
-                      <a:lumOff val="15000"/>
-                    </a:schemeClr>
-                  </a:solidFill>
-                  <a:uFill>
-                    <a:solidFill>
-                      <a:schemeClr val="accent1"/>
-                    </a:solidFill>
-                  </a:uFill>
-                  <a:ea typeface="Meiryo UI" panose="020B0604030504040204" pitchFamily="50" charset="-128"/>
-                </a:rPr>
-                <a:t> </a:t>
-              </a:r>
-              <a:r>
-                <a:rPr kumimoji="1" lang="en-US" altLang="ja-JP" sz="1600" b="1" dirty="0">
-                  <a:solidFill>
-                    <a:schemeClr val="tx1">
-                      <a:lumMod val="85000"/>
-                      <a:lumOff val="15000"/>
-                    </a:schemeClr>
-                  </a:solidFill>
-                  <a:uFill>
-                    <a:solidFill>
-                      <a:schemeClr val="accent1"/>
-                    </a:solidFill>
-                  </a:uFill>
-                  <a:ea typeface="Meiryo UI" panose="020B0604030504040204" pitchFamily="50" charset="-128"/>
-                </a:rPr>
-                <a:t>#</a:t>
-              </a:r>
-              <a:r>
-                <a:rPr kumimoji="1" lang="en-US" altLang="ja-JP" sz="1600" b="1" u="heavy" dirty="0">
-                  <a:solidFill>
-                    <a:schemeClr val="tx1">
-                      <a:lumMod val="85000"/>
-                      <a:lumOff val="15000"/>
-                    </a:schemeClr>
-                  </a:solidFill>
-                  <a:uFill>
-                    <a:solidFill>
-                      <a:schemeClr val="accent2"/>
-                    </a:solidFill>
-                  </a:uFill>
-                  <a:ea typeface="Meiryo UI" panose="020B0604030504040204" pitchFamily="50" charset="-128"/>
-                </a:rPr>
-                <a:t> </a:t>
-              </a:r>
-              <a:r>
-                <a:rPr kumimoji="1" lang="en-US" altLang="ja-JP" sz="1600" b="1" dirty="0">
-                  <a:solidFill>
-                    <a:schemeClr val="tx1">
-                      <a:lumMod val="85000"/>
-                      <a:lumOff val="15000"/>
-                    </a:schemeClr>
-                  </a:solidFill>
-                  <a:uFill>
-                    <a:solidFill>
-                      <a:schemeClr val="accent3">
-                        <a:lumMod val="20000"/>
-                        <a:lumOff val="80000"/>
-                      </a:schemeClr>
-                    </a:solidFill>
-                  </a:uFill>
-                  <a:ea typeface="Meiryo UI" panose="020B0604030504040204" pitchFamily="50" charset="-128"/>
-                </a:rPr>
-                <a:t>#</a:t>
-              </a:r>
-              <a:r>
-                <a:rPr kumimoji="1" lang="en-US" altLang="ja-JP" sz="1600" b="1" dirty="0">
-                  <a:solidFill>
-                    <a:srgbClr val="2FD7B4"/>
-                  </a:solidFill>
-                  <a:uFill>
-                    <a:solidFill>
-                      <a:schemeClr val="accent3">
-                        <a:lumMod val="20000"/>
-                        <a:lumOff val="80000"/>
-                      </a:schemeClr>
-                    </a:solidFill>
-                  </a:uFill>
-                  <a:ea typeface="Meiryo UI" panose="020B0604030504040204" pitchFamily="50" charset="-128"/>
-                </a:rPr>
-                <a:t>\n</a:t>
-              </a:r>
-              <a:r>
-                <a:rPr kumimoji="1" lang="en-US" altLang="ja-JP" sz="1600" b="1" dirty="0">
-                  <a:solidFill>
-                    <a:schemeClr val="tx1">
-                      <a:lumMod val="85000"/>
-                      <a:lumOff val="15000"/>
-                    </a:schemeClr>
-                  </a:solidFill>
-                  <a:ea typeface="Meiryo UI" panose="020B0604030504040204" pitchFamily="50" charset="-128"/>
-                </a:rPr>
-                <a:t>#</a:t>
-              </a:r>
-              <a:r>
-                <a:rPr kumimoji="1" lang="en-US" altLang="ja-JP" sz="1600" b="1" u="heavy" dirty="0">
-                  <a:solidFill>
-                    <a:schemeClr val="tx1">
-                      <a:lumMod val="85000"/>
-                      <a:lumOff val="15000"/>
-                    </a:schemeClr>
-                  </a:solidFill>
-                  <a:uFill>
-                    <a:solidFill>
-                      <a:schemeClr val="accent1"/>
-                    </a:solidFill>
-                  </a:uFill>
-                  <a:ea typeface="Meiryo UI" panose="020B0604030504040204" pitchFamily="50" charset="-128"/>
-                </a:rPr>
-                <a:t> </a:t>
-              </a:r>
-              <a:r>
-                <a:rPr kumimoji="1" lang="en-US" altLang="ja-JP" sz="1600" b="1" dirty="0">
-                  <a:solidFill>
-                    <a:schemeClr val="tx1">
-                      <a:lumMod val="85000"/>
-                      <a:lumOff val="15000"/>
-                    </a:schemeClr>
-                  </a:solidFill>
-                  <a:uFill>
-                    <a:solidFill>
-                      <a:schemeClr val="accent1"/>
-                    </a:solidFill>
-                  </a:uFill>
-                  <a:ea typeface="Meiryo UI" panose="020B0604030504040204" pitchFamily="50" charset="-128"/>
-                </a:rPr>
-                <a:t>#</a:t>
-              </a:r>
-              <a:r>
-                <a:rPr kumimoji="1" lang="en-US" altLang="ja-JP" sz="1600" b="1" u="heavy" dirty="0">
-                  <a:solidFill>
-                    <a:schemeClr val="tx1">
-                      <a:lumMod val="85000"/>
-                      <a:lumOff val="15000"/>
-                    </a:schemeClr>
-                  </a:solidFill>
-                  <a:uFill>
-                    <a:solidFill>
-                      <a:schemeClr val="accent2"/>
-                    </a:solidFill>
-                  </a:uFill>
-                  <a:ea typeface="Meiryo UI" panose="020B0604030504040204" pitchFamily="50" charset="-128"/>
-                </a:rPr>
-                <a:t> </a:t>
-              </a:r>
-              <a:r>
-                <a:rPr kumimoji="1" lang="en-US" altLang="ja-JP" sz="1600" b="1" dirty="0">
-                  <a:solidFill>
-                    <a:schemeClr val="tx1">
-                      <a:lumMod val="85000"/>
-                      <a:lumOff val="15000"/>
-                    </a:schemeClr>
-                  </a:solidFill>
-                  <a:uFill>
-                    <a:solidFill>
-                      <a:schemeClr val="accent3">
-                        <a:lumMod val="20000"/>
-                        <a:lumOff val="80000"/>
-                      </a:schemeClr>
-                    </a:solidFill>
-                  </a:uFill>
-                  <a:ea typeface="Meiryo UI" panose="020B0604030504040204" pitchFamily="50" charset="-128"/>
-                </a:rPr>
-                <a:t>#</a:t>
-              </a:r>
-              <a:r>
-                <a:rPr kumimoji="1" lang="en-US" altLang="ja-JP" sz="1600" b="1" dirty="0">
-                  <a:solidFill>
-                    <a:schemeClr val="tx1">
-                      <a:lumMod val="85000"/>
-                      <a:lumOff val="15000"/>
-                    </a:schemeClr>
-                  </a:solidFill>
-                  <a:ea typeface="Meiryo UI" panose="020B0604030504040204" pitchFamily="50" charset="-128"/>
-                </a:rPr>
-                <a:t>”</a:t>
-              </a:r>
-            </a:p>
-          </p:txBody>
-        </p:sp>
-        <p:sp>
-          <p:nvSpPr>
-            <p:cNvPr id="34" name="正方形/長方形 33">
-              <a:extLst>
-                <a:ext uri="{FF2B5EF4-FFF2-40B4-BE49-F238E27FC236}">
-                  <a16:creationId xmlns:a16="http://schemas.microsoft.com/office/drawing/2014/main" id="{C5F083B8-8D21-4243-BD55-E7ACC9E395B1}"/>
-                </a:ext>
-              </a:extLst>
-            </p:cNvPr>
-            <p:cNvSpPr/>
-            <p:nvPr/>
-          </p:nvSpPr>
-          <p:spPr>
-            <a:xfrm>
-              <a:off x="859095" y="2787042"/>
-              <a:ext cx="1410566" cy="429893"/>
-            </a:xfrm>
-            <a:prstGeom prst="rect">
-              <a:avLst/>
-            </a:prstGeom>
-            <a:noFill/>
-            <a:ln>
-              <a:noFill/>
-            </a:ln>
-          </p:spPr>
-          <p:style>
-            <a:lnRef idx="2">
-              <a:schemeClr val="accent1">
-                <a:shade val="50000"/>
-              </a:schemeClr>
-            </a:lnRef>
-            <a:fillRef idx="1">
-              <a:schemeClr val="accent1"/>
-            </a:fillRef>
-            <a:effectRef idx="0">
-              <a:schemeClr val="accent1"/>
-            </a:effectRef>
-            <a:fontRef idx="minor">
-              <a:schemeClr val="lt1"/>
-            </a:fontRef>
-          </p:style>
-          <p:txBody>
-            <a:bodyPr rtlCol="0" anchor="ctr"/>
-            <a:lstStyle/>
-            <a:p>
-              <a:pPr algn="ctr"/>
-              <a:r>
-                <a:rPr kumimoji="1" lang="ja-JP" altLang="en-US" dirty="0">
-                  <a:solidFill>
-                    <a:schemeClr val="tx1">
-                      <a:lumMod val="85000"/>
-                      <a:lumOff val="15000"/>
-                    </a:schemeClr>
-                  </a:solidFill>
-                  <a:latin typeface="Meiryo UI" panose="020B0604030504040204" pitchFamily="50" charset="-128"/>
-                  <a:ea typeface="Meiryo UI" panose="020B0604030504040204" pitchFamily="50" charset="-128"/>
-                </a:rPr>
-                <a:t>スペースの間に</a:t>
-              </a:r>
-              <a:endParaRPr kumimoji="1" lang="en-US" altLang="ja-JP" dirty="0">
-                <a:solidFill>
-                  <a:schemeClr val="tx1">
-                    <a:lumMod val="85000"/>
-                    <a:lumOff val="15000"/>
-                  </a:schemeClr>
-                </a:solidFill>
-                <a:latin typeface="Meiryo UI" panose="020B0604030504040204" pitchFamily="50" charset="-128"/>
-                <a:ea typeface="Meiryo UI" panose="020B0604030504040204" pitchFamily="50" charset="-128"/>
-              </a:endParaRPr>
-            </a:p>
-            <a:p>
-              <a:pPr algn="ctr"/>
-              <a:r>
-                <a:rPr kumimoji="1" lang="en-US" altLang="ja-JP" dirty="0">
-                  <a:solidFill>
-                    <a:schemeClr val="tx1">
-                      <a:lumMod val="85000"/>
-                      <a:lumOff val="15000"/>
-                    </a:schemeClr>
-                  </a:solidFill>
-                  <a:latin typeface="Meiryo UI" panose="020B0604030504040204" pitchFamily="50" charset="-128"/>
-                  <a:ea typeface="Meiryo UI" panose="020B0604030504040204" pitchFamily="50" charset="-128"/>
-                </a:rPr>
-                <a:t>”#”</a:t>
-              </a:r>
-              <a:r>
-                <a:rPr kumimoji="1" lang="ja-JP" altLang="en-US" dirty="0">
-                  <a:solidFill>
-                    <a:schemeClr val="tx1">
-                      <a:lumMod val="85000"/>
-                      <a:lumOff val="15000"/>
-                    </a:schemeClr>
-                  </a:solidFill>
-                  <a:latin typeface="Meiryo UI" panose="020B0604030504040204" pitchFamily="50" charset="-128"/>
-                  <a:ea typeface="Meiryo UI" panose="020B0604030504040204" pitchFamily="50" charset="-128"/>
-                </a:rPr>
-                <a:t>を入れる</a:t>
-              </a:r>
-            </a:p>
-          </p:txBody>
-        </p:sp>
-        <p:sp>
-          <p:nvSpPr>
-            <p:cNvPr id="35" name="正方形/長方形 34">
-              <a:extLst>
-                <a:ext uri="{FF2B5EF4-FFF2-40B4-BE49-F238E27FC236}">
-                  <a16:creationId xmlns:a16="http://schemas.microsoft.com/office/drawing/2014/main" id="{987FDCED-92F6-4CAB-A42A-CA7D8E953786}"/>
-                </a:ext>
-              </a:extLst>
-            </p:cNvPr>
-            <p:cNvSpPr/>
-            <p:nvPr/>
-          </p:nvSpPr>
-          <p:spPr>
-            <a:xfrm>
-              <a:off x="2655468" y="2787042"/>
-              <a:ext cx="1094646" cy="429893"/>
-            </a:xfrm>
-            <a:prstGeom prst="rect">
-              <a:avLst/>
-            </a:prstGeom>
-            <a:noFill/>
-            <a:ln>
-              <a:noFill/>
-            </a:ln>
-          </p:spPr>
-          <p:style>
-            <a:lnRef idx="2">
-              <a:schemeClr val="accent1">
-                <a:shade val="50000"/>
-              </a:schemeClr>
-            </a:lnRef>
-            <a:fillRef idx="1">
-              <a:schemeClr val="accent1"/>
-            </a:fillRef>
-            <a:effectRef idx="0">
-              <a:schemeClr val="accent1"/>
-            </a:effectRef>
-            <a:fontRef idx="minor">
-              <a:schemeClr val="lt1"/>
-            </a:fontRef>
-          </p:style>
-          <p:txBody>
-            <a:bodyPr rtlCol="0" anchor="ctr"/>
-            <a:lstStyle/>
-            <a:p>
-              <a:pPr algn="ctr"/>
-              <a:r>
-                <a:rPr kumimoji="1" lang="ja-JP" altLang="en-US" dirty="0">
-                  <a:solidFill>
-                    <a:schemeClr val="tx1">
-                      <a:lumMod val="85000"/>
-                      <a:lumOff val="15000"/>
-                    </a:schemeClr>
-                  </a:solidFill>
-                  <a:latin typeface="Meiryo UI" panose="020B0604030504040204" pitchFamily="50" charset="-128"/>
-                  <a:ea typeface="Meiryo UI" panose="020B0604030504040204" pitchFamily="50" charset="-128"/>
-                </a:rPr>
-                <a:t>末尾に</a:t>
-              </a:r>
-              <a:endParaRPr kumimoji="1" lang="en-US" altLang="ja-JP" dirty="0">
-                <a:solidFill>
-                  <a:schemeClr val="tx1">
-                    <a:lumMod val="85000"/>
-                    <a:lumOff val="15000"/>
-                  </a:schemeClr>
-                </a:solidFill>
-                <a:latin typeface="Meiryo UI" panose="020B0604030504040204" pitchFamily="50" charset="-128"/>
-                <a:ea typeface="Meiryo UI" panose="020B0604030504040204" pitchFamily="50" charset="-128"/>
-              </a:endParaRPr>
-            </a:p>
-            <a:p>
-              <a:pPr algn="ctr"/>
-              <a:r>
-                <a:rPr kumimoji="1" lang="en-US" altLang="ja-JP" dirty="0">
-                  <a:solidFill>
-                    <a:schemeClr val="tx1">
-                      <a:lumMod val="85000"/>
-                      <a:lumOff val="15000"/>
-                    </a:schemeClr>
-                  </a:solidFill>
-                  <a:latin typeface="Meiryo UI" panose="020B0604030504040204" pitchFamily="50" charset="-128"/>
-                  <a:ea typeface="Meiryo UI" panose="020B0604030504040204" pitchFamily="50" charset="-128"/>
-                </a:rPr>
-                <a:t>“\n”</a:t>
-              </a:r>
-              <a:r>
-                <a:rPr kumimoji="1" lang="ja-JP" altLang="en-US" dirty="0">
-                  <a:solidFill>
-                    <a:schemeClr val="tx1">
-                      <a:lumMod val="85000"/>
-                      <a:lumOff val="15000"/>
-                    </a:schemeClr>
-                  </a:solidFill>
-                  <a:latin typeface="Meiryo UI" panose="020B0604030504040204" pitchFamily="50" charset="-128"/>
-                  <a:ea typeface="Meiryo UI" panose="020B0604030504040204" pitchFamily="50" charset="-128"/>
-                </a:rPr>
-                <a:t>を追加</a:t>
-              </a:r>
-            </a:p>
-          </p:txBody>
-        </p:sp>
-        <p:sp>
-          <p:nvSpPr>
-            <p:cNvPr id="36" name="正方形/長方形 35">
-              <a:extLst>
-                <a:ext uri="{FF2B5EF4-FFF2-40B4-BE49-F238E27FC236}">
-                  <a16:creationId xmlns:a16="http://schemas.microsoft.com/office/drawing/2014/main" id="{20E23E0B-5374-40C9-B7F8-ECDC9DDA35AE}"/>
-                </a:ext>
-              </a:extLst>
-            </p:cNvPr>
-            <p:cNvSpPr/>
-            <p:nvPr/>
-          </p:nvSpPr>
-          <p:spPr>
-            <a:xfrm>
-              <a:off x="4572000" y="2787042"/>
-              <a:ext cx="1210960" cy="429893"/>
-            </a:xfrm>
-            <a:prstGeom prst="rect">
-              <a:avLst/>
-            </a:prstGeom>
-            <a:noFill/>
-            <a:ln>
-              <a:noFill/>
-            </a:ln>
-          </p:spPr>
-          <p:style>
-            <a:lnRef idx="2">
-              <a:schemeClr val="accent1">
-                <a:shade val="50000"/>
-              </a:schemeClr>
-            </a:lnRef>
-            <a:fillRef idx="1">
-              <a:schemeClr val="accent1"/>
-            </a:fillRef>
-            <a:effectRef idx="0">
-              <a:schemeClr val="accent1"/>
-            </a:effectRef>
-            <a:fontRef idx="minor">
-              <a:schemeClr val="lt1"/>
-            </a:fontRef>
-          </p:style>
-          <p:txBody>
-            <a:bodyPr rtlCol="0" anchor="ctr"/>
-            <a:lstStyle/>
-            <a:p>
-              <a:pPr algn="ctr"/>
-              <a:r>
-                <a:rPr kumimoji="1" lang="ja-JP" altLang="en-US" dirty="0">
-                  <a:solidFill>
-                    <a:schemeClr val="tx1">
-                      <a:lumMod val="85000"/>
-                      <a:lumOff val="15000"/>
-                    </a:schemeClr>
-                  </a:solidFill>
-                  <a:latin typeface="Meiryo UI" panose="020B0604030504040204" pitchFamily="50" charset="-128"/>
-                  <a:ea typeface="Meiryo UI" panose="020B0604030504040204" pitchFamily="50" charset="-128"/>
-                </a:rPr>
-                <a:t>できあがった</a:t>
-              </a:r>
-              <a:endParaRPr kumimoji="1" lang="en-US" altLang="ja-JP" dirty="0">
-                <a:solidFill>
-                  <a:schemeClr val="tx1">
-                    <a:lumMod val="85000"/>
-                    <a:lumOff val="15000"/>
-                  </a:schemeClr>
-                </a:solidFill>
-                <a:latin typeface="Meiryo UI" panose="020B0604030504040204" pitchFamily="50" charset="-128"/>
-                <a:ea typeface="Meiryo UI" panose="020B0604030504040204" pitchFamily="50" charset="-128"/>
-              </a:endParaRPr>
-            </a:p>
-            <a:p>
-              <a:pPr algn="ctr"/>
-              <a:r>
-                <a:rPr kumimoji="1" lang="ja-JP" altLang="en-US" dirty="0">
-                  <a:solidFill>
-                    <a:schemeClr val="tx1">
-                      <a:lumMod val="85000"/>
-                      <a:lumOff val="15000"/>
-                    </a:schemeClr>
-                  </a:solidFill>
-                  <a:latin typeface="Meiryo UI" panose="020B0604030504040204" pitchFamily="50" charset="-128"/>
-                  <a:ea typeface="Meiryo UI" panose="020B0604030504040204" pitchFamily="50" charset="-128"/>
-                </a:rPr>
-                <a:t>文字列を結合</a:t>
-              </a:r>
-            </a:p>
-          </p:txBody>
-        </p:sp>
-        <p:sp>
-          <p:nvSpPr>
-            <p:cNvPr id="37" name="正方形/長方形 36">
-              <a:extLst>
-                <a:ext uri="{FF2B5EF4-FFF2-40B4-BE49-F238E27FC236}">
-                  <a16:creationId xmlns:a16="http://schemas.microsoft.com/office/drawing/2014/main" id="{DCD7BC39-0414-4F4F-B42E-1298D4BF38AF}"/>
-                </a:ext>
-              </a:extLst>
-            </p:cNvPr>
-            <p:cNvSpPr/>
-            <p:nvPr/>
-          </p:nvSpPr>
-          <p:spPr>
-            <a:xfrm>
-              <a:off x="6851584" y="3662577"/>
-              <a:ext cx="1564858" cy="429893"/>
-            </a:xfrm>
-            <a:prstGeom prst="rect">
-              <a:avLst/>
-            </a:prstGeom>
-            <a:noFill/>
-            <a:ln>
-              <a:noFill/>
-            </a:ln>
-          </p:spPr>
-          <p:style>
-            <a:lnRef idx="2">
-              <a:schemeClr val="accent1">
-                <a:shade val="50000"/>
-              </a:schemeClr>
-            </a:lnRef>
-            <a:fillRef idx="1">
-              <a:schemeClr val="accent1"/>
-            </a:fillRef>
-            <a:effectRef idx="0">
-              <a:schemeClr val="accent1"/>
-            </a:effectRef>
-            <a:fontRef idx="minor">
-              <a:schemeClr val="lt1"/>
-            </a:fontRef>
-          </p:style>
-          <p:txBody>
-            <a:bodyPr rtlCol="0" anchor="ctr"/>
-            <a:lstStyle/>
-            <a:p>
-              <a:pPr algn="ctr"/>
-              <a:r>
-                <a:rPr kumimoji="1" lang="ja-JP" altLang="en-US" dirty="0">
-                  <a:solidFill>
-                    <a:schemeClr val="tx1">
-                      <a:lumMod val="85000"/>
-                      <a:lumOff val="15000"/>
-                    </a:schemeClr>
-                  </a:solidFill>
-                  <a:latin typeface="Meiryo UI" panose="020B0604030504040204" pitchFamily="50" charset="-128"/>
-                  <a:ea typeface="Meiryo UI" panose="020B0604030504040204" pitchFamily="50" charset="-128"/>
-                </a:rPr>
-                <a:t>末尾の</a:t>
-              </a:r>
-              <a:r>
-                <a:rPr kumimoji="1" lang="en-US" altLang="ja-JP" dirty="0">
-                  <a:solidFill>
-                    <a:schemeClr val="tx1">
-                      <a:lumMod val="85000"/>
-                      <a:lumOff val="15000"/>
-                    </a:schemeClr>
-                  </a:solidFill>
-                  <a:latin typeface="Meiryo UI" panose="020B0604030504040204" pitchFamily="50" charset="-128"/>
-                  <a:ea typeface="Meiryo UI" panose="020B0604030504040204" pitchFamily="50" charset="-128"/>
-                </a:rPr>
-                <a:t>”\n”</a:t>
-              </a:r>
-              <a:r>
-                <a:rPr kumimoji="1" lang="ja-JP" altLang="en-US" dirty="0">
-                  <a:solidFill>
-                    <a:schemeClr val="tx1">
-                      <a:lumMod val="85000"/>
-                      <a:lumOff val="15000"/>
-                    </a:schemeClr>
-                  </a:solidFill>
-                  <a:latin typeface="Meiryo UI" panose="020B0604030504040204" pitchFamily="50" charset="-128"/>
-                  <a:ea typeface="Meiryo UI" panose="020B0604030504040204" pitchFamily="50" charset="-128"/>
-                </a:rPr>
-                <a:t>を削除</a:t>
-              </a:r>
-            </a:p>
-          </p:txBody>
-        </p:sp>
-        <p:sp>
-          <p:nvSpPr>
-            <p:cNvPr id="38" name="吹き出し: 円形 37">
-              <a:extLst>
-                <a:ext uri="{FF2B5EF4-FFF2-40B4-BE49-F238E27FC236}">
-                  <a16:creationId xmlns:a16="http://schemas.microsoft.com/office/drawing/2014/main" id="{249F3303-D243-4077-952C-3A7ACC66D489}"/>
-                </a:ext>
-              </a:extLst>
-            </p:cNvPr>
-            <p:cNvSpPr/>
-            <p:nvPr/>
-          </p:nvSpPr>
-          <p:spPr>
-            <a:xfrm>
-              <a:off x="8355989" y="3399819"/>
-              <a:ext cx="507600" cy="506437"/>
-            </a:xfrm>
-            <a:prstGeom prst="wedgeEllipseCallout">
-              <a:avLst>
-                <a:gd name="adj1" fmla="val -34870"/>
-                <a:gd name="adj2" fmla="val 62500"/>
-              </a:avLst>
-            </a:prstGeom>
-            <a:noFill/>
-            <a:ln w="12700">
-              <a:solidFill>
-                <a:schemeClr val="accent1"/>
-              </a:solidFill>
-            </a:ln>
-          </p:spPr>
-          <p:style>
-            <a:lnRef idx="2">
-              <a:schemeClr val="accent1">
-                <a:shade val="50000"/>
-              </a:schemeClr>
-            </a:lnRef>
-            <a:fillRef idx="1">
-              <a:schemeClr val="accent1"/>
-            </a:fillRef>
-            <a:effectRef idx="0">
-              <a:schemeClr val="accent1"/>
-            </a:effectRef>
-            <a:fontRef idx="minor">
-              <a:schemeClr val="lt1"/>
-            </a:fontRef>
-          </p:style>
-          <p:txBody>
-            <a:bodyPr wrap="none" rtlCol="0" anchor="ctr"/>
-            <a:lstStyle/>
-            <a:p>
-              <a:pPr algn="ctr"/>
-              <a:r>
-                <a:rPr kumimoji="1" lang="ja-JP" altLang="en-US" dirty="0">
-                  <a:solidFill>
-                    <a:schemeClr val="accent1"/>
-                  </a:solidFill>
-                  <a:latin typeface="Meiryo UI" panose="020B0604030504040204" pitchFamily="50" charset="-128"/>
-                  <a:ea typeface="Meiryo UI" panose="020B0604030504040204" pitchFamily="50" charset="-128"/>
-                </a:rPr>
-                <a:t>完成</a:t>
-              </a:r>
-            </a:p>
-          </p:txBody>
-        </p:sp>
-        <p:sp>
-          <p:nvSpPr>
-            <p:cNvPr id="40" name="正方形/長方形 39">
-              <a:extLst>
-                <a:ext uri="{FF2B5EF4-FFF2-40B4-BE49-F238E27FC236}">
-                  <a16:creationId xmlns:a16="http://schemas.microsoft.com/office/drawing/2014/main" id="{DFCA995E-1BA6-434B-86D1-B21E795113B9}"/>
-                </a:ext>
-              </a:extLst>
-            </p:cNvPr>
-            <p:cNvSpPr/>
-            <p:nvPr/>
-          </p:nvSpPr>
-          <p:spPr>
-            <a:xfrm>
-              <a:off x="197889" y="2364237"/>
-              <a:ext cx="8748221" cy="2060511"/>
-            </a:xfrm>
-            <a:prstGeom prst="rect">
-              <a:avLst/>
-            </a:prstGeom>
-            <a:noFill/>
-            <a:ln w="9525">
-              <a:solidFill>
-                <a:schemeClr val="tx1"/>
-              </a:solidFill>
-            </a:ln>
-          </p:spPr>
-          <p:style>
-            <a:lnRef idx="2">
-              <a:schemeClr val="accent1">
-                <a:shade val="50000"/>
-              </a:schemeClr>
-            </a:lnRef>
-            <a:fillRef idx="1">
-              <a:schemeClr val="accent1"/>
-            </a:fillRef>
-            <a:effectRef idx="0">
-              <a:schemeClr val="accent1"/>
-            </a:effectRef>
-            <a:fontRef idx="minor">
-              <a:schemeClr val="lt1"/>
-            </a:fontRef>
-          </p:style>
-          <p:txBody>
-            <a:bodyPr rtlCol="0" anchor="ctr"/>
-            <a:lstStyle/>
-            <a:p>
-              <a:pPr algn="ctr"/>
-              <a:endParaRPr kumimoji="1" lang="ja-JP" altLang="en-US" dirty="0">
-                <a:solidFill>
-                  <a:schemeClr val="tx1">
-                    <a:lumMod val="85000"/>
-                    <a:lumOff val="15000"/>
-                  </a:schemeClr>
-                </a:solidFill>
-                <a:latin typeface="Meiryo UI" panose="020B0604030504040204" pitchFamily="50" charset="-128"/>
-                <a:ea typeface="Meiryo UI" panose="020B0604030504040204" pitchFamily="50" charset="-128"/>
-              </a:endParaRPr>
-            </a:p>
-          </p:txBody>
-        </p:sp>
-        <p:sp>
-          <p:nvSpPr>
-            <p:cNvPr id="23" name="正方形/長方形 22">
-              <a:extLst>
-                <a:ext uri="{FF2B5EF4-FFF2-40B4-BE49-F238E27FC236}">
-                  <a16:creationId xmlns:a16="http://schemas.microsoft.com/office/drawing/2014/main" id="{0D17ABA5-9A62-4C5E-ACB4-EBCC86CDD511}"/>
-                </a:ext>
-              </a:extLst>
-            </p:cNvPr>
-            <p:cNvSpPr/>
-            <p:nvPr/>
-          </p:nvSpPr>
-          <p:spPr>
-            <a:xfrm>
-              <a:off x="3712685" y="2285728"/>
-              <a:ext cx="1718631" cy="184662"/>
-            </a:xfrm>
-            <a:prstGeom prst="rect">
-              <a:avLst/>
-            </a:prstGeom>
-            <a:solidFill>
-              <a:schemeClr val="bg1"/>
-            </a:solidFill>
-            <a:ln>
-              <a:noFill/>
-            </a:ln>
-          </p:spPr>
-          <p:style>
-            <a:lnRef idx="2">
-              <a:schemeClr val="accent1">
-                <a:shade val="50000"/>
-              </a:schemeClr>
-            </a:lnRef>
-            <a:fillRef idx="1">
-              <a:schemeClr val="accent1"/>
-            </a:fillRef>
-            <a:effectRef idx="0">
-              <a:schemeClr val="accent1"/>
-            </a:effectRef>
-            <a:fontRef idx="minor">
-              <a:schemeClr val="lt1"/>
-            </a:fontRef>
-          </p:style>
-          <p:txBody>
-            <a:bodyPr rtlCol="0" anchor="ctr"/>
-            <a:lstStyle/>
-            <a:p>
-              <a:pPr algn="ctr"/>
-              <a:r>
-                <a:rPr kumimoji="1" lang="ja-JP" altLang="en-US" dirty="0">
-                  <a:solidFill>
-                    <a:schemeClr val="tx1">
-                      <a:lumMod val="85000"/>
-                      <a:lumOff val="15000"/>
-                    </a:schemeClr>
-                  </a:solidFill>
-                  <a:latin typeface="Meiryo UI" panose="020B0604030504040204" pitchFamily="50" charset="-128"/>
-                  <a:ea typeface="Meiryo UI" panose="020B0604030504040204" pitchFamily="50" charset="-128"/>
-                </a:rPr>
-                <a:t>プログラムの流れ</a:t>
-              </a:r>
-            </a:p>
-          </p:txBody>
-        </p:sp>
-        <p:sp>
-          <p:nvSpPr>
-            <p:cNvPr id="4" name="矢印: 環状 3">
-              <a:extLst>
-                <a:ext uri="{FF2B5EF4-FFF2-40B4-BE49-F238E27FC236}">
-                  <a16:creationId xmlns:a16="http://schemas.microsoft.com/office/drawing/2014/main" id="{B5110B76-6898-4AFC-8285-306F7D73F784}"/>
-                </a:ext>
-              </a:extLst>
-            </p:cNvPr>
-            <p:cNvSpPr/>
-            <p:nvPr/>
-          </p:nvSpPr>
-          <p:spPr>
-            <a:xfrm rot="5400000">
-              <a:off x="1693373" y="3394492"/>
-              <a:ext cx="342510" cy="342510"/>
-            </a:xfrm>
-            <a:prstGeom prst="circularArrow">
-              <a:avLst/>
-            </a:prstGeom>
-            <a:ln>
-              <a:noFill/>
-            </a:ln>
-          </p:spPr>
-          <p:style>
-            <a:lnRef idx="2">
-              <a:schemeClr val="accent1">
-                <a:shade val="50000"/>
-              </a:schemeClr>
-            </a:lnRef>
-            <a:fillRef idx="1">
-              <a:schemeClr val="accent1"/>
-            </a:fillRef>
-            <a:effectRef idx="0">
-              <a:schemeClr val="accent1"/>
-            </a:effectRef>
-            <a:fontRef idx="minor">
-              <a:schemeClr val="lt1"/>
-            </a:fontRef>
-          </p:style>
-          <p:txBody>
-            <a:bodyPr rtlCol="0" anchor="ctr"/>
-            <a:lstStyle/>
-            <a:p>
-              <a:pPr algn="ctr"/>
-              <a:endParaRPr kumimoji="1" lang="ja-JP" altLang="en-US">
-                <a:solidFill>
-                  <a:schemeClr val="tx1"/>
-                </a:solidFill>
-              </a:endParaRPr>
-            </a:p>
-          </p:txBody>
-        </p:sp>
-        <p:sp>
-          <p:nvSpPr>
-            <p:cNvPr id="24" name="矢印: 環状 23">
-              <a:extLst>
-                <a:ext uri="{FF2B5EF4-FFF2-40B4-BE49-F238E27FC236}">
-                  <a16:creationId xmlns:a16="http://schemas.microsoft.com/office/drawing/2014/main" id="{CEC7817F-7195-47E6-8698-4A776FC78512}"/>
-                </a:ext>
-              </a:extLst>
-            </p:cNvPr>
-            <p:cNvSpPr/>
-            <p:nvPr/>
-          </p:nvSpPr>
-          <p:spPr>
-            <a:xfrm rot="5400000">
-              <a:off x="1693373" y="3844113"/>
-              <a:ext cx="342510" cy="342510"/>
-            </a:xfrm>
-            <a:prstGeom prst="circularArrow">
-              <a:avLst/>
-            </a:prstGeom>
-            <a:ln>
-              <a:noFill/>
-            </a:ln>
-          </p:spPr>
-          <p:style>
-            <a:lnRef idx="2">
-              <a:schemeClr val="accent1">
-                <a:shade val="50000"/>
-              </a:schemeClr>
-            </a:lnRef>
-            <a:fillRef idx="1">
-              <a:schemeClr val="accent1"/>
-            </a:fillRef>
-            <a:effectRef idx="0">
-              <a:schemeClr val="accent1"/>
-            </a:effectRef>
-            <a:fontRef idx="minor">
-              <a:schemeClr val="lt1"/>
-            </a:fontRef>
-          </p:style>
-          <p:txBody>
-            <a:bodyPr rtlCol="0" anchor="ctr"/>
-            <a:lstStyle/>
-            <a:p>
-              <a:pPr algn="ctr"/>
-              <a:endParaRPr kumimoji="1" lang="ja-JP" altLang="en-US">
-                <a:solidFill>
-                  <a:schemeClr val="tx1"/>
-                </a:solidFill>
-              </a:endParaRPr>
-            </a:p>
-          </p:txBody>
-        </p:sp>
-        <p:sp>
-          <p:nvSpPr>
-            <p:cNvPr id="25" name="正方形/長方形 24">
-              <a:extLst>
-                <a:ext uri="{FF2B5EF4-FFF2-40B4-BE49-F238E27FC236}">
-                  <a16:creationId xmlns:a16="http://schemas.microsoft.com/office/drawing/2014/main" id="{07009682-808A-41BD-A263-96969D174E92}"/>
-                </a:ext>
-              </a:extLst>
-            </p:cNvPr>
-            <p:cNvSpPr/>
-            <p:nvPr/>
-          </p:nvSpPr>
-          <p:spPr>
-            <a:xfrm>
-              <a:off x="212452" y="3036322"/>
-              <a:ext cx="342510" cy="1369716"/>
-            </a:xfrm>
-            <a:prstGeom prst="rect">
-              <a:avLst/>
-            </a:prstGeom>
-            <a:noFill/>
-            <a:ln>
-              <a:noFill/>
-            </a:ln>
-          </p:spPr>
-          <p:style>
-            <a:lnRef idx="2">
-              <a:schemeClr val="accent1">
-                <a:shade val="50000"/>
-              </a:schemeClr>
-            </a:lnRef>
-            <a:fillRef idx="1">
-              <a:schemeClr val="accent1"/>
-            </a:fillRef>
-            <a:effectRef idx="0">
-              <a:schemeClr val="accent1"/>
-            </a:effectRef>
-            <a:fontRef idx="minor">
-              <a:schemeClr val="lt1"/>
-            </a:fontRef>
-          </p:style>
-          <p:txBody>
-            <a:bodyPr vert="eaVert" rtlCol="0" anchor="ctr"/>
-            <a:lstStyle/>
-            <a:p>
-              <a:pPr algn="ctr"/>
-              <a:r>
-                <a:rPr kumimoji="1" lang="ja-JP" altLang="en-US" sz="1200" dirty="0">
-                  <a:solidFill>
-                    <a:schemeClr val="tx1">
-                      <a:lumMod val="85000"/>
-                      <a:lumOff val="15000"/>
-                    </a:schemeClr>
-                  </a:solidFill>
-                  <a:latin typeface="Meiryo UI" panose="020B0604030504040204" pitchFamily="50" charset="-128"/>
-                  <a:ea typeface="Meiryo UI" panose="020B0604030504040204" pitchFamily="50" charset="-128"/>
-                </a:rPr>
-                <a:t>高さの数繰り返す</a:t>
-              </a:r>
-              <a:endParaRPr kumimoji="1" lang="en-US" altLang="ja-JP" sz="1200" dirty="0">
-                <a:solidFill>
-                  <a:schemeClr val="tx1">
-                    <a:lumMod val="85000"/>
-                    <a:lumOff val="15000"/>
-                  </a:schemeClr>
-                </a:solidFill>
-                <a:latin typeface="Meiryo UI" panose="020B0604030504040204" pitchFamily="50" charset="-128"/>
-                <a:ea typeface="Meiryo UI" panose="020B0604030504040204" pitchFamily="50" charset="-128"/>
-              </a:endParaRPr>
-            </a:p>
-          </p:txBody>
-        </p:sp>
-        <p:cxnSp>
-          <p:nvCxnSpPr>
-            <p:cNvPr id="6" name="直線矢印コネクタ 5">
-              <a:extLst>
-                <a:ext uri="{FF2B5EF4-FFF2-40B4-BE49-F238E27FC236}">
-                  <a16:creationId xmlns:a16="http://schemas.microsoft.com/office/drawing/2014/main" id="{187E6AA8-8B1D-4790-B8FC-0E48AD981E16}"/>
-                </a:ext>
-              </a:extLst>
-            </p:cNvPr>
-            <p:cNvCxnSpPr>
-              <a:cxnSpLocks/>
-            </p:cNvCxnSpPr>
-            <p:nvPr/>
-          </p:nvCxnSpPr>
-          <p:spPr>
-            <a:xfrm flipV="1">
-              <a:off x="1507554" y="3501372"/>
-              <a:ext cx="0" cy="9601"/>
-            </a:xfrm>
-            <a:prstGeom prst="straightConnector1">
-              <a:avLst/>
-            </a:prstGeom>
-            <a:ln w="12700">
-              <a:solidFill>
-                <a:schemeClr val="tx1"/>
-              </a:solidFill>
-              <a:tailEnd type="arrow" w="sm" len="sm"/>
-            </a:ln>
-          </p:spPr>
-          <p:style>
-            <a:lnRef idx="1">
-              <a:schemeClr val="accent1"/>
-            </a:lnRef>
-            <a:fillRef idx="0">
-              <a:schemeClr val="accent1"/>
-            </a:fillRef>
-            <a:effectRef idx="0">
-              <a:schemeClr val="accent1"/>
-            </a:effectRef>
-            <a:fontRef idx="minor">
-              <a:schemeClr val="tx1"/>
-            </a:fontRef>
-          </p:style>
-        </p:cxnSp>
-        <p:cxnSp>
-          <p:nvCxnSpPr>
-            <p:cNvPr id="45" name="直線矢印コネクタ 44">
-              <a:extLst>
-                <a:ext uri="{FF2B5EF4-FFF2-40B4-BE49-F238E27FC236}">
-                  <a16:creationId xmlns:a16="http://schemas.microsoft.com/office/drawing/2014/main" id="{A7E43D5F-E2DC-46F7-B0FB-1A1A71FE2EC4}"/>
-                </a:ext>
-              </a:extLst>
-            </p:cNvPr>
-            <p:cNvCxnSpPr>
-              <a:cxnSpLocks/>
-            </p:cNvCxnSpPr>
-            <p:nvPr/>
-          </p:nvCxnSpPr>
-          <p:spPr>
-            <a:xfrm flipV="1">
-              <a:off x="1445270" y="3855835"/>
-              <a:ext cx="0" cy="9601"/>
-            </a:xfrm>
-            <a:prstGeom prst="straightConnector1">
-              <a:avLst/>
-            </a:prstGeom>
-            <a:ln w="12700">
-              <a:solidFill>
-                <a:schemeClr val="tx1"/>
-              </a:solidFill>
-              <a:tailEnd type="arrow" w="sm" len="sm"/>
-            </a:ln>
-          </p:spPr>
-          <p:style>
-            <a:lnRef idx="1">
-              <a:schemeClr val="accent1"/>
-            </a:lnRef>
-            <a:fillRef idx="0">
-              <a:schemeClr val="accent1"/>
-            </a:fillRef>
-            <a:effectRef idx="0">
-              <a:schemeClr val="accent1"/>
-            </a:effectRef>
-            <a:fontRef idx="minor">
-              <a:schemeClr val="tx1"/>
-            </a:fontRef>
-          </p:style>
-        </p:cxnSp>
-        <p:cxnSp>
-          <p:nvCxnSpPr>
-            <p:cNvPr id="46" name="直線矢印コネクタ 45">
-              <a:extLst>
-                <a:ext uri="{FF2B5EF4-FFF2-40B4-BE49-F238E27FC236}">
-                  <a16:creationId xmlns:a16="http://schemas.microsoft.com/office/drawing/2014/main" id="{A7B61A47-12EE-44CB-AE86-ADE8D2ED442B}"/>
-                </a:ext>
-              </a:extLst>
-            </p:cNvPr>
-            <p:cNvCxnSpPr>
-              <a:cxnSpLocks/>
-            </p:cNvCxnSpPr>
-            <p:nvPr/>
-          </p:nvCxnSpPr>
-          <p:spPr>
-            <a:xfrm flipV="1">
-              <a:off x="1327211" y="4227178"/>
-              <a:ext cx="0" cy="9601"/>
-            </a:xfrm>
-            <a:prstGeom prst="straightConnector1">
-              <a:avLst/>
-            </a:prstGeom>
-            <a:ln w="12700">
-              <a:solidFill>
-                <a:schemeClr val="tx1"/>
-              </a:solidFill>
-              <a:tailEnd type="arrow" w="sm" len="sm"/>
-            </a:ln>
-          </p:spPr>
-          <p:style>
-            <a:lnRef idx="1">
-              <a:schemeClr val="accent1"/>
-            </a:lnRef>
-            <a:fillRef idx="0">
-              <a:schemeClr val="accent1"/>
-            </a:fillRef>
-            <a:effectRef idx="0">
-              <a:schemeClr val="accent1"/>
-            </a:effectRef>
-            <a:fontRef idx="minor">
-              <a:schemeClr val="tx1"/>
-            </a:fontRef>
-          </p:style>
-        </p:cxnSp>
-        <p:cxnSp>
-          <p:nvCxnSpPr>
-            <p:cNvPr id="52" name="直線矢印コネクタ 51">
-              <a:extLst>
-                <a:ext uri="{FF2B5EF4-FFF2-40B4-BE49-F238E27FC236}">
-                  <a16:creationId xmlns:a16="http://schemas.microsoft.com/office/drawing/2014/main" id="{CF3D91F4-74B6-4BE4-BE6F-0B848CB7A5A3}"/>
-                </a:ext>
-              </a:extLst>
-            </p:cNvPr>
-            <p:cNvCxnSpPr>
-              <a:cxnSpLocks/>
-            </p:cNvCxnSpPr>
-            <p:nvPr/>
-          </p:nvCxnSpPr>
-          <p:spPr>
-            <a:xfrm flipV="1">
-              <a:off x="8405111" y="4227178"/>
-              <a:ext cx="0" cy="9601"/>
-            </a:xfrm>
-            <a:prstGeom prst="straightConnector1">
-              <a:avLst/>
-            </a:prstGeom>
-            <a:ln w="12700">
-              <a:solidFill>
-                <a:schemeClr val="tx1"/>
-              </a:solidFill>
-              <a:tailEnd type="arrow" w="sm" len="sm"/>
-            </a:ln>
-          </p:spPr>
-          <p:style>
-            <a:lnRef idx="1">
-              <a:schemeClr val="accent1"/>
-            </a:lnRef>
-            <a:fillRef idx="0">
-              <a:schemeClr val="accent1"/>
-            </a:fillRef>
-            <a:effectRef idx="0">
-              <a:schemeClr val="accent1"/>
-            </a:effectRef>
-            <a:fontRef idx="minor">
-              <a:schemeClr val="tx1"/>
-            </a:fontRef>
-          </p:style>
-        </p:cxnSp>
-      </p:grpSp>
-      <p:sp>
-        <p:nvSpPr>
-          <p:cNvPr id="53" name="正方形/長方形 52">
-            <a:extLst>
-              <a:ext uri="{FF2B5EF4-FFF2-40B4-BE49-F238E27FC236}">
-                <a16:creationId xmlns:a16="http://schemas.microsoft.com/office/drawing/2014/main" id="{E60805C7-C34C-49F0-9AB8-12825DA531A4}"/>
+                <a16:creationId xmlns:a16="http://schemas.microsoft.com/office/drawing/2014/main" id="{7E4F8DE7-7A00-4C21-838A-6474D463DC9E}"/>
               </a:ext>
             </a:extLst>
           </p:cNvPr>
@@ -13739,8 +10896,557 @@
         </p:nvSpPr>
         <p:spPr>
           <a:xfrm>
-            <a:off x="6122123" y="760392"/>
-            <a:ext cx="2015315" cy="429893"/>
+            <a:off x="7991786" y="3731834"/>
+            <a:ext cx="453277" cy="247965"/>
+          </a:xfrm>
+          <a:prstGeom prst="rect">
+            <a:avLst/>
+          </a:prstGeom>
+          <a:solidFill>
+            <a:srgbClr val="FFFFCC"/>
+          </a:solidFill>
+          <a:ln>
+            <a:noFill/>
+          </a:ln>
+        </p:spPr>
+        <p:style>
+          <a:lnRef idx="2">
+            <a:schemeClr val="accent1">
+              <a:shade val="50000"/>
+            </a:schemeClr>
+          </a:lnRef>
+          <a:fillRef idx="1">
+            <a:schemeClr val="accent1"/>
+          </a:fillRef>
+          <a:effectRef idx="0">
+            <a:schemeClr val="accent1"/>
+          </a:effectRef>
+          <a:fontRef idx="minor">
+            <a:schemeClr val="lt1"/>
+          </a:fontRef>
+        </p:style>
+        <p:txBody>
+          <a:bodyPr rtlCol="0" anchor="ctr"/>
+          <a:lstStyle/>
+          <a:p>
+            <a:pPr algn="ctr"/>
+            <a:endParaRPr kumimoji="1" lang="ja-JP" altLang="en-US" dirty="0">
+              <a:solidFill>
+                <a:schemeClr val="tx1">
+                  <a:lumMod val="85000"/>
+                  <a:lumOff val="15000"/>
+                </a:schemeClr>
+              </a:solidFill>
+              <a:latin typeface="Meiryo UI" panose="020B0604030504040204" pitchFamily="50" charset="-128"/>
+              <a:ea typeface="Meiryo UI" panose="020B0604030504040204" pitchFamily="50" charset="-128"/>
+            </a:endParaRPr>
+          </a:p>
+        </p:txBody>
+      </p:sp>
+      <p:sp>
+        <p:nvSpPr>
+          <p:cNvPr id="49" name="正方形/長方形 48">
+            <a:extLst>
+              <a:ext uri="{FF2B5EF4-FFF2-40B4-BE49-F238E27FC236}">
+                <a16:creationId xmlns:a16="http://schemas.microsoft.com/office/drawing/2014/main" id="{822CF126-F655-4761-8F3D-E3135675E97D}"/>
+              </a:ext>
+            </a:extLst>
+          </p:cNvPr>
+          <p:cNvSpPr/>
+          <p:nvPr/>
+        </p:nvSpPr>
+        <p:spPr>
+          <a:xfrm>
+            <a:off x="7398115" y="3731834"/>
+            <a:ext cx="593671" cy="247965"/>
+          </a:xfrm>
+          <a:prstGeom prst="rect">
+            <a:avLst/>
+          </a:prstGeom>
+          <a:solidFill>
+            <a:srgbClr val="CCFFFF"/>
+          </a:solidFill>
+          <a:ln>
+            <a:noFill/>
+          </a:ln>
+        </p:spPr>
+        <p:style>
+          <a:lnRef idx="2">
+            <a:schemeClr val="accent1">
+              <a:shade val="50000"/>
+            </a:schemeClr>
+          </a:lnRef>
+          <a:fillRef idx="1">
+            <a:schemeClr val="accent1"/>
+          </a:fillRef>
+          <a:effectRef idx="0">
+            <a:schemeClr val="accent1"/>
+          </a:effectRef>
+          <a:fontRef idx="minor">
+            <a:schemeClr val="lt1"/>
+          </a:fontRef>
+        </p:style>
+        <p:txBody>
+          <a:bodyPr rtlCol="0" anchor="ctr"/>
+          <a:lstStyle/>
+          <a:p>
+            <a:pPr algn="ctr"/>
+            <a:endParaRPr kumimoji="1" lang="ja-JP" altLang="en-US" dirty="0">
+              <a:solidFill>
+                <a:schemeClr val="tx1">
+                  <a:lumMod val="85000"/>
+                  <a:lumOff val="15000"/>
+                </a:schemeClr>
+              </a:solidFill>
+              <a:latin typeface="Meiryo UI" panose="020B0604030504040204" pitchFamily="50" charset="-128"/>
+              <a:ea typeface="Meiryo UI" panose="020B0604030504040204" pitchFamily="50" charset="-128"/>
+            </a:endParaRPr>
+          </a:p>
+        </p:txBody>
+      </p:sp>
+      <p:sp>
+        <p:nvSpPr>
+          <p:cNvPr id="50" name="正方形/長方形 49">
+            <a:extLst>
+              <a:ext uri="{FF2B5EF4-FFF2-40B4-BE49-F238E27FC236}">
+                <a16:creationId xmlns:a16="http://schemas.microsoft.com/office/drawing/2014/main" id="{5941D1EF-889F-4ABD-AD76-F0F9A281B208}"/>
+              </a:ext>
+            </a:extLst>
+          </p:cNvPr>
+          <p:cNvSpPr/>
+          <p:nvPr/>
+        </p:nvSpPr>
+        <p:spPr>
+          <a:xfrm>
+            <a:off x="6944838" y="3731834"/>
+            <a:ext cx="459407" cy="247965"/>
+          </a:xfrm>
+          <a:prstGeom prst="rect">
+            <a:avLst/>
+          </a:prstGeom>
+          <a:solidFill>
+            <a:srgbClr val="FFCCFF"/>
+          </a:solidFill>
+          <a:ln>
+            <a:noFill/>
+          </a:ln>
+        </p:spPr>
+        <p:style>
+          <a:lnRef idx="2">
+            <a:schemeClr val="accent1">
+              <a:shade val="50000"/>
+            </a:schemeClr>
+          </a:lnRef>
+          <a:fillRef idx="1">
+            <a:schemeClr val="accent1"/>
+          </a:fillRef>
+          <a:effectRef idx="0">
+            <a:schemeClr val="accent1"/>
+          </a:effectRef>
+          <a:fontRef idx="minor">
+            <a:schemeClr val="lt1"/>
+          </a:fontRef>
+        </p:style>
+        <p:txBody>
+          <a:bodyPr rtlCol="0" anchor="ctr"/>
+          <a:lstStyle/>
+          <a:p>
+            <a:pPr algn="ctr"/>
+            <a:endParaRPr kumimoji="1" lang="ja-JP" altLang="en-US" dirty="0">
+              <a:solidFill>
+                <a:schemeClr val="tx1">
+                  <a:lumMod val="85000"/>
+                  <a:lumOff val="15000"/>
+                </a:schemeClr>
+              </a:solidFill>
+              <a:latin typeface="Meiryo UI" panose="020B0604030504040204" pitchFamily="50" charset="-128"/>
+              <a:ea typeface="Meiryo UI" panose="020B0604030504040204" pitchFamily="50" charset="-128"/>
+            </a:endParaRPr>
+          </a:p>
+        </p:txBody>
+      </p:sp>
+      <p:sp>
+        <p:nvSpPr>
+          <p:cNvPr id="39" name="正方形/長方形 38">
+            <a:extLst>
+              <a:ext uri="{FF2B5EF4-FFF2-40B4-BE49-F238E27FC236}">
+                <a16:creationId xmlns:a16="http://schemas.microsoft.com/office/drawing/2014/main" id="{D57DDB7D-102B-4709-B92F-255347514501}"/>
+              </a:ext>
+            </a:extLst>
+          </p:cNvPr>
+          <p:cNvSpPr/>
+          <p:nvPr/>
+        </p:nvSpPr>
+        <p:spPr>
+          <a:xfrm>
+            <a:off x="5501178" y="3731834"/>
+            <a:ext cx="678288" cy="247965"/>
+          </a:xfrm>
+          <a:prstGeom prst="rect">
+            <a:avLst/>
+          </a:prstGeom>
+          <a:solidFill>
+            <a:srgbClr val="FFFFCC"/>
+          </a:solidFill>
+          <a:ln>
+            <a:noFill/>
+          </a:ln>
+        </p:spPr>
+        <p:style>
+          <a:lnRef idx="2">
+            <a:schemeClr val="accent1">
+              <a:shade val="50000"/>
+            </a:schemeClr>
+          </a:lnRef>
+          <a:fillRef idx="1">
+            <a:schemeClr val="accent1"/>
+          </a:fillRef>
+          <a:effectRef idx="0">
+            <a:schemeClr val="accent1"/>
+          </a:effectRef>
+          <a:fontRef idx="minor">
+            <a:schemeClr val="lt1"/>
+          </a:fontRef>
+        </p:style>
+        <p:txBody>
+          <a:bodyPr rtlCol="0" anchor="ctr"/>
+          <a:lstStyle/>
+          <a:p>
+            <a:pPr algn="ctr"/>
+            <a:endParaRPr kumimoji="1" lang="ja-JP" altLang="en-US" dirty="0">
+              <a:solidFill>
+                <a:schemeClr val="tx1">
+                  <a:lumMod val="85000"/>
+                  <a:lumOff val="15000"/>
+                </a:schemeClr>
+              </a:solidFill>
+              <a:latin typeface="Meiryo UI" panose="020B0604030504040204" pitchFamily="50" charset="-128"/>
+              <a:ea typeface="Meiryo UI" panose="020B0604030504040204" pitchFamily="50" charset="-128"/>
+            </a:endParaRPr>
+          </a:p>
+        </p:txBody>
+      </p:sp>
+      <p:sp>
+        <p:nvSpPr>
+          <p:cNvPr id="33" name="正方形/長方形 32">
+            <a:extLst>
+              <a:ext uri="{FF2B5EF4-FFF2-40B4-BE49-F238E27FC236}">
+                <a16:creationId xmlns:a16="http://schemas.microsoft.com/office/drawing/2014/main" id="{20A759E8-5629-4172-9A9A-8BC06772D26E}"/>
+              </a:ext>
+            </a:extLst>
+          </p:cNvPr>
+          <p:cNvSpPr/>
+          <p:nvPr/>
+        </p:nvSpPr>
+        <p:spPr>
+          <a:xfrm>
+            <a:off x="4907507" y="3731834"/>
+            <a:ext cx="593671" cy="247965"/>
+          </a:xfrm>
+          <a:prstGeom prst="rect">
+            <a:avLst/>
+          </a:prstGeom>
+          <a:solidFill>
+            <a:srgbClr val="CCFFFF"/>
+          </a:solidFill>
+          <a:ln>
+            <a:noFill/>
+          </a:ln>
+        </p:spPr>
+        <p:style>
+          <a:lnRef idx="2">
+            <a:schemeClr val="accent1">
+              <a:shade val="50000"/>
+            </a:schemeClr>
+          </a:lnRef>
+          <a:fillRef idx="1">
+            <a:schemeClr val="accent1"/>
+          </a:fillRef>
+          <a:effectRef idx="0">
+            <a:schemeClr val="accent1"/>
+          </a:effectRef>
+          <a:fontRef idx="minor">
+            <a:schemeClr val="lt1"/>
+          </a:fontRef>
+        </p:style>
+        <p:txBody>
+          <a:bodyPr rtlCol="0" anchor="ctr"/>
+          <a:lstStyle/>
+          <a:p>
+            <a:pPr algn="ctr"/>
+            <a:endParaRPr kumimoji="1" lang="ja-JP" altLang="en-US" dirty="0">
+              <a:solidFill>
+                <a:schemeClr val="tx1">
+                  <a:lumMod val="85000"/>
+                  <a:lumOff val="15000"/>
+                </a:schemeClr>
+              </a:solidFill>
+              <a:latin typeface="Meiryo UI" panose="020B0604030504040204" pitchFamily="50" charset="-128"/>
+              <a:ea typeface="Meiryo UI" panose="020B0604030504040204" pitchFamily="50" charset="-128"/>
+            </a:endParaRPr>
+          </a:p>
+        </p:txBody>
+      </p:sp>
+      <p:sp>
+        <p:nvSpPr>
+          <p:cNvPr id="32" name="正方形/長方形 31">
+            <a:extLst>
+              <a:ext uri="{FF2B5EF4-FFF2-40B4-BE49-F238E27FC236}">
+                <a16:creationId xmlns:a16="http://schemas.microsoft.com/office/drawing/2014/main" id="{C80BF633-C0D9-4593-B66F-3B4CC9E9B1E2}"/>
+              </a:ext>
+            </a:extLst>
+          </p:cNvPr>
+          <p:cNvSpPr/>
+          <p:nvPr/>
+        </p:nvSpPr>
+        <p:spPr>
+          <a:xfrm>
+            <a:off x="4454230" y="3731834"/>
+            <a:ext cx="459407" cy="247965"/>
+          </a:xfrm>
+          <a:prstGeom prst="rect">
+            <a:avLst/>
+          </a:prstGeom>
+          <a:solidFill>
+            <a:srgbClr val="FFCCFF"/>
+          </a:solidFill>
+          <a:ln>
+            <a:noFill/>
+          </a:ln>
+        </p:spPr>
+        <p:style>
+          <a:lnRef idx="2">
+            <a:schemeClr val="accent1">
+              <a:shade val="50000"/>
+            </a:schemeClr>
+          </a:lnRef>
+          <a:fillRef idx="1">
+            <a:schemeClr val="accent1"/>
+          </a:fillRef>
+          <a:effectRef idx="0">
+            <a:schemeClr val="accent1"/>
+          </a:effectRef>
+          <a:fontRef idx="minor">
+            <a:schemeClr val="lt1"/>
+          </a:fontRef>
+        </p:style>
+        <p:txBody>
+          <a:bodyPr rtlCol="0" anchor="ctr"/>
+          <a:lstStyle/>
+          <a:p>
+            <a:pPr algn="ctr"/>
+            <a:endParaRPr kumimoji="1" lang="ja-JP" altLang="en-US" dirty="0">
+              <a:solidFill>
+                <a:schemeClr val="tx1">
+                  <a:lumMod val="85000"/>
+                  <a:lumOff val="15000"/>
+                </a:schemeClr>
+              </a:solidFill>
+              <a:latin typeface="Meiryo UI" panose="020B0604030504040204" pitchFamily="50" charset="-128"/>
+              <a:ea typeface="Meiryo UI" panose="020B0604030504040204" pitchFamily="50" charset="-128"/>
+            </a:endParaRPr>
+          </a:p>
+        </p:txBody>
+      </p:sp>
+      <p:sp>
+        <p:nvSpPr>
+          <p:cNvPr id="31" name="正方形/長方形 30">
+            <a:extLst>
+              <a:ext uri="{FF2B5EF4-FFF2-40B4-BE49-F238E27FC236}">
+                <a16:creationId xmlns:a16="http://schemas.microsoft.com/office/drawing/2014/main" id="{85D69C3C-F70A-4335-9517-A53991B4A2CB}"/>
+              </a:ext>
+            </a:extLst>
+          </p:cNvPr>
+          <p:cNvSpPr/>
+          <p:nvPr/>
+        </p:nvSpPr>
+        <p:spPr>
+          <a:xfrm>
+            <a:off x="4907507" y="3364365"/>
+            <a:ext cx="593671" cy="247965"/>
+          </a:xfrm>
+          <a:prstGeom prst="rect">
+            <a:avLst/>
+          </a:prstGeom>
+          <a:solidFill>
+            <a:srgbClr val="CCFFFF"/>
+          </a:solidFill>
+          <a:ln>
+            <a:noFill/>
+          </a:ln>
+        </p:spPr>
+        <p:style>
+          <a:lnRef idx="2">
+            <a:schemeClr val="accent1">
+              <a:shade val="50000"/>
+            </a:schemeClr>
+          </a:lnRef>
+          <a:fillRef idx="1">
+            <a:schemeClr val="accent1"/>
+          </a:fillRef>
+          <a:effectRef idx="0">
+            <a:schemeClr val="accent1"/>
+          </a:effectRef>
+          <a:fontRef idx="minor">
+            <a:schemeClr val="lt1"/>
+          </a:fontRef>
+        </p:style>
+        <p:txBody>
+          <a:bodyPr rtlCol="0" anchor="ctr"/>
+          <a:lstStyle/>
+          <a:p>
+            <a:pPr algn="ctr"/>
+            <a:endParaRPr kumimoji="1" lang="ja-JP" altLang="en-US" dirty="0">
+              <a:solidFill>
+                <a:schemeClr val="tx1">
+                  <a:lumMod val="85000"/>
+                  <a:lumOff val="15000"/>
+                </a:schemeClr>
+              </a:solidFill>
+              <a:latin typeface="Meiryo UI" panose="020B0604030504040204" pitchFamily="50" charset="-128"/>
+              <a:ea typeface="Meiryo UI" panose="020B0604030504040204" pitchFamily="50" charset="-128"/>
+            </a:endParaRPr>
+          </a:p>
+        </p:txBody>
+      </p:sp>
+      <p:sp>
+        <p:nvSpPr>
+          <p:cNvPr id="30" name="正方形/長方形 29">
+            <a:extLst>
+              <a:ext uri="{FF2B5EF4-FFF2-40B4-BE49-F238E27FC236}">
+                <a16:creationId xmlns:a16="http://schemas.microsoft.com/office/drawing/2014/main" id="{9570902A-A37F-4B87-8526-2B927A6CF2DD}"/>
+              </a:ext>
+            </a:extLst>
+          </p:cNvPr>
+          <p:cNvSpPr/>
+          <p:nvPr/>
+        </p:nvSpPr>
+        <p:spPr>
+          <a:xfrm>
+            <a:off x="4454230" y="3364365"/>
+            <a:ext cx="459407" cy="247965"/>
+          </a:xfrm>
+          <a:prstGeom prst="rect">
+            <a:avLst/>
+          </a:prstGeom>
+          <a:solidFill>
+            <a:srgbClr val="FFCCFF"/>
+          </a:solidFill>
+          <a:ln>
+            <a:noFill/>
+          </a:ln>
+        </p:spPr>
+        <p:style>
+          <a:lnRef idx="2">
+            <a:schemeClr val="accent1">
+              <a:shade val="50000"/>
+            </a:schemeClr>
+          </a:lnRef>
+          <a:fillRef idx="1">
+            <a:schemeClr val="accent1"/>
+          </a:fillRef>
+          <a:effectRef idx="0">
+            <a:schemeClr val="accent1"/>
+          </a:effectRef>
+          <a:fontRef idx="minor">
+            <a:schemeClr val="lt1"/>
+          </a:fontRef>
+        </p:style>
+        <p:txBody>
+          <a:bodyPr rtlCol="0" anchor="ctr"/>
+          <a:lstStyle/>
+          <a:p>
+            <a:pPr algn="ctr"/>
+            <a:endParaRPr kumimoji="1" lang="ja-JP" altLang="en-US" dirty="0">
+              <a:solidFill>
+                <a:schemeClr val="tx1">
+                  <a:lumMod val="85000"/>
+                  <a:lumOff val="15000"/>
+                </a:schemeClr>
+              </a:solidFill>
+              <a:latin typeface="Meiryo UI" panose="020B0604030504040204" pitchFamily="50" charset="-128"/>
+              <a:ea typeface="Meiryo UI" panose="020B0604030504040204" pitchFamily="50" charset="-128"/>
+            </a:endParaRPr>
+          </a:p>
+        </p:txBody>
+      </p:sp>
+      <p:sp>
+        <p:nvSpPr>
+          <p:cNvPr id="28" name="正方形/長方形 27">
+            <a:extLst>
+              <a:ext uri="{FF2B5EF4-FFF2-40B4-BE49-F238E27FC236}">
+                <a16:creationId xmlns:a16="http://schemas.microsoft.com/office/drawing/2014/main" id="{3705C55F-3C52-4330-9398-57F62FC7EA6F}"/>
+              </a:ext>
+            </a:extLst>
+          </p:cNvPr>
+          <p:cNvSpPr/>
+          <p:nvPr/>
+        </p:nvSpPr>
+        <p:spPr>
+          <a:xfrm>
+            <a:off x="4454230" y="3004393"/>
+            <a:ext cx="459407" cy="247965"/>
+          </a:xfrm>
+          <a:prstGeom prst="rect">
+            <a:avLst/>
+          </a:prstGeom>
+          <a:solidFill>
+            <a:srgbClr val="FFCCFF"/>
+          </a:solidFill>
+          <a:ln>
+            <a:noFill/>
+          </a:ln>
+        </p:spPr>
+        <p:style>
+          <a:lnRef idx="2">
+            <a:schemeClr val="accent1">
+              <a:shade val="50000"/>
+            </a:schemeClr>
+          </a:lnRef>
+          <a:fillRef idx="1">
+            <a:schemeClr val="accent1"/>
+          </a:fillRef>
+          <a:effectRef idx="0">
+            <a:schemeClr val="accent1"/>
+          </a:effectRef>
+          <a:fontRef idx="minor">
+            <a:schemeClr val="lt1"/>
+          </a:fontRef>
+        </p:style>
+        <p:txBody>
+          <a:bodyPr rtlCol="0" anchor="ctr"/>
+          <a:lstStyle/>
+          <a:p>
+            <a:pPr algn="ctr"/>
+            <a:endParaRPr kumimoji="1" lang="ja-JP" altLang="en-US" dirty="0">
+              <a:solidFill>
+                <a:schemeClr val="tx1">
+                  <a:lumMod val="85000"/>
+                  <a:lumOff val="15000"/>
+                </a:schemeClr>
+              </a:solidFill>
+              <a:latin typeface="Meiryo UI" panose="020B0604030504040204" pitchFamily="50" charset="-128"/>
+              <a:ea typeface="Meiryo UI" panose="020B0604030504040204" pitchFamily="50" charset="-128"/>
+            </a:endParaRPr>
+          </a:p>
+        </p:txBody>
+      </p:sp>
+      <p:sp>
+        <p:nvSpPr>
+          <p:cNvPr id="29" name="正方形/長方形 28">
+            <a:extLst>
+              <a:ext uri="{FF2B5EF4-FFF2-40B4-BE49-F238E27FC236}">
+                <a16:creationId xmlns:a16="http://schemas.microsoft.com/office/drawing/2014/main" id="{9A29573D-ED39-4BE7-92FD-576A11A4CD24}"/>
+              </a:ext>
+            </a:extLst>
+          </p:cNvPr>
+          <p:cNvSpPr/>
+          <p:nvPr/>
+        </p:nvSpPr>
+        <p:spPr>
+          <a:xfrm>
+            <a:off x="502022" y="2308146"/>
+            <a:ext cx="8624653" cy="2249016"/>
           </a:xfrm>
           <a:prstGeom prst="rect">
             <a:avLst/>
@@ -13767,23 +11473,3332 @@
           </a:fontRef>
         </p:style>
         <p:txBody>
+          <a:bodyPr rtlCol="0" anchor="t"/>
+          <a:lstStyle/>
+          <a:p>
+            <a:pPr>
+              <a:lnSpc>
+                <a:spcPct val="150000"/>
+              </a:lnSpc>
+            </a:pPr>
+            <a:r>
+              <a:rPr kumimoji="1" lang="ja-JP" altLang="en-US" dirty="0">
+                <a:solidFill>
+                  <a:schemeClr val="tx1">
+                    <a:lumMod val="85000"/>
+                    <a:lumOff val="15000"/>
+                  </a:schemeClr>
+                </a:solidFill>
+                <a:ea typeface="Meiryo UI" panose="020B0604030504040204" pitchFamily="50" charset="-128"/>
+              </a:rPr>
+              <a:t>まずは、スペース</a:t>
+            </a:r>
+            <a:r>
+              <a:rPr kumimoji="1" lang="en-US" altLang="ja-JP" dirty="0">
+                <a:solidFill>
+                  <a:schemeClr val="tx1">
+                    <a:lumMod val="85000"/>
+                    <a:lumOff val="15000"/>
+                  </a:schemeClr>
+                </a:solidFill>
+                <a:ea typeface="Meiryo UI" panose="020B0604030504040204" pitchFamily="50" charset="-128"/>
+              </a:rPr>
+              <a:t>“</a:t>
+            </a:r>
+            <a:r>
+              <a:rPr kumimoji="1" lang="en-US" altLang="ja-JP" u="heavy" dirty="0">
+                <a:solidFill>
+                  <a:schemeClr val="tx1">
+                    <a:lumMod val="85000"/>
+                    <a:lumOff val="15000"/>
+                  </a:schemeClr>
+                </a:solidFill>
+                <a:uFill>
+                  <a:solidFill>
+                    <a:schemeClr val="accent1"/>
+                  </a:solidFill>
+                </a:uFill>
+                <a:ea typeface="Meiryo UI" panose="020B0604030504040204" pitchFamily="50" charset="-128"/>
+              </a:rPr>
+              <a:t> </a:t>
+            </a:r>
+            <a:r>
+              <a:rPr kumimoji="1" lang="en-US" altLang="ja-JP" u="heavy" dirty="0">
+                <a:solidFill>
+                  <a:schemeClr val="tx1">
+                    <a:lumMod val="85000"/>
+                    <a:lumOff val="15000"/>
+                  </a:schemeClr>
+                </a:solidFill>
+                <a:uFill>
+                  <a:solidFill>
+                    <a:schemeClr val="accent2"/>
+                  </a:solidFill>
+                </a:uFill>
+                <a:ea typeface="Meiryo UI" panose="020B0604030504040204" pitchFamily="50" charset="-128"/>
+              </a:rPr>
+              <a:t> </a:t>
+            </a:r>
+            <a:r>
+              <a:rPr kumimoji="1" lang="en-US" altLang="ja-JP" dirty="0">
+                <a:solidFill>
+                  <a:schemeClr val="tx1">
+                    <a:lumMod val="85000"/>
+                    <a:lumOff val="15000"/>
+                  </a:schemeClr>
+                </a:solidFill>
+                <a:ea typeface="Meiryo UI" panose="020B0604030504040204" pitchFamily="50" charset="-128"/>
+              </a:rPr>
+              <a:t>”</a:t>
+            </a:r>
+            <a:r>
+              <a:rPr kumimoji="1" lang="ja-JP" altLang="en-US" dirty="0">
+                <a:solidFill>
+                  <a:schemeClr val="tx1">
+                    <a:lumMod val="85000"/>
+                    <a:lumOff val="15000"/>
+                  </a:schemeClr>
+                </a:solidFill>
+                <a:ea typeface="Meiryo UI" panose="020B0604030504040204" pitchFamily="50" charset="-128"/>
+              </a:rPr>
+              <a:t>を</a:t>
+            </a:r>
+            <a:r>
+              <a:rPr kumimoji="1" lang="ja-JP" altLang="en-US" dirty="0" smtClean="0">
+                <a:solidFill>
+                  <a:schemeClr val="tx1">
+                    <a:lumMod val="85000"/>
+                    <a:lumOff val="15000"/>
+                  </a:schemeClr>
+                </a:solidFill>
+                <a:ea typeface="Meiryo UI" panose="020B0604030504040204" pitchFamily="50" charset="-128"/>
+              </a:rPr>
+              <a:t>用意</a:t>
+            </a:r>
+            <a:endParaRPr kumimoji="1" lang="en-US" altLang="ja-JP" dirty="0">
+              <a:solidFill>
+                <a:schemeClr val="tx1">
+                  <a:lumMod val="85000"/>
+                  <a:lumOff val="15000"/>
+                </a:schemeClr>
+              </a:solidFill>
+              <a:ea typeface="Meiryo UI" panose="020B0604030504040204" pitchFamily="50" charset="-128"/>
+            </a:endParaRPr>
+          </a:p>
+          <a:p>
+            <a:pPr>
+              <a:lnSpc>
+                <a:spcPct val="150000"/>
+              </a:lnSpc>
+            </a:pPr>
+            <a:r>
+              <a:rPr kumimoji="1" lang="en-US" altLang="ja-JP" sz="1100" dirty="0" smtClean="0">
+                <a:solidFill>
+                  <a:schemeClr val="tx1">
+                    <a:lumMod val="85000"/>
+                    <a:lumOff val="15000"/>
+                  </a:schemeClr>
+                </a:solidFill>
+                <a:ea typeface="Meiryo UI" panose="020B0604030504040204" pitchFamily="50" charset="-128"/>
+              </a:rPr>
+              <a:t>&lt;</a:t>
+            </a:r>
+            <a:r>
+              <a:rPr kumimoji="1" lang="ja-JP" altLang="en-US" sz="1100" dirty="0" smtClean="0">
+                <a:solidFill>
+                  <a:schemeClr val="tx1">
+                    <a:lumMod val="85000"/>
+                    <a:lumOff val="15000"/>
+                  </a:schemeClr>
+                </a:solidFill>
+                <a:ea typeface="Meiryo UI" panose="020B0604030504040204" pitchFamily="50" charset="-128"/>
+              </a:rPr>
+              <a:t>①</a:t>
+            </a:r>
+            <a:r>
+              <a:rPr kumimoji="1" lang="en-US" altLang="ja-JP" sz="1100" dirty="0" smtClean="0">
+                <a:solidFill>
+                  <a:schemeClr val="tx1">
+                    <a:lumMod val="85000"/>
+                    <a:lumOff val="15000"/>
+                  </a:schemeClr>
+                </a:solidFill>
+                <a:ea typeface="Meiryo UI" panose="020B0604030504040204" pitchFamily="50" charset="-128"/>
+              </a:rPr>
+              <a:t>,</a:t>
+            </a:r>
+            <a:r>
+              <a:rPr kumimoji="1" lang="ja-JP" altLang="en-US" sz="1100" dirty="0" smtClean="0">
+                <a:solidFill>
+                  <a:schemeClr val="tx1">
+                    <a:lumMod val="85000"/>
+                    <a:lumOff val="15000"/>
+                  </a:schemeClr>
+                </a:solidFill>
+                <a:ea typeface="Meiryo UI" panose="020B0604030504040204" pitchFamily="50" charset="-128"/>
+              </a:rPr>
+              <a:t>②</a:t>
+            </a:r>
+            <a:r>
+              <a:rPr kumimoji="1" lang="en-US" altLang="ja-JP" sz="1100" dirty="0" smtClean="0">
+                <a:solidFill>
+                  <a:schemeClr val="tx1">
+                    <a:lumMod val="85000"/>
+                    <a:lumOff val="15000"/>
+                  </a:schemeClr>
+                </a:solidFill>
+                <a:ea typeface="Meiryo UI" panose="020B0604030504040204" pitchFamily="50" charset="-128"/>
+              </a:rPr>
+              <a:t>,</a:t>
+            </a:r>
+            <a:r>
+              <a:rPr kumimoji="1" lang="ja-JP" altLang="en-US" sz="1100" dirty="0" smtClean="0">
+                <a:solidFill>
+                  <a:schemeClr val="tx1">
+                    <a:lumMod val="85000"/>
+                    <a:lumOff val="15000"/>
+                  </a:schemeClr>
+                </a:solidFill>
+                <a:ea typeface="Meiryo UI" panose="020B0604030504040204" pitchFamily="50" charset="-128"/>
+              </a:rPr>
+              <a:t>③の処理をブロックの数ループ</a:t>
+            </a:r>
+            <a:r>
+              <a:rPr kumimoji="1" lang="en-US" altLang="ja-JP" sz="1100" dirty="0" smtClean="0">
+                <a:solidFill>
+                  <a:schemeClr val="tx1">
+                    <a:lumMod val="85000"/>
+                    <a:lumOff val="15000"/>
+                  </a:schemeClr>
+                </a:solidFill>
+                <a:ea typeface="Meiryo UI" panose="020B0604030504040204" pitchFamily="50" charset="-128"/>
+              </a:rPr>
+              <a:t>&gt;</a:t>
+            </a:r>
+            <a:endParaRPr kumimoji="1" lang="en-US" altLang="ja-JP" sz="1100" dirty="0">
+              <a:solidFill>
+                <a:schemeClr val="tx1">
+                  <a:lumMod val="85000"/>
+                  <a:lumOff val="15000"/>
+                </a:schemeClr>
+              </a:solidFill>
+              <a:ea typeface="Meiryo UI" panose="020B0604030504040204" pitchFamily="50" charset="-128"/>
+            </a:endParaRPr>
+          </a:p>
+          <a:p>
+            <a:pPr lvl="1">
+              <a:lnSpc>
+                <a:spcPct val="150000"/>
+              </a:lnSpc>
+              <a:buClr>
+                <a:schemeClr val="tx1"/>
+              </a:buClr>
+            </a:pPr>
+            <a:r>
+              <a:rPr kumimoji="1" lang="en-US" altLang="ja-JP" sz="1600" b="1" dirty="0">
+                <a:solidFill>
+                  <a:schemeClr val="tx1">
+                    <a:lumMod val="85000"/>
+                    <a:lumOff val="15000"/>
+                  </a:schemeClr>
+                </a:solidFill>
+                <a:ea typeface="Meiryo UI" panose="020B0604030504040204" pitchFamily="50" charset="-128"/>
+              </a:rPr>
+              <a:t>1</a:t>
+            </a:r>
+            <a:r>
+              <a:rPr kumimoji="1" lang="ja-JP" altLang="en-US" sz="1200" b="1" dirty="0">
+                <a:solidFill>
+                  <a:schemeClr val="tx1">
+                    <a:lumMod val="85000"/>
+                    <a:lumOff val="15000"/>
+                  </a:schemeClr>
+                </a:solidFill>
+                <a:ea typeface="Meiryo UI" panose="020B0604030504040204" pitchFamily="50" charset="-128"/>
+              </a:rPr>
+              <a:t>回目</a:t>
+            </a:r>
+            <a:r>
+              <a:rPr kumimoji="1" lang="en-US" altLang="ja-JP" sz="1600" b="1" dirty="0">
+                <a:solidFill>
+                  <a:schemeClr val="tx1">
+                    <a:lumMod val="85000"/>
+                    <a:lumOff val="15000"/>
+                  </a:schemeClr>
+                </a:solidFill>
+                <a:ea typeface="Meiryo UI" panose="020B0604030504040204" pitchFamily="50" charset="-128"/>
+              </a:rPr>
+              <a:t>    “</a:t>
+            </a:r>
+            <a:r>
+              <a:rPr kumimoji="1" lang="en-US" altLang="ja-JP" sz="1600" b="1" u="heavy" dirty="0">
+                <a:solidFill>
+                  <a:schemeClr val="tx1">
+                    <a:lumMod val="85000"/>
+                    <a:lumOff val="15000"/>
+                  </a:schemeClr>
+                </a:solidFill>
+                <a:uFill>
+                  <a:solidFill>
+                    <a:schemeClr val="accent1"/>
+                  </a:solidFill>
+                </a:uFill>
+                <a:ea typeface="Meiryo UI" panose="020B0604030504040204" pitchFamily="50" charset="-128"/>
+              </a:rPr>
+              <a:t> </a:t>
+            </a:r>
+            <a:r>
+              <a:rPr kumimoji="1" lang="en-US" altLang="ja-JP" sz="1600" b="1" u="heavy" dirty="0">
+                <a:solidFill>
+                  <a:schemeClr val="tx1">
+                    <a:lumMod val="85000"/>
+                    <a:lumOff val="15000"/>
+                  </a:schemeClr>
+                </a:solidFill>
+                <a:uFill>
+                  <a:solidFill>
+                    <a:schemeClr val="accent2"/>
+                  </a:solidFill>
+                </a:uFill>
+                <a:ea typeface="Meiryo UI" panose="020B0604030504040204" pitchFamily="50" charset="-128"/>
+              </a:rPr>
+              <a:t> </a:t>
+            </a:r>
+            <a:r>
+              <a:rPr kumimoji="1" lang="en-US" altLang="ja-JP" sz="1600" b="1" dirty="0">
+                <a:solidFill>
+                  <a:schemeClr val="tx1">
+                    <a:lumMod val="85000"/>
+                    <a:lumOff val="15000"/>
+                  </a:schemeClr>
+                </a:solidFill>
+                <a:uFill>
+                  <a:solidFill>
+                    <a:schemeClr val="accent1"/>
+                  </a:solidFill>
+                </a:uFill>
+                <a:ea typeface="Meiryo UI" panose="020B0604030504040204" pitchFamily="50" charset="-128"/>
+              </a:rPr>
+              <a:t>#</a:t>
+            </a:r>
+            <a:r>
+              <a:rPr kumimoji="1" lang="en-US" altLang="ja-JP" sz="1600" b="1" dirty="0">
+                <a:solidFill>
+                  <a:schemeClr val="tx1">
+                    <a:lumMod val="85000"/>
+                    <a:lumOff val="15000"/>
+                  </a:schemeClr>
+                </a:solidFill>
+                <a:ea typeface="Meiryo UI" panose="020B0604030504040204" pitchFamily="50" charset="-128"/>
+              </a:rPr>
+              <a:t>”          =&gt;      “</a:t>
+            </a:r>
+            <a:r>
+              <a:rPr kumimoji="1" lang="en-US" altLang="ja-JP" sz="1600" b="1" u="heavy" dirty="0">
+                <a:solidFill>
+                  <a:schemeClr val="tx1">
+                    <a:lumMod val="85000"/>
+                    <a:lumOff val="15000"/>
+                  </a:schemeClr>
+                </a:solidFill>
+                <a:uFill>
+                  <a:solidFill>
+                    <a:schemeClr val="accent1"/>
+                  </a:solidFill>
+                </a:uFill>
+                <a:ea typeface="Meiryo UI" panose="020B0604030504040204" pitchFamily="50" charset="-128"/>
+              </a:rPr>
+              <a:t> </a:t>
+            </a:r>
+            <a:r>
+              <a:rPr kumimoji="1" lang="en-US" altLang="ja-JP" sz="1600" b="1" u="heavy" dirty="0">
+                <a:solidFill>
+                  <a:schemeClr val="tx1">
+                    <a:lumMod val="85000"/>
+                    <a:lumOff val="15000"/>
+                  </a:schemeClr>
+                </a:solidFill>
+                <a:uFill>
+                  <a:solidFill>
+                    <a:schemeClr val="accent2"/>
+                  </a:solidFill>
+                </a:uFill>
+                <a:ea typeface="Meiryo UI" panose="020B0604030504040204" pitchFamily="50" charset="-128"/>
+              </a:rPr>
+              <a:t> </a:t>
+            </a:r>
+            <a:r>
+              <a:rPr kumimoji="1" lang="en-US" altLang="ja-JP" sz="1600" b="1" dirty="0">
+                <a:solidFill>
+                  <a:schemeClr val="tx1">
+                    <a:lumMod val="85000"/>
+                    <a:lumOff val="15000"/>
+                  </a:schemeClr>
+                </a:solidFill>
+                <a:uFill>
+                  <a:solidFill>
+                    <a:schemeClr val="accent1"/>
+                  </a:solidFill>
+                </a:uFill>
+                <a:ea typeface="Meiryo UI" panose="020B0604030504040204" pitchFamily="50" charset="-128"/>
+              </a:rPr>
+              <a:t>#</a:t>
+            </a:r>
+            <a:r>
+              <a:rPr kumimoji="1" lang="en-US" altLang="ja-JP" sz="1600" b="1" dirty="0">
+                <a:solidFill>
+                  <a:srgbClr val="2FD7B4"/>
+                </a:solidFill>
+                <a:uFill>
+                  <a:solidFill>
+                    <a:schemeClr val="accent1"/>
+                  </a:solidFill>
+                </a:uFill>
+                <a:ea typeface="Meiryo UI" panose="020B0604030504040204" pitchFamily="50" charset="-128"/>
+              </a:rPr>
+              <a:t>\n</a:t>
+            </a:r>
+            <a:r>
+              <a:rPr kumimoji="1" lang="en-US" altLang="ja-JP" sz="1600" b="1" dirty="0">
+                <a:solidFill>
+                  <a:schemeClr val="tx1">
+                    <a:lumMod val="85000"/>
+                    <a:lumOff val="15000"/>
+                  </a:schemeClr>
+                </a:solidFill>
+                <a:ea typeface="Meiryo UI" panose="020B0604030504040204" pitchFamily="50" charset="-128"/>
+              </a:rPr>
+              <a:t>”       =&gt;    “</a:t>
+            </a:r>
+            <a:r>
+              <a:rPr kumimoji="1" lang="en-US" altLang="ja-JP" sz="1600" b="1" u="heavy" dirty="0">
+                <a:solidFill>
+                  <a:schemeClr val="tx1">
+                    <a:lumMod val="85000"/>
+                    <a:lumOff val="15000"/>
+                  </a:schemeClr>
+                </a:solidFill>
+                <a:uFill>
+                  <a:solidFill>
+                    <a:schemeClr val="accent1"/>
+                  </a:solidFill>
+                </a:uFill>
+                <a:ea typeface="Meiryo UI" panose="020B0604030504040204" pitchFamily="50" charset="-128"/>
+              </a:rPr>
+              <a:t> </a:t>
+            </a:r>
+            <a:r>
+              <a:rPr kumimoji="1" lang="en-US" altLang="ja-JP" sz="1600" b="1" u="heavy" dirty="0">
+                <a:solidFill>
+                  <a:schemeClr val="tx1">
+                    <a:lumMod val="85000"/>
+                    <a:lumOff val="15000"/>
+                  </a:schemeClr>
+                </a:solidFill>
+                <a:uFill>
+                  <a:solidFill>
+                    <a:schemeClr val="accent2"/>
+                  </a:solidFill>
+                </a:uFill>
+                <a:ea typeface="Meiryo UI" panose="020B0604030504040204" pitchFamily="50" charset="-128"/>
+              </a:rPr>
+              <a:t> </a:t>
+            </a:r>
+            <a:r>
+              <a:rPr kumimoji="1" lang="en-US" altLang="ja-JP" sz="1600" b="1" dirty="0">
+                <a:solidFill>
+                  <a:schemeClr val="tx1">
+                    <a:lumMod val="85000"/>
+                    <a:lumOff val="15000"/>
+                  </a:schemeClr>
+                </a:solidFill>
+                <a:uFill>
+                  <a:solidFill>
+                    <a:schemeClr val="accent1"/>
+                  </a:solidFill>
+                </a:uFill>
+                <a:ea typeface="Meiryo UI" panose="020B0604030504040204" pitchFamily="50" charset="-128"/>
+              </a:rPr>
+              <a:t>#</a:t>
+            </a:r>
+            <a:r>
+              <a:rPr kumimoji="1" lang="en-US" altLang="ja-JP" sz="1600" b="1" dirty="0">
+                <a:solidFill>
+                  <a:srgbClr val="2FD7B4"/>
+                </a:solidFill>
+                <a:uFill>
+                  <a:solidFill>
+                    <a:schemeClr val="accent1"/>
+                  </a:solidFill>
+                </a:uFill>
+                <a:ea typeface="Meiryo UI" panose="020B0604030504040204" pitchFamily="50" charset="-128"/>
+              </a:rPr>
+              <a:t>\n</a:t>
+            </a:r>
+            <a:r>
+              <a:rPr kumimoji="1" lang="en-US" altLang="ja-JP" sz="1600" b="1" dirty="0">
+                <a:solidFill>
+                  <a:schemeClr val="tx1">
+                    <a:lumMod val="85000"/>
+                    <a:lumOff val="15000"/>
+                  </a:schemeClr>
+                </a:solidFill>
+                <a:ea typeface="Meiryo UI" panose="020B0604030504040204" pitchFamily="50" charset="-128"/>
+              </a:rPr>
+              <a:t>”</a:t>
+            </a:r>
+          </a:p>
+          <a:p>
+            <a:pPr lvl="1">
+              <a:lnSpc>
+                <a:spcPct val="150000"/>
+              </a:lnSpc>
+              <a:buClr>
+                <a:schemeClr val="tx1"/>
+              </a:buClr>
+            </a:pPr>
+            <a:r>
+              <a:rPr kumimoji="1" lang="en-US" altLang="ja-JP" sz="1600" b="1" dirty="0">
+                <a:solidFill>
+                  <a:schemeClr val="tx1">
+                    <a:lumMod val="85000"/>
+                    <a:lumOff val="15000"/>
+                  </a:schemeClr>
+                </a:solidFill>
+                <a:ea typeface="Meiryo UI" panose="020B0604030504040204" pitchFamily="50" charset="-128"/>
+              </a:rPr>
+              <a:t>2</a:t>
+            </a:r>
+            <a:r>
+              <a:rPr kumimoji="1" lang="ja-JP" altLang="en-US" sz="1200" b="1" dirty="0">
+                <a:solidFill>
+                  <a:schemeClr val="tx1">
+                    <a:lumMod val="85000"/>
+                    <a:lumOff val="15000"/>
+                  </a:schemeClr>
+                </a:solidFill>
+                <a:ea typeface="Meiryo UI" panose="020B0604030504040204" pitchFamily="50" charset="-128"/>
+              </a:rPr>
+              <a:t>回目</a:t>
+            </a:r>
+            <a:r>
+              <a:rPr kumimoji="1" lang="en-US" altLang="ja-JP" sz="1600" b="1" dirty="0">
+                <a:solidFill>
+                  <a:schemeClr val="tx1">
+                    <a:lumMod val="85000"/>
+                    <a:lumOff val="15000"/>
+                  </a:schemeClr>
+                </a:solidFill>
+                <a:ea typeface="Meiryo UI" panose="020B0604030504040204" pitchFamily="50" charset="-128"/>
+              </a:rPr>
+              <a:t>    “</a:t>
+            </a:r>
+            <a:r>
+              <a:rPr kumimoji="1" lang="en-US" altLang="ja-JP" sz="1600" b="1" u="heavy" dirty="0">
+                <a:solidFill>
+                  <a:schemeClr val="tx1">
+                    <a:lumMod val="85000"/>
+                    <a:lumOff val="15000"/>
+                  </a:schemeClr>
+                </a:solidFill>
+                <a:uFill>
+                  <a:solidFill>
+                    <a:schemeClr val="accent1"/>
+                  </a:solidFill>
+                </a:uFill>
+                <a:ea typeface="Meiryo UI" panose="020B0604030504040204" pitchFamily="50" charset="-128"/>
+              </a:rPr>
+              <a:t> </a:t>
+            </a:r>
+            <a:r>
+              <a:rPr kumimoji="1" lang="en-US" altLang="ja-JP" sz="1600" b="1" dirty="0">
+                <a:solidFill>
+                  <a:schemeClr val="tx1">
+                    <a:lumMod val="85000"/>
+                    <a:lumOff val="15000"/>
+                  </a:schemeClr>
+                </a:solidFill>
+                <a:uFill>
+                  <a:solidFill>
+                    <a:schemeClr val="accent1"/>
+                  </a:solidFill>
+                </a:uFill>
+                <a:ea typeface="Meiryo UI" panose="020B0604030504040204" pitchFamily="50" charset="-128"/>
+              </a:rPr>
+              <a:t>#</a:t>
+            </a:r>
+            <a:r>
+              <a:rPr kumimoji="1" lang="en-US" altLang="ja-JP" sz="1600" b="1" u="heavy" dirty="0">
+                <a:solidFill>
+                  <a:schemeClr val="tx1">
+                    <a:lumMod val="85000"/>
+                    <a:lumOff val="15000"/>
+                  </a:schemeClr>
+                </a:solidFill>
+                <a:uFill>
+                  <a:solidFill>
+                    <a:schemeClr val="accent2"/>
+                  </a:solidFill>
+                </a:uFill>
+                <a:ea typeface="Meiryo UI" panose="020B0604030504040204" pitchFamily="50" charset="-128"/>
+              </a:rPr>
+              <a:t> </a:t>
+            </a:r>
+            <a:r>
+              <a:rPr kumimoji="1" lang="en-US" altLang="ja-JP" sz="1600" b="1" dirty="0">
+                <a:solidFill>
+                  <a:schemeClr val="tx1">
+                    <a:lumMod val="85000"/>
+                    <a:lumOff val="15000"/>
+                  </a:schemeClr>
+                </a:solidFill>
+                <a:uFill>
+                  <a:solidFill>
+                    <a:schemeClr val="accent3">
+                      <a:lumMod val="20000"/>
+                      <a:lumOff val="80000"/>
+                    </a:schemeClr>
+                  </a:solidFill>
+                </a:uFill>
+                <a:ea typeface="Meiryo UI" panose="020B0604030504040204" pitchFamily="50" charset="-128"/>
+              </a:rPr>
+              <a:t>#</a:t>
+            </a:r>
+            <a:r>
+              <a:rPr kumimoji="1" lang="en-US" altLang="ja-JP" sz="1600" b="1" dirty="0">
+                <a:solidFill>
+                  <a:schemeClr val="tx1">
+                    <a:lumMod val="85000"/>
+                    <a:lumOff val="15000"/>
+                  </a:schemeClr>
+                </a:solidFill>
+                <a:ea typeface="Meiryo UI" panose="020B0604030504040204" pitchFamily="50" charset="-128"/>
+              </a:rPr>
+              <a:t>”        =&gt;      “</a:t>
+            </a:r>
+            <a:r>
+              <a:rPr kumimoji="1" lang="en-US" altLang="ja-JP" sz="1600" b="1" u="heavy" dirty="0">
+                <a:solidFill>
+                  <a:schemeClr val="tx1">
+                    <a:lumMod val="85000"/>
+                    <a:lumOff val="15000"/>
+                  </a:schemeClr>
+                </a:solidFill>
+                <a:uFill>
+                  <a:solidFill>
+                    <a:schemeClr val="accent1"/>
+                  </a:solidFill>
+                </a:uFill>
+                <a:ea typeface="Meiryo UI" panose="020B0604030504040204" pitchFamily="50" charset="-128"/>
+              </a:rPr>
+              <a:t> </a:t>
+            </a:r>
+            <a:r>
+              <a:rPr kumimoji="1" lang="en-US" altLang="ja-JP" sz="1600" b="1" dirty="0">
+                <a:solidFill>
+                  <a:schemeClr val="tx1">
+                    <a:lumMod val="85000"/>
+                    <a:lumOff val="15000"/>
+                  </a:schemeClr>
+                </a:solidFill>
+                <a:uFill>
+                  <a:solidFill>
+                    <a:schemeClr val="accent1"/>
+                  </a:solidFill>
+                </a:uFill>
+                <a:ea typeface="Meiryo UI" panose="020B0604030504040204" pitchFamily="50" charset="-128"/>
+              </a:rPr>
+              <a:t>#</a:t>
+            </a:r>
+            <a:r>
+              <a:rPr kumimoji="1" lang="en-US" altLang="ja-JP" sz="1600" b="1" u="heavy" dirty="0">
+                <a:solidFill>
+                  <a:schemeClr val="tx1">
+                    <a:lumMod val="85000"/>
+                    <a:lumOff val="15000"/>
+                  </a:schemeClr>
+                </a:solidFill>
+                <a:uFill>
+                  <a:solidFill>
+                    <a:schemeClr val="accent2"/>
+                  </a:solidFill>
+                </a:uFill>
+                <a:ea typeface="Meiryo UI" panose="020B0604030504040204" pitchFamily="50" charset="-128"/>
+              </a:rPr>
+              <a:t> </a:t>
+            </a:r>
+            <a:r>
+              <a:rPr kumimoji="1" lang="en-US" altLang="ja-JP" sz="1600" b="1" dirty="0">
+                <a:solidFill>
+                  <a:schemeClr val="tx1">
+                    <a:lumMod val="85000"/>
+                    <a:lumOff val="15000"/>
+                  </a:schemeClr>
+                </a:solidFill>
+                <a:uFill>
+                  <a:solidFill>
+                    <a:schemeClr val="accent3">
+                      <a:lumMod val="20000"/>
+                      <a:lumOff val="80000"/>
+                    </a:schemeClr>
+                  </a:solidFill>
+                </a:uFill>
+                <a:ea typeface="Meiryo UI" panose="020B0604030504040204" pitchFamily="50" charset="-128"/>
+              </a:rPr>
+              <a:t>#</a:t>
+            </a:r>
+            <a:r>
+              <a:rPr kumimoji="1" lang="en-US" altLang="ja-JP" sz="1600" b="1" dirty="0">
+                <a:solidFill>
+                  <a:srgbClr val="2FD7B4"/>
+                </a:solidFill>
+                <a:uFill>
+                  <a:solidFill>
+                    <a:schemeClr val="accent3">
+                      <a:lumMod val="20000"/>
+                      <a:lumOff val="80000"/>
+                    </a:schemeClr>
+                  </a:solidFill>
+                </a:uFill>
+                <a:ea typeface="Meiryo UI" panose="020B0604030504040204" pitchFamily="50" charset="-128"/>
+              </a:rPr>
+              <a:t>\n</a:t>
+            </a:r>
+            <a:r>
+              <a:rPr kumimoji="1" lang="en-US" altLang="ja-JP" sz="1600" b="1" dirty="0">
+                <a:solidFill>
+                  <a:schemeClr val="tx1">
+                    <a:lumMod val="85000"/>
+                    <a:lumOff val="15000"/>
+                  </a:schemeClr>
+                </a:solidFill>
+                <a:ea typeface="Meiryo UI" panose="020B0604030504040204" pitchFamily="50" charset="-128"/>
+              </a:rPr>
+              <a:t>”     =&gt;    “</a:t>
+            </a:r>
+            <a:r>
+              <a:rPr kumimoji="1" lang="en-US" altLang="ja-JP" sz="1600" b="1" u="heavy" dirty="0">
+                <a:solidFill>
+                  <a:schemeClr val="tx1">
+                    <a:lumMod val="85000"/>
+                    <a:lumOff val="15000"/>
+                  </a:schemeClr>
+                </a:solidFill>
+                <a:uFill>
+                  <a:solidFill>
+                    <a:schemeClr val="accent1"/>
+                  </a:solidFill>
+                </a:uFill>
+                <a:ea typeface="Meiryo UI" panose="020B0604030504040204" pitchFamily="50" charset="-128"/>
+              </a:rPr>
+              <a:t> </a:t>
+            </a:r>
+            <a:r>
+              <a:rPr kumimoji="1" lang="en-US" altLang="ja-JP" sz="1600" b="1" u="heavy" dirty="0">
+                <a:solidFill>
+                  <a:schemeClr val="tx1">
+                    <a:lumMod val="85000"/>
+                    <a:lumOff val="15000"/>
+                  </a:schemeClr>
+                </a:solidFill>
+                <a:uFill>
+                  <a:solidFill>
+                    <a:schemeClr val="accent2"/>
+                  </a:solidFill>
+                </a:uFill>
+                <a:ea typeface="Meiryo UI" panose="020B0604030504040204" pitchFamily="50" charset="-128"/>
+              </a:rPr>
+              <a:t> </a:t>
+            </a:r>
+            <a:r>
+              <a:rPr kumimoji="1" lang="en-US" altLang="ja-JP" sz="1600" b="1" dirty="0">
+                <a:solidFill>
+                  <a:schemeClr val="tx1">
+                    <a:lumMod val="85000"/>
+                    <a:lumOff val="15000"/>
+                  </a:schemeClr>
+                </a:solidFill>
+                <a:uFill>
+                  <a:solidFill>
+                    <a:schemeClr val="accent1"/>
+                  </a:solidFill>
+                </a:uFill>
+                <a:ea typeface="Meiryo UI" panose="020B0604030504040204" pitchFamily="50" charset="-128"/>
+              </a:rPr>
+              <a:t>#</a:t>
+            </a:r>
+            <a:r>
+              <a:rPr kumimoji="1" lang="en-US" altLang="ja-JP" sz="1600" b="1" dirty="0">
+                <a:solidFill>
+                  <a:srgbClr val="2FD7B4"/>
+                </a:solidFill>
+                <a:uFill>
+                  <a:solidFill>
+                    <a:schemeClr val="accent1"/>
+                  </a:solidFill>
+                </a:uFill>
+                <a:ea typeface="Meiryo UI" panose="020B0604030504040204" pitchFamily="50" charset="-128"/>
+              </a:rPr>
+              <a:t>\n</a:t>
+            </a:r>
+            <a:r>
+              <a:rPr kumimoji="1" lang="en-US" altLang="ja-JP" sz="1600" b="1" u="heavy" dirty="0">
+                <a:solidFill>
+                  <a:schemeClr val="tx1">
+                    <a:lumMod val="85000"/>
+                    <a:lumOff val="15000"/>
+                  </a:schemeClr>
+                </a:solidFill>
+                <a:uFill>
+                  <a:solidFill>
+                    <a:schemeClr val="accent1"/>
+                  </a:solidFill>
+                </a:uFill>
+                <a:ea typeface="Meiryo UI" panose="020B0604030504040204" pitchFamily="50" charset="-128"/>
+              </a:rPr>
+              <a:t> </a:t>
+            </a:r>
+            <a:r>
+              <a:rPr kumimoji="1" lang="en-US" altLang="ja-JP" sz="1600" b="1" dirty="0">
+                <a:solidFill>
+                  <a:schemeClr val="tx1">
+                    <a:lumMod val="85000"/>
+                    <a:lumOff val="15000"/>
+                  </a:schemeClr>
+                </a:solidFill>
+                <a:uFill>
+                  <a:solidFill>
+                    <a:schemeClr val="accent1"/>
+                  </a:solidFill>
+                </a:uFill>
+                <a:ea typeface="Meiryo UI" panose="020B0604030504040204" pitchFamily="50" charset="-128"/>
+              </a:rPr>
+              <a:t>#</a:t>
+            </a:r>
+            <a:r>
+              <a:rPr kumimoji="1" lang="en-US" altLang="ja-JP" sz="1600" b="1" u="heavy" dirty="0">
+                <a:solidFill>
+                  <a:schemeClr val="tx1">
+                    <a:lumMod val="85000"/>
+                    <a:lumOff val="15000"/>
+                  </a:schemeClr>
+                </a:solidFill>
+                <a:uFill>
+                  <a:solidFill>
+                    <a:schemeClr val="accent2"/>
+                  </a:solidFill>
+                </a:uFill>
+                <a:ea typeface="Meiryo UI" panose="020B0604030504040204" pitchFamily="50" charset="-128"/>
+              </a:rPr>
+              <a:t> </a:t>
+            </a:r>
+            <a:r>
+              <a:rPr kumimoji="1" lang="en-US" altLang="ja-JP" sz="1600" b="1" dirty="0">
+                <a:solidFill>
+                  <a:schemeClr val="tx1">
+                    <a:lumMod val="85000"/>
+                    <a:lumOff val="15000"/>
+                  </a:schemeClr>
+                </a:solidFill>
+                <a:uFill>
+                  <a:solidFill>
+                    <a:schemeClr val="accent3">
+                      <a:lumMod val="20000"/>
+                      <a:lumOff val="80000"/>
+                    </a:schemeClr>
+                  </a:solidFill>
+                </a:uFill>
+                <a:ea typeface="Meiryo UI" panose="020B0604030504040204" pitchFamily="50" charset="-128"/>
+              </a:rPr>
+              <a:t>#</a:t>
+            </a:r>
+            <a:r>
+              <a:rPr kumimoji="1" lang="en-US" altLang="ja-JP" sz="1600" b="1" dirty="0">
+                <a:solidFill>
+                  <a:srgbClr val="2FD7B4"/>
+                </a:solidFill>
+                <a:uFill>
+                  <a:solidFill>
+                    <a:schemeClr val="accent3">
+                      <a:lumMod val="20000"/>
+                      <a:lumOff val="80000"/>
+                    </a:schemeClr>
+                  </a:solidFill>
+                </a:uFill>
+                <a:ea typeface="Meiryo UI" panose="020B0604030504040204" pitchFamily="50" charset="-128"/>
+              </a:rPr>
+              <a:t>\n</a:t>
+            </a:r>
+            <a:r>
+              <a:rPr kumimoji="1" lang="en-US" altLang="ja-JP" sz="1600" b="1" dirty="0">
+                <a:solidFill>
+                  <a:schemeClr val="tx1">
+                    <a:lumMod val="85000"/>
+                    <a:lumOff val="15000"/>
+                  </a:schemeClr>
+                </a:solidFill>
+                <a:ea typeface="Meiryo UI" panose="020B0604030504040204" pitchFamily="50" charset="-128"/>
+              </a:rPr>
+              <a:t>”</a:t>
+            </a:r>
+          </a:p>
+          <a:p>
+            <a:pPr lvl="1">
+              <a:lnSpc>
+                <a:spcPct val="150000"/>
+              </a:lnSpc>
+              <a:buClr>
+                <a:schemeClr val="tx1"/>
+              </a:buClr>
+            </a:pPr>
+            <a:r>
+              <a:rPr kumimoji="1" lang="en-US" altLang="ja-JP" sz="1600" b="1" dirty="0">
+                <a:solidFill>
+                  <a:schemeClr val="tx1">
+                    <a:lumMod val="85000"/>
+                    <a:lumOff val="15000"/>
+                  </a:schemeClr>
+                </a:solidFill>
+                <a:ea typeface="Meiryo UI" panose="020B0604030504040204" pitchFamily="50" charset="-128"/>
+              </a:rPr>
+              <a:t>3</a:t>
+            </a:r>
+            <a:r>
+              <a:rPr kumimoji="1" lang="ja-JP" altLang="en-US" sz="1200" b="1" dirty="0">
+                <a:solidFill>
+                  <a:schemeClr val="tx1">
+                    <a:lumMod val="85000"/>
+                    <a:lumOff val="15000"/>
+                  </a:schemeClr>
+                </a:solidFill>
+                <a:ea typeface="Meiryo UI" panose="020B0604030504040204" pitchFamily="50" charset="-128"/>
+              </a:rPr>
+              <a:t>回目</a:t>
+            </a:r>
+            <a:r>
+              <a:rPr kumimoji="1" lang="en-US" altLang="ja-JP" sz="1600" b="1" dirty="0">
+                <a:solidFill>
+                  <a:schemeClr val="tx1">
+                    <a:lumMod val="85000"/>
+                    <a:lumOff val="15000"/>
+                  </a:schemeClr>
+                </a:solidFill>
+                <a:ea typeface="Meiryo UI" panose="020B0604030504040204" pitchFamily="50" charset="-128"/>
+              </a:rPr>
+              <a:t>   “#</a:t>
+            </a:r>
+            <a:r>
+              <a:rPr kumimoji="1" lang="en-US" altLang="ja-JP" sz="1600" b="1" u="heavy" dirty="0">
+                <a:solidFill>
+                  <a:schemeClr val="tx1">
+                    <a:lumMod val="85000"/>
+                    <a:lumOff val="15000"/>
+                  </a:schemeClr>
+                </a:solidFill>
+                <a:uFill>
+                  <a:solidFill>
+                    <a:schemeClr val="accent1"/>
+                  </a:solidFill>
+                </a:uFill>
+                <a:ea typeface="Meiryo UI" panose="020B0604030504040204" pitchFamily="50" charset="-128"/>
+              </a:rPr>
+              <a:t> </a:t>
+            </a:r>
+            <a:r>
+              <a:rPr kumimoji="1" lang="en-US" altLang="ja-JP" sz="1600" b="1" dirty="0">
+                <a:solidFill>
+                  <a:schemeClr val="tx1">
+                    <a:lumMod val="85000"/>
+                    <a:lumOff val="15000"/>
+                  </a:schemeClr>
+                </a:solidFill>
+                <a:uFill>
+                  <a:solidFill>
+                    <a:schemeClr val="accent1"/>
+                  </a:solidFill>
+                </a:uFill>
+                <a:ea typeface="Meiryo UI" panose="020B0604030504040204" pitchFamily="50" charset="-128"/>
+              </a:rPr>
+              <a:t>#</a:t>
+            </a:r>
+            <a:r>
+              <a:rPr kumimoji="1" lang="en-US" altLang="ja-JP" sz="1600" b="1" u="heavy" dirty="0">
+                <a:solidFill>
+                  <a:schemeClr val="tx1">
+                    <a:lumMod val="85000"/>
+                    <a:lumOff val="15000"/>
+                  </a:schemeClr>
+                </a:solidFill>
+                <a:uFill>
+                  <a:solidFill>
+                    <a:schemeClr val="accent2"/>
+                  </a:solidFill>
+                </a:uFill>
+                <a:ea typeface="Meiryo UI" panose="020B0604030504040204" pitchFamily="50" charset="-128"/>
+              </a:rPr>
+              <a:t> </a:t>
+            </a:r>
+            <a:r>
+              <a:rPr kumimoji="1" lang="en-US" altLang="ja-JP" sz="1600" b="1" dirty="0">
+                <a:solidFill>
+                  <a:schemeClr val="tx1">
+                    <a:lumMod val="85000"/>
+                    <a:lumOff val="15000"/>
+                  </a:schemeClr>
+                </a:solidFill>
+                <a:uFill>
+                  <a:solidFill>
+                    <a:schemeClr val="accent3">
+                      <a:lumMod val="20000"/>
+                      <a:lumOff val="80000"/>
+                    </a:schemeClr>
+                  </a:solidFill>
+                </a:uFill>
+                <a:ea typeface="Meiryo UI" panose="020B0604030504040204" pitchFamily="50" charset="-128"/>
+              </a:rPr>
+              <a:t>#</a:t>
+            </a:r>
+            <a:r>
+              <a:rPr kumimoji="1" lang="en-US" altLang="ja-JP" sz="1600" b="1" dirty="0">
+                <a:solidFill>
+                  <a:schemeClr val="tx1">
+                    <a:lumMod val="85000"/>
+                    <a:lumOff val="15000"/>
+                  </a:schemeClr>
+                </a:solidFill>
+                <a:ea typeface="Meiryo UI" panose="020B0604030504040204" pitchFamily="50" charset="-128"/>
+              </a:rPr>
+              <a:t>”       =&gt;      “#</a:t>
+            </a:r>
+            <a:r>
+              <a:rPr kumimoji="1" lang="en-US" altLang="ja-JP" sz="1600" b="1" u="heavy" dirty="0">
+                <a:solidFill>
+                  <a:schemeClr val="tx1">
+                    <a:lumMod val="85000"/>
+                    <a:lumOff val="15000"/>
+                  </a:schemeClr>
+                </a:solidFill>
+                <a:uFill>
+                  <a:solidFill>
+                    <a:schemeClr val="accent1"/>
+                  </a:solidFill>
+                </a:uFill>
+                <a:ea typeface="Meiryo UI" panose="020B0604030504040204" pitchFamily="50" charset="-128"/>
+              </a:rPr>
+              <a:t> </a:t>
+            </a:r>
+            <a:r>
+              <a:rPr kumimoji="1" lang="en-US" altLang="ja-JP" sz="1600" b="1" dirty="0">
+                <a:solidFill>
+                  <a:schemeClr val="tx1">
+                    <a:lumMod val="85000"/>
+                    <a:lumOff val="15000"/>
+                  </a:schemeClr>
+                </a:solidFill>
+                <a:uFill>
+                  <a:solidFill>
+                    <a:schemeClr val="accent1"/>
+                  </a:solidFill>
+                </a:uFill>
+                <a:ea typeface="Meiryo UI" panose="020B0604030504040204" pitchFamily="50" charset="-128"/>
+              </a:rPr>
+              <a:t>#</a:t>
+            </a:r>
+            <a:r>
+              <a:rPr kumimoji="1" lang="en-US" altLang="ja-JP" sz="1600" b="1" u="heavy" dirty="0">
+                <a:solidFill>
+                  <a:schemeClr val="tx1">
+                    <a:lumMod val="85000"/>
+                    <a:lumOff val="15000"/>
+                  </a:schemeClr>
+                </a:solidFill>
+                <a:uFill>
+                  <a:solidFill>
+                    <a:schemeClr val="accent2"/>
+                  </a:solidFill>
+                </a:uFill>
+                <a:ea typeface="Meiryo UI" panose="020B0604030504040204" pitchFamily="50" charset="-128"/>
+              </a:rPr>
+              <a:t> </a:t>
+            </a:r>
+            <a:r>
+              <a:rPr kumimoji="1" lang="en-US" altLang="ja-JP" sz="1600" b="1" dirty="0">
+                <a:solidFill>
+                  <a:schemeClr val="tx1">
+                    <a:lumMod val="85000"/>
+                    <a:lumOff val="15000"/>
+                  </a:schemeClr>
+                </a:solidFill>
+                <a:uFill>
+                  <a:solidFill>
+                    <a:schemeClr val="accent3">
+                      <a:lumMod val="20000"/>
+                      <a:lumOff val="80000"/>
+                    </a:schemeClr>
+                  </a:solidFill>
+                </a:uFill>
+                <a:ea typeface="Meiryo UI" panose="020B0604030504040204" pitchFamily="50" charset="-128"/>
+              </a:rPr>
+              <a:t>#</a:t>
+            </a:r>
+            <a:r>
+              <a:rPr kumimoji="1" lang="en-US" altLang="ja-JP" sz="1600" b="1" dirty="0">
+                <a:solidFill>
+                  <a:srgbClr val="2FD7B4"/>
+                </a:solidFill>
+                <a:uFill>
+                  <a:solidFill>
+                    <a:schemeClr val="accent3">
+                      <a:lumMod val="20000"/>
+                      <a:lumOff val="80000"/>
+                    </a:schemeClr>
+                  </a:solidFill>
+                </a:uFill>
+                <a:ea typeface="Meiryo UI" panose="020B0604030504040204" pitchFamily="50" charset="-128"/>
+              </a:rPr>
+              <a:t>\n</a:t>
+            </a:r>
+            <a:r>
+              <a:rPr kumimoji="1" lang="en-US" altLang="ja-JP" sz="1600" b="1" dirty="0">
+                <a:solidFill>
+                  <a:schemeClr val="tx1">
+                    <a:lumMod val="85000"/>
+                    <a:lumOff val="15000"/>
+                  </a:schemeClr>
+                </a:solidFill>
+                <a:ea typeface="Meiryo UI" panose="020B0604030504040204" pitchFamily="50" charset="-128"/>
+              </a:rPr>
+              <a:t>”   =&gt;    “</a:t>
+            </a:r>
+            <a:r>
+              <a:rPr kumimoji="1" lang="en-US" altLang="ja-JP" sz="1600" b="1" u="heavy" dirty="0">
+                <a:solidFill>
+                  <a:schemeClr val="tx1">
+                    <a:lumMod val="85000"/>
+                    <a:lumOff val="15000"/>
+                  </a:schemeClr>
+                </a:solidFill>
+                <a:uFill>
+                  <a:solidFill>
+                    <a:schemeClr val="accent1"/>
+                  </a:solidFill>
+                </a:uFill>
+                <a:ea typeface="Meiryo UI" panose="020B0604030504040204" pitchFamily="50" charset="-128"/>
+              </a:rPr>
+              <a:t> </a:t>
+            </a:r>
+            <a:r>
+              <a:rPr kumimoji="1" lang="en-US" altLang="ja-JP" sz="1600" b="1" u="heavy" dirty="0">
+                <a:solidFill>
+                  <a:schemeClr val="tx1">
+                    <a:lumMod val="85000"/>
+                    <a:lumOff val="15000"/>
+                  </a:schemeClr>
+                </a:solidFill>
+                <a:uFill>
+                  <a:solidFill>
+                    <a:schemeClr val="accent2"/>
+                  </a:solidFill>
+                </a:uFill>
+                <a:ea typeface="Meiryo UI" panose="020B0604030504040204" pitchFamily="50" charset="-128"/>
+              </a:rPr>
+              <a:t> </a:t>
+            </a:r>
+            <a:r>
+              <a:rPr kumimoji="1" lang="en-US" altLang="ja-JP" sz="1600" b="1" dirty="0">
+                <a:solidFill>
+                  <a:schemeClr val="tx1">
+                    <a:lumMod val="85000"/>
+                    <a:lumOff val="15000"/>
+                  </a:schemeClr>
+                </a:solidFill>
+                <a:uFill>
+                  <a:solidFill>
+                    <a:schemeClr val="accent2"/>
+                  </a:solidFill>
+                </a:uFill>
+                <a:ea typeface="Meiryo UI" panose="020B0604030504040204" pitchFamily="50" charset="-128"/>
+              </a:rPr>
+              <a:t>#</a:t>
+            </a:r>
+            <a:r>
+              <a:rPr kumimoji="1" lang="en-US" altLang="ja-JP" sz="1600" b="1" dirty="0">
+                <a:solidFill>
+                  <a:srgbClr val="2FD7B4"/>
+                </a:solidFill>
+                <a:uFill>
+                  <a:solidFill>
+                    <a:schemeClr val="accent1"/>
+                  </a:solidFill>
+                </a:uFill>
+                <a:ea typeface="Meiryo UI" panose="020B0604030504040204" pitchFamily="50" charset="-128"/>
+              </a:rPr>
+              <a:t>\n</a:t>
+            </a:r>
+            <a:r>
+              <a:rPr kumimoji="1" lang="en-US" altLang="ja-JP" sz="1600" b="1" u="heavy" dirty="0">
+                <a:solidFill>
+                  <a:schemeClr val="tx1">
+                    <a:lumMod val="85000"/>
+                    <a:lumOff val="15000"/>
+                  </a:schemeClr>
+                </a:solidFill>
+                <a:uFill>
+                  <a:solidFill>
+                    <a:schemeClr val="accent1"/>
+                  </a:solidFill>
+                </a:uFill>
+                <a:ea typeface="Meiryo UI" panose="020B0604030504040204" pitchFamily="50" charset="-128"/>
+              </a:rPr>
+              <a:t> </a:t>
+            </a:r>
+            <a:r>
+              <a:rPr kumimoji="1" lang="en-US" altLang="ja-JP" sz="1600" b="1" dirty="0">
+                <a:solidFill>
+                  <a:schemeClr val="tx1">
+                    <a:lumMod val="85000"/>
+                    <a:lumOff val="15000"/>
+                  </a:schemeClr>
+                </a:solidFill>
+                <a:uFill>
+                  <a:solidFill>
+                    <a:schemeClr val="accent1"/>
+                  </a:solidFill>
+                </a:uFill>
+                <a:ea typeface="Meiryo UI" panose="020B0604030504040204" pitchFamily="50" charset="-128"/>
+              </a:rPr>
+              <a:t>#</a:t>
+            </a:r>
+            <a:r>
+              <a:rPr kumimoji="1" lang="en-US" altLang="ja-JP" sz="1600" b="1" u="heavy" dirty="0">
+                <a:solidFill>
+                  <a:schemeClr val="tx1">
+                    <a:lumMod val="85000"/>
+                    <a:lumOff val="15000"/>
+                  </a:schemeClr>
+                </a:solidFill>
+                <a:uFill>
+                  <a:solidFill>
+                    <a:schemeClr val="accent2"/>
+                  </a:solidFill>
+                </a:uFill>
+                <a:ea typeface="Meiryo UI" panose="020B0604030504040204" pitchFamily="50" charset="-128"/>
+              </a:rPr>
+              <a:t> </a:t>
+            </a:r>
+            <a:r>
+              <a:rPr kumimoji="1" lang="en-US" altLang="ja-JP" sz="1600" b="1" dirty="0">
+                <a:solidFill>
+                  <a:schemeClr val="tx1">
+                    <a:lumMod val="85000"/>
+                    <a:lumOff val="15000"/>
+                  </a:schemeClr>
+                </a:solidFill>
+                <a:uFill>
+                  <a:solidFill>
+                    <a:schemeClr val="accent3">
+                      <a:lumMod val="20000"/>
+                      <a:lumOff val="80000"/>
+                    </a:schemeClr>
+                  </a:solidFill>
+                </a:uFill>
+                <a:ea typeface="Meiryo UI" panose="020B0604030504040204" pitchFamily="50" charset="-128"/>
+              </a:rPr>
+              <a:t>#</a:t>
+            </a:r>
+            <a:r>
+              <a:rPr kumimoji="1" lang="en-US" altLang="ja-JP" sz="1600" b="1" dirty="0">
+                <a:solidFill>
+                  <a:srgbClr val="2FD7B4"/>
+                </a:solidFill>
+                <a:uFill>
+                  <a:solidFill>
+                    <a:schemeClr val="accent3">
+                      <a:lumMod val="20000"/>
+                      <a:lumOff val="80000"/>
+                    </a:schemeClr>
+                  </a:solidFill>
+                </a:uFill>
+                <a:ea typeface="Meiryo UI" panose="020B0604030504040204" pitchFamily="50" charset="-128"/>
+              </a:rPr>
+              <a:t>\n</a:t>
+            </a:r>
+            <a:r>
+              <a:rPr kumimoji="1" lang="en-US" altLang="ja-JP" sz="1600" b="1" dirty="0">
+                <a:solidFill>
+                  <a:schemeClr val="tx1">
+                    <a:lumMod val="85000"/>
+                    <a:lumOff val="15000"/>
+                  </a:schemeClr>
+                </a:solidFill>
+                <a:ea typeface="Meiryo UI" panose="020B0604030504040204" pitchFamily="50" charset="-128"/>
+              </a:rPr>
+              <a:t>#</a:t>
+            </a:r>
+            <a:r>
+              <a:rPr kumimoji="1" lang="en-US" altLang="ja-JP" sz="1600" b="1" u="heavy" dirty="0">
+                <a:solidFill>
+                  <a:schemeClr val="tx1">
+                    <a:lumMod val="85000"/>
+                    <a:lumOff val="15000"/>
+                  </a:schemeClr>
+                </a:solidFill>
+                <a:uFill>
+                  <a:solidFill>
+                    <a:schemeClr val="accent1"/>
+                  </a:solidFill>
+                </a:uFill>
+                <a:ea typeface="Meiryo UI" panose="020B0604030504040204" pitchFamily="50" charset="-128"/>
+              </a:rPr>
+              <a:t> </a:t>
+            </a:r>
+            <a:r>
+              <a:rPr kumimoji="1" lang="en-US" altLang="ja-JP" sz="1600" b="1" dirty="0">
+                <a:solidFill>
+                  <a:schemeClr val="tx1">
+                    <a:lumMod val="85000"/>
+                    <a:lumOff val="15000"/>
+                  </a:schemeClr>
+                </a:solidFill>
+                <a:uFill>
+                  <a:solidFill>
+                    <a:schemeClr val="accent1"/>
+                  </a:solidFill>
+                </a:uFill>
+                <a:ea typeface="Meiryo UI" panose="020B0604030504040204" pitchFamily="50" charset="-128"/>
+              </a:rPr>
+              <a:t>#</a:t>
+            </a:r>
+            <a:r>
+              <a:rPr kumimoji="1" lang="en-US" altLang="ja-JP" sz="1600" b="1" u="heavy" dirty="0">
+                <a:solidFill>
+                  <a:schemeClr val="tx1">
+                    <a:lumMod val="85000"/>
+                    <a:lumOff val="15000"/>
+                  </a:schemeClr>
+                </a:solidFill>
+                <a:uFill>
+                  <a:solidFill>
+                    <a:schemeClr val="accent2"/>
+                  </a:solidFill>
+                </a:uFill>
+                <a:ea typeface="Meiryo UI" panose="020B0604030504040204" pitchFamily="50" charset="-128"/>
+              </a:rPr>
+              <a:t> </a:t>
+            </a:r>
+            <a:r>
+              <a:rPr kumimoji="1" lang="en-US" altLang="ja-JP" sz="1600" b="1" dirty="0">
+                <a:solidFill>
+                  <a:schemeClr val="tx1">
+                    <a:lumMod val="85000"/>
+                    <a:lumOff val="15000"/>
+                  </a:schemeClr>
+                </a:solidFill>
+                <a:uFill>
+                  <a:solidFill>
+                    <a:schemeClr val="accent3">
+                      <a:lumMod val="20000"/>
+                      <a:lumOff val="80000"/>
+                    </a:schemeClr>
+                  </a:solidFill>
+                </a:uFill>
+                <a:ea typeface="Meiryo UI" panose="020B0604030504040204" pitchFamily="50" charset="-128"/>
+              </a:rPr>
+              <a:t>#</a:t>
+            </a:r>
+            <a:r>
+              <a:rPr kumimoji="1" lang="en-US" altLang="ja-JP" sz="1600" b="1" dirty="0">
+                <a:solidFill>
+                  <a:srgbClr val="2FD7B4"/>
+                </a:solidFill>
+                <a:uFill>
+                  <a:solidFill>
+                    <a:schemeClr val="accent3">
+                      <a:lumMod val="20000"/>
+                      <a:lumOff val="80000"/>
+                    </a:schemeClr>
+                  </a:solidFill>
+                </a:uFill>
+                <a:ea typeface="Meiryo UI" panose="020B0604030504040204" pitchFamily="50" charset="-128"/>
+              </a:rPr>
+              <a:t>\n</a:t>
+            </a:r>
+            <a:r>
+              <a:rPr kumimoji="1" lang="en-US" altLang="ja-JP" sz="1600" b="1" dirty="0">
+                <a:solidFill>
+                  <a:schemeClr val="tx1">
+                    <a:lumMod val="85000"/>
+                    <a:lumOff val="15000"/>
+                  </a:schemeClr>
+                </a:solidFill>
+                <a:ea typeface="Meiryo UI" panose="020B0604030504040204" pitchFamily="50" charset="-128"/>
+              </a:rPr>
+              <a:t>”</a:t>
+            </a:r>
+            <a:r>
+              <a:rPr kumimoji="1" lang="ja-JP" altLang="en-US" sz="1600" b="1" dirty="0">
+                <a:solidFill>
+                  <a:schemeClr val="tx1">
+                    <a:lumMod val="85000"/>
+                    <a:lumOff val="15000"/>
+                  </a:schemeClr>
+                </a:solidFill>
+                <a:ea typeface="Meiryo UI" panose="020B0604030504040204" pitchFamily="50" charset="-128"/>
+              </a:rPr>
+              <a:t>   </a:t>
+            </a:r>
+            <a:r>
+              <a:rPr kumimoji="1" lang="en-US" altLang="ja-JP" sz="1600" b="1" dirty="0">
+                <a:solidFill>
+                  <a:schemeClr val="tx1">
+                    <a:lumMod val="85000"/>
+                    <a:lumOff val="15000"/>
+                  </a:schemeClr>
+                </a:solidFill>
+                <a:ea typeface="Meiryo UI" panose="020B0604030504040204" pitchFamily="50" charset="-128"/>
+              </a:rPr>
+              <a:t> </a:t>
+            </a:r>
+            <a:r>
+              <a:rPr kumimoji="1" lang="en-US" altLang="ja-JP" sz="1600" b="1" dirty="0" smtClean="0">
+                <a:solidFill>
+                  <a:schemeClr val="tx1">
+                    <a:lumMod val="85000"/>
+                    <a:lumOff val="15000"/>
+                  </a:schemeClr>
+                </a:solidFill>
+                <a:ea typeface="Meiryo UI" panose="020B0604030504040204" pitchFamily="50" charset="-128"/>
+              </a:rPr>
+              <a:t>      </a:t>
+            </a:r>
+            <a:r>
+              <a:rPr kumimoji="1" lang="en-US" altLang="ja-JP" sz="1600" b="1" dirty="0">
+                <a:solidFill>
+                  <a:schemeClr val="tx1">
+                    <a:lumMod val="85000"/>
+                    <a:lumOff val="15000"/>
+                  </a:schemeClr>
+                </a:solidFill>
+                <a:ea typeface="Meiryo UI" panose="020B0604030504040204" pitchFamily="50" charset="-128"/>
+              </a:rPr>
+              <a:t>“</a:t>
+            </a:r>
+            <a:r>
+              <a:rPr kumimoji="1" lang="en-US" altLang="ja-JP" sz="1600" b="1" u="heavy" dirty="0">
+                <a:solidFill>
+                  <a:schemeClr val="tx1">
+                    <a:lumMod val="85000"/>
+                    <a:lumOff val="15000"/>
+                  </a:schemeClr>
+                </a:solidFill>
+                <a:uFill>
+                  <a:solidFill>
+                    <a:schemeClr val="accent1"/>
+                  </a:solidFill>
+                </a:uFill>
+                <a:ea typeface="Meiryo UI" panose="020B0604030504040204" pitchFamily="50" charset="-128"/>
+              </a:rPr>
+              <a:t> </a:t>
+            </a:r>
+            <a:r>
+              <a:rPr kumimoji="1" lang="en-US" altLang="ja-JP" sz="1600" b="1" u="heavy" dirty="0">
+                <a:solidFill>
+                  <a:schemeClr val="tx1">
+                    <a:lumMod val="85000"/>
+                    <a:lumOff val="15000"/>
+                  </a:schemeClr>
+                </a:solidFill>
+                <a:uFill>
+                  <a:solidFill>
+                    <a:schemeClr val="accent2"/>
+                  </a:solidFill>
+                </a:uFill>
+                <a:ea typeface="Meiryo UI" panose="020B0604030504040204" pitchFamily="50" charset="-128"/>
+              </a:rPr>
+              <a:t> </a:t>
+            </a:r>
+            <a:r>
+              <a:rPr kumimoji="1" lang="en-US" altLang="ja-JP" sz="1600" b="1" dirty="0">
+                <a:solidFill>
+                  <a:schemeClr val="tx1">
+                    <a:lumMod val="85000"/>
+                    <a:lumOff val="15000"/>
+                  </a:schemeClr>
+                </a:solidFill>
+                <a:uFill>
+                  <a:solidFill>
+                    <a:schemeClr val="accent2"/>
+                  </a:solidFill>
+                </a:uFill>
+                <a:ea typeface="Meiryo UI" panose="020B0604030504040204" pitchFamily="50" charset="-128"/>
+              </a:rPr>
+              <a:t>#</a:t>
+            </a:r>
+            <a:r>
+              <a:rPr kumimoji="1" lang="en-US" altLang="ja-JP" sz="1600" b="1" dirty="0">
+                <a:solidFill>
+                  <a:srgbClr val="2FD7B4"/>
+                </a:solidFill>
+                <a:uFill>
+                  <a:solidFill>
+                    <a:schemeClr val="accent1"/>
+                  </a:solidFill>
+                </a:uFill>
+                <a:ea typeface="Meiryo UI" panose="020B0604030504040204" pitchFamily="50" charset="-128"/>
+              </a:rPr>
+              <a:t>\n</a:t>
+            </a:r>
+            <a:r>
+              <a:rPr kumimoji="1" lang="en-US" altLang="ja-JP" sz="1600" b="1" u="heavy" dirty="0">
+                <a:solidFill>
+                  <a:schemeClr val="tx1">
+                    <a:lumMod val="85000"/>
+                    <a:lumOff val="15000"/>
+                  </a:schemeClr>
+                </a:solidFill>
+                <a:uFill>
+                  <a:solidFill>
+                    <a:schemeClr val="accent1"/>
+                  </a:solidFill>
+                </a:uFill>
+                <a:ea typeface="Meiryo UI" panose="020B0604030504040204" pitchFamily="50" charset="-128"/>
+              </a:rPr>
+              <a:t> </a:t>
+            </a:r>
+            <a:r>
+              <a:rPr kumimoji="1" lang="en-US" altLang="ja-JP" sz="1600" b="1" dirty="0">
+                <a:solidFill>
+                  <a:schemeClr val="tx1">
+                    <a:lumMod val="85000"/>
+                    <a:lumOff val="15000"/>
+                  </a:schemeClr>
+                </a:solidFill>
+                <a:uFill>
+                  <a:solidFill>
+                    <a:schemeClr val="accent1"/>
+                  </a:solidFill>
+                </a:uFill>
+                <a:ea typeface="Meiryo UI" panose="020B0604030504040204" pitchFamily="50" charset="-128"/>
+              </a:rPr>
+              <a:t>#</a:t>
+            </a:r>
+            <a:r>
+              <a:rPr kumimoji="1" lang="en-US" altLang="ja-JP" sz="1600" b="1" u="heavy" dirty="0">
+                <a:solidFill>
+                  <a:schemeClr val="tx1">
+                    <a:lumMod val="85000"/>
+                    <a:lumOff val="15000"/>
+                  </a:schemeClr>
+                </a:solidFill>
+                <a:uFill>
+                  <a:solidFill>
+                    <a:schemeClr val="accent2"/>
+                  </a:solidFill>
+                </a:uFill>
+                <a:ea typeface="Meiryo UI" panose="020B0604030504040204" pitchFamily="50" charset="-128"/>
+              </a:rPr>
+              <a:t> </a:t>
+            </a:r>
+            <a:r>
+              <a:rPr kumimoji="1" lang="en-US" altLang="ja-JP" sz="1600" b="1" dirty="0">
+                <a:solidFill>
+                  <a:schemeClr val="tx1">
+                    <a:lumMod val="85000"/>
+                    <a:lumOff val="15000"/>
+                  </a:schemeClr>
+                </a:solidFill>
+                <a:uFill>
+                  <a:solidFill>
+                    <a:schemeClr val="accent3">
+                      <a:lumMod val="20000"/>
+                      <a:lumOff val="80000"/>
+                    </a:schemeClr>
+                  </a:solidFill>
+                </a:uFill>
+                <a:ea typeface="Meiryo UI" panose="020B0604030504040204" pitchFamily="50" charset="-128"/>
+              </a:rPr>
+              <a:t>#</a:t>
+            </a:r>
+            <a:r>
+              <a:rPr kumimoji="1" lang="en-US" altLang="ja-JP" sz="1600" b="1" dirty="0">
+                <a:solidFill>
+                  <a:srgbClr val="2FD7B4"/>
+                </a:solidFill>
+                <a:uFill>
+                  <a:solidFill>
+                    <a:schemeClr val="accent3">
+                      <a:lumMod val="20000"/>
+                      <a:lumOff val="80000"/>
+                    </a:schemeClr>
+                  </a:solidFill>
+                </a:uFill>
+                <a:ea typeface="Meiryo UI" panose="020B0604030504040204" pitchFamily="50" charset="-128"/>
+              </a:rPr>
+              <a:t>\n</a:t>
+            </a:r>
+            <a:r>
+              <a:rPr kumimoji="1" lang="en-US" altLang="ja-JP" sz="1600" b="1" dirty="0">
+                <a:solidFill>
+                  <a:schemeClr val="tx1">
+                    <a:lumMod val="85000"/>
+                    <a:lumOff val="15000"/>
+                  </a:schemeClr>
+                </a:solidFill>
+                <a:ea typeface="Meiryo UI" panose="020B0604030504040204" pitchFamily="50" charset="-128"/>
+              </a:rPr>
+              <a:t>#</a:t>
+            </a:r>
+            <a:r>
+              <a:rPr kumimoji="1" lang="en-US" altLang="ja-JP" sz="1600" b="1" u="heavy" dirty="0">
+                <a:solidFill>
+                  <a:schemeClr val="tx1">
+                    <a:lumMod val="85000"/>
+                    <a:lumOff val="15000"/>
+                  </a:schemeClr>
+                </a:solidFill>
+                <a:uFill>
+                  <a:solidFill>
+                    <a:schemeClr val="accent1"/>
+                  </a:solidFill>
+                </a:uFill>
+                <a:ea typeface="Meiryo UI" panose="020B0604030504040204" pitchFamily="50" charset="-128"/>
+              </a:rPr>
+              <a:t> </a:t>
+            </a:r>
+            <a:r>
+              <a:rPr kumimoji="1" lang="en-US" altLang="ja-JP" sz="1600" b="1" dirty="0">
+                <a:solidFill>
+                  <a:schemeClr val="tx1">
+                    <a:lumMod val="85000"/>
+                    <a:lumOff val="15000"/>
+                  </a:schemeClr>
+                </a:solidFill>
+                <a:uFill>
+                  <a:solidFill>
+                    <a:schemeClr val="accent1"/>
+                  </a:solidFill>
+                </a:uFill>
+                <a:ea typeface="Meiryo UI" panose="020B0604030504040204" pitchFamily="50" charset="-128"/>
+              </a:rPr>
+              <a:t>#</a:t>
+            </a:r>
+            <a:r>
+              <a:rPr kumimoji="1" lang="en-US" altLang="ja-JP" sz="1600" b="1" u="heavy" dirty="0">
+                <a:solidFill>
+                  <a:schemeClr val="tx1">
+                    <a:lumMod val="85000"/>
+                    <a:lumOff val="15000"/>
+                  </a:schemeClr>
+                </a:solidFill>
+                <a:uFill>
+                  <a:solidFill>
+                    <a:schemeClr val="accent2"/>
+                  </a:solidFill>
+                </a:uFill>
+                <a:ea typeface="Meiryo UI" panose="020B0604030504040204" pitchFamily="50" charset="-128"/>
+              </a:rPr>
+              <a:t> </a:t>
+            </a:r>
+            <a:r>
+              <a:rPr kumimoji="1" lang="en-US" altLang="ja-JP" sz="1600" b="1" dirty="0">
+                <a:solidFill>
+                  <a:schemeClr val="tx1">
+                    <a:lumMod val="85000"/>
+                    <a:lumOff val="15000"/>
+                  </a:schemeClr>
+                </a:solidFill>
+                <a:uFill>
+                  <a:solidFill>
+                    <a:schemeClr val="accent3">
+                      <a:lumMod val="20000"/>
+                      <a:lumOff val="80000"/>
+                    </a:schemeClr>
+                  </a:solidFill>
+                </a:uFill>
+                <a:ea typeface="Meiryo UI" panose="020B0604030504040204" pitchFamily="50" charset="-128"/>
+              </a:rPr>
+              <a:t>#</a:t>
+            </a:r>
+            <a:r>
+              <a:rPr kumimoji="1" lang="en-US" altLang="ja-JP" sz="1600" b="1" dirty="0">
+                <a:solidFill>
+                  <a:schemeClr val="tx1">
+                    <a:lumMod val="85000"/>
+                    <a:lumOff val="15000"/>
+                  </a:schemeClr>
+                </a:solidFill>
+                <a:ea typeface="Meiryo UI" panose="020B0604030504040204" pitchFamily="50" charset="-128"/>
+              </a:rPr>
+              <a:t>”</a:t>
+            </a:r>
+          </a:p>
+        </p:txBody>
+      </p:sp>
+      <p:sp>
+        <p:nvSpPr>
+          <p:cNvPr id="34" name="正方形/長方形 33">
+            <a:extLst>
+              <a:ext uri="{FF2B5EF4-FFF2-40B4-BE49-F238E27FC236}">
+                <a16:creationId xmlns:a16="http://schemas.microsoft.com/office/drawing/2014/main" id="{C5F083B8-8D21-4243-BD55-E7ACC9E395B1}"/>
+              </a:ext>
+            </a:extLst>
+          </p:cNvPr>
+          <p:cNvSpPr/>
+          <p:nvPr/>
+        </p:nvSpPr>
+        <p:spPr>
+          <a:xfrm>
+            <a:off x="797504" y="4082706"/>
+            <a:ext cx="1524206" cy="429893"/>
+          </a:xfrm>
+          <a:prstGeom prst="rect">
+            <a:avLst/>
+          </a:prstGeom>
+          <a:noFill/>
+          <a:ln>
+            <a:noFill/>
+          </a:ln>
+        </p:spPr>
+        <p:style>
+          <a:lnRef idx="2">
+            <a:schemeClr val="accent1">
+              <a:shade val="50000"/>
+            </a:schemeClr>
+          </a:lnRef>
+          <a:fillRef idx="1">
+            <a:schemeClr val="accent1"/>
+          </a:fillRef>
+          <a:effectRef idx="0">
+            <a:schemeClr val="accent1"/>
+          </a:effectRef>
+          <a:fontRef idx="minor">
+            <a:schemeClr val="lt1"/>
+          </a:fontRef>
+        </p:style>
+        <p:txBody>
           <a:bodyPr rtlCol="0" anchor="ctr"/>
           <a:lstStyle/>
           <a:p>
             <a:pPr algn="ctr"/>
             <a:r>
+              <a:rPr kumimoji="1" lang="ja-JP" altLang="en-US" b="1" dirty="0" smtClean="0">
+                <a:solidFill>
+                  <a:schemeClr val="tx1">
+                    <a:lumMod val="85000"/>
+                    <a:lumOff val="15000"/>
+                  </a:schemeClr>
+                </a:solidFill>
+                <a:latin typeface="Meiryo UI" panose="020B0604030504040204" pitchFamily="50" charset="-128"/>
+                <a:ea typeface="Meiryo UI" panose="020B0604030504040204" pitchFamily="50" charset="-128"/>
+              </a:rPr>
+              <a:t>①スペース</a:t>
+            </a:r>
+            <a:r>
+              <a:rPr kumimoji="1" lang="ja-JP" altLang="en-US" b="1" dirty="0">
+                <a:solidFill>
+                  <a:schemeClr val="tx1">
+                    <a:lumMod val="85000"/>
+                    <a:lumOff val="15000"/>
+                  </a:schemeClr>
+                </a:solidFill>
+                <a:latin typeface="Meiryo UI" panose="020B0604030504040204" pitchFamily="50" charset="-128"/>
+                <a:ea typeface="Meiryo UI" panose="020B0604030504040204" pitchFamily="50" charset="-128"/>
+              </a:rPr>
+              <a:t>の間に</a:t>
+            </a:r>
+            <a:endParaRPr kumimoji="1" lang="en-US" altLang="ja-JP" b="1" dirty="0">
+              <a:solidFill>
+                <a:schemeClr val="tx1">
+                  <a:lumMod val="85000"/>
+                  <a:lumOff val="15000"/>
+                </a:schemeClr>
+              </a:solidFill>
+              <a:latin typeface="Meiryo UI" panose="020B0604030504040204" pitchFamily="50" charset="-128"/>
+              <a:ea typeface="Meiryo UI" panose="020B0604030504040204" pitchFamily="50" charset="-128"/>
+            </a:endParaRPr>
+          </a:p>
+          <a:p>
+            <a:pPr algn="ctr"/>
+            <a:r>
+              <a:rPr kumimoji="1" lang="ja-JP" altLang="en-US" b="1" dirty="0" smtClean="0">
+                <a:solidFill>
+                  <a:schemeClr val="tx1">
+                    <a:lumMod val="85000"/>
+                    <a:lumOff val="15000"/>
+                  </a:schemeClr>
+                </a:solidFill>
+                <a:latin typeface="Meiryo UI" panose="020B0604030504040204" pitchFamily="50" charset="-128"/>
+                <a:ea typeface="Meiryo UI" panose="020B0604030504040204" pitchFamily="50" charset="-128"/>
+              </a:rPr>
+              <a:t>一文字を</a:t>
+            </a:r>
+            <a:r>
+              <a:rPr kumimoji="1" lang="ja-JP" altLang="en-US" b="1" dirty="0">
+                <a:solidFill>
+                  <a:schemeClr val="tx1">
+                    <a:lumMod val="85000"/>
+                    <a:lumOff val="15000"/>
+                  </a:schemeClr>
+                </a:solidFill>
+                <a:latin typeface="Meiryo UI" panose="020B0604030504040204" pitchFamily="50" charset="-128"/>
+                <a:ea typeface="Meiryo UI" panose="020B0604030504040204" pitchFamily="50" charset="-128"/>
+              </a:rPr>
+              <a:t>入れる</a:t>
+            </a:r>
+          </a:p>
+        </p:txBody>
+      </p:sp>
+      <p:sp>
+        <p:nvSpPr>
+          <p:cNvPr id="35" name="正方形/長方形 34">
+            <a:extLst>
+              <a:ext uri="{FF2B5EF4-FFF2-40B4-BE49-F238E27FC236}">
+                <a16:creationId xmlns:a16="http://schemas.microsoft.com/office/drawing/2014/main" id="{987FDCED-92F6-4CAB-A42A-CA7D8E953786}"/>
+              </a:ext>
+            </a:extLst>
+          </p:cNvPr>
+          <p:cNvSpPr/>
+          <p:nvPr/>
+        </p:nvSpPr>
+        <p:spPr>
+          <a:xfrm>
+            <a:off x="2664272" y="4052083"/>
+            <a:ext cx="1182834" cy="429893"/>
+          </a:xfrm>
+          <a:prstGeom prst="rect">
+            <a:avLst/>
+          </a:prstGeom>
+          <a:noFill/>
+          <a:ln>
+            <a:noFill/>
+          </a:ln>
+        </p:spPr>
+        <p:style>
+          <a:lnRef idx="2">
+            <a:schemeClr val="accent1">
+              <a:shade val="50000"/>
+            </a:schemeClr>
+          </a:lnRef>
+          <a:fillRef idx="1">
+            <a:schemeClr val="accent1"/>
+          </a:fillRef>
+          <a:effectRef idx="0">
+            <a:schemeClr val="accent1"/>
+          </a:effectRef>
+          <a:fontRef idx="minor">
+            <a:schemeClr val="lt1"/>
+          </a:fontRef>
+        </p:style>
+        <p:txBody>
+          <a:bodyPr rtlCol="0" anchor="ctr"/>
+          <a:lstStyle/>
+          <a:p>
+            <a:pPr algn="ctr"/>
+            <a:r>
+              <a:rPr kumimoji="1" lang="ja-JP" altLang="en-US" b="1" dirty="0" smtClean="0">
+                <a:solidFill>
+                  <a:schemeClr val="tx1">
+                    <a:lumMod val="85000"/>
+                    <a:lumOff val="15000"/>
+                  </a:schemeClr>
+                </a:solidFill>
+                <a:latin typeface="Meiryo UI" panose="020B0604030504040204" pitchFamily="50" charset="-128"/>
+                <a:ea typeface="Meiryo UI" panose="020B0604030504040204" pitchFamily="50" charset="-128"/>
+              </a:rPr>
+              <a:t>②末尾</a:t>
+            </a:r>
+            <a:r>
+              <a:rPr kumimoji="1" lang="ja-JP" altLang="en-US" b="1" dirty="0">
+                <a:solidFill>
+                  <a:schemeClr val="tx1">
+                    <a:lumMod val="85000"/>
+                    <a:lumOff val="15000"/>
+                  </a:schemeClr>
+                </a:solidFill>
+                <a:latin typeface="Meiryo UI" panose="020B0604030504040204" pitchFamily="50" charset="-128"/>
+                <a:ea typeface="Meiryo UI" panose="020B0604030504040204" pitchFamily="50" charset="-128"/>
+              </a:rPr>
+              <a:t>に</a:t>
+            </a:r>
+            <a:endParaRPr kumimoji="1" lang="en-US" altLang="ja-JP" b="1" dirty="0">
+              <a:solidFill>
+                <a:schemeClr val="tx1">
+                  <a:lumMod val="85000"/>
+                  <a:lumOff val="15000"/>
+                </a:schemeClr>
+              </a:solidFill>
+              <a:latin typeface="Meiryo UI" panose="020B0604030504040204" pitchFamily="50" charset="-128"/>
+              <a:ea typeface="Meiryo UI" panose="020B0604030504040204" pitchFamily="50" charset="-128"/>
+            </a:endParaRPr>
+          </a:p>
+          <a:p>
+            <a:pPr algn="ctr"/>
+            <a:r>
+              <a:rPr kumimoji="1" lang="en-US" altLang="ja-JP" b="1" dirty="0">
+                <a:solidFill>
+                  <a:schemeClr val="tx1">
+                    <a:lumMod val="85000"/>
+                    <a:lumOff val="15000"/>
+                  </a:schemeClr>
+                </a:solidFill>
+                <a:latin typeface="Meiryo UI" panose="020B0604030504040204" pitchFamily="50" charset="-128"/>
+                <a:ea typeface="Meiryo UI" panose="020B0604030504040204" pitchFamily="50" charset="-128"/>
+              </a:rPr>
+              <a:t>“\n”</a:t>
+            </a:r>
+            <a:r>
+              <a:rPr kumimoji="1" lang="ja-JP" altLang="en-US" b="1" dirty="0">
+                <a:solidFill>
+                  <a:schemeClr val="tx1">
+                    <a:lumMod val="85000"/>
+                    <a:lumOff val="15000"/>
+                  </a:schemeClr>
+                </a:solidFill>
+                <a:latin typeface="Meiryo UI" panose="020B0604030504040204" pitchFamily="50" charset="-128"/>
+                <a:ea typeface="Meiryo UI" panose="020B0604030504040204" pitchFamily="50" charset="-128"/>
+              </a:rPr>
+              <a:t>を追加</a:t>
+            </a:r>
+          </a:p>
+        </p:txBody>
+      </p:sp>
+      <p:sp>
+        <p:nvSpPr>
+          <p:cNvPr id="36" name="正方形/長方形 35">
+            <a:extLst>
+              <a:ext uri="{FF2B5EF4-FFF2-40B4-BE49-F238E27FC236}">
+                <a16:creationId xmlns:a16="http://schemas.microsoft.com/office/drawing/2014/main" id="{20E23E0B-5374-40C9-B7F8-ECDC9DDA35AE}"/>
+              </a:ext>
+            </a:extLst>
+          </p:cNvPr>
+          <p:cNvSpPr/>
+          <p:nvPr/>
+        </p:nvSpPr>
+        <p:spPr>
+          <a:xfrm>
+            <a:off x="4646041" y="4085529"/>
+            <a:ext cx="1308519" cy="429893"/>
+          </a:xfrm>
+          <a:prstGeom prst="rect">
+            <a:avLst/>
+          </a:prstGeom>
+          <a:noFill/>
+          <a:ln>
+            <a:noFill/>
+          </a:ln>
+        </p:spPr>
+        <p:style>
+          <a:lnRef idx="2">
+            <a:schemeClr val="accent1">
+              <a:shade val="50000"/>
+            </a:schemeClr>
+          </a:lnRef>
+          <a:fillRef idx="1">
+            <a:schemeClr val="accent1"/>
+          </a:fillRef>
+          <a:effectRef idx="0">
+            <a:schemeClr val="accent1"/>
+          </a:effectRef>
+          <a:fontRef idx="minor">
+            <a:schemeClr val="lt1"/>
+          </a:fontRef>
+        </p:style>
+        <p:txBody>
+          <a:bodyPr rtlCol="0" anchor="ctr"/>
+          <a:lstStyle/>
+          <a:p>
+            <a:pPr algn="ctr"/>
+            <a:r>
+              <a:rPr kumimoji="1" lang="ja-JP" altLang="en-US" b="1" dirty="0" smtClean="0">
+                <a:solidFill>
+                  <a:schemeClr val="tx1">
+                    <a:lumMod val="85000"/>
+                    <a:lumOff val="15000"/>
+                  </a:schemeClr>
+                </a:solidFill>
+                <a:latin typeface="Meiryo UI" panose="020B0604030504040204" pitchFamily="50" charset="-128"/>
+                <a:ea typeface="Meiryo UI" panose="020B0604030504040204" pitchFamily="50" charset="-128"/>
+              </a:rPr>
+              <a:t>③できあがった</a:t>
+            </a:r>
+            <a:endParaRPr kumimoji="1" lang="en-US" altLang="ja-JP" b="1" dirty="0">
+              <a:solidFill>
+                <a:schemeClr val="tx1">
+                  <a:lumMod val="85000"/>
+                  <a:lumOff val="15000"/>
+                </a:schemeClr>
+              </a:solidFill>
+              <a:latin typeface="Meiryo UI" panose="020B0604030504040204" pitchFamily="50" charset="-128"/>
+              <a:ea typeface="Meiryo UI" panose="020B0604030504040204" pitchFamily="50" charset="-128"/>
+            </a:endParaRPr>
+          </a:p>
+          <a:p>
+            <a:pPr algn="ctr"/>
+            <a:r>
+              <a:rPr kumimoji="1" lang="ja-JP" altLang="en-US" b="1" dirty="0">
+                <a:solidFill>
+                  <a:schemeClr val="tx1">
+                    <a:lumMod val="85000"/>
+                    <a:lumOff val="15000"/>
+                  </a:schemeClr>
+                </a:solidFill>
+                <a:latin typeface="Meiryo UI" panose="020B0604030504040204" pitchFamily="50" charset="-128"/>
+                <a:ea typeface="Meiryo UI" panose="020B0604030504040204" pitchFamily="50" charset="-128"/>
+              </a:rPr>
+              <a:t>文字列を結合</a:t>
+            </a:r>
+          </a:p>
+        </p:txBody>
+      </p:sp>
+      <p:sp>
+        <p:nvSpPr>
+          <p:cNvPr id="37" name="正方形/長方形 36">
+            <a:extLst>
+              <a:ext uri="{FF2B5EF4-FFF2-40B4-BE49-F238E27FC236}">
+                <a16:creationId xmlns:a16="http://schemas.microsoft.com/office/drawing/2014/main" id="{DCD7BC39-0414-4F4F-B42E-1298D4BF38AF}"/>
+              </a:ext>
+            </a:extLst>
+          </p:cNvPr>
+          <p:cNvSpPr/>
+          <p:nvPr/>
+        </p:nvSpPr>
+        <p:spPr>
+          <a:xfrm>
+            <a:off x="6905082" y="4077242"/>
+            <a:ext cx="1643243" cy="429893"/>
+          </a:xfrm>
+          <a:prstGeom prst="rect">
+            <a:avLst/>
+          </a:prstGeom>
+          <a:noFill/>
+          <a:ln>
+            <a:noFill/>
+          </a:ln>
+        </p:spPr>
+        <p:style>
+          <a:lnRef idx="2">
+            <a:schemeClr val="accent1">
+              <a:shade val="50000"/>
+            </a:schemeClr>
+          </a:lnRef>
+          <a:fillRef idx="1">
+            <a:schemeClr val="accent1"/>
+          </a:fillRef>
+          <a:effectRef idx="0">
+            <a:schemeClr val="accent1"/>
+          </a:effectRef>
+          <a:fontRef idx="minor">
+            <a:schemeClr val="lt1"/>
+          </a:fontRef>
+        </p:style>
+        <p:txBody>
+          <a:bodyPr rtlCol="0" anchor="ctr"/>
+          <a:lstStyle/>
+          <a:p>
+            <a:pPr algn="ctr"/>
+            <a:r>
+              <a:rPr kumimoji="1" lang="ja-JP" altLang="en-US" b="1" dirty="0" smtClean="0">
+                <a:solidFill>
+                  <a:schemeClr val="tx1">
+                    <a:lumMod val="85000"/>
+                    <a:lumOff val="15000"/>
+                  </a:schemeClr>
+                </a:solidFill>
+                <a:latin typeface="Meiryo UI" panose="020B0604030504040204" pitchFamily="50" charset="-128"/>
+                <a:ea typeface="Meiryo UI" panose="020B0604030504040204" pitchFamily="50" charset="-128"/>
+              </a:rPr>
+              <a:t>最後に</a:t>
+            </a:r>
+            <a:endParaRPr kumimoji="1" lang="en-US" altLang="ja-JP" b="1" dirty="0" smtClean="0">
+              <a:solidFill>
+                <a:schemeClr val="tx1">
+                  <a:lumMod val="85000"/>
+                  <a:lumOff val="15000"/>
+                </a:schemeClr>
+              </a:solidFill>
+              <a:latin typeface="Meiryo UI" panose="020B0604030504040204" pitchFamily="50" charset="-128"/>
+              <a:ea typeface="Meiryo UI" panose="020B0604030504040204" pitchFamily="50" charset="-128"/>
+            </a:endParaRPr>
+          </a:p>
+          <a:p>
+            <a:pPr algn="ctr"/>
+            <a:r>
+              <a:rPr kumimoji="1" lang="ja-JP" altLang="en-US" b="1" dirty="0" smtClean="0">
+                <a:solidFill>
+                  <a:schemeClr val="tx1">
+                    <a:lumMod val="85000"/>
+                    <a:lumOff val="15000"/>
+                  </a:schemeClr>
+                </a:solidFill>
+                <a:latin typeface="Meiryo UI" panose="020B0604030504040204" pitchFamily="50" charset="-128"/>
+                <a:ea typeface="Meiryo UI" panose="020B0604030504040204" pitchFamily="50" charset="-128"/>
+              </a:rPr>
+              <a:t>末尾</a:t>
+            </a:r>
+            <a:r>
+              <a:rPr kumimoji="1" lang="ja-JP" altLang="en-US" b="1" dirty="0">
+                <a:solidFill>
+                  <a:schemeClr val="tx1">
+                    <a:lumMod val="85000"/>
+                    <a:lumOff val="15000"/>
+                  </a:schemeClr>
+                </a:solidFill>
+                <a:latin typeface="Meiryo UI" panose="020B0604030504040204" pitchFamily="50" charset="-128"/>
+                <a:ea typeface="Meiryo UI" panose="020B0604030504040204" pitchFamily="50" charset="-128"/>
+              </a:rPr>
+              <a:t>の</a:t>
+            </a:r>
+            <a:r>
+              <a:rPr kumimoji="1" lang="en-US" altLang="ja-JP" b="1" dirty="0">
+                <a:solidFill>
+                  <a:schemeClr val="tx1">
+                    <a:lumMod val="85000"/>
+                    <a:lumOff val="15000"/>
+                  </a:schemeClr>
+                </a:solidFill>
+                <a:latin typeface="Meiryo UI" panose="020B0604030504040204" pitchFamily="50" charset="-128"/>
+                <a:ea typeface="Meiryo UI" panose="020B0604030504040204" pitchFamily="50" charset="-128"/>
+              </a:rPr>
+              <a:t>”\n”</a:t>
+            </a:r>
+            <a:r>
+              <a:rPr kumimoji="1" lang="ja-JP" altLang="en-US" b="1" dirty="0">
+                <a:solidFill>
+                  <a:schemeClr val="tx1">
+                    <a:lumMod val="85000"/>
+                    <a:lumOff val="15000"/>
+                  </a:schemeClr>
+                </a:solidFill>
+                <a:latin typeface="Meiryo UI" panose="020B0604030504040204" pitchFamily="50" charset="-128"/>
+                <a:ea typeface="Meiryo UI" panose="020B0604030504040204" pitchFamily="50" charset="-128"/>
+              </a:rPr>
+              <a:t>を削除</a:t>
+            </a:r>
+          </a:p>
+        </p:txBody>
+      </p:sp>
+      <p:sp>
+        <p:nvSpPr>
+          <p:cNvPr id="38" name="吹き出し: 円形 37">
+            <a:extLst>
+              <a:ext uri="{FF2B5EF4-FFF2-40B4-BE49-F238E27FC236}">
+                <a16:creationId xmlns:a16="http://schemas.microsoft.com/office/drawing/2014/main" id="{249F3303-D243-4077-952C-3A7ACC66D489}"/>
+              </a:ext>
+            </a:extLst>
+          </p:cNvPr>
+          <p:cNvSpPr/>
+          <p:nvPr/>
+        </p:nvSpPr>
+        <p:spPr>
+          <a:xfrm>
+            <a:off x="8355989" y="3127954"/>
+            <a:ext cx="507600" cy="506437"/>
+          </a:xfrm>
+          <a:prstGeom prst="wedgeEllipseCallout">
+            <a:avLst>
+              <a:gd name="adj1" fmla="val -34870"/>
+              <a:gd name="adj2" fmla="val 62500"/>
+            </a:avLst>
+          </a:prstGeom>
+          <a:noFill/>
+          <a:ln w="12700">
+            <a:solidFill>
+              <a:schemeClr val="accent1"/>
+            </a:solidFill>
+          </a:ln>
+        </p:spPr>
+        <p:style>
+          <a:lnRef idx="2">
+            <a:schemeClr val="accent1">
+              <a:shade val="50000"/>
+            </a:schemeClr>
+          </a:lnRef>
+          <a:fillRef idx="1">
+            <a:schemeClr val="accent1"/>
+          </a:fillRef>
+          <a:effectRef idx="0">
+            <a:schemeClr val="accent1"/>
+          </a:effectRef>
+          <a:fontRef idx="minor">
+            <a:schemeClr val="lt1"/>
+          </a:fontRef>
+        </p:style>
+        <p:txBody>
+          <a:bodyPr wrap="none" rtlCol="0" anchor="ctr"/>
+          <a:lstStyle/>
+          <a:p>
+            <a:pPr algn="ctr"/>
+            <a:r>
               <a:rPr kumimoji="1" lang="ja-JP" altLang="en-US" dirty="0">
                 <a:solidFill>
-                  <a:schemeClr val="tx1">
-                    <a:lumMod val="85000"/>
-                    <a:lumOff val="15000"/>
-                  </a:schemeClr>
+                  <a:schemeClr val="accent1"/>
                 </a:solidFill>
                 <a:latin typeface="Meiryo UI" panose="020B0604030504040204" pitchFamily="50" charset="-128"/>
                 <a:ea typeface="Meiryo UI" panose="020B0604030504040204" pitchFamily="50" charset="-128"/>
               </a:rPr>
-              <a:t>－ 見えてきた規則性 －</a:t>
-            </a:r>
+              <a:t>完成</a:t>
+            </a:r>
+          </a:p>
+        </p:txBody>
+      </p:sp>
+      <p:sp>
+        <p:nvSpPr>
+          <p:cNvPr id="40" name="正方形/長方形 39">
+            <a:extLst>
+              <a:ext uri="{FF2B5EF4-FFF2-40B4-BE49-F238E27FC236}">
+                <a16:creationId xmlns:a16="http://schemas.microsoft.com/office/drawing/2014/main" id="{DFCA995E-1BA6-434B-86D1-B21E795113B9}"/>
+              </a:ext>
+            </a:extLst>
+          </p:cNvPr>
+          <p:cNvSpPr/>
+          <p:nvPr/>
+        </p:nvSpPr>
+        <p:spPr>
+          <a:xfrm>
+            <a:off x="197889" y="2334420"/>
+            <a:ext cx="8748221" cy="2274977"/>
+          </a:xfrm>
+          <a:prstGeom prst="rect">
+            <a:avLst/>
+          </a:prstGeom>
+          <a:noFill/>
+          <a:ln w="9525">
+            <a:solidFill>
+              <a:schemeClr val="tx1"/>
+            </a:solidFill>
+          </a:ln>
+        </p:spPr>
+        <p:style>
+          <a:lnRef idx="2">
+            <a:schemeClr val="accent1">
+              <a:shade val="50000"/>
+            </a:schemeClr>
+          </a:lnRef>
+          <a:fillRef idx="1">
+            <a:schemeClr val="accent1"/>
+          </a:fillRef>
+          <a:effectRef idx="0">
+            <a:schemeClr val="accent1"/>
+          </a:effectRef>
+          <a:fontRef idx="minor">
+            <a:schemeClr val="lt1"/>
+          </a:fontRef>
+        </p:style>
+        <p:txBody>
+          <a:bodyPr rtlCol="0" anchor="ctr"/>
+          <a:lstStyle/>
+          <a:p>
+            <a:pPr algn="ctr"/>
+            <a:endParaRPr kumimoji="1" lang="ja-JP" altLang="en-US" dirty="0">
+              <a:solidFill>
+                <a:schemeClr val="tx1">
+                  <a:lumMod val="85000"/>
+                  <a:lumOff val="15000"/>
+                </a:schemeClr>
+              </a:solidFill>
+              <a:latin typeface="Meiryo UI" panose="020B0604030504040204" pitchFamily="50" charset="-128"/>
+              <a:ea typeface="Meiryo UI" panose="020B0604030504040204" pitchFamily="50" charset="-128"/>
+            </a:endParaRPr>
+          </a:p>
+        </p:txBody>
+      </p:sp>
+      <p:sp>
+        <p:nvSpPr>
+          <p:cNvPr id="23" name="正方形/長方形 22">
+            <a:extLst>
+              <a:ext uri="{FF2B5EF4-FFF2-40B4-BE49-F238E27FC236}">
+                <a16:creationId xmlns:a16="http://schemas.microsoft.com/office/drawing/2014/main" id="{0D17ABA5-9A62-4C5E-ACB4-EBCC86CDD511}"/>
+              </a:ext>
+            </a:extLst>
+          </p:cNvPr>
+          <p:cNvSpPr/>
+          <p:nvPr/>
+        </p:nvSpPr>
+        <p:spPr>
+          <a:xfrm>
+            <a:off x="3712685" y="2255911"/>
+            <a:ext cx="1718631" cy="184662"/>
+          </a:xfrm>
+          <a:prstGeom prst="rect">
+            <a:avLst/>
+          </a:prstGeom>
+          <a:solidFill>
+            <a:schemeClr val="bg1"/>
+          </a:solidFill>
+          <a:ln>
+            <a:noFill/>
+          </a:ln>
+        </p:spPr>
+        <p:style>
+          <a:lnRef idx="2">
+            <a:schemeClr val="accent1">
+              <a:shade val="50000"/>
+            </a:schemeClr>
+          </a:lnRef>
+          <a:fillRef idx="1">
+            <a:schemeClr val="accent1"/>
+          </a:fillRef>
+          <a:effectRef idx="0">
+            <a:schemeClr val="accent1"/>
+          </a:effectRef>
+          <a:fontRef idx="minor">
+            <a:schemeClr val="lt1"/>
+          </a:fontRef>
+        </p:style>
+        <p:txBody>
+          <a:bodyPr rtlCol="0" anchor="ctr"/>
+          <a:lstStyle/>
+          <a:p>
+            <a:pPr algn="ctr"/>
+            <a:r>
+              <a:rPr kumimoji="1" lang="ja-JP" altLang="en-US" dirty="0">
+                <a:solidFill>
+                  <a:schemeClr val="tx1">
+                    <a:lumMod val="85000"/>
+                    <a:lumOff val="15000"/>
+                  </a:schemeClr>
+                </a:solidFill>
+                <a:latin typeface="Meiryo UI" panose="020B0604030504040204" pitchFamily="50" charset="-128"/>
+                <a:ea typeface="Meiryo UI" panose="020B0604030504040204" pitchFamily="50" charset="-128"/>
+              </a:rPr>
+              <a:t>プログラムの流れ</a:t>
+            </a:r>
+          </a:p>
+        </p:txBody>
+      </p:sp>
+      <p:cxnSp>
+        <p:nvCxnSpPr>
+          <p:cNvPr id="6" name="直線矢印コネクタ 5">
+            <a:extLst>
+              <a:ext uri="{FF2B5EF4-FFF2-40B4-BE49-F238E27FC236}">
+                <a16:creationId xmlns:a16="http://schemas.microsoft.com/office/drawing/2014/main" id="{187E6AA8-8B1D-4790-B8FC-0E48AD981E16}"/>
+              </a:ext>
+            </a:extLst>
+          </p:cNvPr>
+          <p:cNvCxnSpPr>
+            <a:cxnSpLocks/>
+          </p:cNvCxnSpPr>
+          <p:nvPr/>
+        </p:nvCxnSpPr>
+        <p:spPr>
+          <a:xfrm flipV="1">
+            <a:off x="1497615" y="3213527"/>
+            <a:ext cx="0" cy="9601"/>
+          </a:xfrm>
+          <a:prstGeom prst="straightConnector1">
+            <a:avLst/>
+          </a:prstGeom>
+          <a:ln w="12700">
+            <a:solidFill>
+              <a:schemeClr val="tx1"/>
+            </a:solidFill>
+            <a:tailEnd type="arrow" w="sm" len="sm"/>
+          </a:ln>
+        </p:spPr>
+        <p:style>
+          <a:lnRef idx="1">
+            <a:schemeClr val="accent1"/>
+          </a:lnRef>
+          <a:fillRef idx="0">
+            <a:schemeClr val="accent1"/>
+          </a:fillRef>
+          <a:effectRef idx="0">
+            <a:schemeClr val="accent1"/>
+          </a:effectRef>
+          <a:fontRef idx="minor">
+            <a:schemeClr val="tx1"/>
+          </a:fontRef>
+        </p:style>
+      </p:cxnSp>
+      <p:cxnSp>
+        <p:nvCxnSpPr>
+          <p:cNvPr id="45" name="直線矢印コネクタ 44">
+            <a:extLst>
+              <a:ext uri="{FF2B5EF4-FFF2-40B4-BE49-F238E27FC236}">
+                <a16:creationId xmlns:a16="http://schemas.microsoft.com/office/drawing/2014/main" id="{A7E43D5F-E2DC-46F7-B0FB-1A1A71FE2EC4}"/>
+              </a:ext>
+            </a:extLst>
+          </p:cNvPr>
+          <p:cNvCxnSpPr>
+            <a:cxnSpLocks/>
+          </p:cNvCxnSpPr>
+          <p:nvPr/>
+        </p:nvCxnSpPr>
+        <p:spPr>
+          <a:xfrm flipV="1">
+            <a:off x="1445270" y="3577929"/>
+            <a:ext cx="0" cy="9601"/>
+          </a:xfrm>
+          <a:prstGeom prst="straightConnector1">
+            <a:avLst/>
+          </a:prstGeom>
+          <a:ln w="12700">
+            <a:solidFill>
+              <a:schemeClr val="tx1"/>
+            </a:solidFill>
+            <a:tailEnd type="arrow" w="sm" len="sm"/>
+          </a:ln>
+        </p:spPr>
+        <p:style>
+          <a:lnRef idx="1">
+            <a:schemeClr val="accent1"/>
+          </a:lnRef>
+          <a:fillRef idx="0">
+            <a:schemeClr val="accent1"/>
+          </a:fillRef>
+          <a:effectRef idx="0">
+            <a:schemeClr val="accent1"/>
+          </a:effectRef>
+          <a:fontRef idx="minor">
+            <a:schemeClr val="tx1"/>
+          </a:fontRef>
+        </p:style>
+      </p:cxnSp>
+      <p:cxnSp>
+        <p:nvCxnSpPr>
+          <p:cNvPr id="46" name="直線矢印コネクタ 45">
+            <a:extLst>
+              <a:ext uri="{FF2B5EF4-FFF2-40B4-BE49-F238E27FC236}">
+                <a16:creationId xmlns:a16="http://schemas.microsoft.com/office/drawing/2014/main" id="{A7B61A47-12EE-44CB-AE86-ADE8D2ED442B}"/>
+              </a:ext>
+            </a:extLst>
+          </p:cNvPr>
+          <p:cNvCxnSpPr>
+            <a:cxnSpLocks/>
+          </p:cNvCxnSpPr>
+          <p:nvPr/>
+        </p:nvCxnSpPr>
+        <p:spPr>
+          <a:xfrm flipV="1">
+            <a:off x="1317272" y="3949272"/>
+            <a:ext cx="0" cy="9601"/>
+          </a:xfrm>
+          <a:prstGeom prst="straightConnector1">
+            <a:avLst/>
+          </a:prstGeom>
+          <a:ln w="12700">
+            <a:solidFill>
+              <a:schemeClr val="tx1"/>
+            </a:solidFill>
+            <a:tailEnd type="arrow" w="sm" len="sm"/>
+          </a:ln>
+        </p:spPr>
+        <p:style>
+          <a:lnRef idx="1">
+            <a:schemeClr val="accent1"/>
+          </a:lnRef>
+          <a:fillRef idx="0">
+            <a:schemeClr val="accent1"/>
+          </a:fillRef>
+          <a:effectRef idx="0">
+            <a:schemeClr val="accent1"/>
+          </a:effectRef>
+          <a:fontRef idx="minor">
+            <a:schemeClr val="tx1"/>
+          </a:fontRef>
+        </p:style>
+      </p:cxnSp>
+      <p:cxnSp>
+        <p:nvCxnSpPr>
+          <p:cNvPr id="52" name="直線矢印コネクタ 51">
+            <a:extLst>
+              <a:ext uri="{FF2B5EF4-FFF2-40B4-BE49-F238E27FC236}">
+                <a16:creationId xmlns:a16="http://schemas.microsoft.com/office/drawing/2014/main" id="{CF3D91F4-74B6-4BE4-BE6F-0B848CB7A5A3}"/>
+              </a:ext>
+            </a:extLst>
+          </p:cNvPr>
+          <p:cNvCxnSpPr>
+            <a:cxnSpLocks/>
+          </p:cNvCxnSpPr>
+          <p:nvPr/>
+        </p:nvCxnSpPr>
+        <p:spPr>
+          <a:xfrm flipV="1">
+            <a:off x="8444867" y="3955313"/>
+            <a:ext cx="0" cy="9601"/>
+          </a:xfrm>
+          <a:prstGeom prst="straightConnector1">
+            <a:avLst/>
+          </a:prstGeom>
+          <a:ln w="12700">
+            <a:solidFill>
+              <a:schemeClr val="tx1"/>
+            </a:solidFill>
+            <a:tailEnd type="arrow" w="sm" len="sm"/>
+          </a:ln>
+        </p:spPr>
+        <p:style>
+          <a:lnRef idx="1">
+            <a:schemeClr val="accent1"/>
+          </a:lnRef>
+          <a:fillRef idx="0">
+            <a:schemeClr val="accent1"/>
+          </a:fillRef>
+          <a:effectRef idx="0">
+            <a:schemeClr val="accent1"/>
+          </a:effectRef>
+          <a:fontRef idx="minor">
+            <a:schemeClr val="tx1"/>
+          </a:fontRef>
+        </p:style>
+      </p:cxnSp>
+      <p:sp>
+        <p:nvSpPr>
+          <p:cNvPr id="41" name="正方形/長方形 40">
+            <a:extLst>
+              <a:ext uri="{FF2B5EF4-FFF2-40B4-BE49-F238E27FC236}">
+                <a16:creationId xmlns:a16="http://schemas.microsoft.com/office/drawing/2014/main" id="{1B5FB206-221A-443C-80DC-D41DFFC5241C}"/>
+              </a:ext>
+            </a:extLst>
+          </p:cNvPr>
+          <p:cNvSpPr/>
+          <p:nvPr/>
+        </p:nvSpPr>
+        <p:spPr>
+          <a:xfrm>
+            <a:off x="5633252" y="1674503"/>
+            <a:ext cx="2583928" cy="310591"/>
+          </a:xfrm>
+          <a:prstGeom prst="rect">
+            <a:avLst/>
+          </a:prstGeom>
+          <a:noFill/>
+          <a:ln>
+            <a:noFill/>
+          </a:ln>
+        </p:spPr>
+        <p:style>
+          <a:lnRef idx="2">
+            <a:schemeClr val="accent1">
+              <a:shade val="50000"/>
+            </a:schemeClr>
+          </a:lnRef>
+          <a:fillRef idx="1">
+            <a:schemeClr val="accent1"/>
+          </a:fillRef>
+          <a:effectRef idx="0">
+            <a:schemeClr val="accent1"/>
+          </a:effectRef>
+          <a:fontRef idx="minor">
+            <a:schemeClr val="lt1"/>
+          </a:fontRef>
+        </p:style>
+        <p:txBody>
+          <a:bodyPr rtlCol="0" anchor="ctr"/>
+          <a:lstStyle/>
+          <a:p>
+            <a:pPr algn="ctr"/>
+            <a:r>
+              <a:rPr kumimoji="1" lang="en-US" altLang="ja-JP" sz="1600" b="1" dirty="0">
+                <a:solidFill>
+                  <a:schemeClr val="tx1">
+                    <a:lumMod val="85000"/>
+                    <a:lumOff val="15000"/>
+                  </a:schemeClr>
+                </a:solidFill>
+                <a:ea typeface="Meiryo UI" panose="020B0604030504040204" pitchFamily="50" charset="-128"/>
+              </a:rPr>
+              <a:t> “</a:t>
+            </a:r>
+            <a:r>
+              <a:rPr kumimoji="1" lang="en-US" altLang="ja-JP" sz="1600" b="1" u="heavy" dirty="0">
+                <a:solidFill>
+                  <a:schemeClr val="tx1">
+                    <a:lumMod val="85000"/>
+                    <a:lumOff val="15000"/>
+                  </a:schemeClr>
+                </a:solidFill>
+                <a:uFill>
+                  <a:solidFill>
+                    <a:schemeClr val="accent1"/>
+                  </a:solidFill>
+                </a:uFill>
+                <a:ea typeface="Meiryo UI" panose="020B0604030504040204" pitchFamily="50" charset="-128"/>
+              </a:rPr>
+              <a:t> </a:t>
+            </a:r>
+            <a:r>
+              <a:rPr kumimoji="1" lang="en-US" altLang="ja-JP" sz="1600" b="1" u="heavy" dirty="0">
+                <a:solidFill>
+                  <a:schemeClr val="tx1">
+                    <a:lumMod val="85000"/>
+                    <a:lumOff val="15000"/>
+                  </a:schemeClr>
+                </a:solidFill>
+                <a:uFill>
+                  <a:solidFill>
+                    <a:schemeClr val="accent2"/>
+                  </a:solidFill>
+                </a:uFill>
+                <a:ea typeface="Meiryo UI" panose="020B0604030504040204" pitchFamily="50" charset="-128"/>
+              </a:rPr>
+              <a:t> </a:t>
+            </a:r>
+            <a:r>
+              <a:rPr kumimoji="1" lang="en-US" altLang="ja-JP" sz="1600" b="1" dirty="0" smtClean="0">
+                <a:solidFill>
+                  <a:schemeClr val="tx1">
+                    <a:lumMod val="85000"/>
+                    <a:lumOff val="15000"/>
+                  </a:schemeClr>
+                </a:solidFill>
+                <a:uFill>
+                  <a:solidFill>
+                    <a:schemeClr val="accent1"/>
+                  </a:solidFill>
+                </a:uFill>
+                <a:ea typeface="Meiryo UI" panose="020B0604030504040204" pitchFamily="50" charset="-128"/>
+              </a:rPr>
+              <a:t>#</a:t>
+            </a:r>
+            <a:r>
+              <a:rPr kumimoji="1" lang="en-US" altLang="ja-JP" sz="1600" b="1" dirty="0" smtClean="0">
+                <a:solidFill>
+                  <a:schemeClr val="tx1">
+                    <a:lumMod val="85000"/>
+                    <a:lumOff val="15000"/>
+                  </a:schemeClr>
+                </a:solidFill>
+                <a:ea typeface="Meiryo UI" panose="020B0604030504040204" pitchFamily="50" charset="-128"/>
+              </a:rPr>
+              <a:t>” </a:t>
+            </a:r>
+            <a:r>
+              <a:rPr kumimoji="1" lang="ja-JP" altLang="en-US" sz="1600" b="1" dirty="0" smtClean="0">
+                <a:solidFill>
+                  <a:schemeClr val="tx1">
+                    <a:lumMod val="85000"/>
+                    <a:lumOff val="15000"/>
+                  </a:schemeClr>
+                </a:solidFill>
+                <a:ea typeface="Meiryo UI" panose="020B0604030504040204" pitchFamily="50" charset="-128"/>
+              </a:rPr>
+              <a:t>→ </a:t>
+            </a:r>
+            <a:r>
+              <a:rPr kumimoji="1" lang="en-US" altLang="ja-JP" sz="1600" b="1" dirty="0">
+                <a:solidFill>
+                  <a:schemeClr val="tx1">
+                    <a:lumMod val="85000"/>
+                    <a:lumOff val="15000"/>
+                  </a:schemeClr>
+                </a:solidFill>
+                <a:ea typeface="Meiryo UI" panose="020B0604030504040204" pitchFamily="50" charset="-128"/>
+              </a:rPr>
+              <a:t>“</a:t>
+            </a:r>
+            <a:r>
+              <a:rPr kumimoji="1" lang="en-US" altLang="ja-JP" sz="1600" b="1" u="heavy" dirty="0">
+                <a:solidFill>
+                  <a:schemeClr val="tx1">
+                    <a:lumMod val="85000"/>
+                    <a:lumOff val="15000"/>
+                  </a:schemeClr>
+                </a:solidFill>
+                <a:uFill>
+                  <a:solidFill>
+                    <a:schemeClr val="accent1"/>
+                  </a:solidFill>
+                </a:uFill>
+                <a:ea typeface="Meiryo UI" panose="020B0604030504040204" pitchFamily="50" charset="-128"/>
+              </a:rPr>
+              <a:t> </a:t>
+            </a:r>
+            <a:r>
+              <a:rPr kumimoji="1" lang="en-US" altLang="ja-JP" sz="1600" b="1" dirty="0">
+                <a:solidFill>
+                  <a:schemeClr val="tx1">
+                    <a:lumMod val="85000"/>
+                    <a:lumOff val="15000"/>
+                  </a:schemeClr>
+                </a:solidFill>
+                <a:uFill>
+                  <a:solidFill>
+                    <a:schemeClr val="accent1"/>
+                  </a:solidFill>
+                </a:uFill>
+                <a:ea typeface="Meiryo UI" panose="020B0604030504040204" pitchFamily="50" charset="-128"/>
+              </a:rPr>
+              <a:t>#</a:t>
+            </a:r>
+            <a:r>
+              <a:rPr kumimoji="1" lang="en-US" altLang="ja-JP" sz="1600" b="1" u="heavy" dirty="0">
+                <a:solidFill>
+                  <a:schemeClr val="tx1">
+                    <a:lumMod val="85000"/>
+                    <a:lumOff val="15000"/>
+                  </a:schemeClr>
+                </a:solidFill>
+                <a:uFill>
+                  <a:solidFill>
+                    <a:schemeClr val="accent2"/>
+                  </a:solidFill>
+                </a:uFill>
+                <a:ea typeface="Meiryo UI" panose="020B0604030504040204" pitchFamily="50" charset="-128"/>
+              </a:rPr>
+              <a:t> </a:t>
+            </a:r>
+            <a:r>
+              <a:rPr kumimoji="1" lang="en-US" altLang="ja-JP" sz="1600" b="1" dirty="0" smtClean="0">
+                <a:solidFill>
+                  <a:schemeClr val="tx1">
+                    <a:lumMod val="85000"/>
+                    <a:lumOff val="15000"/>
+                  </a:schemeClr>
+                </a:solidFill>
+                <a:uFill>
+                  <a:solidFill>
+                    <a:schemeClr val="accent3">
+                      <a:lumMod val="20000"/>
+                      <a:lumOff val="80000"/>
+                    </a:schemeClr>
+                  </a:solidFill>
+                </a:uFill>
+                <a:ea typeface="Meiryo UI" panose="020B0604030504040204" pitchFamily="50" charset="-128"/>
+              </a:rPr>
+              <a:t>#</a:t>
+            </a:r>
+            <a:r>
+              <a:rPr kumimoji="1" lang="en-US" altLang="ja-JP" sz="1600" b="1" dirty="0" smtClean="0">
+                <a:solidFill>
+                  <a:schemeClr val="tx1">
+                    <a:lumMod val="85000"/>
+                    <a:lumOff val="15000"/>
+                  </a:schemeClr>
+                </a:solidFill>
+                <a:ea typeface="Meiryo UI" panose="020B0604030504040204" pitchFamily="50" charset="-128"/>
+              </a:rPr>
+              <a:t>”  </a:t>
+            </a:r>
+            <a:r>
+              <a:rPr kumimoji="1" lang="ja-JP" altLang="en-US" sz="1600" b="1" dirty="0" smtClean="0">
+                <a:solidFill>
+                  <a:schemeClr val="tx1">
+                    <a:lumMod val="85000"/>
+                    <a:lumOff val="15000"/>
+                  </a:schemeClr>
+                </a:solidFill>
+                <a:ea typeface="Meiryo UI" panose="020B0604030504040204" pitchFamily="50" charset="-128"/>
+              </a:rPr>
+              <a:t>→ </a:t>
+            </a:r>
+            <a:r>
+              <a:rPr kumimoji="1" lang="en-US" altLang="ja-JP" sz="1600" b="1" dirty="0">
+                <a:solidFill>
+                  <a:schemeClr val="tx1">
+                    <a:lumMod val="85000"/>
+                    <a:lumOff val="15000"/>
+                  </a:schemeClr>
+                </a:solidFill>
+                <a:ea typeface="Meiryo UI" panose="020B0604030504040204" pitchFamily="50" charset="-128"/>
+              </a:rPr>
+              <a:t>“#</a:t>
+            </a:r>
+            <a:r>
+              <a:rPr kumimoji="1" lang="en-US" altLang="ja-JP" sz="1600" b="1" u="heavy" dirty="0">
+                <a:solidFill>
+                  <a:schemeClr val="tx1">
+                    <a:lumMod val="85000"/>
+                    <a:lumOff val="15000"/>
+                  </a:schemeClr>
+                </a:solidFill>
+                <a:uFill>
+                  <a:solidFill>
+                    <a:schemeClr val="accent1"/>
+                  </a:solidFill>
+                </a:uFill>
+                <a:ea typeface="Meiryo UI" panose="020B0604030504040204" pitchFamily="50" charset="-128"/>
+              </a:rPr>
+              <a:t> </a:t>
+            </a:r>
+            <a:r>
+              <a:rPr kumimoji="1" lang="en-US" altLang="ja-JP" sz="1600" b="1" dirty="0">
+                <a:solidFill>
+                  <a:schemeClr val="tx1">
+                    <a:lumMod val="85000"/>
+                    <a:lumOff val="15000"/>
+                  </a:schemeClr>
+                </a:solidFill>
+                <a:uFill>
+                  <a:solidFill>
+                    <a:schemeClr val="accent1"/>
+                  </a:solidFill>
+                </a:uFill>
+                <a:ea typeface="Meiryo UI" panose="020B0604030504040204" pitchFamily="50" charset="-128"/>
+              </a:rPr>
+              <a:t>#</a:t>
+            </a:r>
+            <a:r>
+              <a:rPr kumimoji="1" lang="en-US" altLang="ja-JP" sz="1600" b="1" u="heavy" dirty="0">
+                <a:solidFill>
+                  <a:schemeClr val="tx1">
+                    <a:lumMod val="85000"/>
+                    <a:lumOff val="15000"/>
+                  </a:schemeClr>
+                </a:solidFill>
+                <a:uFill>
+                  <a:solidFill>
+                    <a:schemeClr val="accent2"/>
+                  </a:solidFill>
+                </a:uFill>
+                <a:ea typeface="Meiryo UI" panose="020B0604030504040204" pitchFamily="50" charset="-128"/>
+              </a:rPr>
+              <a:t> </a:t>
+            </a:r>
+            <a:r>
+              <a:rPr kumimoji="1" lang="en-US" altLang="ja-JP" sz="1600" b="1" dirty="0">
+                <a:solidFill>
+                  <a:schemeClr val="tx1">
+                    <a:lumMod val="85000"/>
+                    <a:lumOff val="15000"/>
+                  </a:schemeClr>
+                </a:solidFill>
+                <a:uFill>
+                  <a:solidFill>
+                    <a:schemeClr val="accent3">
+                      <a:lumMod val="20000"/>
+                      <a:lumOff val="80000"/>
+                    </a:schemeClr>
+                  </a:solidFill>
+                </a:uFill>
+                <a:ea typeface="Meiryo UI" panose="020B0604030504040204" pitchFamily="50" charset="-128"/>
+              </a:rPr>
+              <a:t>#</a:t>
+            </a:r>
+            <a:r>
+              <a:rPr kumimoji="1" lang="en-US" altLang="ja-JP" sz="1600" b="1" dirty="0">
+                <a:solidFill>
+                  <a:schemeClr val="tx1">
+                    <a:lumMod val="85000"/>
+                    <a:lumOff val="15000"/>
+                  </a:schemeClr>
+                </a:solidFill>
+                <a:ea typeface="Meiryo UI" panose="020B0604030504040204" pitchFamily="50" charset="-128"/>
+              </a:rPr>
+              <a:t>”</a:t>
+            </a:r>
+            <a:r>
+              <a:rPr kumimoji="1" lang="en-US" altLang="ja-JP" sz="1600" b="1" dirty="0" smtClean="0">
+                <a:solidFill>
+                  <a:schemeClr val="tx1">
+                    <a:lumMod val="85000"/>
+                    <a:lumOff val="15000"/>
+                  </a:schemeClr>
+                </a:solidFill>
+                <a:ea typeface="Meiryo UI" panose="020B0604030504040204" pitchFamily="50" charset="-128"/>
+              </a:rPr>
+              <a:t> </a:t>
+            </a:r>
+            <a:endParaRPr kumimoji="1" lang="en-US" altLang="ja-JP" sz="1600" b="1" dirty="0">
+              <a:solidFill>
+                <a:schemeClr val="tx1">
+                  <a:lumMod val="85000"/>
+                  <a:lumOff val="15000"/>
+                </a:schemeClr>
+              </a:solidFill>
+              <a:ea typeface="Meiryo UI" panose="020B0604030504040204" pitchFamily="50" charset="-128"/>
+            </a:endParaRPr>
+          </a:p>
+        </p:txBody>
+      </p:sp>
+      <p:cxnSp>
+        <p:nvCxnSpPr>
+          <p:cNvPr id="42" name="直線矢印コネクタ 41">
+            <a:extLst>
+              <a:ext uri="{FF2B5EF4-FFF2-40B4-BE49-F238E27FC236}">
+                <a16:creationId xmlns:a16="http://schemas.microsoft.com/office/drawing/2014/main" id="{A7B61A47-12EE-44CB-AE86-ADE8D2ED442B}"/>
+              </a:ext>
+            </a:extLst>
+          </p:cNvPr>
+          <p:cNvCxnSpPr>
+            <a:cxnSpLocks/>
+          </p:cNvCxnSpPr>
+          <p:nvPr/>
+        </p:nvCxnSpPr>
+        <p:spPr>
+          <a:xfrm flipV="1">
+            <a:off x="6060571" y="1923243"/>
+            <a:ext cx="0" cy="9601"/>
+          </a:xfrm>
+          <a:prstGeom prst="straightConnector1">
+            <a:avLst/>
+          </a:prstGeom>
+          <a:ln w="12700">
+            <a:solidFill>
+              <a:schemeClr val="tx1"/>
+            </a:solidFill>
+            <a:tailEnd type="arrow" w="sm" len="sm"/>
+          </a:ln>
+        </p:spPr>
+        <p:style>
+          <a:lnRef idx="1">
+            <a:schemeClr val="accent1"/>
+          </a:lnRef>
+          <a:fillRef idx="0">
+            <a:schemeClr val="accent1"/>
+          </a:fillRef>
+          <a:effectRef idx="0">
+            <a:schemeClr val="accent1"/>
+          </a:effectRef>
+          <a:fontRef idx="minor">
+            <a:schemeClr val="tx1"/>
+          </a:fontRef>
+        </p:style>
+      </p:cxnSp>
+      <p:cxnSp>
+        <p:nvCxnSpPr>
+          <p:cNvPr id="44" name="直線矢印コネクタ 43">
+            <a:extLst>
+              <a:ext uri="{FF2B5EF4-FFF2-40B4-BE49-F238E27FC236}">
+                <a16:creationId xmlns:a16="http://schemas.microsoft.com/office/drawing/2014/main" id="{A7B61A47-12EE-44CB-AE86-ADE8D2ED442B}"/>
+              </a:ext>
+            </a:extLst>
+          </p:cNvPr>
+          <p:cNvCxnSpPr>
+            <a:cxnSpLocks/>
+          </p:cNvCxnSpPr>
+          <p:nvPr/>
+        </p:nvCxnSpPr>
+        <p:spPr>
+          <a:xfrm flipV="1">
+            <a:off x="6750857" y="1923243"/>
+            <a:ext cx="0" cy="9601"/>
+          </a:xfrm>
+          <a:prstGeom prst="straightConnector1">
+            <a:avLst/>
+          </a:prstGeom>
+          <a:ln w="12700">
+            <a:solidFill>
+              <a:schemeClr val="tx1"/>
+            </a:solidFill>
+            <a:tailEnd type="arrow" w="sm" len="sm"/>
+          </a:ln>
+        </p:spPr>
+        <p:style>
+          <a:lnRef idx="1">
+            <a:schemeClr val="accent1"/>
+          </a:lnRef>
+          <a:fillRef idx="0">
+            <a:schemeClr val="accent1"/>
+          </a:fillRef>
+          <a:effectRef idx="0">
+            <a:schemeClr val="accent1"/>
+          </a:effectRef>
+          <a:fontRef idx="minor">
+            <a:schemeClr val="tx1"/>
+          </a:fontRef>
+        </p:style>
+      </p:cxnSp>
+      <p:cxnSp>
+        <p:nvCxnSpPr>
+          <p:cNvPr id="51" name="直線矢印コネクタ 50">
+            <a:extLst>
+              <a:ext uri="{FF2B5EF4-FFF2-40B4-BE49-F238E27FC236}">
+                <a16:creationId xmlns:a16="http://schemas.microsoft.com/office/drawing/2014/main" id="{A7B61A47-12EE-44CB-AE86-ADE8D2ED442B}"/>
+              </a:ext>
+            </a:extLst>
+          </p:cNvPr>
+          <p:cNvCxnSpPr>
+            <a:cxnSpLocks/>
+          </p:cNvCxnSpPr>
+          <p:nvPr/>
+        </p:nvCxnSpPr>
+        <p:spPr>
+          <a:xfrm flipV="1">
+            <a:off x="7602503" y="1923243"/>
+            <a:ext cx="0" cy="9601"/>
+          </a:xfrm>
+          <a:prstGeom prst="straightConnector1">
+            <a:avLst/>
+          </a:prstGeom>
+          <a:ln w="12700">
+            <a:solidFill>
+              <a:schemeClr val="tx1"/>
+            </a:solidFill>
+            <a:tailEnd type="arrow" w="sm" len="sm"/>
+          </a:ln>
+        </p:spPr>
+        <p:style>
+          <a:lnRef idx="1">
+            <a:schemeClr val="accent1"/>
+          </a:lnRef>
+          <a:fillRef idx="0">
+            <a:schemeClr val="accent1"/>
+          </a:fillRef>
+          <a:effectRef idx="0">
+            <a:schemeClr val="accent1"/>
+          </a:effectRef>
+          <a:fontRef idx="minor">
+            <a:schemeClr val="tx1"/>
+          </a:fontRef>
+        </p:style>
+      </p:cxnSp>
+      <p:sp>
+        <p:nvSpPr>
+          <p:cNvPr id="54" name="正方形/長方形 53">
+            <a:extLst>
+              <a:ext uri="{FF2B5EF4-FFF2-40B4-BE49-F238E27FC236}">
+                <a16:creationId xmlns:a16="http://schemas.microsoft.com/office/drawing/2014/main" id="{1B5FB206-221A-443C-80DC-D41DFFC5241C}"/>
+              </a:ext>
+            </a:extLst>
+          </p:cNvPr>
+          <p:cNvSpPr/>
+          <p:nvPr/>
+        </p:nvSpPr>
+        <p:spPr>
+          <a:xfrm>
+            <a:off x="5832351" y="2001254"/>
+            <a:ext cx="403008" cy="310591"/>
+          </a:xfrm>
+          <a:prstGeom prst="rect">
+            <a:avLst/>
+          </a:prstGeom>
+          <a:noFill/>
+          <a:ln>
+            <a:noFill/>
+          </a:ln>
+        </p:spPr>
+        <p:style>
+          <a:lnRef idx="2">
+            <a:schemeClr val="accent1">
+              <a:shade val="50000"/>
+            </a:schemeClr>
+          </a:lnRef>
+          <a:fillRef idx="1">
+            <a:schemeClr val="accent1"/>
+          </a:fillRef>
+          <a:effectRef idx="0">
+            <a:schemeClr val="accent1"/>
+          </a:effectRef>
+          <a:fontRef idx="minor">
+            <a:schemeClr val="lt1"/>
+          </a:fontRef>
+        </p:style>
+        <p:txBody>
+          <a:bodyPr rtlCol="0" anchor="ctr"/>
+          <a:lstStyle/>
+          <a:p>
+            <a:pPr algn="ctr"/>
+            <a:r>
+              <a:rPr kumimoji="1" lang="en-US" altLang="ja-JP" b="1" dirty="0">
+                <a:solidFill>
+                  <a:schemeClr val="tx1">
+                    <a:lumMod val="85000"/>
+                    <a:lumOff val="15000"/>
+                  </a:schemeClr>
+                </a:solidFill>
+                <a:ea typeface="Meiryo UI" panose="020B0604030504040204" pitchFamily="50" charset="-128"/>
+              </a:rPr>
+              <a:t>1</a:t>
+            </a:r>
+          </a:p>
+        </p:txBody>
+      </p:sp>
+      <p:sp>
+        <p:nvSpPr>
+          <p:cNvPr id="55" name="正方形/長方形 54">
+            <a:extLst>
+              <a:ext uri="{FF2B5EF4-FFF2-40B4-BE49-F238E27FC236}">
+                <a16:creationId xmlns:a16="http://schemas.microsoft.com/office/drawing/2014/main" id="{B9578876-79F7-470E-A662-D2D0B584FB63}"/>
+              </a:ext>
+            </a:extLst>
+          </p:cNvPr>
+          <p:cNvSpPr/>
+          <p:nvPr/>
+        </p:nvSpPr>
+        <p:spPr>
+          <a:xfrm>
+            <a:off x="6625375" y="2001254"/>
+            <a:ext cx="403008" cy="310591"/>
+          </a:xfrm>
+          <a:prstGeom prst="rect">
+            <a:avLst/>
+          </a:prstGeom>
+          <a:noFill/>
+          <a:ln>
+            <a:noFill/>
+          </a:ln>
+        </p:spPr>
+        <p:style>
+          <a:lnRef idx="2">
+            <a:schemeClr val="accent1">
+              <a:shade val="50000"/>
+            </a:schemeClr>
+          </a:lnRef>
+          <a:fillRef idx="1">
+            <a:schemeClr val="accent1"/>
+          </a:fillRef>
+          <a:effectRef idx="0">
+            <a:schemeClr val="accent1"/>
+          </a:effectRef>
+          <a:fontRef idx="minor">
+            <a:schemeClr val="lt1"/>
+          </a:fontRef>
+        </p:style>
+        <p:txBody>
+          <a:bodyPr rtlCol="0" anchor="ctr"/>
+          <a:lstStyle/>
+          <a:p>
+            <a:pPr algn="ctr"/>
+            <a:r>
+              <a:rPr kumimoji="1" lang="en-US" altLang="ja-JP" b="1" dirty="0">
+                <a:solidFill>
+                  <a:schemeClr val="tx1">
+                    <a:lumMod val="85000"/>
+                    <a:lumOff val="15000"/>
+                  </a:schemeClr>
+                </a:solidFill>
+                <a:ea typeface="Meiryo UI" panose="020B0604030504040204" pitchFamily="50" charset="-128"/>
+              </a:rPr>
+              <a:t>2</a:t>
+            </a:r>
+          </a:p>
+        </p:txBody>
+      </p:sp>
+      <p:sp>
+        <p:nvSpPr>
+          <p:cNvPr id="56" name="正方形/長方形 55">
+            <a:extLst>
+              <a:ext uri="{FF2B5EF4-FFF2-40B4-BE49-F238E27FC236}">
+                <a16:creationId xmlns:a16="http://schemas.microsoft.com/office/drawing/2014/main" id="{1E036480-3C94-447E-BF17-CB244B508E04}"/>
+              </a:ext>
+            </a:extLst>
+          </p:cNvPr>
+          <p:cNvSpPr/>
+          <p:nvPr/>
+        </p:nvSpPr>
+        <p:spPr>
+          <a:xfrm>
+            <a:off x="7575944" y="2001254"/>
+            <a:ext cx="403008" cy="310591"/>
+          </a:xfrm>
+          <a:prstGeom prst="rect">
+            <a:avLst/>
+          </a:prstGeom>
+          <a:noFill/>
+          <a:ln>
+            <a:noFill/>
+          </a:ln>
+        </p:spPr>
+        <p:style>
+          <a:lnRef idx="2">
+            <a:schemeClr val="accent1">
+              <a:shade val="50000"/>
+            </a:schemeClr>
+          </a:lnRef>
+          <a:fillRef idx="1">
+            <a:schemeClr val="accent1"/>
+          </a:fillRef>
+          <a:effectRef idx="0">
+            <a:schemeClr val="accent1"/>
+          </a:effectRef>
+          <a:fontRef idx="minor">
+            <a:schemeClr val="lt1"/>
+          </a:fontRef>
+        </p:style>
+        <p:txBody>
+          <a:bodyPr rtlCol="0" anchor="ctr"/>
+          <a:lstStyle/>
+          <a:p>
+            <a:pPr algn="ctr"/>
+            <a:r>
+              <a:rPr kumimoji="1" lang="en-US" altLang="ja-JP" b="1" dirty="0">
+                <a:solidFill>
+                  <a:schemeClr val="tx1">
+                    <a:lumMod val="85000"/>
+                    <a:lumOff val="15000"/>
+                  </a:schemeClr>
+                </a:solidFill>
+                <a:ea typeface="Meiryo UI" panose="020B0604030504040204" pitchFamily="50" charset="-128"/>
+              </a:rPr>
+              <a:t>3</a:t>
+            </a:r>
+          </a:p>
+        </p:txBody>
+      </p:sp>
+      <p:cxnSp>
+        <p:nvCxnSpPr>
+          <p:cNvPr id="58" name="直線コネクタ 57"/>
+          <p:cNvCxnSpPr/>
+          <p:nvPr/>
+        </p:nvCxnSpPr>
+        <p:spPr>
+          <a:xfrm>
+            <a:off x="450761" y="3674720"/>
+            <a:ext cx="5851865" cy="0"/>
+          </a:xfrm>
+          <a:prstGeom prst="line">
+            <a:avLst/>
+          </a:prstGeom>
+          <a:ln>
+            <a:solidFill>
+              <a:schemeClr val="bg1">
+                <a:lumMod val="75000"/>
+              </a:schemeClr>
+            </a:solidFill>
+            <a:prstDash val="dash"/>
+          </a:ln>
+        </p:spPr>
+        <p:style>
+          <a:lnRef idx="1">
+            <a:schemeClr val="accent1"/>
+          </a:lnRef>
+          <a:fillRef idx="0">
+            <a:schemeClr val="accent1"/>
+          </a:fillRef>
+          <a:effectRef idx="0">
+            <a:schemeClr val="accent1"/>
+          </a:effectRef>
+          <a:fontRef idx="minor">
+            <a:schemeClr val="tx1"/>
+          </a:fontRef>
+        </p:style>
+      </p:cxnSp>
+      <p:cxnSp>
+        <p:nvCxnSpPr>
+          <p:cNvPr id="59" name="直線コネクタ 58"/>
+          <p:cNvCxnSpPr/>
+          <p:nvPr/>
+        </p:nvCxnSpPr>
+        <p:spPr>
+          <a:xfrm>
+            <a:off x="450761" y="3321931"/>
+            <a:ext cx="5851865" cy="0"/>
+          </a:xfrm>
+          <a:prstGeom prst="line">
+            <a:avLst/>
+          </a:prstGeom>
+          <a:ln>
+            <a:solidFill>
+              <a:schemeClr val="bg1">
+                <a:lumMod val="75000"/>
+              </a:schemeClr>
+            </a:solidFill>
+            <a:prstDash val="dash"/>
+          </a:ln>
+        </p:spPr>
+        <p:style>
+          <a:lnRef idx="1">
+            <a:schemeClr val="accent1"/>
+          </a:lnRef>
+          <a:fillRef idx="0">
+            <a:schemeClr val="accent1"/>
+          </a:fillRef>
+          <a:effectRef idx="0">
+            <a:schemeClr val="accent1"/>
+          </a:effectRef>
+          <a:fontRef idx="minor">
+            <a:schemeClr val="tx1"/>
+          </a:fontRef>
+        </p:style>
+      </p:cxnSp>
+      <p:sp>
+        <p:nvSpPr>
+          <p:cNvPr id="60" name="正方形/長方形 59">
+            <a:extLst>
+              <a:ext uri="{FF2B5EF4-FFF2-40B4-BE49-F238E27FC236}">
+                <a16:creationId xmlns:a16="http://schemas.microsoft.com/office/drawing/2014/main" id="{1E036480-3C94-447E-BF17-CB244B508E04}"/>
+              </a:ext>
+            </a:extLst>
+          </p:cNvPr>
+          <p:cNvSpPr/>
+          <p:nvPr/>
+        </p:nvSpPr>
+        <p:spPr>
+          <a:xfrm>
+            <a:off x="3636268" y="1644767"/>
+            <a:ext cx="664556" cy="310591"/>
+          </a:xfrm>
+          <a:prstGeom prst="rect">
+            <a:avLst/>
+          </a:prstGeom>
+          <a:noFill/>
+          <a:ln>
+            <a:noFill/>
+          </a:ln>
+        </p:spPr>
+        <p:style>
+          <a:lnRef idx="2">
+            <a:schemeClr val="accent1">
+              <a:shade val="50000"/>
+            </a:schemeClr>
+          </a:lnRef>
+          <a:fillRef idx="1">
+            <a:schemeClr val="accent1"/>
+          </a:fillRef>
+          <a:effectRef idx="0">
+            <a:schemeClr val="accent1"/>
+          </a:effectRef>
+          <a:fontRef idx="minor">
+            <a:schemeClr val="lt1"/>
+          </a:fontRef>
+        </p:style>
+        <p:txBody>
+          <a:bodyPr rtlCol="0" anchor="ctr"/>
+          <a:lstStyle/>
+          <a:p>
+            <a:pPr algn="ctr"/>
+            <a:r>
+              <a:rPr kumimoji="1" lang="ja-JP" altLang="en-US" sz="1200" dirty="0" smtClean="0">
+                <a:solidFill>
+                  <a:schemeClr val="accent1"/>
+                </a:solidFill>
+                <a:ea typeface="Meiryo UI" panose="020B0604030504040204" pitchFamily="50" charset="-128"/>
+              </a:rPr>
+              <a:t>工夫点</a:t>
+            </a:r>
+            <a:endParaRPr kumimoji="1" lang="en-US" altLang="ja-JP" sz="1200" dirty="0">
+              <a:solidFill>
+                <a:schemeClr val="accent1"/>
+              </a:solidFill>
+              <a:ea typeface="Meiryo UI" panose="020B0604030504040204" pitchFamily="50" charset="-128"/>
+            </a:endParaRPr>
+          </a:p>
+        </p:txBody>
+      </p:sp>
+      <p:sp>
+        <p:nvSpPr>
+          <p:cNvPr id="9" name="右矢印 8"/>
+          <p:cNvSpPr/>
+          <p:nvPr/>
+        </p:nvSpPr>
+        <p:spPr>
+          <a:xfrm>
+            <a:off x="6477414" y="3731834"/>
+            <a:ext cx="228600" cy="249754"/>
+          </a:xfrm>
+          <a:prstGeom prst="rightArrow">
+            <a:avLst/>
+          </a:prstGeom>
+          <a:solidFill>
+            <a:schemeClr val="accent1"/>
+          </a:solidFill>
+          <a:ln w="12700">
+            <a:noFill/>
+          </a:ln>
+        </p:spPr>
+        <p:style>
+          <a:lnRef idx="2">
+            <a:schemeClr val="accent1">
+              <a:shade val="50000"/>
+            </a:schemeClr>
+          </a:lnRef>
+          <a:fillRef idx="1">
+            <a:schemeClr val="accent1"/>
+          </a:fillRef>
+          <a:effectRef idx="0">
+            <a:schemeClr val="accent1"/>
+          </a:effectRef>
+          <a:fontRef idx="minor">
+            <a:schemeClr val="lt1"/>
+          </a:fontRef>
+        </p:style>
+        <p:txBody>
+          <a:bodyPr rtlCol="0" anchor="ctr"/>
+          <a:lstStyle/>
+          <a:p>
+            <a:pPr algn="ctr"/>
+            <a:endParaRPr kumimoji="1" lang="ja-JP" altLang="en-US"/>
           </a:p>
         </p:txBody>
       </p:sp>
@@ -13805,6 +14820,13 @@
       <p:transition/>
     </mc:Fallback>
   </mc:AlternateContent>
+  <p:timing>
+    <p:tnLst>
+      <p:par>
+        <p:cTn id="1" dur="indefinite" restart="never" nodeType="tmRoot"/>
+      </p:par>
+    </p:tnLst>
+  </p:timing>
 </p:sld>
 </file>
 
@@ -13846,7 +14868,7 @@
         </p:blipFill>
         <p:spPr>
           <a:xfrm>
-            <a:off x="85725" y="772979"/>
+            <a:off x="85725" y="830129"/>
             <a:ext cx="8972549" cy="3893773"/>
           </a:xfrm>
           <a:prstGeom prst="rect">
@@ -13964,7 +14986,7 @@
         </p:nvSpPr>
         <p:spPr>
           <a:xfrm>
-            <a:off x="3746629" y="1555644"/>
+            <a:off x="3513547" y="1636351"/>
             <a:ext cx="1870727" cy="317400"/>
           </a:xfrm>
           <a:prstGeom prst="rect">
@@ -14115,8 +15137,8 @@
         </p:nvSpPr>
         <p:spPr>
           <a:xfrm>
-            <a:off x="3987910" y="1075751"/>
-            <a:ext cx="1493280" cy="317400"/>
+            <a:off x="3638805" y="1177203"/>
+            <a:ext cx="2352420" cy="317400"/>
           </a:xfrm>
           <a:prstGeom prst="rect">
             <a:avLst/>
@@ -14152,7 +15174,7 @@
               </a:lnSpc>
             </a:pPr>
             <a:r>
-              <a:rPr kumimoji="1" lang="en-US" altLang="ja-JP" sz="1200" dirty="0">
+              <a:rPr kumimoji="1" lang="en-US" altLang="ja-JP" sz="1200" dirty="0" smtClean="0">
                 <a:solidFill>
                   <a:schemeClr val="bg1"/>
                 </a:solidFill>
@@ -14166,7 +15188,7 @@
               <a:t>(</a:t>
             </a:r>
             <a:r>
-              <a:rPr kumimoji="1" lang="ja-JP" altLang="en-US" sz="1200" dirty="0">
+              <a:rPr kumimoji="1" lang="ja-JP" altLang="en-US" sz="1200" dirty="0" smtClean="0">
                 <a:solidFill>
                   <a:schemeClr val="bg1"/>
                 </a:solidFill>
@@ -14177,10 +15199,10 @@
                 </a:uFill>
                 <a:ea typeface="Meiryo UI" panose="020B0604030504040204" pitchFamily="50" charset="-128"/>
               </a:rPr>
-              <a:t>ツリーの高さ </a:t>
-            </a:r>
-            <a:r>
-              <a:rPr kumimoji="1" lang="en-US" altLang="ja-JP" sz="1200" dirty="0">
+              <a:t>ブロック数</a:t>
+            </a:r>
+            <a:r>
+              <a:rPr kumimoji="1" lang="en-US" altLang="ja-JP" sz="1200" dirty="0" smtClean="0">
                 <a:solidFill>
                   <a:schemeClr val="bg1"/>
                 </a:solidFill>
@@ -14191,10 +15213,10 @@
                 </a:uFill>
                 <a:ea typeface="Meiryo UI" panose="020B0604030504040204" pitchFamily="50" charset="-128"/>
               </a:rPr>
-              <a:t>– 1) </a:t>
-            </a:r>
-            <a:r>
-              <a:rPr kumimoji="1" lang="ja-JP" altLang="en-US" sz="1100" dirty="0">
+              <a:t>– </a:t>
+            </a:r>
+            <a:r>
+              <a:rPr kumimoji="1" lang="en-US" altLang="ja-JP" sz="1200" dirty="0">
                 <a:solidFill>
                   <a:schemeClr val="bg1"/>
                 </a:solidFill>
@@ -14205,9 +15227,37 @@
                 </a:uFill>
                 <a:ea typeface="Meiryo UI" panose="020B0604030504040204" pitchFamily="50" charset="-128"/>
               </a:rPr>
+              <a:t>1) </a:t>
+            </a:r>
+            <a:r>
+              <a:rPr kumimoji="1" lang="ja-JP" altLang="en-US" sz="1100" dirty="0" smtClean="0">
+                <a:solidFill>
+                  <a:schemeClr val="bg1"/>
+                </a:solidFill>
+                <a:uFill>
+                  <a:solidFill>
+                    <a:schemeClr val="bg1"/>
+                  </a:solidFill>
+                </a:uFill>
+                <a:ea typeface="Meiryo UI" panose="020B0604030504040204" pitchFamily="50" charset="-128"/>
+              </a:rPr>
               <a:t>コ</a:t>
             </a:r>
-            <a:endParaRPr kumimoji="1" lang="en-US" altLang="ja-JP" sz="1200" dirty="0">
+            <a:r>
+              <a:rPr kumimoji="1" lang="ja-JP" altLang="en-US" sz="1100" dirty="0" smtClean="0">
+                <a:solidFill>
+                  <a:schemeClr val="bg1"/>
+                </a:solidFill>
+                <a:uFill>
+                  <a:solidFill>
+                    <a:schemeClr val="bg1"/>
+                  </a:solidFill>
+                </a:uFill>
+                <a:ea typeface="Meiryo UI" panose="020B0604030504040204" pitchFamily="50" charset="-128"/>
+              </a:rPr>
+              <a:t>のスペースを生成</a:t>
+            </a:r>
+            <a:endParaRPr kumimoji="1" lang="en-US" altLang="ja-JP" sz="1100" dirty="0" smtClean="0">
               <a:solidFill>
                 <a:schemeClr val="bg1"/>
               </a:solidFill>
@@ -14235,8 +15285,8 @@
         </p:nvSpPr>
         <p:spPr>
           <a:xfrm>
-            <a:off x="5969564" y="3034733"/>
-            <a:ext cx="2813607" cy="317400"/>
+            <a:off x="5784071" y="3091016"/>
+            <a:ext cx="2083579" cy="317400"/>
           </a:xfrm>
           <a:prstGeom prst="rect">
             <a:avLst/>
@@ -14283,10 +15333,10 @@
                 </a:uFill>
                 <a:ea typeface="Meiryo UI" panose="020B0604030504040204" pitchFamily="50" charset="-128"/>
               </a:rPr>
-              <a:t>=&gt;   (</a:t>
-            </a:r>
-            <a:r>
-              <a:rPr kumimoji="1" lang="ja-JP" altLang="en-US" sz="1200" dirty="0">
+              <a:t>=&gt;   </a:t>
+            </a:r>
+            <a:r>
+              <a:rPr kumimoji="1" lang="en-US" altLang="ja-JP" sz="1200" u="sng" dirty="0">
                 <a:solidFill>
                   <a:schemeClr val="bg1"/>
                 </a:solidFill>
@@ -14297,10 +15347,10 @@
                 </a:uFill>
                 <a:ea typeface="Meiryo UI" panose="020B0604030504040204" pitchFamily="50" charset="-128"/>
               </a:rPr>
-              <a:t>前半文字列</a:t>
-            </a:r>
-            <a:r>
-              <a:rPr kumimoji="1" lang="en-US" altLang="ja-JP" sz="1200" dirty="0">
+              <a:t>(</a:t>
+            </a:r>
+            <a:r>
+              <a:rPr kumimoji="1" lang="ja-JP" altLang="en-US" sz="1200" u="sng" dirty="0" smtClean="0">
                 <a:solidFill>
                   <a:schemeClr val="bg1"/>
                 </a:solidFill>
@@ -14311,10 +15361,10 @@
                 </a:uFill>
                 <a:ea typeface="Meiryo UI" panose="020B0604030504040204" pitchFamily="50" charset="-128"/>
               </a:rPr>
-              <a:t>) + “#” + (</a:t>
-            </a:r>
-            <a:r>
-              <a:rPr kumimoji="1" lang="ja-JP" altLang="en-US" sz="1200" dirty="0">
+              <a:t>前半</a:t>
+            </a:r>
+            <a:r>
+              <a:rPr kumimoji="1" lang="en-US" altLang="ja-JP" sz="1200" u="sng" dirty="0" smtClean="0">
                 <a:solidFill>
                   <a:schemeClr val="bg1"/>
                 </a:solidFill>
@@ -14325,10 +15375,10 @@
                 </a:uFill>
                 <a:ea typeface="Meiryo UI" panose="020B0604030504040204" pitchFamily="50" charset="-128"/>
               </a:rPr>
-              <a:t>後半文字列</a:t>
-            </a:r>
-            <a:r>
-              <a:rPr kumimoji="1" lang="en-US" altLang="ja-JP" sz="1200" dirty="0">
+              <a:t>) </a:t>
+            </a:r>
+            <a:r>
+              <a:rPr kumimoji="1" lang="en-US" altLang="ja-JP" sz="1200" u="sng" dirty="0">
                 <a:solidFill>
                   <a:schemeClr val="bg1"/>
                 </a:solidFill>
@@ -14339,8 +15389,47 @@
                 </a:uFill>
                 <a:ea typeface="Meiryo UI" panose="020B0604030504040204" pitchFamily="50" charset="-128"/>
               </a:rPr>
+              <a:t>+ “#” + (</a:t>
+            </a:r>
+            <a:r>
+              <a:rPr kumimoji="1" lang="ja-JP" altLang="en-US" sz="1200" u="sng" dirty="0" smtClean="0">
+                <a:solidFill>
+                  <a:schemeClr val="bg1"/>
+                </a:solidFill>
+                <a:uFill>
+                  <a:solidFill>
+                    <a:schemeClr val="bg1"/>
+                  </a:solidFill>
+                </a:uFill>
+                <a:ea typeface="Meiryo UI" panose="020B0604030504040204" pitchFamily="50" charset="-128"/>
+              </a:rPr>
+              <a:t>後半</a:t>
+            </a:r>
+            <a:r>
+              <a:rPr kumimoji="1" lang="en-US" altLang="ja-JP" sz="1200" u="sng" dirty="0" smtClean="0">
+                <a:solidFill>
+                  <a:schemeClr val="bg1"/>
+                </a:solidFill>
+                <a:uFill>
+                  <a:solidFill>
+                    <a:schemeClr val="bg1"/>
+                  </a:solidFill>
+                </a:uFill>
+                <a:ea typeface="Meiryo UI" panose="020B0604030504040204" pitchFamily="50" charset="-128"/>
+              </a:rPr>
               <a:t>)</a:t>
             </a:r>
+            <a:endParaRPr kumimoji="1" lang="en-US" altLang="ja-JP" sz="1200" u="sng" dirty="0">
+              <a:solidFill>
+                <a:schemeClr val="bg1"/>
+              </a:solidFill>
+              <a:uFill>
+                <a:solidFill>
+                  <a:schemeClr val="bg1"/>
+                </a:solidFill>
+              </a:uFill>
+              <a:ea typeface="Meiryo UI" panose="020B0604030504040204" pitchFamily="50" charset="-128"/>
+            </a:endParaRPr>
           </a:p>
         </p:txBody>
       </p:sp>
@@ -14358,7 +15447,7 @@
         </p:nvSpPr>
         <p:spPr>
           <a:xfrm rot="5400000">
-            <a:off x="4670267" y="998873"/>
+            <a:off x="4437185" y="1079580"/>
             <a:ext cx="166293" cy="1069991"/>
           </a:xfrm>
           <a:prstGeom prst="leftBrace">
@@ -14407,7 +15496,7 @@
         </p:nvSpPr>
         <p:spPr>
           <a:xfrm>
-            <a:off x="2642190" y="4101131"/>
+            <a:off x="2529330" y="4131729"/>
             <a:ext cx="2218949" cy="317400"/>
           </a:xfrm>
           <a:prstGeom prst="rect">
@@ -14444,7 +15533,7 @@
               </a:lnSpc>
             </a:pPr>
             <a:r>
-              <a:rPr kumimoji="1" lang="en-US" altLang="ja-JP" sz="1200" dirty="0">
+              <a:rPr kumimoji="1" lang="en-US" altLang="ja-JP" sz="1200" dirty="0" smtClean="0">
                 <a:solidFill>
                   <a:schemeClr val="bg1"/>
                 </a:solidFill>
@@ -14455,10 +15544,10 @@
                 </a:uFill>
                 <a:ea typeface="Meiryo UI" panose="020B0604030504040204" pitchFamily="50" charset="-128"/>
               </a:rPr>
-              <a:t>=&gt;    “</a:t>
-            </a:r>
-            <a:r>
-              <a:rPr kumimoji="1" lang="ja-JP" altLang="en-US" sz="1200" dirty="0">
+              <a:t>=&gt;</a:t>
+            </a:r>
+            <a:r>
+              <a:rPr kumimoji="1" lang="ja-JP" altLang="en-US" sz="1200" dirty="0" smtClean="0">
                 <a:solidFill>
                   <a:schemeClr val="bg1"/>
                 </a:solidFill>
@@ -14469,10 +15558,10 @@
                 </a:uFill>
                 <a:ea typeface="Meiryo UI" panose="020B0604030504040204" pitchFamily="50" charset="-128"/>
               </a:rPr>
-              <a:t>・ ・ ・ ・ ・ ・ </a:t>
-            </a:r>
-            <a:r>
-              <a:rPr kumimoji="1" lang="en-US" altLang="ja-JP" sz="1200" dirty="0">
+              <a:t>　</a:t>
+            </a:r>
+            <a:r>
+              <a:rPr kumimoji="1" lang="en-US" altLang="ja-JP" sz="1200" dirty="0" smtClean="0">
                 <a:solidFill>
                   <a:schemeClr val="bg1"/>
                 </a:solidFill>
@@ -14483,8 +15572,47 @@
                 </a:uFill>
                 <a:ea typeface="Meiryo UI" panose="020B0604030504040204" pitchFamily="50" charset="-128"/>
               </a:rPr>
-              <a:t>\n”</a:t>
-            </a:r>
+              <a:t>(</a:t>
+            </a:r>
+            <a:r>
+              <a:rPr kumimoji="1" lang="ja-JP" altLang="en-US" sz="1200" dirty="0" smtClean="0">
+                <a:solidFill>
+                  <a:schemeClr val="bg1"/>
+                </a:solidFill>
+                <a:uFill>
+                  <a:solidFill>
+                    <a:schemeClr val="bg1"/>
+                  </a:solidFill>
+                </a:uFill>
+                <a:ea typeface="Meiryo UI" panose="020B0604030504040204" pitchFamily="50" charset="-128"/>
+              </a:rPr>
+              <a:t>結果文字列</a:t>
+            </a:r>
+            <a:r>
+              <a:rPr kumimoji="1" lang="en-US" altLang="ja-JP" sz="1200" dirty="0" smtClean="0">
+                <a:solidFill>
+                  <a:schemeClr val="bg1"/>
+                </a:solidFill>
+                <a:uFill>
+                  <a:solidFill>
+                    <a:schemeClr val="bg1"/>
+                  </a:solidFill>
+                </a:uFill>
+                <a:ea typeface="Meiryo UI" panose="020B0604030504040204" pitchFamily="50" charset="-128"/>
+              </a:rPr>
+              <a:t>)</a:t>
+            </a:r>
+            <a:endParaRPr kumimoji="1" lang="en-US" altLang="ja-JP" sz="1200" dirty="0">
+              <a:solidFill>
+                <a:schemeClr val="bg1"/>
+              </a:solidFill>
+              <a:uFill>
+                <a:solidFill>
+                  <a:schemeClr val="bg1"/>
+                </a:solidFill>
+              </a:uFill>
+              <a:ea typeface="Meiryo UI" panose="020B0604030504040204" pitchFamily="50" charset="-128"/>
+            </a:endParaRPr>
           </a:p>
         </p:txBody>
       </p:sp>
@@ -14502,7 +15630,7 @@
         </p:nvSpPr>
         <p:spPr>
           <a:xfrm>
-            <a:off x="2634933" y="3245131"/>
+            <a:off x="2361545" y="3537353"/>
             <a:ext cx="3166973" cy="317400"/>
           </a:xfrm>
           <a:prstGeom prst="rect">
@@ -14623,7 +15751,7 @@
               <a:t>   +=   </a:t>
             </a:r>
             <a:r>
-              <a:rPr kumimoji="1" lang="en-US" altLang="ja-JP" sz="1200" dirty="0">
+              <a:rPr kumimoji="1" lang="en-US" altLang="ja-JP" sz="1200" u="sng" dirty="0" smtClean="0">
                 <a:solidFill>
                   <a:schemeClr val="bg1"/>
                 </a:solidFill>
@@ -14637,7 +15765,7 @@
               <a:t>(</a:t>
             </a:r>
             <a:r>
-              <a:rPr kumimoji="1" lang="ja-JP" altLang="en-US" sz="1200" dirty="0">
+              <a:rPr kumimoji="1" lang="ja-JP" altLang="en-US" sz="1200" u="sng" dirty="0">
                 <a:solidFill>
                   <a:schemeClr val="bg1"/>
                 </a:solidFill>
@@ -14648,10 +15776,10 @@
                 </a:uFill>
                 <a:ea typeface="Meiryo UI" panose="020B0604030504040204" pitchFamily="50" charset="-128"/>
               </a:rPr>
-              <a:t>今回文字列</a:t>
-            </a:r>
-            <a:r>
-              <a:rPr kumimoji="1" lang="en-US" altLang="ja-JP" sz="1200" dirty="0">
+              <a:t>できた</a:t>
+            </a:r>
+            <a:r>
+              <a:rPr kumimoji="1" lang="ja-JP" altLang="en-US" sz="1200" u="sng" dirty="0" smtClean="0">
                 <a:solidFill>
                   <a:schemeClr val="bg1"/>
                 </a:solidFill>
@@ -14662,7 +15790,35 @@
                 </a:uFill>
                 <a:ea typeface="Meiryo UI" panose="020B0604030504040204" pitchFamily="50" charset="-128"/>
               </a:rPr>
-              <a:t>) + \n</a:t>
+              <a:t>文字列</a:t>
+            </a:r>
+            <a:r>
+              <a:rPr kumimoji="1" lang="en-US" altLang="ja-JP" sz="1200" u="sng" dirty="0">
+                <a:solidFill>
+                  <a:schemeClr val="bg1"/>
+                </a:solidFill>
+                <a:uFill>
+                  <a:solidFill>
+                    <a:schemeClr val="bg1"/>
+                  </a:solidFill>
+                </a:uFill>
+                <a:ea typeface="Meiryo UI" panose="020B0604030504040204" pitchFamily="50" charset="-128"/>
+              </a:rPr>
+              <a:t>) </a:t>
+            </a:r>
+            <a:r>
+              <a:rPr kumimoji="1" lang="en-US" altLang="ja-JP" sz="1200" dirty="0">
+                <a:solidFill>
+                  <a:schemeClr val="bg1"/>
+                </a:solidFill>
+                <a:uFill>
+                  <a:solidFill>
+                    <a:schemeClr val="bg1"/>
+                  </a:solidFill>
+                </a:uFill>
+                <a:ea typeface="Meiryo UI" panose="020B0604030504040204" pitchFamily="50" charset="-128"/>
+              </a:rPr>
+              <a:t>+ \n</a:t>
             </a:r>
           </a:p>
         </p:txBody>
@@ -14681,8 +15837,8 @@
         </p:nvSpPr>
         <p:spPr>
           <a:xfrm>
-            <a:off x="3695910" y="4323421"/>
-            <a:ext cx="520060" cy="196855"/>
+            <a:off x="3426891" y="4474812"/>
+            <a:ext cx="980580" cy="196855"/>
           </a:xfrm>
           <a:prstGeom prst="rect">
             <a:avLst/>
@@ -14718,7 +15874,21 @@
               </a:lnSpc>
             </a:pPr>
             <a:r>
-              <a:rPr kumimoji="1" lang="ja-JP" altLang="en-US" sz="1200" dirty="0">
+              <a:rPr kumimoji="1" lang="en-US" altLang="ja-JP" sz="1200" dirty="0" smtClean="0">
+                <a:solidFill>
+                  <a:schemeClr val="bg1"/>
+                </a:solidFill>
+                <a:uFill>
+                  <a:solidFill>
+                    <a:schemeClr val="bg1"/>
+                  </a:solidFill>
+                </a:uFill>
+                <a:ea typeface="Meiryo UI" panose="020B0604030504040204" pitchFamily="50" charset="-128"/>
+              </a:rPr>
+              <a:t>“\n”</a:t>
+            </a:r>
+            <a:r>
+              <a:rPr kumimoji="1" lang="ja-JP" altLang="en-US" sz="1200" dirty="0" smtClean="0">
                 <a:solidFill>
                   <a:schemeClr val="bg1"/>
                 </a:solidFill>
@@ -14759,7 +15929,7 @@
         </p:nvSpPr>
         <p:spPr>
           <a:xfrm>
-            <a:off x="3191297" y="2798349"/>
+            <a:off x="3191297" y="2855499"/>
             <a:ext cx="2940145" cy="317400"/>
           </a:xfrm>
           <a:prstGeom prst="rect">
@@ -14821,10 +15991,10 @@
                 </a:uFill>
                 <a:ea typeface="Meiryo UI" panose="020B0604030504040204" pitchFamily="50" charset="-128"/>
               </a:rPr>
-              <a:t>   ツリーの高さの</a:t>
-            </a:r>
-            <a:r>
-              <a:rPr kumimoji="1" lang="ja-JP" altLang="en-US" sz="1200">
+              <a:t>   </a:t>
+            </a:r>
+            <a:r>
+              <a:rPr kumimoji="1" lang="ja-JP" altLang="en-US" sz="1200" dirty="0" smtClean="0">
                 <a:solidFill>
                   <a:schemeClr val="bg1"/>
                 </a:solidFill>
@@ -14835,7 +16005,21 @@
                 </a:uFill>
                 <a:ea typeface="Meiryo UI" panose="020B0604030504040204" pitchFamily="50" charset="-128"/>
               </a:rPr>
-              <a:t>数ループさせる</a:t>
+              <a:t>ブロックの数</a:t>
+            </a:r>
+            <a:r>
+              <a:rPr kumimoji="1" lang="ja-JP" altLang="en-US" sz="1200" dirty="0">
+                <a:solidFill>
+                  <a:schemeClr val="bg1"/>
+                </a:solidFill>
+                <a:uFill>
+                  <a:solidFill>
+                    <a:schemeClr val="bg1"/>
+                  </a:solidFill>
+                </a:uFill>
+                <a:ea typeface="Meiryo UI" panose="020B0604030504040204" pitchFamily="50" charset="-128"/>
+              </a:rPr>
+              <a:t>ループさせる</a:t>
             </a:r>
             <a:endParaRPr kumimoji="1" lang="en-US" altLang="ja-JP" sz="1200" dirty="0">
               <a:solidFill>
@@ -14851,6 +16035,302 @@
           </a:p>
         </p:txBody>
       </p:sp>
+      <p:sp>
+        <p:nvSpPr>
+          <p:cNvPr id="15" name="正方形/長方形 14">
+            <a:extLst>
+              <a:ext uri="{FF2B5EF4-FFF2-40B4-BE49-F238E27FC236}">
+                <a16:creationId xmlns:a16="http://schemas.microsoft.com/office/drawing/2014/main" id="{D12FD46E-682C-44C8-B4B4-772772CB095D}"/>
+              </a:ext>
+            </a:extLst>
+          </p:cNvPr>
+          <p:cNvSpPr/>
+          <p:nvPr/>
+        </p:nvSpPr>
+        <p:spPr>
+          <a:xfrm>
+            <a:off x="6892879" y="3428259"/>
+            <a:ext cx="1860495" cy="431347"/>
+          </a:xfrm>
+          <a:prstGeom prst="rect">
+            <a:avLst/>
+          </a:prstGeom>
+          <a:noFill/>
+          <a:ln>
+            <a:noFill/>
+          </a:ln>
+        </p:spPr>
+        <p:style>
+          <a:lnRef idx="2">
+            <a:schemeClr val="accent1">
+              <a:shade val="50000"/>
+            </a:schemeClr>
+          </a:lnRef>
+          <a:fillRef idx="1">
+            <a:schemeClr val="accent1"/>
+          </a:fillRef>
+          <a:effectRef idx="0">
+            <a:schemeClr val="accent1"/>
+          </a:effectRef>
+          <a:fontRef idx="minor">
+            <a:schemeClr val="lt1"/>
+          </a:fontRef>
+        </p:style>
+        <p:txBody>
+          <a:bodyPr rtlCol="0" anchor="ctr"/>
+          <a:lstStyle/>
+          <a:p>
+            <a:pPr>
+              <a:lnSpc>
+                <a:spcPct val="150000"/>
+              </a:lnSpc>
+            </a:pPr>
+            <a:r>
+              <a:rPr kumimoji="1" lang="en-US" altLang="ja-JP" sz="1200" dirty="0" smtClean="0">
+                <a:solidFill>
+                  <a:schemeClr val="bg1"/>
+                </a:solidFill>
+                <a:uFill>
+                  <a:solidFill>
+                    <a:schemeClr val="bg1"/>
+                  </a:solidFill>
+                </a:uFill>
+                <a:ea typeface="Meiryo UI" panose="020B0604030504040204" pitchFamily="50" charset="-128"/>
+              </a:rPr>
+              <a:t>.sl</a:t>
+            </a:r>
+            <a:r>
+              <a:rPr kumimoji="1" lang="en-US" altLang="ja-JP" sz="1200" dirty="0" smtClean="0">
+                <a:solidFill>
+                  <a:schemeClr val="bg1"/>
+                </a:solidFill>
+                <a:uFill>
+                  <a:solidFill>
+                    <a:schemeClr val="bg1"/>
+                  </a:solidFill>
+                </a:uFill>
+                <a:ea typeface="Meiryo UI" panose="020B0604030504040204" pitchFamily="50" charset="-128"/>
+              </a:rPr>
+              <a:t>ice()</a:t>
+            </a:r>
+            <a:r>
+              <a:rPr kumimoji="1" lang="ja-JP" altLang="en-US" sz="1200" dirty="0" smtClean="0">
+                <a:solidFill>
+                  <a:schemeClr val="bg1"/>
+                </a:solidFill>
+                <a:uFill>
+                  <a:solidFill>
+                    <a:schemeClr val="bg1"/>
+                  </a:solidFill>
+                </a:uFill>
+                <a:ea typeface="Meiryo UI" panose="020B0604030504040204" pitchFamily="50" charset="-128"/>
+              </a:rPr>
+              <a:t>を活用しスペースに</a:t>
+            </a:r>
+            <a:r>
+              <a:rPr kumimoji="1" lang="en-US" altLang="ja-JP" sz="1200" dirty="0" smtClean="0">
+                <a:solidFill>
+                  <a:schemeClr val="bg1"/>
+                </a:solidFill>
+                <a:uFill>
+                  <a:solidFill>
+                    <a:schemeClr val="bg1"/>
+                  </a:solidFill>
+                </a:uFill>
+                <a:ea typeface="Meiryo UI" panose="020B0604030504040204" pitchFamily="50" charset="-128"/>
+              </a:rPr>
+              <a:t/>
+            </a:r>
+            <a:br>
+              <a:rPr kumimoji="1" lang="en-US" altLang="ja-JP" sz="1200" dirty="0" smtClean="0">
+                <a:solidFill>
+                  <a:schemeClr val="bg1"/>
+                </a:solidFill>
+                <a:uFill>
+                  <a:solidFill>
+                    <a:schemeClr val="bg1"/>
+                  </a:solidFill>
+                </a:uFill>
+                <a:ea typeface="Meiryo UI" panose="020B0604030504040204" pitchFamily="50" charset="-128"/>
+              </a:rPr>
+            </a:br>
+            <a:r>
+              <a:rPr kumimoji="1" lang="ja-JP" altLang="en-US" sz="1200" dirty="0" smtClean="0">
+                <a:solidFill>
+                  <a:schemeClr val="bg1"/>
+                </a:solidFill>
+                <a:uFill>
+                  <a:solidFill>
+                    <a:schemeClr val="bg1"/>
+                  </a:solidFill>
+                </a:uFill>
+                <a:ea typeface="Meiryo UI" panose="020B0604030504040204" pitchFamily="50" charset="-128"/>
+              </a:rPr>
+              <a:t>文字を差し込んでいく</a:t>
+            </a:r>
+            <a:endParaRPr kumimoji="1" lang="en-US" altLang="ja-JP" sz="1200" dirty="0">
+              <a:solidFill>
+                <a:schemeClr val="bg1"/>
+              </a:solidFill>
+              <a:uFill>
+                <a:solidFill>
+                  <a:schemeClr val="bg1"/>
+                </a:solidFill>
+              </a:uFill>
+              <a:ea typeface="Meiryo UI" panose="020B0604030504040204" pitchFamily="50" charset="-128"/>
+            </a:endParaRPr>
+          </a:p>
+        </p:txBody>
+      </p:sp>
+      <p:cxnSp>
+        <p:nvCxnSpPr>
+          <p:cNvPr id="4" name="カギ線コネクタ 3"/>
+          <p:cNvCxnSpPr>
+            <a:stCxn id="14" idx="2"/>
+            <a:endCxn id="24" idx="0"/>
+          </p:cNvCxnSpPr>
+          <p:nvPr/>
+        </p:nvCxnSpPr>
+        <p:spPr>
+          <a:xfrm rot="5400000">
+            <a:off x="5568217" y="2360530"/>
+            <a:ext cx="209759" cy="2305530"/>
+          </a:xfrm>
+          <a:prstGeom prst="bentConnector3">
+            <a:avLst>
+              <a:gd name="adj1" fmla="val 50000"/>
+            </a:avLst>
+          </a:prstGeom>
+          <a:ln>
+            <a:solidFill>
+              <a:schemeClr val="bg1"/>
+            </a:solidFill>
+            <a:tailEnd type="arrow" w="sm" len="sm"/>
+          </a:ln>
+        </p:spPr>
+        <p:style>
+          <a:lnRef idx="1">
+            <a:schemeClr val="accent1"/>
+          </a:lnRef>
+          <a:fillRef idx="0">
+            <a:schemeClr val="accent1"/>
+          </a:fillRef>
+          <a:effectRef idx="0">
+            <a:schemeClr val="accent1"/>
+          </a:effectRef>
+          <a:fontRef idx="minor">
+            <a:schemeClr val="tx1"/>
+          </a:fontRef>
+        </p:style>
+      </p:cxnSp>
+      <p:sp>
+        <p:nvSpPr>
+          <p:cNvPr id="24" name="正方形/長方形 23">
+            <a:extLst>
+              <a:ext uri="{FF2B5EF4-FFF2-40B4-BE49-F238E27FC236}">
+                <a16:creationId xmlns:a16="http://schemas.microsoft.com/office/drawing/2014/main" id="{60796391-65CE-4169-A981-42E37CA1741A}"/>
+              </a:ext>
+            </a:extLst>
+          </p:cNvPr>
+          <p:cNvSpPr/>
+          <p:nvPr/>
+        </p:nvSpPr>
+        <p:spPr>
+          <a:xfrm>
+            <a:off x="3773691" y="3618175"/>
+            <a:ext cx="1493280" cy="317400"/>
+          </a:xfrm>
+          <a:prstGeom prst="rect">
+            <a:avLst/>
+          </a:prstGeom>
+          <a:noFill/>
+          <a:ln>
+            <a:noFill/>
+          </a:ln>
+        </p:spPr>
+        <p:style>
+          <a:lnRef idx="2">
+            <a:schemeClr val="accent1">
+              <a:shade val="50000"/>
+            </a:schemeClr>
+          </a:lnRef>
+          <a:fillRef idx="1">
+            <a:schemeClr val="accent1"/>
+          </a:fillRef>
+          <a:effectRef idx="0">
+            <a:schemeClr val="accent1"/>
+          </a:effectRef>
+          <a:fontRef idx="minor">
+            <a:schemeClr val="lt1"/>
+          </a:fontRef>
+        </p:style>
+        <p:txBody>
+          <a:bodyPr rtlCol="0" anchor="ctr"/>
+          <a:lstStyle/>
+          <a:p>
+            <a:pPr algn="ctr">
+              <a:lnSpc>
+                <a:spcPct val="150000"/>
+              </a:lnSpc>
+            </a:pPr>
+            <a:endParaRPr kumimoji="1" lang="en-US" altLang="ja-JP" sz="1200" dirty="0">
+              <a:solidFill>
+                <a:schemeClr val="bg1"/>
+              </a:solidFill>
+              <a:uFill>
+                <a:solidFill>
+                  <a:schemeClr val="bg1"/>
+                </a:solidFill>
+              </a:uFill>
+              <a:ea typeface="Meiryo UI" panose="020B0604030504040204" pitchFamily="50" charset="-128"/>
+            </a:endParaRPr>
+          </a:p>
+        </p:txBody>
+      </p:sp>
+      <p:cxnSp>
+        <p:nvCxnSpPr>
+          <p:cNvPr id="31" name="直線矢印コネクタ 30">
+            <a:extLst>
+              <a:ext uri="{FF2B5EF4-FFF2-40B4-BE49-F238E27FC236}">
+                <a16:creationId xmlns:a16="http://schemas.microsoft.com/office/drawing/2014/main" id="{A7B61A47-12EE-44CB-AE86-ADE8D2ED442B}"/>
+              </a:ext>
+            </a:extLst>
+          </p:cNvPr>
+          <p:cNvCxnSpPr>
+            <a:cxnSpLocks/>
+          </p:cNvCxnSpPr>
+          <p:nvPr/>
+        </p:nvCxnSpPr>
+        <p:spPr>
+          <a:xfrm flipV="1">
+            <a:off x="3708218" y="4420816"/>
+            <a:ext cx="0" cy="9601"/>
+          </a:xfrm>
+          <a:prstGeom prst="straightConnector1">
+            <a:avLst/>
+          </a:prstGeom>
+          <a:ln w="12700">
+            <a:solidFill>
+              <a:schemeClr val="bg1"/>
+            </a:solidFill>
+            <a:tailEnd type="arrow" w="sm" len="sm"/>
+          </a:ln>
+        </p:spPr>
+        <p:style>
+          <a:lnRef idx="1">
+            <a:schemeClr val="accent1"/>
+          </a:lnRef>
+          <a:fillRef idx="0">
+            <a:schemeClr val="accent1"/>
+          </a:fillRef>
+          <a:effectRef idx="0">
+            <a:schemeClr val="accent1"/>
+          </a:effectRef>
+          <a:fontRef idx="minor">
+            <a:schemeClr val="tx1"/>
+          </a:fontRef>
+        </p:style>
+      </p:cxnSp>
     </p:spTree>
     <p:extLst>
       <p:ext uri="{BB962C8B-B14F-4D97-AF65-F5344CB8AC3E}">
@@ -14869,10 +16349,299 @@
       <p:transition/>
     </mc:Fallback>
   </mc:AlternateContent>
+  <p:timing>
+    <p:tnLst>
+      <p:par>
+        <p:cTn id="1" dur="indefinite" restart="never" nodeType="tmRoot"/>
+      </p:par>
+    </p:tnLst>
+  </p:timing>
 </p:sld>
 </file>
 
 <file path=ppt/slides/slide5.xml><?xml version="1.0" encoding="utf-8"?>
+<p:sld xmlns:a="http://schemas.openxmlformats.org/drawingml/2006/main" xmlns:r="http://schemas.openxmlformats.org/officeDocument/2006/relationships" xmlns:p="http://schemas.openxmlformats.org/presentationml/2006/main">
+  <p:cSld>
+    <p:spTree>
+      <p:nvGrpSpPr>
+        <p:cNvPr id="1" name="Shape 468"/>
+        <p:cNvGrpSpPr/>
+        <p:nvPr/>
+      </p:nvGrpSpPr>
+      <p:grpSpPr>
+        <a:xfrm>
+          <a:off x="0" y="0"/>
+          <a:ext cx="0" cy="0"/>
+          <a:chOff x="0" y="0"/>
+          <a:chExt cx="0" cy="0"/>
+        </a:xfrm>
+      </p:grpSpPr>
+      <p:sp>
+        <p:nvSpPr>
+          <p:cNvPr id="469" name="Google Shape;469;p14"/>
+          <p:cNvSpPr txBox="1">
+            <a:spLocks noGrp="1"/>
+          </p:cNvSpPr>
+          <p:nvPr>
+            <p:ph type="title"/>
+          </p:nvPr>
+        </p:nvSpPr>
+        <p:spPr>
+          <a:xfrm>
+            <a:off x="1047750" y="100725"/>
+            <a:ext cx="6996600" cy="715800"/>
+          </a:xfrm>
+          <a:prstGeom prst="rect">
+            <a:avLst/>
+          </a:prstGeom>
+        </p:spPr>
+        <p:txBody>
+          <a:bodyPr spcFirstLastPara="1" wrap="square" lIns="91425" tIns="91425" rIns="91425" bIns="91425" anchor="b" anchorCtr="0">
+            <a:noAutofit/>
+          </a:bodyPr>
+          <a:lstStyle/>
+          <a:p>
+            <a:pPr marL="0" lvl="0" indent="0" algn="ctr" rtl="0">
+              <a:spcBef>
+                <a:spcPts val="0"/>
+              </a:spcBef>
+              <a:spcAft>
+                <a:spcPts val="0"/>
+              </a:spcAft>
+              <a:buNone/>
+            </a:pPr>
+            <a:r>
+              <a:rPr lang="ja-JP" altLang="en-US" sz="2800" b="0" spc="600" dirty="0" smtClean="0">
+                <a:latin typeface="Meiryo UI" panose="020B0604030504040204" pitchFamily="50" charset="-128"/>
+                <a:ea typeface="Meiryo UI" panose="020B0604030504040204" pitchFamily="50" charset="-128"/>
+              </a:rPr>
+              <a:t>研修を通して</a:t>
+            </a:r>
+            <a:endParaRPr sz="2800" b="0" spc="600" dirty="0">
+              <a:latin typeface="Meiryo UI" panose="020B0604030504040204" pitchFamily="50" charset="-128"/>
+              <a:ea typeface="Meiryo UI" panose="020B0604030504040204" pitchFamily="50" charset="-128"/>
+            </a:endParaRPr>
+          </a:p>
+        </p:txBody>
+      </p:sp>
+      <p:sp>
+        <p:nvSpPr>
+          <p:cNvPr id="19" name="Google Shape;473;p14">
+            <a:extLst>
+              <a:ext uri="{FF2B5EF4-FFF2-40B4-BE49-F238E27FC236}">
+                <a16:creationId xmlns:a16="http://schemas.microsoft.com/office/drawing/2014/main" id="{9BECA9E9-4911-4801-A66F-0912A5C5F33E}"/>
+              </a:ext>
+            </a:extLst>
+          </p:cNvPr>
+          <p:cNvSpPr txBox="1">
+            <a:spLocks noGrp="1"/>
+          </p:cNvSpPr>
+          <p:nvPr>
+            <p:ph type="sldNum" idx="12"/>
+          </p:nvPr>
+        </p:nvSpPr>
+        <p:spPr>
+          <a:xfrm>
+            <a:off x="8556775" y="4826200"/>
+            <a:ext cx="548700" cy="317400"/>
+          </a:xfrm>
+          <a:prstGeom prst="rect">
+            <a:avLst/>
+          </a:prstGeom>
+        </p:spPr>
+        <p:txBody>
+          <a:bodyPr spcFirstLastPara="1" wrap="square" lIns="91425" tIns="91425" rIns="91425" bIns="91425" anchor="t" anchorCtr="0">
+            <a:noAutofit/>
+          </a:bodyPr>
+          <a:lstStyle/>
+          <a:p>
+            <a:pPr marL="0" lvl="0" indent="0" algn="r" rtl="0">
+              <a:spcBef>
+                <a:spcPts val="0"/>
+              </a:spcBef>
+              <a:spcAft>
+                <a:spcPts val="0"/>
+              </a:spcAft>
+              <a:buNone/>
+            </a:pPr>
+            <a:fld id="{00000000-1234-1234-1234-123412341234}" type="slidenum">
+              <a:rPr lang="en"/>
+              <a:t>5</a:t>
+            </a:fld>
+            <a:endParaRPr/>
+          </a:p>
+        </p:txBody>
+      </p:sp>
+      <p:sp>
+        <p:nvSpPr>
+          <p:cNvPr id="18" name="正方形/長方形 17">
+            <a:extLst>
+              <a:ext uri="{FF2B5EF4-FFF2-40B4-BE49-F238E27FC236}">
+                <a16:creationId xmlns:a16="http://schemas.microsoft.com/office/drawing/2014/main" id="{5BC01E89-B6DF-4455-9CAD-4A78849424FC}"/>
+              </a:ext>
+            </a:extLst>
+          </p:cNvPr>
+          <p:cNvSpPr/>
+          <p:nvPr/>
+        </p:nvSpPr>
+        <p:spPr>
+          <a:xfrm>
+            <a:off x="2169273" y="1114425"/>
+            <a:ext cx="4805454" cy="2600325"/>
+          </a:xfrm>
+          <a:prstGeom prst="rect">
+            <a:avLst/>
+          </a:prstGeom>
+          <a:noFill/>
+          <a:ln>
+            <a:noFill/>
+          </a:ln>
+        </p:spPr>
+        <p:style>
+          <a:lnRef idx="2">
+            <a:schemeClr val="accent1">
+              <a:shade val="50000"/>
+            </a:schemeClr>
+          </a:lnRef>
+          <a:fillRef idx="1">
+            <a:schemeClr val="accent1"/>
+          </a:fillRef>
+          <a:effectRef idx="0">
+            <a:schemeClr val="accent1"/>
+          </a:effectRef>
+          <a:fontRef idx="minor">
+            <a:schemeClr val="lt1"/>
+          </a:fontRef>
+        </p:style>
+        <p:txBody>
+          <a:bodyPr rtlCol="0" anchor="ctr"/>
+          <a:lstStyle/>
+          <a:p>
+            <a:pPr marL="342900" indent="-342900">
+              <a:lnSpc>
+                <a:spcPct val="300000"/>
+              </a:lnSpc>
+              <a:buClr>
+                <a:schemeClr val="tx1"/>
+              </a:buClr>
+              <a:buFont typeface="Arial" panose="020B0604020202020204" pitchFamily="34" charset="0"/>
+              <a:buChar char="•"/>
+              <a:tabLst>
+                <a:tab pos="185738" algn="l"/>
+              </a:tabLst>
+            </a:pPr>
+            <a:r>
+              <a:rPr kumimoji="1" lang="ja-JP" altLang="en-US" sz="2000" dirty="0" smtClean="0">
+                <a:solidFill>
+                  <a:schemeClr val="tx1">
+                    <a:lumMod val="85000"/>
+                    <a:lumOff val="15000"/>
+                  </a:schemeClr>
+                </a:solidFill>
+              </a:rPr>
+              <a:t>自分で色々調べ、実装する癖がついた</a:t>
+            </a:r>
+            <a:endParaRPr kumimoji="1" lang="en-US" altLang="ja-JP" sz="2000" dirty="0" smtClean="0">
+              <a:solidFill>
+                <a:schemeClr val="tx1">
+                  <a:lumMod val="85000"/>
+                  <a:lumOff val="15000"/>
+                </a:schemeClr>
+              </a:solidFill>
+            </a:endParaRPr>
+          </a:p>
+          <a:p>
+            <a:pPr marL="342900" indent="-342900">
+              <a:lnSpc>
+                <a:spcPct val="300000"/>
+              </a:lnSpc>
+              <a:buClr>
+                <a:schemeClr val="tx1"/>
+              </a:buClr>
+              <a:buFont typeface="Arial" panose="020B0604020202020204" pitchFamily="34" charset="0"/>
+              <a:buChar char="•"/>
+              <a:tabLst>
+                <a:tab pos="185738" algn="l"/>
+              </a:tabLst>
+            </a:pPr>
+            <a:r>
+              <a:rPr kumimoji="1" lang="ja-JP" altLang="en-US" sz="2000" dirty="0" smtClean="0">
+                <a:solidFill>
+                  <a:schemeClr val="tx1">
+                    <a:lumMod val="85000"/>
+                    <a:lumOff val="15000"/>
+                  </a:schemeClr>
+                </a:solidFill>
+              </a:rPr>
+              <a:t>形ができると楽しい</a:t>
+            </a:r>
+            <a:endParaRPr kumimoji="1" lang="en-US" altLang="ja-JP" sz="2000" dirty="0" smtClean="0">
+              <a:solidFill>
+                <a:schemeClr val="tx1">
+                  <a:lumMod val="85000"/>
+                  <a:lumOff val="15000"/>
+                </a:schemeClr>
+              </a:solidFill>
+            </a:endParaRPr>
+          </a:p>
+          <a:p>
+            <a:pPr marL="342900" indent="-342900">
+              <a:lnSpc>
+                <a:spcPct val="300000"/>
+              </a:lnSpc>
+              <a:buClr>
+                <a:schemeClr val="tx1"/>
+              </a:buClr>
+              <a:buFont typeface="Arial" panose="020B0604020202020204" pitchFamily="34" charset="0"/>
+              <a:buChar char="•"/>
+              <a:tabLst>
+                <a:tab pos="185738" algn="l"/>
+              </a:tabLst>
+            </a:pPr>
+            <a:r>
+              <a:rPr kumimoji="1" lang="ja-JP" altLang="en-US" sz="2000" dirty="0" smtClean="0">
+                <a:solidFill>
+                  <a:schemeClr val="tx1">
+                    <a:lumMod val="85000"/>
+                    <a:lumOff val="15000"/>
+                  </a:schemeClr>
+                </a:solidFill>
+              </a:rPr>
+              <a:t>今後は、実用的なアプリを作成したい</a:t>
+            </a:r>
+            <a:endParaRPr kumimoji="1" lang="ja-JP" altLang="en-US" sz="2000" dirty="0">
+              <a:solidFill>
+                <a:schemeClr val="tx1">
+                  <a:lumMod val="85000"/>
+                  <a:lumOff val="15000"/>
+                </a:schemeClr>
+              </a:solidFill>
+            </a:endParaRPr>
+          </a:p>
+        </p:txBody>
+      </p:sp>
+    </p:spTree>
+    <p:extLst>
+      <p:ext uri="{BB962C8B-B14F-4D97-AF65-F5344CB8AC3E}">
+        <p14:creationId xmlns:p14="http://schemas.microsoft.com/office/powerpoint/2010/main" val="1320020191"/>
+      </p:ext>
+    </p:extLst>
+  </p:cSld>
+  <p:clrMapOvr>
+    <a:masterClrMapping/>
+  </p:clrMapOvr>
+  <mc:AlternateContent xmlns:mc="http://schemas.openxmlformats.org/markup-compatibility/2006" xmlns:p14="http://schemas.microsoft.com/office/powerpoint/2010/main">
+    <mc:Choice Requires="p14">
+      <p:transition p14:dur="10"/>
+    </mc:Choice>
+    <mc:Fallback xmlns="">
+      <p:transition/>
+    </mc:Fallback>
+  </mc:AlternateContent>
+</p:sld>
+</file>
+
+<file path=ppt/slides/slide6.xml><?xml version="1.0" encoding="utf-8"?>
 <p:sld xmlns:a="http://schemas.openxmlformats.org/drawingml/2006/main" xmlns:r="http://schemas.openxmlformats.org/officeDocument/2006/relationships" xmlns:p="http://schemas.openxmlformats.org/presentationml/2006/main" show="0">
   <p:cSld>
     <p:spTree>
@@ -14973,7 +16742,7 @@
             </a:pPr>
             <a:fld id="{00000000-1234-1234-1234-123412341234}" type="slidenum">
               <a:rPr lang="en"/>
-              <a:t>5</a:t>
+              <a:t>6</a:t>
             </a:fld>
             <a:endParaRPr/>
           </a:p>
@@ -17046,6 +18815,16 @@
               </a:rPr>
               <a:t>今回</a:t>
             </a:r>
+            <a:r>
+              <a:rPr kumimoji="1" lang="en-US" altLang="ja-JP" dirty="0">
+                <a:solidFill>
+                  <a:schemeClr val="accent1"/>
+                </a:solidFill>
+                <a:latin typeface="Meiryo UI" panose="020B0604030504040204" pitchFamily="50" charset="-128"/>
+                <a:ea typeface="Meiryo UI" panose="020B0604030504040204" pitchFamily="50" charset="-128"/>
+              </a:rPr>
+              <a:t/>
+            </a:r>
             <a:br>
               <a:rPr kumimoji="1" lang="en-US" altLang="ja-JP" dirty="0">
                 <a:solidFill>
@@ -17188,6 +18967,14 @@
   <p:clrMapOvr>
     <a:masterClrMapping/>
   </p:clrMapOvr>
+  <mc:AlternateContent xmlns:mc="http://schemas.openxmlformats.org/markup-compatibility/2006" xmlns:p14="http://schemas.microsoft.com/office/powerpoint/2010/main">
+    <mc:Choice Requires="p14">
+      <p:transition spd="slow" p14:dur="2000"/>
+    </mc:Choice>
+    <mc:Fallback xmlns="">
+      <p:transition spd="slow"/>
+    </mc:Fallback>
+  </mc:AlternateContent>
 </p:sld>
 </file>
 
